--- a/z.ReadMeAssets/UTAH Github.pptx
+++ b/z.ReadMeAssets/UTAH Github.pptx
@@ -4,9 +4,16 @@
   <p:sldMasterIdLst>
     <p:sldMasterId id="2147483648" r:id="rId1"/>
   </p:sldMasterIdLst>
+  <p:notesMasterIdLst>
+    <p:notesMasterId r:id="rId8"/>
+  </p:notesMasterIdLst>
   <p:sldIdLst>
     <p:sldId id="256" r:id="rId2"/>
     <p:sldId id="257" r:id="rId3"/>
+    <p:sldId id="259" r:id="rId4"/>
+    <p:sldId id="261" r:id="rId5"/>
+    <p:sldId id="260" r:id="rId6"/>
+    <p:sldId id="258" r:id="rId7"/>
   </p:sldIdLst>
   <p:sldSz cx="12192000" cy="6858000"/>
   <p:notesSz cx="6858000" cy="9144000"/>
@@ -105,7 +112,529 @@
       </a:defRPr>
     </a:lvl9pPr>
   </p:defaultTextStyle>
+  <p:extLst>
+    <p:ext uri="{EFAFB233-063F-42B5-8137-9DF3F51BA10A}">
+      <p15:sldGuideLst xmlns:p15="http://schemas.microsoft.com/office/powerpoint/2012/main"/>
+    </p:ext>
+  </p:extLst>
 </p:presentation>
+</file>
+
+<file path=ppt/notesMasters/notesMaster1.xml><?xml version="1.0" encoding="utf-8"?>
+<p:notesMaster xmlns:a="http://schemas.openxmlformats.org/drawingml/2006/main" xmlns:r="http://schemas.openxmlformats.org/officeDocument/2006/relationships" xmlns:p="http://schemas.openxmlformats.org/presentationml/2006/main">
+  <p:cSld>
+    <p:bg>
+      <p:bgRef idx="1001">
+        <a:schemeClr val="bg1"/>
+      </p:bgRef>
+    </p:bg>
+    <p:spTree>
+      <p:nvGrpSpPr>
+        <p:cNvPr id="1" name=""/>
+        <p:cNvGrpSpPr/>
+        <p:nvPr/>
+      </p:nvGrpSpPr>
+      <p:grpSpPr>
+        <a:xfrm>
+          <a:off x="0" y="0"/>
+          <a:ext cx="0" cy="0"/>
+          <a:chOff x="0" y="0"/>
+          <a:chExt cx="0" cy="0"/>
+        </a:xfrm>
+      </p:grpSpPr>
+      <p:sp>
+        <p:nvSpPr>
+          <p:cNvPr id="2" name="Header Placeholder 1"/>
+          <p:cNvSpPr>
+            <a:spLocks noGrp="1"/>
+          </p:cNvSpPr>
+          <p:nvPr>
+            <p:ph type="hdr" sz="quarter"/>
+          </p:nvPr>
+        </p:nvSpPr>
+        <p:spPr>
+          <a:xfrm>
+            <a:off x="0" y="0"/>
+            <a:ext cx="2971800" cy="458788"/>
+          </a:xfrm>
+          <a:prstGeom prst="rect">
+            <a:avLst/>
+          </a:prstGeom>
+        </p:spPr>
+        <p:txBody>
+          <a:bodyPr vert="horz" lIns="91440" tIns="45720" rIns="91440" bIns="45720" rtlCol="0"/>
+          <a:lstStyle>
+            <a:lvl1pPr algn="l">
+              <a:defRPr sz="1200"/>
+            </a:lvl1pPr>
+          </a:lstStyle>
+          <a:p>
+            <a:endParaRPr lang="en-US"/>
+          </a:p>
+        </p:txBody>
+      </p:sp>
+      <p:sp>
+        <p:nvSpPr>
+          <p:cNvPr id="3" name="Date Placeholder 2"/>
+          <p:cNvSpPr>
+            <a:spLocks noGrp="1"/>
+          </p:cNvSpPr>
+          <p:nvPr>
+            <p:ph type="dt" idx="1"/>
+          </p:nvPr>
+        </p:nvSpPr>
+        <p:spPr>
+          <a:xfrm>
+            <a:off x="3884613" y="0"/>
+            <a:ext cx="2971800" cy="458788"/>
+          </a:xfrm>
+          <a:prstGeom prst="rect">
+            <a:avLst/>
+          </a:prstGeom>
+        </p:spPr>
+        <p:txBody>
+          <a:bodyPr vert="horz" lIns="91440" tIns="45720" rIns="91440" bIns="45720" rtlCol="0"/>
+          <a:lstStyle>
+            <a:lvl1pPr algn="r">
+              <a:defRPr sz="1200"/>
+            </a:lvl1pPr>
+          </a:lstStyle>
+          <a:p>
+            <a:fld id="{04582CF4-A7C7-40D5-AF5D-0DB3FDDFD596}" type="datetimeFigureOut">
+              <a:rPr lang="en-US" smtClean="0"/>
+              <a:t>9/10/2024</a:t>
+            </a:fld>
+            <a:endParaRPr lang="en-US"/>
+          </a:p>
+        </p:txBody>
+      </p:sp>
+      <p:sp>
+        <p:nvSpPr>
+          <p:cNvPr id="4" name="Slide Image Placeholder 3"/>
+          <p:cNvSpPr>
+            <a:spLocks noGrp="1" noRot="1" noChangeAspect="1"/>
+          </p:cNvSpPr>
+          <p:nvPr>
+            <p:ph type="sldImg" idx="2"/>
+          </p:nvPr>
+        </p:nvSpPr>
+        <p:spPr>
+          <a:xfrm>
+            <a:off x="685800" y="1143000"/>
+            <a:ext cx="5486400" cy="3086100"/>
+          </a:xfrm>
+          <a:prstGeom prst="rect">
+            <a:avLst/>
+          </a:prstGeom>
+          <a:noFill/>
+          <a:ln w="12700">
+            <a:solidFill>
+              <a:prstClr val="black"/>
+            </a:solidFill>
+          </a:ln>
+        </p:spPr>
+        <p:txBody>
+          <a:bodyPr vert="horz" lIns="91440" tIns="45720" rIns="91440" bIns="45720" rtlCol="0" anchor="ctr"/>
+          <a:lstStyle/>
+          <a:p>
+            <a:endParaRPr lang="en-US"/>
+          </a:p>
+        </p:txBody>
+      </p:sp>
+      <p:sp>
+        <p:nvSpPr>
+          <p:cNvPr id="5" name="Notes Placeholder 4"/>
+          <p:cNvSpPr>
+            <a:spLocks noGrp="1"/>
+          </p:cNvSpPr>
+          <p:nvPr>
+            <p:ph type="body" sz="quarter" idx="3"/>
+          </p:nvPr>
+        </p:nvSpPr>
+        <p:spPr>
+          <a:xfrm>
+            <a:off x="685800" y="4400550"/>
+            <a:ext cx="5486400" cy="3600450"/>
+          </a:xfrm>
+          <a:prstGeom prst="rect">
+            <a:avLst/>
+          </a:prstGeom>
+        </p:spPr>
+        <p:txBody>
+          <a:bodyPr vert="horz" lIns="91440" tIns="45720" rIns="91440" bIns="45720" rtlCol="0"/>
+          <a:lstStyle/>
+          <a:p>
+            <a:pPr lvl="0"/>
+            <a:r>
+              <a:rPr lang="en-US"/>
+              <a:t>Click to edit Master text styles</a:t>
+            </a:r>
+          </a:p>
+          <a:p>
+            <a:pPr lvl="1"/>
+            <a:r>
+              <a:rPr lang="en-US"/>
+              <a:t>Second level</a:t>
+            </a:r>
+          </a:p>
+          <a:p>
+            <a:pPr lvl="2"/>
+            <a:r>
+              <a:rPr lang="en-US"/>
+              <a:t>Third level</a:t>
+            </a:r>
+          </a:p>
+          <a:p>
+            <a:pPr lvl="3"/>
+            <a:r>
+              <a:rPr lang="en-US"/>
+              <a:t>Fourth level</a:t>
+            </a:r>
+          </a:p>
+          <a:p>
+            <a:pPr lvl="4"/>
+            <a:r>
+              <a:rPr lang="en-US"/>
+              <a:t>Fifth level</a:t>
+            </a:r>
+          </a:p>
+        </p:txBody>
+      </p:sp>
+      <p:sp>
+        <p:nvSpPr>
+          <p:cNvPr id="6" name="Footer Placeholder 5"/>
+          <p:cNvSpPr>
+            <a:spLocks noGrp="1"/>
+          </p:cNvSpPr>
+          <p:nvPr>
+            <p:ph type="ftr" sz="quarter" idx="4"/>
+          </p:nvPr>
+        </p:nvSpPr>
+        <p:spPr>
+          <a:xfrm>
+            <a:off x="0" y="8685213"/>
+            <a:ext cx="2971800" cy="458787"/>
+          </a:xfrm>
+          <a:prstGeom prst="rect">
+            <a:avLst/>
+          </a:prstGeom>
+        </p:spPr>
+        <p:txBody>
+          <a:bodyPr vert="horz" lIns="91440" tIns="45720" rIns="91440" bIns="45720" rtlCol="0" anchor="b"/>
+          <a:lstStyle>
+            <a:lvl1pPr algn="l">
+              <a:defRPr sz="1200"/>
+            </a:lvl1pPr>
+          </a:lstStyle>
+          <a:p>
+            <a:endParaRPr lang="en-US"/>
+          </a:p>
+        </p:txBody>
+      </p:sp>
+      <p:sp>
+        <p:nvSpPr>
+          <p:cNvPr id="7" name="Slide Number Placeholder 6"/>
+          <p:cNvSpPr>
+            <a:spLocks noGrp="1"/>
+          </p:cNvSpPr>
+          <p:nvPr>
+            <p:ph type="sldNum" sz="quarter" idx="5"/>
+          </p:nvPr>
+        </p:nvSpPr>
+        <p:spPr>
+          <a:xfrm>
+            <a:off x="3884613" y="8685213"/>
+            <a:ext cx="2971800" cy="458787"/>
+          </a:xfrm>
+          <a:prstGeom prst="rect">
+            <a:avLst/>
+          </a:prstGeom>
+        </p:spPr>
+        <p:txBody>
+          <a:bodyPr vert="horz" lIns="91440" tIns="45720" rIns="91440" bIns="45720" rtlCol="0" anchor="b"/>
+          <a:lstStyle>
+            <a:lvl1pPr algn="r">
+              <a:defRPr sz="1200"/>
+            </a:lvl1pPr>
+          </a:lstStyle>
+          <a:p>
+            <a:fld id="{9F0F80DF-4339-461A-A043-8CE932657946}" type="slidenum">
+              <a:rPr lang="en-US" smtClean="0"/>
+              <a:t>‹#›</a:t>
+            </a:fld>
+            <a:endParaRPr lang="en-US"/>
+          </a:p>
+        </p:txBody>
+      </p:sp>
+    </p:spTree>
+    <p:extLst>
+      <p:ext uri="{BB962C8B-B14F-4D97-AF65-F5344CB8AC3E}">
+        <p14:creationId xmlns:p14="http://schemas.microsoft.com/office/powerpoint/2010/main" val="3110607982"/>
+      </p:ext>
+    </p:extLst>
+  </p:cSld>
+  <p:clrMap bg1="lt1" tx1="dk1" bg2="lt2" tx2="dk2" accent1="accent1" accent2="accent2" accent3="accent3" accent4="accent4" accent5="accent5" accent6="accent6" hlink="hlink" folHlink="folHlink"/>
+  <p:notesStyle>
+    <a:lvl1pPr marL="0" algn="l" defTabSz="914400" rtl="0" eaLnBrk="1" latinLnBrk="0" hangingPunct="1">
+      <a:defRPr sz="1200" kern="1200">
+        <a:solidFill>
+          <a:schemeClr val="tx1"/>
+        </a:solidFill>
+        <a:latin typeface="+mn-lt"/>
+        <a:ea typeface="+mn-ea"/>
+        <a:cs typeface="+mn-cs"/>
+      </a:defRPr>
+    </a:lvl1pPr>
+    <a:lvl2pPr marL="457200" algn="l" defTabSz="914400" rtl="0" eaLnBrk="1" latinLnBrk="0" hangingPunct="1">
+      <a:defRPr sz="1200" kern="1200">
+        <a:solidFill>
+          <a:schemeClr val="tx1"/>
+        </a:solidFill>
+        <a:latin typeface="+mn-lt"/>
+        <a:ea typeface="+mn-ea"/>
+        <a:cs typeface="+mn-cs"/>
+      </a:defRPr>
+    </a:lvl2pPr>
+    <a:lvl3pPr marL="914400" algn="l" defTabSz="914400" rtl="0" eaLnBrk="1" latinLnBrk="0" hangingPunct="1">
+      <a:defRPr sz="1200" kern="1200">
+        <a:solidFill>
+          <a:schemeClr val="tx1"/>
+        </a:solidFill>
+        <a:latin typeface="+mn-lt"/>
+        <a:ea typeface="+mn-ea"/>
+        <a:cs typeface="+mn-cs"/>
+      </a:defRPr>
+    </a:lvl3pPr>
+    <a:lvl4pPr marL="1371600" algn="l" defTabSz="914400" rtl="0" eaLnBrk="1" latinLnBrk="0" hangingPunct="1">
+      <a:defRPr sz="1200" kern="1200">
+        <a:solidFill>
+          <a:schemeClr val="tx1"/>
+        </a:solidFill>
+        <a:latin typeface="+mn-lt"/>
+        <a:ea typeface="+mn-ea"/>
+        <a:cs typeface="+mn-cs"/>
+      </a:defRPr>
+    </a:lvl4pPr>
+    <a:lvl5pPr marL="1828800" algn="l" defTabSz="914400" rtl="0" eaLnBrk="1" latinLnBrk="0" hangingPunct="1">
+      <a:defRPr sz="1200" kern="1200">
+        <a:solidFill>
+          <a:schemeClr val="tx1"/>
+        </a:solidFill>
+        <a:latin typeface="+mn-lt"/>
+        <a:ea typeface="+mn-ea"/>
+        <a:cs typeface="+mn-cs"/>
+      </a:defRPr>
+    </a:lvl5pPr>
+    <a:lvl6pPr marL="2286000" algn="l" defTabSz="914400" rtl="0" eaLnBrk="1" latinLnBrk="0" hangingPunct="1">
+      <a:defRPr sz="1200" kern="1200">
+        <a:solidFill>
+          <a:schemeClr val="tx1"/>
+        </a:solidFill>
+        <a:latin typeface="+mn-lt"/>
+        <a:ea typeface="+mn-ea"/>
+        <a:cs typeface="+mn-cs"/>
+      </a:defRPr>
+    </a:lvl6pPr>
+    <a:lvl7pPr marL="2743200" algn="l" defTabSz="914400" rtl="0" eaLnBrk="1" latinLnBrk="0" hangingPunct="1">
+      <a:defRPr sz="1200" kern="1200">
+        <a:solidFill>
+          <a:schemeClr val="tx1"/>
+        </a:solidFill>
+        <a:latin typeface="+mn-lt"/>
+        <a:ea typeface="+mn-ea"/>
+        <a:cs typeface="+mn-cs"/>
+      </a:defRPr>
+    </a:lvl7pPr>
+    <a:lvl8pPr marL="3200400" algn="l" defTabSz="914400" rtl="0" eaLnBrk="1" latinLnBrk="0" hangingPunct="1">
+      <a:defRPr sz="1200" kern="1200">
+        <a:solidFill>
+          <a:schemeClr val="tx1"/>
+        </a:solidFill>
+        <a:latin typeface="+mn-lt"/>
+        <a:ea typeface="+mn-ea"/>
+        <a:cs typeface="+mn-cs"/>
+      </a:defRPr>
+    </a:lvl8pPr>
+    <a:lvl9pPr marL="3657600" algn="l" defTabSz="914400" rtl="0" eaLnBrk="1" latinLnBrk="0" hangingPunct="1">
+      <a:defRPr sz="1200" kern="1200">
+        <a:solidFill>
+          <a:schemeClr val="tx1"/>
+        </a:solidFill>
+        <a:latin typeface="+mn-lt"/>
+        <a:ea typeface="+mn-ea"/>
+        <a:cs typeface="+mn-cs"/>
+      </a:defRPr>
+    </a:lvl9pPr>
+  </p:notesStyle>
+</p:notesMaster>
+</file>
+
+<file path=ppt/notesSlides/notesSlide1.xml><?xml version="1.0" encoding="utf-8"?>
+<p:notes xmlns:a="http://schemas.openxmlformats.org/drawingml/2006/main" xmlns:r="http://schemas.openxmlformats.org/officeDocument/2006/relationships" xmlns:p="http://schemas.openxmlformats.org/presentationml/2006/main">
+  <p:cSld>
+    <p:spTree>
+      <p:nvGrpSpPr>
+        <p:cNvPr id="1" name=""/>
+        <p:cNvGrpSpPr/>
+        <p:nvPr/>
+      </p:nvGrpSpPr>
+      <p:grpSpPr>
+        <a:xfrm>
+          <a:off x="0" y="0"/>
+          <a:ext cx="0" cy="0"/>
+          <a:chOff x="0" y="0"/>
+          <a:chExt cx="0" cy="0"/>
+        </a:xfrm>
+      </p:grpSpPr>
+      <p:sp>
+        <p:nvSpPr>
+          <p:cNvPr id="2" name="Slide Image Placeholder 1"/>
+          <p:cNvSpPr>
+            <a:spLocks noGrp="1" noRot="1" noChangeAspect="1"/>
+          </p:cNvSpPr>
+          <p:nvPr>
+            <p:ph type="sldImg"/>
+          </p:nvPr>
+        </p:nvSpPr>
+        <p:spPr/>
+      </p:sp>
+      <p:sp>
+        <p:nvSpPr>
+          <p:cNvPr id="3" name="Notes Placeholder 2"/>
+          <p:cNvSpPr>
+            <a:spLocks noGrp="1"/>
+          </p:cNvSpPr>
+          <p:nvPr>
+            <p:ph type="body" idx="1"/>
+          </p:nvPr>
+        </p:nvSpPr>
+        <p:spPr/>
+        <p:txBody>
+          <a:bodyPr/>
+          <a:lstStyle/>
+          <a:p>
+            <a:endParaRPr lang="en-US" dirty="0"/>
+          </a:p>
+        </p:txBody>
+      </p:sp>
+      <p:sp>
+        <p:nvSpPr>
+          <p:cNvPr id="4" name="Slide Number Placeholder 3"/>
+          <p:cNvSpPr>
+            <a:spLocks noGrp="1"/>
+          </p:cNvSpPr>
+          <p:nvPr>
+            <p:ph type="sldNum" sz="quarter" idx="5"/>
+          </p:nvPr>
+        </p:nvSpPr>
+        <p:spPr/>
+        <p:txBody>
+          <a:bodyPr/>
+          <a:lstStyle/>
+          <a:p>
+            <a:fld id="{9F0F80DF-4339-461A-A043-8CE932657946}" type="slidenum">
+              <a:rPr lang="en-US" smtClean="0"/>
+              <a:t>3</a:t>
+            </a:fld>
+            <a:endParaRPr lang="en-US"/>
+          </a:p>
+        </p:txBody>
+      </p:sp>
+    </p:spTree>
+    <p:extLst>
+      <p:ext uri="{BB962C8B-B14F-4D97-AF65-F5344CB8AC3E}">
+        <p14:creationId xmlns:p14="http://schemas.microsoft.com/office/powerpoint/2010/main" val="2084218524"/>
+      </p:ext>
+    </p:extLst>
+  </p:cSld>
+  <p:clrMapOvr>
+    <a:masterClrMapping/>
+  </p:clrMapOvr>
+</p:notes>
+</file>
+
+<file path=ppt/notesSlides/notesSlide2.xml><?xml version="1.0" encoding="utf-8"?>
+<p:notes xmlns:a="http://schemas.openxmlformats.org/drawingml/2006/main" xmlns:r="http://schemas.openxmlformats.org/officeDocument/2006/relationships" xmlns:p="http://schemas.openxmlformats.org/presentationml/2006/main">
+  <p:cSld>
+    <p:spTree>
+      <p:nvGrpSpPr>
+        <p:cNvPr id="1" name=""/>
+        <p:cNvGrpSpPr/>
+        <p:nvPr/>
+      </p:nvGrpSpPr>
+      <p:grpSpPr>
+        <a:xfrm>
+          <a:off x="0" y="0"/>
+          <a:ext cx="0" cy="0"/>
+          <a:chOff x="0" y="0"/>
+          <a:chExt cx="0" cy="0"/>
+        </a:xfrm>
+      </p:grpSpPr>
+      <p:sp>
+        <p:nvSpPr>
+          <p:cNvPr id="2" name="Slide Image Placeholder 1"/>
+          <p:cNvSpPr>
+            <a:spLocks noGrp="1" noRot="1" noChangeAspect="1"/>
+          </p:cNvSpPr>
+          <p:nvPr>
+            <p:ph type="sldImg"/>
+          </p:nvPr>
+        </p:nvSpPr>
+        <p:spPr/>
+      </p:sp>
+      <p:sp>
+        <p:nvSpPr>
+          <p:cNvPr id="3" name="Notes Placeholder 2"/>
+          <p:cNvSpPr>
+            <a:spLocks noGrp="1"/>
+          </p:cNvSpPr>
+          <p:nvPr>
+            <p:ph type="body" idx="1"/>
+          </p:nvPr>
+        </p:nvSpPr>
+        <p:spPr/>
+        <p:txBody>
+          <a:bodyPr/>
+          <a:lstStyle/>
+          <a:p>
+            <a:endParaRPr lang="en-US" dirty="0"/>
+          </a:p>
+        </p:txBody>
+      </p:sp>
+      <p:sp>
+        <p:nvSpPr>
+          <p:cNvPr id="4" name="Slide Number Placeholder 3"/>
+          <p:cNvSpPr>
+            <a:spLocks noGrp="1"/>
+          </p:cNvSpPr>
+          <p:nvPr>
+            <p:ph type="sldNum" sz="quarter" idx="5"/>
+          </p:nvPr>
+        </p:nvSpPr>
+        <p:spPr/>
+        <p:txBody>
+          <a:bodyPr/>
+          <a:lstStyle/>
+          <a:p>
+            <a:fld id="{9F0F80DF-4339-461A-A043-8CE932657946}" type="slidenum">
+              <a:rPr lang="en-US" smtClean="0"/>
+              <a:t>4</a:t>
+            </a:fld>
+            <a:endParaRPr lang="en-US"/>
+          </a:p>
+        </p:txBody>
+      </p:sp>
+    </p:spTree>
+    <p:extLst>
+      <p:ext uri="{BB962C8B-B14F-4D97-AF65-F5344CB8AC3E}">
+        <p14:creationId xmlns:p14="http://schemas.microsoft.com/office/powerpoint/2010/main" val="356158799"/>
+      </p:ext>
+    </p:extLst>
+  </p:cSld>
+  <p:clrMapOvr>
+    <a:masterClrMapping/>
+  </p:clrMapOvr>
+</p:notes>
 </file>
 
 <file path=ppt/slideLayouts/slideLayout1.xml><?xml version="1.0" encoding="utf-8"?>
@@ -255,7 +784,7 @@
           <a:p>
             <a:fld id="{4879A2FE-3A6A-4805-8D33-C34102DAAEDC}" type="datetimeFigureOut">
               <a:rPr lang="en-US" smtClean="0"/>
-              <a:t>9/7/2024</a:t>
+              <a:t>9/10/2024</a:t>
             </a:fld>
             <a:endParaRPr lang="en-US"/>
           </a:p>
@@ -453,7 +982,7 @@
           <a:p>
             <a:fld id="{4879A2FE-3A6A-4805-8D33-C34102DAAEDC}" type="datetimeFigureOut">
               <a:rPr lang="en-US" smtClean="0"/>
-              <a:t>9/7/2024</a:t>
+              <a:t>9/10/2024</a:t>
             </a:fld>
             <a:endParaRPr lang="en-US"/>
           </a:p>
@@ -661,7 +1190,7 @@
           <a:p>
             <a:fld id="{4879A2FE-3A6A-4805-8D33-C34102DAAEDC}" type="datetimeFigureOut">
               <a:rPr lang="en-US" smtClean="0"/>
-              <a:t>9/7/2024</a:t>
+              <a:t>9/10/2024</a:t>
             </a:fld>
             <a:endParaRPr lang="en-US"/>
           </a:p>
@@ -859,7 +1388,7 @@
           <a:p>
             <a:fld id="{4879A2FE-3A6A-4805-8D33-C34102DAAEDC}" type="datetimeFigureOut">
               <a:rPr lang="en-US" smtClean="0"/>
-              <a:t>9/7/2024</a:t>
+              <a:t>9/10/2024</a:t>
             </a:fld>
             <a:endParaRPr lang="en-US"/>
           </a:p>
@@ -1134,7 +1663,7 @@
           <a:p>
             <a:fld id="{4879A2FE-3A6A-4805-8D33-C34102DAAEDC}" type="datetimeFigureOut">
               <a:rPr lang="en-US" smtClean="0"/>
-              <a:t>9/7/2024</a:t>
+              <a:t>9/10/2024</a:t>
             </a:fld>
             <a:endParaRPr lang="en-US"/>
           </a:p>
@@ -1399,7 +1928,7 @@
           <a:p>
             <a:fld id="{4879A2FE-3A6A-4805-8D33-C34102DAAEDC}" type="datetimeFigureOut">
               <a:rPr lang="en-US" smtClean="0"/>
-              <a:t>9/7/2024</a:t>
+              <a:t>9/10/2024</a:t>
             </a:fld>
             <a:endParaRPr lang="en-US"/>
           </a:p>
@@ -1811,7 +2340,7 @@
           <a:p>
             <a:fld id="{4879A2FE-3A6A-4805-8D33-C34102DAAEDC}" type="datetimeFigureOut">
               <a:rPr lang="en-US" smtClean="0"/>
-              <a:t>9/7/2024</a:t>
+              <a:t>9/10/2024</a:t>
             </a:fld>
             <a:endParaRPr lang="en-US"/>
           </a:p>
@@ -1952,7 +2481,7 @@
           <a:p>
             <a:fld id="{4879A2FE-3A6A-4805-8D33-C34102DAAEDC}" type="datetimeFigureOut">
               <a:rPr lang="en-US" smtClean="0"/>
-              <a:t>9/7/2024</a:t>
+              <a:t>9/10/2024</a:t>
             </a:fld>
             <a:endParaRPr lang="en-US"/>
           </a:p>
@@ -2065,7 +2594,7 @@
           <a:p>
             <a:fld id="{4879A2FE-3A6A-4805-8D33-C34102DAAEDC}" type="datetimeFigureOut">
               <a:rPr lang="en-US" smtClean="0"/>
-              <a:t>9/7/2024</a:t>
+              <a:t>9/10/2024</a:t>
             </a:fld>
             <a:endParaRPr lang="en-US"/>
           </a:p>
@@ -2376,7 +2905,7 @@
           <a:p>
             <a:fld id="{4879A2FE-3A6A-4805-8D33-C34102DAAEDC}" type="datetimeFigureOut">
               <a:rPr lang="en-US" smtClean="0"/>
-              <a:t>9/7/2024</a:t>
+              <a:t>9/10/2024</a:t>
             </a:fld>
             <a:endParaRPr lang="en-US"/>
           </a:p>
@@ -2664,7 +3193,7 @@
           <a:p>
             <a:fld id="{4879A2FE-3A6A-4805-8D33-C34102DAAEDC}" type="datetimeFigureOut">
               <a:rPr lang="en-US" smtClean="0"/>
-              <a:t>9/7/2024</a:t>
+              <a:t>9/10/2024</a:t>
             </a:fld>
             <a:endParaRPr lang="en-US"/>
           </a:p>
@@ -2905,7 +3434,7 @@
           <a:p>
             <a:fld id="{4879A2FE-3A6A-4805-8D33-C34102DAAEDC}" type="datetimeFigureOut">
               <a:rPr lang="en-US" smtClean="0"/>
-              <a:t>9/7/2024</a:t>
+              <a:t>9/10/2024</a:t>
             </a:fld>
             <a:endParaRPr lang="en-US"/>
           </a:p>
@@ -3605,7 +4134,7 @@
             <a:pPr algn="ctr"/>
             <a:r>
               <a:rPr lang="en-US" dirty="0"/>
-              <a:t>Side Cross Section Cut</a:t>
+              <a:t>Cross Section Cut</a:t>
             </a:r>
           </a:p>
         </p:txBody>
@@ -5625,6 +6154,5281 @@
 </p:sld>
 </file>
 
+<file path=ppt/slides/slide3.xml><?xml version="1.0" encoding="utf-8"?>
+<p:sld xmlns:a="http://schemas.openxmlformats.org/drawingml/2006/main" xmlns:r="http://schemas.openxmlformats.org/officeDocument/2006/relationships" xmlns:p="http://schemas.openxmlformats.org/presentationml/2006/main">
+  <p:cSld>
+    <p:spTree>
+      <p:nvGrpSpPr>
+        <p:cNvPr id="1" name=""/>
+        <p:cNvGrpSpPr/>
+        <p:nvPr/>
+      </p:nvGrpSpPr>
+      <p:grpSpPr>
+        <a:xfrm>
+          <a:off x="0" y="0"/>
+          <a:ext cx="0" cy="0"/>
+          <a:chOff x="0" y="0"/>
+          <a:chExt cx="0" cy="0"/>
+        </a:xfrm>
+      </p:grpSpPr>
+      <p:pic>
+        <p:nvPicPr>
+          <p:cNvPr id="5" name="Picture 4">
+            <a:extLst>
+              <a:ext uri="{FF2B5EF4-FFF2-40B4-BE49-F238E27FC236}">
+                <a16:creationId xmlns:a16="http://schemas.microsoft.com/office/drawing/2014/main" id="{B194C551-F637-B052-12F6-A78BC216BF04}"/>
+              </a:ext>
+            </a:extLst>
+          </p:cNvPr>
+          <p:cNvPicPr>
+            <a:picLocks noChangeAspect="1"/>
+          </p:cNvPicPr>
+          <p:nvPr/>
+        </p:nvPicPr>
+        <p:blipFill>
+          <a:blip r:embed="rId3"/>
+          <a:srcRect l="8275" t="10957" r="6047" b="6925"/>
+          <a:stretch/>
+        </p:blipFill>
+        <p:spPr>
+          <a:xfrm>
+            <a:off x="232030" y="434603"/>
+            <a:ext cx="11188700" cy="5988793"/>
+          </a:xfrm>
+          <a:prstGeom prst="rect">
+            <a:avLst/>
+          </a:prstGeom>
+        </p:spPr>
+      </p:pic>
+      <p:sp>
+        <p:nvSpPr>
+          <p:cNvPr id="9" name="TextBox 8">
+            <a:extLst>
+              <a:ext uri="{FF2B5EF4-FFF2-40B4-BE49-F238E27FC236}">
+                <a16:creationId xmlns:a16="http://schemas.microsoft.com/office/drawing/2014/main" id="{8DBA2301-75F4-3AB8-079D-A1EA73647F8F}"/>
+              </a:ext>
+            </a:extLst>
+          </p:cNvPr>
+          <p:cNvSpPr txBox="1"/>
+          <p:nvPr/>
+        </p:nvSpPr>
+        <p:spPr>
+          <a:xfrm>
+            <a:off x="3908425" y="182548"/>
+            <a:ext cx="4375150" cy="369332"/>
+          </a:xfrm>
+          <a:prstGeom prst="rect">
+            <a:avLst/>
+          </a:prstGeom>
+          <a:noFill/>
+          <a:ln>
+            <a:solidFill>
+              <a:schemeClr val="tx1"/>
+            </a:solidFill>
+          </a:ln>
+        </p:spPr>
+        <p:txBody>
+          <a:bodyPr wrap="square" rtlCol="0">
+            <a:spAutoFit/>
+          </a:bodyPr>
+          <a:lstStyle/>
+          <a:p>
+            <a:pPr algn="ctr"/>
+            <a:r>
+              <a:rPr lang="en-US" dirty="0"/>
+              <a:t>TPC Regions of Interest for Simulation</a:t>
+            </a:r>
+          </a:p>
+        </p:txBody>
+      </p:sp>
+      <p:sp>
+        <p:nvSpPr>
+          <p:cNvPr id="40" name="Rectangle: Rounded Corners 39">
+            <a:extLst>
+              <a:ext uri="{FF2B5EF4-FFF2-40B4-BE49-F238E27FC236}">
+                <a16:creationId xmlns:a16="http://schemas.microsoft.com/office/drawing/2014/main" id="{A210D5D0-CDC2-BB5F-C93E-7BBC9B5E2EC4}"/>
+              </a:ext>
+            </a:extLst>
+          </p:cNvPr>
+          <p:cNvSpPr/>
+          <p:nvPr/>
+        </p:nvSpPr>
+        <p:spPr>
+          <a:xfrm>
+            <a:off x="472258" y="1397000"/>
+            <a:ext cx="7731600" cy="4070350"/>
+          </a:xfrm>
+          <a:prstGeom prst="roundRect">
+            <a:avLst/>
+          </a:prstGeom>
+          <a:noFill/>
+          <a:ln w="76200" cap="flat" cmpd="sng" algn="ctr">
+            <a:solidFill>
+              <a:srgbClr val="FF0000"/>
+            </a:solidFill>
+            <a:prstDash val="solid"/>
+            <a:round/>
+            <a:headEnd type="none" w="med" len="med"/>
+            <a:tailEnd type="none" w="med" len="med"/>
+          </a:ln>
+        </p:spPr>
+        <p:style>
+          <a:lnRef idx="0">
+            <a:scrgbClr r="0" g="0" b="0"/>
+          </a:lnRef>
+          <a:fillRef idx="0">
+            <a:scrgbClr r="0" g="0" b="0"/>
+          </a:fillRef>
+          <a:effectRef idx="0">
+            <a:scrgbClr r="0" g="0" b="0"/>
+          </a:effectRef>
+          <a:fontRef idx="minor">
+            <a:schemeClr val="dk1"/>
+          </a:fontRef>
+        </p:style>
+        <p:txBody>
+          <a:bodyPr rtlCol="0" anchor="ctr"/>
+          <a:lstStyle/>
+          <a:p>
+            <a:pPr algn="ctr"/>
+            <a:r>
+              <a:rPr lang="en-US" dirty="0"/>
+              <a:t>Charge Drift Region</a:t>
+            </a:r>
+          </a:p>
+        </p:txBody>
+      </p:sp>
+      <p:sp>
+        <p:nvSpPr>
+          <p:cNvPr id="41" name="Rectangle: Rounded Corners 40">
+            <a:extLst>
+              <a:ext uri="{FF2B5EF4-FFF2-40B4-BE49-F238E27FC236}">
+                <a16:creationId xmlns:a16="http://schemas.microsoft.com/office/drawing/2014/main" id="{BDB3A6C5-AAA6-EFA8-1726-ABAB715FBB44}"/>
+              </a:ext>
+            </a:extLst>
+          </p:cNvPr>
+          <p:cNvSpPr/>
+          <p:nvPr/>
+        </p:nvSpPr>
+        <p:spPr>
+          <a:xfrm>
+            <a:off x="8692525" y="1397000"/>
+            <a:ext cx="2146926" cy="4070350"/>
+          </a:xfrm>
+          <a:prstGeom prst="roundRect">
+            <a:avLst/>
+          </a:prstGeom>
+          <a:noFill/>
+          <a:ln w="76200" cap="flat" cmpd="sng" algn="ctr">
+            <a:solidFill>
+              <a:srgbClr val="FF0000"/>
+            </a:solidFill>
+            <a:prstDash val="solid"/>
+            <a:round/>
+            <a:headEnd type="none" w="med" len="med"/>
+            <a:tailEnd type="none" w="med" len="med"/>
+          </a:ln>
+        </p:spPr>
+        <p:style>
+          <a:lnRef idx="0">
+            <a:scrgbClr r="0" g="0" b="0"/>
+          </a:lnRef>
+          <a:fillRef idx="0">
+            <a:scrgbClr r="0" g="0" b="0"/>
+          </a:fillRef>
+          <a:effectRef idx="0">
+            <a:scrgbClr r="0" g="0" b="0"/>
+          </a:effectRef>
+          <a:fontRef idx="minor">
+            <a:schemeClr val="dk1"/>
+          </a:fontRef>
+        </p:style>
+        <p:txBody>
+          <a:bodyPr rtlCol="0" anchor="ctr"/>
+          <a:lstStyle/>
+          <a:p>
+            <a:pPr algn="ctr"/>
+            <a:r>
+              <a:rPr lang="en-US" dirty="0"/>
+              <a:t>Buffer Region</a:t>
+            </a:r>
+          </a:p>
+        </p:txBody>
+      </p:sp>
+    </p:spTree>
+    <p:extLst>
+      <p:ext uri="{BB962C8B-B14F-4D97-AF65-F5344CB8AC3E}">
+        <p14:creationId xmlns:p14="http://schemas.microsoft.com/office/powerpoint/2010/main" val="1310370712"/>
+      </p:ext>
+    </p:extLst>
+  </p:cSld>
+  <p:clrMapOvr>
+    <a:masterClrMapping/>
+  </p:clrMapOvr>
+</p:sld>
+</file>
+
+<file path=ppt/slides/slide4.xml><?xml version="1.0" encoding="utf-8"?>
+<p:sld xmlns:a="http://schemas.openxmlformats.org/drawingml/2006/main" xmlns:r="http://schemas.openxmlformats.org/officeDocument/2006/relationships" xmlns:p="http://schemas.openxmlformats.org/presentationml/2006/main">
+  <p:cSld>
+    <p:spTree>
+      <p:nvGrpSpPr>
+        <p:cNvPr id="1" name=""/>
+        <p:cNvGrpSpPr/>
+        <p:nvPr/>
+      </p:nvGrpSpPr>
+      <p:grpSpPr>
+        <a:xfrm>
+          <a:off x="0" y="0"/>
+          <a:ext cx="0" cy="0"/>
+          <a:chOff x="0" y="0"/>
+          <a:chExt cx="0" cy="0"/>
+        </a:xfrm>
+      </p:grpSpPr>
+      <p:pic>
+        <p:nvPicPr>
+          <p:cNvPr id="5" name="Picture 4">
+            <a:extLst>
+              <a:ext uri="{FF2B5EF4-FFF2-40B4-BE49-F238E27FC236}">
+                <a16:creationId xmlns:a16="http://schemas.microsoft.com/office/drawing/2014/main" id="{B194C551-F637-B052-12F6-A78BC216BF04}"/>
+              </a:ext>
+            </a:extLst>
+          </p:cNvPr>
+          <p:cNvPicPr>
+            <a:picLocks noChangeAspect="1"/>
+          </p:cNvPicPr>
+          <p:nvPr/>
+        </p:nvPicPr>
+        <p:blipFill>
+          <a:blip r:embed="rId3"/>
+          <a:srcRect l="8275" t="10957" r="6047" b="6925"/>
+          <a:stretch/>
+        </p:blipFill>
+        <p:spPr>
+          <a:xfrm>
+            <a:off x="450089" y="1208034"/>
+            <a:ext cx="5297760" cy="2835646"/>
+          </a:xfrm>
+          <a:prstGeom prst="rect">
+            <a:avLst/>
+          </a:prstGeom>
+        </p:spPr>
+      </p:pic>
+      <p:sp>
+        <p:nvSpPr>
+          <p:cNvPr id="9" name="TextBox 8">
+            <a:extLst>
+              <a:ext uri="{FF2B5EF4-FFF2-40B4-BE49-F238E27FC236}">
+                <a16:creationId xmlns:a16="http://schemas.microsoft.com/office/drawing/2014/main" id="{8DBA2301-75F4-3AB8-079D-A1EA73647F8F}"/>
+              </a:ext>
+            </a:extLst>
+          </p:cNvPr>
+          <p:cNvSpPr txBox="1"/>
+          <p:nvPr/>
+        </p:nvSpPr>
+        <p:spPr>
+          <a:xfrm>
+            <a:off x="3908425" y="182548"/>
+            <a:ext cx="4375150" cy="369332"/>
+          </a:xfrm>
+          <a:prstGeom prst="rect">
+            <a:avLst/>
+          </a:prstGeom>
+          <a:noFill/>
+          <a:ln>
+            <a:solidFill>
+              <a:schemeClr val="tx1"/>
+            </a:solidFill>
+          </a:ln>
+        </p:spPr>
+        <p:txBody>
+          <a:bodyPr wrap="square" rtlCol="0">
+            <a:spAutoFit/>
+          </a:bodyPr>
+          <a:lstStyle/>
+          <a:p>
+            <a:pPr algn="ctr"/>
+            <a:r>
+              <a:rPr lang="en-US" dirty="0"/>
+              <a:t>TPC Field Configurations</a:t>
+            </a:r>
+          </a:p>
+        </p:txBody>
+      </p:sp>
+      <p:pic>
+        <p:nvPicPr>
+          <p:cNvPr id="2" name="Picture 1">
+            <a:extLst>
+              <a:ext uri="{FF2B5EF4-FFF2-40B4-BE49-F238E27FC236}">
+                <a16:creationId xmlns:a16="http://schemas.microsoft.com/office/drawing/2014/main" id="{CA80809E-943A-16A1-1F34-E266A2071479}"/>
+              </a:ext>
+            </a:extLst>
+          </p:cNvPr>
+          <p:cNvPicPr>
+            <a:picLocks noChangeAspect="1"/>
+          </p:cNvPicPr>
+          <p:nvPr/>
+        </p:nvPicPr>
+        <p:blipFill>
+          <a:blip r:embed="rId3"/>
+          <a:srcRect l="8275" t="10957" r="6047" b="6925"/>
+          <a:stretch/>
+        </p:blipFill>
+        <p:spPr>
+          <a:xfrm>
+            <a:off x="6550587" y="1208034"/>
+            <a:ext cx="5297760" cy="2835646"/>
+          </a:xfrm>
+          <a:prstGeom prst="rect">
+            <a:avLst/>
+          </a:prstGeom>
+        </p:spPr>
+      </p:pic>
+      <p:sp>
+        <p:nvSpPr>
+          <p:cNvPr id="3" name="Arrow: Right 2">
+            <a:extLst>
+              <a:ext uri="{FF2B5EF4-FFF2-40B4-BE49-F238E27FC236}">
+                <a16:creationId xmlns:a16="http://schemas.microsoft.com/office/drawing/2014/main" id="{94170C37-BA1D-CC48-B466-2664B5593E91}"/>
+              </a:ext>
+            </a:extLst>
+          </p:cNvPr>
+          <p:cNvSpPr/>
+          <p:nvPr/>
+        </p:nvSpPr>
+        <p:spPr>
+          <a:xfrm>
+            <a:off x="1084964" y="2567722"/>
+            <a:ext cx="2811990" cy="195077"/>
+          </a:xfrm>
+          <a:prstGeom prst="rightArrow">
+            <a:avLst/>
+          </a:prstGeom>
+          <a:solidFill>
+            <a:srgbClr val="0070C0"/>
+          </a:solidFill>
+          <a:ln>
+            <a:solidFill>
+              <a:srgbClr val="002060"/>
+            </a:solidFill>
+          </a:ln>
+        </p:spPr>
+        <p:style>
+          <a:lnRef idx="2">
+            <a:schemeClr val="accent1">
+              <a:shade val="15000"/>
+            </a:schemeClr>
+          </a:lnRef>
+          <a:fillRef idx="1">
+            <a:schemeClr val="accent1"/>
+          </a:fillRef>
+          <a:effectRef idx="0">
+            <a:schemeClr val="accent1"/>
+          </a:effectRef>
+          <a:fontRef idx="minor">
+            <a:schemeClr val="lt1"/>
+          </a:fontRef>
+        </p:style>
+        <p:txBody>
+          <a:bodyPr rtlCol="0" anchor="ctr"/>
+          <a:lstStyle/>
+          <a:p>
+            <a:pPr algn="ctr"/>
+            <a:endParaRPr lang="en-US"/>
+          </a:p>
+        </p:txBody>
+      </p:sp>
+      <p:sp>
+        <p:nvSpPr>
+          <p:cNvPr id="4" name="Arrow: Right 3">
+            <a:extLst>
+              <a:ext uri="{FF2B5EF4-FFF2-40B4-BE49-F238E27FC236}">
+                <a16:creationId xmlns:a16="http://schemas.microsoft.com/office/drawing/2014/main" id="{311AD1B3-8383-F0F4-F0D3-A7BEFB70865C}"/>
+              </a:ext>
+            </a:extLst>
+          </p:cNvPr>
+          <p:cNvSpPr/>
+          <p:nvPr/>
+        </p:nvSpPr>
+        <p:spPr>
+          <a:xfrm rot="10800000">
+            <a:off x="1084964" y="2349850"/>
+            <a:ext cx="2811990" cy="195077"/>
+          </a:xfrm>
+          <a:prstGeom prst="rightArrow">
+            <a:avLst/>
+          </a:prstGeom>
+          <a:solidFill>
+            <a:srgbClr val="FF0000"/>
+          </a:solidFill>
+          <a:ln>
+            <a:solidFill>
+              <a:srgbClr val="C00000"/>
+            </a:solidFill>
+          </a:ln>
+        </p:spPr>
+        <p:style>
+          <a:lnRef idx="2">
+            <a:schemeClr val="accent1">
+              <a:shade val="15000"/>
+            </a:schemeClr>
+          </a:lnRef>
+          <a:fillRef idx="1">
+            <a:schemeClr val="accent1"/>
+          </a:fillRef>
+          <a:effectRef idx="0">
+            <a:schemeClr val="accent1"/>
+          </a:effectRef>
+          <a:fontRef idx="minor">
+            <a:schemeClr val="lt1"/>
+          </a:fontRef>
+        </p:style>
+        <p:txBody>
+          <a:bodyPr rtlCol="0" anchor="ctr"/>
+          <a:lstStyle/>
+          <a:p>
+            <a:pPr algn="ctr"/>
+            <a:endParaRPr lang="en-US" dirty="0"/>
+          </a:p>
+        </p:txBody>
+      </p:sp>
+      <p:sp>
+        <p:nvSpPr>
+          <p:cNvPr id="6" name="Arrow: Right 5">
+            <a:extLst>
+              <a:ext uri="{FF2B5EF4-FFF2-40B4-BE49-F238E27FC236}">
+                <a16:creationId xmlns:a16="http://schemas.microsoft.com/office/drawing/2014/main" id="{E9C3EAC3-8931-248F-509A-BA5254F03666}"/>
+              </a:ext>
+            </a:extLst>
+          </p:cNvPr>
+          <p:cNvSpPr/>
+          <p:nvPr/>
+        </p:nvSpPr>
+        <p:spPr>
+          <a:xfrm rot="10800000">
+            <a:off x="4677349" y="2567720"/>
+            <a:ext cx="482334" cy="195077"/>
+          </a:xfrm>
+          <a:prstGeom prst="rightArrow">
+            <a:avLst/>
+          </a:prstGeom>
+          <a:solidFill>
+            <a:srgbClr val="0070C0"/>
+          </a:solidFill>
+          <a:ln>
+            <a:solidFill>
+              <a:srgbClr val="002060"/>
+            </a:solidFill>
+          </a:ln>
+        </p:spPr>
+        <p:style>
+          <a:lnRef idx="2">
+            <a:schemeClr val="accent1">
+              <a:shade val="15000"/>
+            </a:schemeClr>
+          </a:lnRef>
+          <a:fillRef idx="1">
+            <a:schemeClr val="accent1"/>
+          </a:fillRef>
+          <a:effectRef idx="0">
+            <a:schemeClr val="accent1"/>
+          </a:effectRef>
+          <a:fontRef idx="minor">
+            <a:schemeClr val="lt1"/>
+          </a:fontRef>
+        </p:style>
+        <p:txBody>
+          <a:bodyPr rtlCol="0" anchor="ctr"/>
+          <a:lstStyle/>
+          <a:p>
+            <a:pPr algn="ctr"/>
+            <a:endParaRPr lang="en-US"/>
+          </a:p>
+        </p:txBody>
+      </p:sp>
+      <p:sp>
+        <p:nvSpPr>
+          <p:cNvPr id="7" name="Arrow: Right 6">
+            <a:extLst>
+              <a:ext uri="{FF2B5EF4-FFF2-40B4-BE49-F238E27FC236}">
+                <a16:creationId xmlns:a16="http://schemas.microsoft.com/office/drawing/2014/main" id="{3458609B-0188-11C9-8890-42DECA1860C0}"/>
+              </a:ext>
+            </a:extLst>
+          </p:cNvPr>
+          <p:cNvSpPr/>
+          <p:nvPr/>
+        </p:nvSpPr>
+        <p:spPr>
+          <a:xfrm rot="10800000" flipH="1">
+            <a:off x="4695763" y="2367392"/>
+            <a:ext cx="482334" cy="195077"/>
+          </a:xfrm>
+          <a:prstGeom prst="rightArrow">
+            <a:avLst/>
+          </a:prstGeom>
+          <a:solidFill>
+            <a:srgbClr val="FF0000"/>
+          </a:solidFill>
+          <a:ln>
+            <a:solidFill>
+              <a:srgbClr val="C00000"/>
+            </a:solidFill>
+          </a:ln>
+        </p:spPr>
+        <p:style>
+          <a:lnRef idx="2">
+            <a:schemeClr val="accent1">
+              <a:shade val="15000"/>
+            </a:schemeClr>
+          </a:lnRef>
+          <a:fillRef idx="1">
+            <a:schemeClr val="accent1"/>
+          </a:fillRef>
+          <a:effectRef idx="0">
+            <a:schemeClr val="accent1"/>
+          </a:effectRef>
+          <a:fontRef idx="minor">
+            <a:schemeClr val="lt1"/>
+          </a:fontRef>
+        </p:style>
+        <p:txBody>
+          <a:bodyPr rtlCol="0" anchor="ctr"/>
+          <a:lstStyle/>
+          <a:p>
+            <a:pPr algn="ctr"/>
+            <a:endParaRPr lang="en-US"/>
+          </a:p>
+        </p:txBody>
+      </p:sp>
+      <p:cxnSp>
+        <p:nvCxnSpPr>
+          <p:cNvPr id="8" name="Straight Arrow Connector 7">
+            <a:extLst>
+              <a:ext uri="{FF2B5EF4-FFF2-40B4-BE49-F238E27FC236}">
+                <a16:creationId xmlns:a16="http://schemas.microsoft.com/office/drawing/2014/main" id="{577E4B9B-57E0-3CEE-469F-F001D2CEEEC7}"/>
+              </a:ext>
+            </a:extLst>
+          </p:cNvPr>
+          <p:cNvCxnSpPr>
+            <a:cxnSpLocks/>
+          </p:cNvCxnSpPr>
+          <p:nvPr/>
+        </p:nvCxnSpPr>
+        <p:spPr>
+          <a:xfrm flipV="1">
+            <a:off x="4326359" y="3904615"/>
+            <a:ext cx="0" cy="490696"/>
+          </a:xfrm>
+          <a:prstGeom prst="straightConnector1">
+            <a:avLst/>
+          </a:prstGeom>
+          <a:ln w="38100">
+            <a:solidFill>
+              <a:schemeClr val="accent2">
+                <a:lumMod val="60000"/>
+                <a:lumOff val="40000"/>
+              </a:schemeClr>
+            </a:solidFill>
+            <a:tailEnd type="triangle"/>
+          </a:ln>
+        </p:spPr>
+        <p:style>
+          <a:lnRef idx="3">
+            <a:schemeClr val="dk1"/>
+          </a:lnRef>
+          <a:fillRef idx="0">
+            <a:schemeClr val="dk1"/>
+          </a:fillRef>
+          <a:effectRef idx="2">
+            <a:schemeClr val="dk1"/>
+          </a:effectRef>
+          <a:fontRef idx="minor">
+            <a:schemeClr val="tx1"/>
+          </a:fontRef>
+        </p:style>
+      </p:cxnSp>
+      <p:sp>
+        <p:nvSpPr>
+          <p:cNvPr id="10" name="Rectangle: Rounded Corners 9">
+            <a:extLst>
+              <a:ext uri="{FF2B5EF4-FFF2-40B4-BE49-F238E27FC236}">
+                <a16:creationId xmlns:a16="http://schemas.microsoft.com/office/drawing/2014/main" id="{D26A023B-C6E0-67F6-4714-C41E14E67F0F}"/>
+              </a:ext>
+            </a:extLst>
+          </p:cNvPr>
+          <p:cNvSpPr/>
+          <p:nvPr/>
+        </p:nvSpPr>
+        <p:spPr>
+          <a:xfrm>
+            <a:off x="3966789" y="4395311"/>
+            <a:ext cx="719140" cy="304800"/>
+          </a:xfrm>
+          <a:prstGeom prst="roundRect">
+            <a:avLst/>
+          </a:prstGeom>
+          <a:noFill/>
+          <a:ln>
+            <a:solidFill>
+              <a:schemeClr val="accent2">
+                <a:lumMod val="60000"/>
+                <a:lumOff val="40000"/>
+              </a:schemeClr>
+            </a:solidFill>
+          </a:ln>
+        </p:spPr>
+        <p:style>
+          <a:lnRef idx="2">
+            <a:schemeClr val="accent1">
+              <a:shade val="15000"/>
+            </a:schemeClr>
+          </a:lnRef>
+          <a:fillRef idx="1">
+            <a:schemeClr val="accent1"/>
+          </a:fillRef>
+          <a:effectRef idx="0">
+            <a:schemeClr val="accent1"/>
+          </a:effectRef>
+          <a:fontRef idx="minor">
+            <a:schemeClr val="lt1"/>
+          </a:fontRef>
+        </p:style>
+        <p:txBody>
+          <a:bodyPr rtlCol="0" anchor="ctr"/>
+          <a:lstStyle/>
+          <a:p>
+            <a:pPr algn="ctr"/>
+            <a:r>
+              <a:rPr lang="en-US" b="1" dirty="0">
+                <a:solidFill>
+                  <a:schemeClr val="tx1"/>
+                </a:solidFill>
+              </a:rPr>
+              <a:t>HV +</a:t>
+            </a:r>
+          </a:p>
+        </p:txBody>
+      </p:sp>
+      <p:cxnSp>
+        <p:nvCxnSpPr>
+          <p:cNvPr id="14" name="Straight Arrow Connector 13">
+            <a:extLst>
+              <a:ext uri="{FF2B5EF4-FFF2-40B4-BE49-F238E27FC236}">
+                <a16:creationId xmlns:a16="http://schemas.microsoft.com/office/drawing/2014/main" id="{C4980D17-9B1E-08AB-D44D-C95EEC79B096}"/>
+              </a:ext>
+            </a:extLst>
+          </p:cNvPr>
+          <p:cNvCxnSpPr>
+            <a:cxnSpLocks/>
+          </p:cNvCxnSpPr>
+          <p:nvPr/>
+        </p:nvCxnSpPr>
+        <p:spPr>
+          <a:xfrm flipV="1">
+            <a:off x="10269961" y="3904615"/>
+            <a:ext cx="0" cy="490696"/>
+          </a:xfrm>
+          <a:prstGeom prst="straightConnector1">
+            <a:avLst/>
+          </a:prstGeom>
+          <a:ln w="38100">
+            <a:solidFill>
+              <a:schemeClr val="accent2">
+                <a:lumMod val="60000"/>
+                <a:lumOff val="40000"/>
+              </a:schemeClr>
+            </a:solidFill>
+            <a:tailEnd type="triangle"/>
+          </a:ln>
+        </p:spPr>
+        <p:style>
+          <a:lnRef idx="3">
+            <a:schemeClr val="dk1"/>
+          </a:lnRef>
+          <a:fillRef idx="0">
+            <a:schemeClr val="dk1"/>
+          </a:fillRef>
+          <a:effectRef idx="2">
+            <a:schemeClr val="dk1"/>
+          </a:effectRef>
+          <a:fontRef idx="minor">
+            <a:schemeClr val="tx1"/>
+          </a:fontRef>
+        </p:style>
+      </p:cxnSp>
+      <p:sp>
+        <p:nvSpPr>
+          <p:cNvPr id="15" name="Rectangle: Rounded Corners 14">
+            <a:extLst>
+              <a:ext uri="{FF2B5EF4-FFF2-40B4-BE49-F238E27FC236}">
+                <a16:creationId xmlns:a16="http://schemas.microsoft.com/office/drawing/2014/main" id="{9F16A53E-6E02-B61F-4445-14289E870C9E}"/>
+              </a:ext>
+            </a:extLst>
+          </p:cNvPr>
+          <p:cNvSpPr/>
+          <p:nvPr/>
+        </p:nvSpPr>
+        <p:spPr>
+          <a:xfrm>
+            <a:off x="9910391" y="4395311"/>
+            <a:ext cx="719140" cy="304800"/>
+          </a:xfrm>
+          <a:prstGeom prst="roundRect">
+            <a:avLst/>
+          </a:prstGeom>
+          <a:noFill/>
+          <a:ln>
+            <a:solidFill>
+              <a:schemeClr val="accent2">
+                <a:lumMod val="60000"/>
+                <a:lumOff val="40000"/>
+              </a:schemeClr>
+            </a:solidFill>
+          </a:ln>
+        </p:spPr>
+        <p:style>
+          <a:lnRef idx="2">
+            <a:schemeClr val="accent1">
+              <a:shade val="15000"/>
+            </a:schemeClr>
+          </a:lnRef>
+          <a:fillRef idx="1">
+            <a:schemeClr val="accent1"/>
+          </a:fillRef>
+          <a:effectRef idx="0">
+            <a:schemeClr val="accent1"/>
+          </a:effectRef>
+          <a:fontRef idx="minor">
+            <a:schemeClr val="lt1"/>
+          </a:fontRef>
+        </p:style>
+        <p:txBody>
+          <a:bodyPr rtlCol="0" anchor="ctr"/>
+          <a:lstStyle/>
+          <a:p>
+            <a:pPr algn="ctr"/>
+            <a:r>
+              <a:rPr lang="en-US" b="1" dirty="0">
+                <a:solidFill>
+                  <a:schemeClr val="tx1"/>
+                </a:solidFill>
+              </a:rPr>
+              <a:t>HV -</a:t>
+            </a:r>
+          </a:p>
+        </p:txBody>
+      </p:sp>
+      <p:sp>
+        <p:nvSpPr>
+          <p:cNvPr id="16" name="TextBox 15">
+            <a:extLst>
+              <a:ext uri="{FF2B5EF4-FFF2-40B4-BE49-F238E27FC236}">
+                <a16:creationId xmlns:a16="http://schemas.microsoft.com/office/drawing/2014/main" id="{E1447D54-94A1-4261-F915-06C80645B345}"/>
+              </a:ext>
+            </a:extLst>
+          </p:cNvPr>
+          <p:cNvSpPr txBox="1"/>
+          <p:nvPr/>
+        </p:nvSpPr>
+        <p:spPr>
+          <a:xfrm>
+            <a:off x="810950" y="732838"/>
+            <a:ext cx="4375150" cy="369332"/>
+          </a:xfrm>
+          <a:prstGeom prst="rect">
+            <a:avLst/>
+          </a:prstGeom>
+          <a:noFill/>
+          <a:ln>
+            <a:solidFill>
+              <a:schemeClr val="tx1"/>
+            </a:solidFill>
+          </a:ln>
+        </p:spPr>
+        <p:txBody>
+          <a:bodyPr wrap="square" rtlCol="0">
+            <a:spAutoFit/>
+          </a:bodyPr>
+          <a:lstStyle/>
+          <a:p>
+            <a:pPr algn="ctr"/>
+            <a:r>
+              <a:rPr lang="en-US" dirty="0"/>
+              <a:t>Positive Voltage Bias</a:t>
+            </a:r>
+          </a:p>
+        </p:txBody>
+      </p:sp>
+      <p:sp>
+        <p:nvSpPr>
+          <p:cNvPr id="17" name="TextBox 16">
+            <a:extLst>
+              <a:ext uri="{FF2B5EF4-FFF2-40B4-BE49-F238E27FC236}">
+                <a16:creationId xmlns:a16="http://schemas.microsoft.com/office/drawing/2014/main" id="{78F56A8D-6EEB-DCAC-8B31-602561CCBC04}"/>
+              </a:ext>
+            </a:extLst>
+          </p:cNvPr>
+          <p:cNvSpPr txBox="1"/>
+          <p:nvPr/>
+        </p:nvSpPr>
+        <p:spPr>
+          <a:xfrm>
+            <a:off x="7011892" y="732838"/>
+            <a:ext cx="4375150" cy="369332"/>
+          </a:xfrm>
+          <a:prstGeom prst="rect">
+            <a:avLst/>
+          </a:prstGeom>
+          <a:noFill/>
+          <a:ln>
+            <a:solidFill>
+              <a:schemeClr val="tx1"/>
+            </a:solidFill>
+          </a:ln>
+        </p:spPr>
+        <p:txBody>
+          <a:bodyPr wrap="square" rtlCol="0">
+            <a:spAutoFit/>
+          </a:bodyPr>
+          <a:lstStyle/>
+          <a:p>
+            <a:pPr algn="ctr"/>
+            <a:r>
+              <a:rPr lang="en-US" dirty="0"/>
+              <a:t>Negative Voltage Bias </a:t>
+            </a:r>
+          </a:p>
+        </p:txBody>
+      </p:sp>
+      <p:sp>
+        <p:nvSpPr>
+          <p:cNvPr id="18" name="Arrow: Right 17">
+            <a:extLst>
+              <a:ext uri="{FF2B5EF4-FFF2-40B4-BE49-F238E27FC236}">
+                <a16:creationId xmlns:a16="http://schemas.microsoft.com/office/drawing/2014/main" id="{0114014F-9FAA-AB81-2548-7FD40BAF852A}"/>
+              </a:ext>
+            </a:extLst>
+          </p:cNvPr>
+          <p:cNvSpPr/>
+          <p:nvPr/>
+        </p:nvSpPr>
+        <p:spPr>
+          <a:xfrm rot="10800000">
+            <a:off x="7061900" y="2567723"/>
+            <a:ext cx="2811990" cy="195077"/>
+          </a:xfrm>
+          <a:prstGeom prst="rightArrow">
+            <a:avLst/>
+          </a:prstGeom>
+          <a:solidFill>
+            <a:srgbClr val="0070C0"/>
+          </a:solidFill>
+          <a:ln>
+            <a:solidFill>
+              <a:srgbClr val="002060"/>
+            </a:solidFill>
+          </a:ln>
+        </p:spPr>
+        <p:style>
+          <a:lnRef idx="2">
+            <a:schemeClr val="accent1">
+              <a:shade val="15000"/>
+            </a:schemeClr>
+          </a:lnRef>
+          <a:fillRef idx="1">
+            <a:schemeClr val="accent1"/>
+          </a:fillRef>
+          <a:effectRef idx="0">
+            <a:schemeClr val="accent1"/>
+          </a:effectRef>
+          <a:fontRef idx="minor">
+            <a:schemeClr val="lt1"/>
+          </a:fontRef>
+        </p:style>
+        <p:txBody>
+          <a:bodyPr rtlCol="0" anchor="ctr"/>
+          <a:lstStyle/>
+          <a:p>
+            <a:pPr algn="ctr"/>
+            <a:endParaRPr lang="en-US"/>
+          </a:p>
+        </p:txBody>
+      </p:sp>
+      <p:sp>
+        <p:nvSpPr>
+          <p:cNvPr id="19" name="Arrow: Right 18">
+            <a:extLst>
+              <a:ext uri="{FF2B5EF4-FFF2-40B4-BE49-F238E27FC236}">
+                <a16:creationId xmlns:a16="http://schemas.microsoft.com/office/drawing/2014/main" id="{BAECA4E1-B209-D88A-2474-325897531CB7}"/>
+              </a:ext>
+            </a:extLst>
+          </p:cNvPr>
+          <p:cNvSpPr/>
+          <p:nvPr/>
+        </p:nvSpPr>
+        <p:spPr>
+          <a:xfrm>
+            <a:off x="7061900" y="2349851"/>
+            <a:ext cx="2811990" cy="195077"/>
+          </a:xfrm>
+          <a:prstGeom prst="rightArrow">
+            <a:avLst/>
+          </a:prstGeom>
+          <a:solidFill>
+            <a:srgbClr val="FF0000"/>
+          </a:solidFill>
+          <a:ln>
+            <a:solidFill>
+              <a:srgbClr val="C00000"/>
+            </a:solidFill>
+          </a:ln>
+        </p:spPr>
+        <p:style>
+          <a:lnRef idx="2">
+            <a:schemeClr val="accent1">
+              <a:shade val="15000"/>
+            </a:schemeClr>
+          </a:lnRef>
+          <a:fillRef idx="1">
+            <a:schemeClr val="accent1"/>
+          </a:fillRef>
+          <a:effectRef idx="0">
+            <a:schemeClr val="accent1"/>
+          </a:effectRef>
+          <a:fontRef idx="minor">
+            <a:schemeClr val="lt1"/>
+          </a:fontRef>
+        </p:style>
+        <p:txBody>
+          <a:bodyPr rtlCol="0" anchor="ctr"/>
+          <a:lstStyle/>
+          <a:p>
+            <a:pPr algn="ctr"/>
+            <a:endParaRPr lang="en-US" dirty="0"/>
+          </a:p>
+        </p:txBody>
+      </p:sp>
+      <p:sp>
+        <p:nvSpPr>
+          <p:cNvPr id="20" name="Arrow: Right 19">
+            <a:extLst>
+              <a:ext uri="{FF2B5EF4-FFF2-40B4-BE49-F238E27FC236}">
+                <a16:creationId xmlns:a16="http://schemas.microsoft.com/office/drawing/2014/main" id="{61300E5C-C2E6-4BD8-792D-E65317FD2298}"/>
+              </a:ext>
+            </a:extLst>
+          </p:cNvPr>
+          <p:cNvSpPr/>
+          <p:nvPr/>
+        </p:nvSpPr>
+        <p:spPr>
+          <a:xfrm>
+            <a:off x="10672699" y="2567721"/>
+            <a:ext cx="482334" cy="195077"/>
+          </a:xfrm>
+          <a:prstGeom prst="rightArrow">
+            <a:avLst/>
+          </a:prstGeom>
+          <a:solidFill>
+            <a:srgbClr val="0070C0"/>
+          </a:solidFill>
+          <a:ln>
+            <a:solidFill>
+              <a:srgbClr val="002060"/>
+            </a:solidFill>
+          </a:ln>
+        </p:spPr>
+        <p:style>
+          <a:lnRef idx="2">
+            <a:schemeClr val="accent1">
+              <a:shade val="15000"/>
+            </a:schemeClr>
+          </a:lnRef>
+          <a:fillRef idx="1">
+            <a:schemeClr val="accent1"/>
+          </a:fillRef>
+          <a:effectRef idx="0">
+            <a:schemeClr val="accent1"/>
+          </a:effectRef>
+          <a:fontRef idx="minor">
+            <a:schemeClr val="lt1"/>
+          </a:fontRef>
+        </p:style>
+        <p:txBody>
+          <a:bodyPr rtlCol="0" anchor="ctr"/>
+          <a:lstStyle/>
+          <a:p>
+            <a:pPr algn="ctr"/>
+            <a:endParaRPr lang="en-US"/>
+          </a:p>
+        </p:txBody>
+      </p:sp>
+      <p:sp>
+        <p:nvSpPr>
+          <p:cNvPr id="21" name="Arrow: Right 20">
+            <a:extLst>
+              <a:ext uri="{FF2B5EF4-FFF2-40B4-BE49-F238E27FC236}">
+                <a16:creationId xmlns:a16="http://schemas.microsoft.com/office/drawing/2014/main" id="{D45A70B8-1976-DE30-D75A-4DE18B5305D5}"/>
+              </a:ext>
+            </a:extLst>
+          </p:cNvPr>
+          <p:cNvSpPr/>
+          <p:nvPr/>
+        </p:nvSpPr>
+        <p:spPr>
+          <a:xfrm flipH="1">
+            <a:off x="10672699" y="2367393"/>
+            <a:ext cx="482334" cy="195077"/>
+          </a:xfrm>
+          <a:prstGeom prst="rightArrow">
+            <a:avLst/>
+          </a:prstGeom>
+          <a:solidFill>
+            <a:srgbClr val="FF0000"/>
+          </a:solidFill>
+          <a:ln>
+            <a:solidFill>
+              <a:srgbClr val="C00000"/>
+            </a:solidFill>
+          </a:ln>
+        </p:spPr>
+        <p:style>
+          <a:lnRef idx="2">
+            <a:schemeClr val="accent1">
+              <a:shade val="15000"/>
+            </a:schemeClr>
+          </a:lnRef>
+          <a:fillRef idx="1">
+            <a:schemeClr val="accent1"/>
+          </a:fillRef>
+          <a:effectRef idx="0">
+            <a:schemeClr val="accent1"/>
+          </a:effectRef>
+          <a:fontRef idx="minor">
+            <a:schemeClr val="lt1"/>
+          </a:fontRef>
+        </p:style>
+        <p:txBody>
+          <a:bodyPr rtlCol="0" anchor="ctr"/>
+          <a:lstStyle/>
+          <a:p>
+            <a:pPr algn="ctr"/>
+            <a:endParaRPr lang="en-US"/>
+          </a:p>
+        </p:txBody>
+      </p:sp>
+      <p:sp>
+        <p:nvSpPr>
+          <p:cNvPr id="22" name="Arrow: Right 21">
+            <a:extLst>
+              <a:ext uri="{FF2B5EF4-FFF2-40B4-BE49-F238E27FC236}">
+                <a16:creationId xmlns:a16="http://schemas.microsoft.com/office/drawing/2014/main" id="{62FC3D18-0F0A-8CB4-2674-67E9C5A1B24D}"/>
+              </a:ext>
+            </a:extLst>
+          </p:cNvPr>
+          <p:cNvSpPr/>
+          <p:nvPr/>
+        </p:nvSpPr>
+        <p:spPr>
+          <a:xfrm rot="10800000" flipH="1">
+            <a:off x="4751644" y="5656391"/>
+            <a:ext cx="482334" cy="195077"/>
+          </a:xfrm>
+          <a:prstGeom prst="rightArrow">
+            <a:avLst/>
+          </a:prstGeom>
+          <a:solidFill>
+            <a:srgbClr val="FF0000"/>
+          </a:solidFill>
+          <a:ln>
+            <a:solidFill>
+              <a:srgbClr val="C00000"/>
+            </a:solidFill>
+          </a:ln>
+        </p:spPr>
+        <p:style>
+          <a:lnRef idx="2">
+            <a:schemeClr val="accent1">
+              <a:shade val="15000"/>
+            </a:schemeClr>
+          </a:lnRef>
+          <a:fillRef idx="1">
+            <a:schemeClr val="accent1"/>
+          </a:fillRef>
+          <a:effectRef idx="0">
+            <a:schemeClr val="accent1"/>
+          </a:effectRef>
+          <a:fontRef idx="minor">
+            <a:schemeClr val="lt1"/>
+          </a:fontRef>
+        </p:style>
+        <p:txBody>
+          <a:bodyPr rtlCol="0" anchor="ctr"/>
+          <a:lstStyle/>
+          <a:p>
+            <a:pPr algn="ctr"/>
+            <a:endParaRPr lang="en-US"/>
+          </a:p>
+        </p:txBody>
+      </p:sp>
+      <p:sp>
+        <p:nvSpPr>
+          <p:cNvPr id="23" name="Arrow: Right 22">
+            <a:extLst>
+              <a:ext uri="{FF2B5EF4-FFF2-40B4-BE49-F238E27FC236}">
+                <a16:creationId xmlns:a16="http://schemas.microsoft.com/office/drawing/2014/main" id="{C39E9F89-4B36-89DC-9D60-788099F64925}"/>
+              </a:ext>
+            </a:extLst>
+          </p:cNvPr>
+          <p:cNvSpPr/>
+          <p:nvPr/>
+        </p:nvSpPr>
+        <p:spPr>
+          <a:xfrm rot="10800000">
+            <a:off x="4751644" y="5962494"/>
+            <a:ext cx="482334" cy="195077"/>
+          </a:xfrm>
+          <a:prstGeom prst="rightArrow">
+            <a:avLst/>
+          </a:prstGeom>
+          <a:solidFill>
+            <a:srgbClr val="0070C0"/>
+          </a:solidFill>
+          <a:ln>
+            <a:solidFill>
+              <a:srgbClr val="002060"/>
+            </a:solidFill>
+          </a:ln>
+        </p:spPr>
+        <p:style>
+          <a:lnRef idx="2">
+            <a:schemeClr val="accent1">
+              <a:shade val="15000"/>
+            </a:schemeClr>
+          </a:lnRef>
+          <a:fillRef idx="1">
+            <a:schemeClr val="accent1"/>
+          </a:fillRef>
+          <a:effectRef idx="0">
+            <a:schemeClr val="accent1"/>
+          </a:effectRef>
+          <a:fontRef idx="minor">
+            <a:schemeClr val="lt1"/>
+          </a:fontRef>
+        </p:style>
+        <p:txBody>
+          <a:bodyPr rtlCol="0" anchor="ctr"/>
+          <a:lstStyle/>
+          <a:p>
+            <a:pPr algn="ctr"/>
+            <a:endParaRPr lang="en-US"/>
+          </a:p>
+        </p:txBody>
+      </p:sp>
+      <p:sp>
+        <p:nvSpPr>
+          <p:cNvPr id="24" name="TextBox 23">
+            <a:extLst>
+              <a:ext uri="{FF2B5EF4-FFF2-40B4-BE49-F238E27FC236}">
+                <a16:creationId xmlns:a16="http://schemas.microsoft.com/office/drawing/2014/main" id="{164284AA-7FD8-CCDA-0D84-FAF1ADECD138}"/>
+              </a:ext>
+            </a:extLst>
+          </p:cNvPr>
+          <p:cNvSpPr txBox="1"/>
+          <p:nvPr/>
+        </p:nvSpPr>
+        <p:spPr>
+          <a:xfrm>
+            <a:off x="4695763" y="5597221"/>
+            <a:ext cx="2952750" cy="307777"/>
+          </a:xfrm>
+          <a:prstGeom prst="rect">
+            <a:avLst/>
+          </a:prstGeom>
+          <a:noFill/>
+          <a:ln>
+            <a:solidFill>
+              <a:schemeClr val="tx1"/>
+            </a:solidFill>
+          </a:ln>
+        </p:spPr>
+        <p:txBody>
+          <a:bodyPr wrap="square" rtlCol="0">
+            <a:spAutoFit/>
+          </a:bodyPr>
+          <a:lstStyle/>
+          <a:p>
+            <a:pPr algn="r"/>
+            <a:r>
+              <a:rPr lang="en-US" sz="1400" dirty="0"/>
+              <a:t>Force on Positive Charges</a:t>
+            </a:r>
+          </a:p>
+        </p:txBody>
+      </p:sp>
+      <p:sp>
+        <p:nvSpPr>
+          <p:cNvPr id="25" name="TextBox 24">
+            <a:extLst>
+              <a:ext uri="{FF2B5EF4-FFF2-40B4-BE49-F238E27FC236}">
+                <a16:creationId xmlns:a16="http://schemas.microsoft.com/office/drawing/2014/main" id="{54D620B2-DC86-41FA-D946-0DE52F5BEF1E}"/>
+              </a:ext>
+            </a:extLst>
+          </p:cNvPr>
+          <p:cNvSpPr txBox="1"/>
+          <p:nvPr/>
+        </p:nvSpPr>
+        <p:spPr>
+          <a:xfrm>
+            <a:off x="4695763" y="5906143"/>
+            <a:ext cx="2952750" cy="307777"/>
+          </a:xfrm>
+          <a:prstGeom prst="rect">
+            <a:avLst/>
+          </a:prstGeom>
+          <a:noFill/>
+          <a:ln>
+            <a:solidFill>
+              <a:schemeClr val="tx1"/>
+            </a:solidFill>
+          </a:ln>
+        </p:spPr>
+        <p:txBody>
+          <a:bodyPr wrap="square" rtlCol="0">
+            <a:spAutoFit/>
+          </a:bodyPr>
+          <a:lstStyle/>
+          <a:p>
+            <a:pPr algn="r"/>
+            <a:r>
+              <a:rPr lang="en-US" sz="1400" dirty="0"/>
+              <a:t>Force on Negative Charges</a:t>
+            </a:r>
+          </a:p>
+        </p:txBody>
+      </p:sp>
+      <p:sp>
+        <p:nvSpPr>
+          <p:cNvPr id="26" name="TextBox 25">
+            <a:extLst>
+              <a:ext uri="{FF2B5EF4-FFF2-40B4-BE49-F238E27FC236}">
+                <a16:creationId xmlns:a16="http://schemas.microsoft.com/office/drawing/2014/main" id="{93684B69-06B7-A69C-4874-0D3E4FAFA575}"/>
+              </a:ext>
+            </a:extLst>
+          </p:cNvPr>
+          <p:cNvSpPr txBox="1"/>
+          <p:nvPr/>
+        </p:nvSpPr>
+        <p:spPr>
+          <a:xfrm>
+            <a:off x="4695763" y="5295084"/>
+            <a:ext cx="2952750" cy="307777"/>
+          </a:xfrm>
+          <a:prstGeom prst="rect">
+            <a:avLst/>
+          </a:prstGeom>
+          <a:noFill/>
+          <a:ln>
+            <a:solidFill>
+              <a:schemeClr val="tx1"/>
+            </a:solidFill>
+          </a:ln>
+        </p:spPr>
+        <p:txBody>
+          <a:bodyPr wrap="square" rtlCol="0">
+            <a:spAutoFit/>
+          </a:bodyPr>
+          <a:lstStyle/>
+          <a:p>
+            <a:pPr algn="ctr"/>
+            <a:r>
+              <a:rPr lang="en-US" sz="1400" dirty="0"/>
+              <a:t>Legend</a:t>
+            </a:r>
+          </a:p>
+        </p:txBody>
+      </p:sp>
+      <p:cxnSp>
+        <p:nvCxnSpPr>
+          <p:cNvPr id="27" name="Straight Arrow Connector 26">
+            <a:extLst>
+              <a:ext uri="{FF2B5EF4-FFF2-40B4-BE49-F238E27FC236}">
+                <a16:creationId xmlns:a16="http://schemas.microsoft.com/office/drawing/2014/main" id="{00F1BAB5-C012-4D36-CE76-72A4E8DF284C}"/>
+              </a:ext>
+            </a:extLst>
+          </p:cNvPr>
+          <p:cNvCxnSpPr>
+            <a:cxnSpLocks/>
+          </p:cNvCxnSpPr>
+          <p:nvPr/>
+        </p:nvCxnSpPr>
+        <p:spPr>
+          <a:xfrm flipV="1">
+            <a:off x="5614139" y="3904615"/>
+            <a:ext cx="0" cy="490696"/>
+          </a:xfrm>
+          <a:prstGeom prst="straightConnector1">
+            <a:avLst/>
+          </a:prstGeom>
+          <a:ln w="38100">
+            <a:solidFill>
+              <a:schemeClr val="accent2">
+                <a:lumMod val="60000"/>
+                <a:lumOff val="40000"/>
+              </a:schemeClr>
+            </a:solidFill>
+            <a:tailEnd type="triangle"/>
+          </a:ln>
+        </p:spPr>
+        <p:style>
+          <a:lnRef idx="3">
+            <a:schemeClr val="dk1"/>
+          </a:lnRef>
+          <a:fillRef idx="0">
+            <a:schemeClr val="dk1"/>
+          </a:fillRef>
+          <a:effectRef idx="2">
+            <a:schemeClr val="dk1"/>
+          </a:effectRef>
+          <a:fontRef idx="minor">
+            <a:schemeClr val="tx1"/>
+          </a:fontRef>
+        </p:style>
+      </p:cxnSp>
+      <p:sp>
+        <p:nvSpPr>
+          <p:cNvPr id="28" name="Rectangle: Rounded Corners 27">
+            <a:extLst>
+              <a:ext uri="{FF2B5EF4-FFF2-40B4-BE49-F238E27FC236}">
+                <a16:creationId xmlns:a16="http://schemas.microsoft.com/office/drawing/2014/main" id="{0AD36E64-EF99-3632-E7BD-456B0402D62B}"/>
+              </a:ext>
+            </a:extLst>
+          </p:cNvPr>
+          <p:cNvSpPr/>
+          <p:nvPr/>
+        </p:nvSpPr>
+        <p:spPr>
+          <a:xfrm>
+            <a:off x="5254569" y="4395311"/>
+            <a:ext cx="719140" cy="304800"/>
+          </a:xfrm>
+          <a:prstGeom prst="roundRect">
+            <a:avLst/>
+          </a:prstGeom>
+          <a:noFill/>
+          <a:ln>
+            <a:solidFill>
+              <a:schemeClr val="accent2">
+                <a:lumMod val="60000"/>
+                <a:lumOff val="40000"/>
+              </a:schemeClr>
+            </a:solidFill>
+          </a:ln>
+        </p:spPr>
+        <p:style>
+          <a:lnRef idx="2">
+            <a:schemeClr val="accent1">
+              <a:shade val="15000"/>
+            </a:schemeClr>
+          </a:lnRef>
+          <a:fillRef idx="1">
+            <a:schemeClr val="accent1"/>
+          </a:fillRef>
+          <a:effectRef idx="0">
+            <a:schemeClr val="accent1"/>
+          </a:effectRef>
+          <a:fontRef idx="minor">
+            <a:schemeClr val="lt1"/>
+          </a:fontRef>
+        </p:style>
+        <p:txBody>
+          <a:bodyPr rtlCol="0" anchor="ctr"/>
+          <a:lstStyle/>
+          <a:p>
+            <a:pPr algn="ctr"/>
+            <a:r>
+              <a:rPr lang="en-US" b="1" dirty="0">
+                <a:solidFill>
+                  <a:schemeClr val="tx1"/>
+                </a:solidFill>
+              </a:rPr>
+              <a:t>V = 0</a:t>
+            </a:r>
+          </a:p>
+        </p:txBody>
+      </p:sp>
+      <p:cxnSp>
+        <p:nvCxnSpPr>
+          <p:cNvPr id="29" name="Straight Arrow Connector 28">
+            <a:extLst>
+              <a:ext uri="{FF2B5EF4-FFF2-40B4-BE49-F238E27FC236}">
+                <a16:creationId xmlns:a16="http://schemas.microsoft.com/office/drawing/2014/main" id="{A0924CA5-6B91-7939-083B-C837F3D04F33}"/>
+              </a:ext>
+            </a:extLst>
+          </p:cNvPr>
+          <p:cNvCxnSpPr>
+            <a:cxnSpLocks/>
+          </p:cNvCxnSpPr>
+          <p:nvPr/>
+        </p:nvCxnSpPr>
+        <p:spPr>
+          <a:xfrm flipV="1">
+            <a:off x="11710881" y="3904615"/>
+            <a:ext cx="0" cy="490696"/>
+          </a:xfrm>
+          <a:prstGeom prst="straightConnector1">
+            <a:avLst/>
+          </a:prstGeom>
+          <a:ln w="38100">
+            <a:solidFill>
+              <a:schemeClr val="accent2">
+                <a:lumMod val="60000"/>
+                <a:lumOff val="40000"/>
+              </a:schemeClr>
+            </a:solidFill>
+            <a:tailEnd type="triangle"/>
+          </a:ln>
+        </p:spPr>
+        <p:style>
+          <a:lnRef idx="3">
+            <a:schemeClr val="dk1"/>
+          </a:lnRef>
+          <a:fillRef idx="0">
+            <a:schemeClr val="dk1"/>
+          </a:fillRef>
+          <a:effectRef idx="2">
+            <a:schemeClr val="dk1"/>
+          </a:effectRef>
+          <a:fontRef idx="minor">
+            <a:schemeClr val="tx1"/>
+          </a:fontRef>
+        </p:style>
+      </p:cxnSp>
+      <p:sp>
+        <p:nvSpPr>
+          <p:cNvPr id="30" name="Rectangle: Rounded Corners 29">
+            <a:extLst>
+              <a:ext uri="{FF2B5EF4-FFF2-40B4-BE49-F238E27FC236}">
+                <a16:creationId xmlns:a16="http://schemas.microsoft.com/office/drawing/2014/main" id="{0259C76C-BB5E-D020-3881-91E75AE1B7ED}"/>
+              </a:ext>
+            </a:extLst>
+          </p:cNvPr>
+          <p:cNvSpPr/>
+          <p:nvPr/>
+        </p:nvSpPr>
+        <p:spPr>
+          <a:xfrm>
+            <a:off x="11351311" y="4395311"/>
+            <a:ext cx="719140" cy="304800"/>
+          </a:xfrm>
+          <a:prstGeom prst="roundRect">
+            <a:avLst/>
+          </a:prstGeom>
+          <a:noFill/>
+          <a:ln>
+            <a:solidFill>
+              <a:schemeClr val="accent2">
+                <a:lumMod val="60000"/>
+                <a:lumOff val="40000"/>
+              </a:schemeClr>
+            </a:solidFill>
+          </a:ln>
+        </p:spPr>
+        <p:style>
+          <a:lnRef idx="2">
+            <a:schemeClr val="accent1">
+              <a:shade val="15000"/>
+            </a:schemeClr>
+          </a:lnRef>
+          <a:fillRef idx="1">
+            <a:schemeClr val="accent1"/>
+          </a:fillRef>
+          <a:effectRef idx="0">
+            <a:schemeClr val="accent1"/>
+          </a:effectRef>
+          <a:fontRef idx="minor">
+            <a:schemeClr val="lt1"/>
+          </a:fontRef>
+        </p:style>
+        <p:txBody>
+          <a:bodyPr rtlCol="0" anchor="ctr"/>
+          <a:lstStyle/>
+          <a:p>
+            <a:pPr algn="ctr"/>
+            <a:r>
+              <a:rPr lang="en-US" b="1" dirty="0">
+                <a:solidFill>
+                  <a:schemeClr val="tx1"/>
+                </a:solidFill>
+              </a:rPr>
+              <a:t>V = 0</a:t>
+            </a:r>
+          </a:p>
+        </p:txBody>
+      </p:sp>
+      <p:cxnSp>
+        <p:nvCxnSpPr>
+          <p:cNvPr id="31" name="Straight Arrow Connector 30">
+            <a:extLst>
+              <a:ext uri="{FF2B5EF4-FFF2-40B4-BE49-F238E27FC236}">
+                <a16:creationId xmlns:a16="http://schemas.microsoft.com/office/drawing/2014/main" id="{8ED2C334-11FB-94A6-8A2A-645F0F8E706D}"/>
+              </a:ext>
+            </a:extLst>
+          </p:cNvPr>
+          <p:cNvCxnSpPr>
+            <a:cxnSpLocks/>
+          </p:cNvCxnSpPr>
+          <p:nvPr/>
+        </p:nvCxnSpPr>
+        <p:spPr>
+          <a:xfrm flipV="1">
+            <a:off x="6612259" y="4002881"/>
+            <a:ext cx="0" cy="392430"/>
+          </a:xfrm>
+          <a:prstGeom prst="straightConnector1">
+            <a:avLst/>
+          </a:prstGeom>
+          <a:ln w="38100">
+            <a:solidFill>
+              <a:schemeClr val="accent2">
+                <a:lumMod val="60000"/>
+                <a:lumOff val="40000"/>
+              </a:schemeClr>
+            </a:solidFill>
+            <a:tailEnd type="triangle"/>
+          </a:ln>
+        </p:spPr>
+        <p:style>
+          <a:lnRef idx="3">
+            <a:schemeClr val="dk1"/>
+          </a:lnRef>
+          <a:fillRef idx="0">
+            <a:schemeClr val="dk1"/>
+          </a:fillRef>
+          <a:effectRef idx="2">
+            <a:schemeClr val="dk1"/>
+          </a:effectRef>
+          <a:fontRef idx="minor">
+            <a:schemeClr val="tx1"/>
+          </a:fontRef>
+        </p:style>
+      </p:cxnSp>
+      <p:sp>
+        <p:nvSpPr>
+          <p:cNvPr id="32" name="Rectangle: Rounded Corners 31">
+            <a:extLst>
+              <a:ext uri="{FF2B5EF4-FFF2-40B4-BE49-F238E27FC236}">
+                <a16:creationId xmlns:a16="http://schemas.microsoft.com/office/drawing/2014/main" id="{7BC9CD2E-DA15-8E9E-E981-2BBBAB60F1E4}"/>
+              </a:ext>
+            </a:extLst>
+          </p:cNvPr>
+          <p:cNvSpPr/>
+          <p:nvPr/>
+        </p:nvSpPr>
+        <p:spPr>
+          <a:xfrm>
+            <a:off x="6256394" y="4395311"/>
+            <a:ext cx="719140" cy="304800"/>
+          </a:xfrm>
+          <a:prstGeom prst="roundRect">
+            <a:avLst/>
+          </a:prstGeom>
+          <a:noFill/>
+          <a:ln>
+            <a:solidFill>
+              <a:schemeClr val="accent2">
+                <a:lumMod val="60000"/>
+                <a:lumOff val="40000"/>
+              </a:schemeClr>
+            </a:solidFill>
+          </a:ln>
+        </p:spPr>
+        <p:style>
+          <a:lnRef idx="2">
+            <a:schemeClr val="accent1">
+              <a:shade val="15000"/>
+            </a:schemeClr>
+          </a:lnRef>
+          <a:fillRef idx="1">
+            <a:schemeClr val="accent1"/>
+          </a:fillRef>
+          <a:effectRef idx="0">
+            <a:schemeClr val="accent1"/>
+          </a:effectRef>
+          <a:fontRef idx="minor">
+            <a:schemeClr val="lt1"/>
+          </a:fontRef>
+        </p:style>
+        <p:txBody>
+          <a:bodyPr rtlCol="0" anchor="ctr"/>
+          <a:lstStyle/>
+          <a:p>
+            <a:pPr algn="ctr"/>
+            <a:r>
+              <a:rPr lang="en-US" b="1" dirty="0">
+                <a:solidFill>
+                  <a:schemeClr val="tx1"/>
+                </a:solidFill>
+              </a:rPr>
+              <a:t>V = 0</a:t>
+            </a:r>
+          </a:p>
+        </p:txBody>
+      </p:sp>
+      <p:cxnSp>
+        <p:nvCxnSpPr>
+          <p:cNvPr id="35" name="Straight Arrow Connector 34">
+            <a:extLst>
+              <a:ext uri="{FF2B5EF4-FFF2-40B4-BE49-F238E27FC236}">
+                <a16:creationId xmlns:a16="http://schemas.microsoft.com/office/drawing/2014/main" id="{EF26E4C2-153E-CF5A-2FA0-FAEFDBFF4C71}"/>
+              </a:ext>
+            </a:extLst>
+          </p:cNvPr>
+          <p:cNvCxnSpPr>
+            <a:cxnSpLocks/>
+          </p:cNvCxnSpPr>
+          <p:nvPr/>
+        </p:nvCxnSpPr>
+        <p:spPr>
+          <a:xfrm flipV="1">
+            <a:off x="513112" y="4002881"/>
+            <a:ext cx="0" cy="392430"/>
+          </a:xfrm>
+          <a:prstGeom prst="straightConnector1">
+            <a:avLst/>
+          </a:prstGeom>
+          <a:ln w="38100">
+            <a:solidFill>
+              <a:schemeClr val="accent2">
+                <a:lumMod val="60000"/>
+                <a:lumOff val="40000"/>
+              </a:schemeClr>
+            </a:solidFill>
+            <a:tailEnd type="triangle"/>
+          </a:ln>
+        </p:spPr>
+        <p:style>
+          <a:lnRef idx="3">
+            <a:schemeClr val="dk1"/>
+          </a:lnRef>
+          <a:fillRef idx="0">
+            <a:schemeClr val="dk1"/>
+          </a:fillRef>
+          <a:effectRef idx="2">
+            <a:schemeClr val="dk1"/>
+          </a:effectRef>
+          <a:fontRef idx="minor">
+            <a:schemeClr val="tx1"/>
+          </a:fontRef>
+        </p:style>
+      </p:cxnSp>
+      <p:sp>
+        <p:nvSpPr>
+          <p:cNvPr id="36" name="Rectangle: Rounded Corners 35">
+            <a:extLst>
+              <a:ext uri="{FF2B5EF4-FFF2-40B4-BE49-F238E27FC236}">
+                <a16:creationId xmlns:a16="http://schemas.microsoft.com/office/drawing/2014/main" id="{C3B0F6FB-E26C-41E4-E0FB-FCC50A898999}"/>
+              </a:ext>
+            </a:extLst>
+          </p:cNvPr>
+          <p:cNvSpPr/>
+          <p:nvPr/>
+        </p:nvSpPr>
+        <p:spPr>
+          <a:xfrm>
+            <a:off x="157247" y="4395311"/>
+            <a:ext cx="719140" cy="304800"/>
+          </a:xfrm>
+          <a:prstGeom prst="roundRect">
+            <a:avLst/>
+          </a:prstGeom>
+          <a:noFill/>
+          <a:ln>
+            <a:solidFill>
+              <a:schemeClr val="accent2">
+                <a:lumMod val="60000"/>
+                <a:lumOff val="40000"/>
+              </a:schemeClr>
+            </a:solidFill>
+          </a:ln>
+        </p:spPr>
+        <p:style>
+          <a:lnRef idx="2">
+            <a:schemeClr val="accent1">
+              <a:shade val="15000"/>
+            </a:schemeClr>
+          </a:lnRef>
+          <a:fillRef idx="1">
+            <a:schemeClr val="accent1"/>
+          </a:fillRef>
+          <a:effectRef idx="0">
+            <a:schemeClr val="accent1"/>
+          </a:effectRef>
+          <a:fontRef idx="minor">
+            <a:schemeClr val="lt1"/>
+          </a:fontRef>
+        </p:style>
+        <p:txBody>
+          <a:bodyPr rtlCol="0" anchor="ctr"/>
+          <a:lstStyle/>
+          <a:p>
+            <a:pPr algn="ctr"/>
+            <a:r>
+              <a:rPr lang="en-US" b="1" dirty="0">
+                <a:solidFill>
+                  <a:schemeClr val="tx1"/>
+                </a:solidFill>
+              </a:rPr>
+              <a:t>V = 0</a:t>
+            </a:r>
+          </a:p>
+        </p:txBody>
+      </p:sp>
+      <p:cxnSp>
+        <p:nvCxnSpPr>
+          <p:cNvPr id="38" name="Straight Connector 37">
+            <a:extLst>
+              <a:ext uri="{FF2B5EF4-FFF2-40B4-BE49-F238E27FC236}">
+                <a16:creationId xmlns:a16="http://schemas.microsoft.com/office/drawing/2014/main" id="{5388C164-94DA-DD0D-34ED-6561821707EF}"/>
+              </a:ext>
+            </a:extLst>
+          </p:cNvPr>
+          <p:cNvCxnSpPr>
+            <a:cxnSpLocks/>
+          </p:cNvCxnSpPr>
+          <p:nvPr/>
+        </p:nvCxnSpPr>
+        <p:spPr>
+          <a:xfrm>
+            <a:off x="6096000" y="732838"/>
+            <a:ext cx="0" cy="4456382"/>
+          </a:xfrm>
+          <a:prstGeom prst="line">
+            <a:avLst/>
+          </a:prstGeom>
+        </p:spPr>
+        <p:style>
+          <a:lnRef idx="2">
+            <a:schemeClr val="accent1"/>
+          </a:lnRef>
+          <a:fillRef idx="0">
+            <a:schemeClr val="accent1"/>
+          </a:fillRef>
+          <a:effectRef idx="1">
+            <a:schemeClr val="accent1"/>
+          </a:effectRef>
+          <a:fontRef idx="minor">
+            <a:schemeClr val="tx1"/>
+          </a:fontRef>
+        </p:style>
+      </p:cxnSp>
+    </p:spTree>
+    <p:extLst>
+      <p:ext uri="{BB962C8B-B14F-4D97-AF65-F5344CB8AC3E}">
+        <p14:creationId xmlns:p14="http://schemas.microsoft.com/office/powerpoint/2010/main" val="553289684"/>
+      </p:ext>
+    </p:extLst>
+  </p:cSld>
+  <p:clrMapOvr>
+    <a:masterClrMapping/>
+  </p:clrMapOvr>
+</p:sld>
+</file>
+
+<file path=ppt/slides/slide5.xml><?xml version="1.0" encoding="utf-8"?>
+<p:sld xmlns:a="http://schemas.openxmlformats.org/drawingml/2006/main" xmlns:r="http://schemas.openxmlformats.org/officeDocument/2006/relationships" xmlns:p="http://schemas.openxmlformats.org/presentationml/2006/main">
+  <p:cSld>
+    <p:spTree>
+      <p:nvGrpSpPr>
+        <p:cNvPr id="1" name=""/>
+        <p:cNvGrpSpPr/>
+        <p:nvPr/>
+      </p:nvGrpSpPr>
+      <p:grpSpPr>
+        <a:xfrm>
+          <a:off x="0" y="0"/>
+          <a:ext cx="0" cy="0"/>
+          <a:chOff x="0" y="0"/>
+          <a:chExt cx="0" cy="0"/>
+        </a:xfrm>
+      </p:grpSpPr>
+      <p:pic>
+        <p:nvPicPr>
+          <p:cNvPr id="16" name="Picture 15">
+            <a:extLst>
+              <a:ext uri="{FF2B5EF4-FFF2-40B4-BE49-F238E27FC236}">
+                <a16:creationId xmlns:a16="http://schemas.microsoft.com/office/drawing/2014/main" id="{742BF245-A9C2-7ACA-A244-57FACF33FEB8}"/>
+              </a:ext>
+            </a:extLst>
+          </p:cNvPr>
+          <p:cNvPicPr>
+            <a:picLocks noChangeAspect="1"/>
+          </p:cNvPicPr>
+          <p:nvPr/>
+        </p:nvPicPr>
+        <p:blipFill>
+          <a:blip r:embed="rId2"/>
+          <a:stretch>
+            <a:fillRect/>
+          </a:stretch>
+        </p:blipFill>
+        <p:spPr>
+          <a:xfrm>
+            <a:off x="306422" y="607829"/>
+            <a:ext cx="2950527" cy="3165466"/>
+          </a:xfrm>
+          <a:prstGeom prst="rect">
+            <a:avLst/>
+          </a:prstGeom>
+        </p:spPr>
+      </p:pic>
+      <p:sp>
+        <p:nvSpPr>
+          <p:cNvPr id="17" name="TextBox 16">
+            <a:extLst>
+              <a:ext uri="{FF2B5EF4-FFF2-40B4-BE49-F238E27FC236}">
+                <a16:creationId xmlns:a16="http://schemas.microsoft.com/office/drawing/2014/main" id="{DE62E486-AC37-0DD3-1F0C-71E71A21ED26}"/>
+              </a:ext>
+            </a:extLst>
+          </p:cNvPr>
+          <p:cNvSpPr txBox="1"/>
+          <p:nvPr/>
+        </p:nvSpPr>
+        <p:spPr>
+          <a:xfrm>
+            <a:off x="450484" y="185752"/>
+            <a:ext cx="1934070" cy="307777"/>
+          </a:xfrm>
+          <a:prstGeom prst="rect">
+            <a:avLst/>
+          </a:prstGeom>
+          <a:noFill/>
+          <a:ln>
+            <a:solidFill>
+              <a:schemeClr val="tx1"/>
+            </a:solidFill>
+          </a:ln>
+        </p:spPr>
+        <p:txBody>
+          <a:bodyPr wrap="square" rtlCol="0">
+            <a:spAutoFit/>
+          </a:bodyPr>
+          <a:lstStyle/>
+          <a:p>
+            <a:pPr algn="ctr"/>
+            <a:r>
+              <a:rPr lang="en-US" sz="1400" dirty="0"/>
+              <a:t>Excel Sheet Calculator</a:t>
+            </a:r>
+          </a:p>
+        </p:txBody>
+      </p:sp>
+      <p:sp>
+        <p:nvSpPr>
+          <p:cNvPr id="29" name="TextBox 28">
+            <a:extLst>
+              <a:ext uri="{FF2B5EF4-FFF2-40B4-BE49-F238E27FC236}">
+                <a16:creationId xmlns:a16="http://schemas.microsoft.com/office/drawing/2014/main" id="{AF369CF3-183C-AB36-4DEC-BBF741F95E2B}"/>
+              </a:ext>
+            </a:extLst>
+          </p:cNvPr>
+          <p:cNvSpPr txBox="1"/>
+          <p:nvPr/>
+        </p:nvSpPr>
+        <p:spPr>
+          <a:xfrm>
+            <a:off x="3672044" y="218962"/>
+            <a:ext cx="2349619" cy="307777"/>
+          </a:xfrm>
+          <a:prstGeom prst="rect">
+            <a:avLst/>
+          </a:prstGeom>
+          <a:noFill/>
+          <a:ln>
+            <a:solidFill>
+              <a:schemeClr val="tx1"/>
+            </a:solidFill>
+          </a:ln>
+        </p:spPr>
+        <p:txBody>
+          <a:bodyPr wrap="square" rtlCol="0">
+            <a:spAutoFit/>
+          </a:bodyPr>
+          <a:lstStyle/>
+          <a:p>
+            <a:pPr algn="ctr"/>
+            <a:r>
+              <a:rPr lang="en-US" sz="1400" dirty="0"/>
+              <a:t>COMSOL Simulation</a:t>
+            </a:r>
+          </a:p>
+        </p:txBody>
+      </p:sp>
+      <p:pic>
+        <p:nvPicPr>
+          <p:cNvPr id="30" name="Picture 29">
+            <a:extLst>
+              <a:ext uri="{FF2B5EF4-FFF2-40B4-BE49-F238E27FC236}">
+                <a16:creationId xmlns:a16="http://schemas.microsoft.com/office/drawing/2014/main" id="{B147F649-6C33-C877-4513-CE7BE3D549CB}"/>
+              </a:ext>
+            </a:extLst>
+          </p:cNvPr>
+          <p:cNvPicPr>
+            <a:picLocks noChangeAspect="1"/>
+          </p:cNvPicPr>
+          <p:nvPr/>
+        </p:nvPicPr>
+        <p:blipFill>
+          <a:blip r:embed="rId3"/>
+          <a:srcRect l="8275" t="10957" r="6047" b="6925"/>
+          <a:stretch/>
+        </p:blipFill>
+        <p:spPr>
+          <a:xfrm rot="16200000">
+            <a:off x="6698003" y="1985444"/>
+            <a:ext cx="5758979" cy="3082515"/>
+          </a:xfrm>
+          <a:prstGeom prst="rect">
+            <a:avLst/>
+          </a:prstGeom>
+        </p:spPr>
+      </p:pic>
+      <p:sp>
+        <p:nvSpPr>
+          <p:cNvPr id="31" name="Arrow: Right 30">
+            <a:extLst>
+              <a:ext uri="{FF2B5EF4-FFF2-40B4-BE49-F238E27FC236}">
+                <a16:creationId xmlns:a16="http://schemas.microsoft.com/office/drawing/2014/main" id="{EA56CE58-C3C1-15A7-12B9-A2A007E84C38}"/>
+              </a:ext>
+            </a:extLst>
+          </p:cNvPr>
+          <p:cNvSpPr/>
+          <p:nvPr/>
+        </p:nvSpPr>
+        <p:spPr>
+          <a:xfrm rot="5400000">
+            <a:off x="7988997" y="4248185"/>
+            <a:ext cx="2920434" cy="212062"/>
+          </a:xfrm>
+          <a:prstGeom prst="rightArrow">
+            <a:avLst/>
+          </a:prstGeom>
+          <a:solidFill>
+            <a:srgbClr val="0070C0"/>
+          </a:solidFill>
+          <a:ln>
+            <a:solidFill>
+              <a:srgbClr val="002060"/>
+            </a:solidFill>
+          </a:ln>
+        </p:spPr>
+        <p:style>
+          <a:lnRef idx="2">
+            <a:schemeClr val="accent1">
+              <a:shade val="15000"/>
+            </a:schemeClr>
+          </a:lnRef>
+          <a:fillRef idx="1">
+            <a:schemeClr val="accent1"/>
+          </a:fillRef>
+          <a:effectRef idx="0">
+            <a:schemeClr val="accent1"/>
+          </a:effectRef>
+          <a:fontRef idx="minor">
+            <a:schemeClr val="lt1"/>
+          </a:fontRef>
+        </p:style>
+        <p:txBody>
+          <a:bodyPr rtlCol="0" anchor="ctr"/>
+          <a:lstStyle/>
+          <a:p>
+            <a:pPr algn="ctr"/>
+            <a:endParaRPr lang="en-US" dirty="0"/>
+          </a:p>
+        </p:txBody>
+      </p:sp>
+      <p:sp>
+        <p:nvSpPr>
+          <p:cNvPr id="32" name="Arrow: Right 31">
+            <a:extLst>
+              <a:ext uri="{FF2B5EF4-FFF2-40B4-BE49-F238E27FC236}">
+                <a16:creationId xmlns:a16="http://schemas.microsoft.com/office/drawing/2014/main" id="{2A293891-649B-D3A5-13BF-DC5A49D57273}"/>
+              </a:ext>
+            </a:extLst>
+          </p:cNvPr>
+          <p:cNvSpPr/>
+          <p:nvPr/>
+        </p:nvSpPr>
+        <p:spPr>
+          <a:xfrm rot="16200000">
+            <a:off x="8276787" y="4248187"/>
+            <a:ext cx="2920436" cy="212060"/>
+          </a:xfrm>
+          <a:prstGeom prst="rightArrow">
+            <a:avLst/>
+          </a:prstGeom>
+          <a:solidFill>
+            <a:srgbClr val="FF0000"/>
+          </a:solidFill>
+          <a:ln>
+            <a:solidFill>
+              <a:srgbClr val="C00000"/>
+            </a:solidFill>
+          </a:ln>
+        </p:spPr>
+        <p:style>
+          <a:lnRef idx="2">
+            <a:schemeClr val="accent1">
+              <a:shade val="15000"/>
+            </a:schemeClr>
+          </a:lnRef>
+          <a:fillRef idx="1">
+            <a:schemeClr val="accent1"/>
+          </a:fillRef>
+          <a:effectRef idx="0">
+            <a:schemeClr val="accent1"/>
+          </a:effectRef>
+          <a:fontRef idx="minor">
+            <a:schemeClr val="lt1"/>
+          </a:fontRef>
+        </p:style>
+        <p:txBody>
+          <a:bodyPr rtlCol="0" anchor="ctr"/>
+          <a:lstStyle/>
+          <a:p>
+            <a:pPr algn="ctr"/>
+            <a:endParaRPr lang="en-US" dirty="0"/>
+          </a:p>
+        </p:txBody>
+      </p:sp>
+      <p:sp>
+        <p:nvSpPr>
+          <p:cNvPr id="33" name="Arrow: Right 32">
+            <a:extLst>
+              <a:ext uri="{FF2B5EF4-FFF2-40B4-BE49-F238E27FC236}">
+                <a16:creationId xmlns:a16="http://schemas.microsoft.com/office/drawing/2014/main" id="{EF1361FC-0531-66CA-1DDE-EAAE9177ED60}"/>
+              </a:ext>
+            </a:extLst>
+          </p:cNvPr>
+          <p:cNvSpPr/>
+          <p:nvPr/>
+        </p:nvSpPr>
+        <p:spPr>
+          <a:xfrm rot="16200000">
+            <a:off x="9198744" y="1339178"/>
+            <a:ext cx="500937" cy="212060"/>
+          </a:xfrm>
+          <a:prstGeom prst="rightArrow">
+            <a:avLst/>
+          </a:prstGeom>
+          <a:solidFill>
+            <a:srgbClr val="0070C0"/>
+          </a:solidFill>
+          <a:ln>
+            <a:solidFill>
+              <a:srgbClr val="002060"/>
+            </a:solidFill>
+          </a:ln>
+        </p:spPr>
+        <p:style>
+          <a:lnRef idx="2">
+            <a:schemeClr val="accent1">
+              <a:shade val="15000"/>
+            </a:schemeClr>
+          </a:lnRef>
+          <a:fillRef idx="1">
+            <a:schemeClr val="accent1"/>
+          </a:fillRef>
+          <a:effectRef idx="0">
+            <a:schemeClr val="accent1"/>
+          </a:effectRef>
+          <a:fontRef idx="minor">
+            <a:schemeClr val="lt1"/>
+          </a:fontRef>
+        </p:style>
+        <p:txBody>
+          <a:bodyPr rtlCol="0" anchor="ctr"/>
+          <a:lstStyle/>
+          <a:p>
+            <a:pPr algn="ctr"/>
+            <a:endParaRPr lang="en-US"/>
+          </a:p>
+        </p:txBody>
+      </p:sp>
+      <p:sp>
+        <p:nvSpPr>
+          <p:cNvPr id="34" name="Arrow: Right 33">
+            <a:extLst>
+              <a:ext uri="{FF2B5EF4-FFF2-40B4-BE49-F238E27FC236}">
+                <a16:creationId xmlns:a16="http://schemas.microsoft.com/office/drawing/2014/main" id="{6504D514-9473-6031-1B9A-CE97CEA8C232}"/>
+              </a:ext>
+            </a:extLst>
+          </p:cNvPr>
+          <p:cNvSpPr/>
+          <p:nvPr/>
+        </p:nvSpPr>
+        <p:spPr>
+          <a:xfrm rot="16200000" flipH="1">
+            <a:off x="9486537" y="1339177"/>
+            <a:ext cx="500935" cy="212060"/>
+          </a:xfrm>
+          <a:prstGeom prst="rightArrow">
+            <a:avLst/>
+          </a:prstGeom>
+          <a:solidFill>
+            <a:srgbClr val="FF0000"/>
+          </a:solidFill>
+          <a:ln>
+            <a:solidFill>
+              <a:srgbClr val="C00000"/>
+            </a:solidFill>
+          </a:ln>
+        </p:spPr>
+        <p:style>
+          <a:lnRef idx="2">
+            <a:schemeClr val="accent1">
+              <a:shade val="15000"/>
+            </a:schemeClr>
+          </a:lnRef>
+          <a:fillRef idx="1">
+            <a:schemeClr val="accent1"/>
+          </a:fillRef>
+          <a:effectRef idx="0">
+            <a:schemeClr val="accent1"/>
+          </a:effectRef>
+          <a:fontRef idx="minor">
+            <a:schemeClr val="lt1"/>
+          </a:fontRef>
+        </p:style>
+        <p:txBody>
+          <a:bodyPr rtlCol="0" anchor="ctr"/>
+          <a:lstStyle/>
+          <a:p>
+            <a:pPr algn="ctr"/>
+            <a:endParaRPr lang="en-US"/>
+          </a:p>
+        </p:txBody>
+      </p:sp>
+      <p:sp>
+        <p:nvSpPr>
+          <p:cNvPr id="35" name="TextBox 34">
+            <a:extLst>
+              <a:ext uri="{FF2B5EF4-FFF2-40B4-BE49-F238E27FC236}">
+                <a16:creationId xmlns:a16="http://schemas.microsoft.com/office/drawing/2014/main" id="{FC29E358-76A0-7B0A-3725-0122CDBF18FB}"/>
+              </a:ext>
+            </a:extLst>
+          </p:cNvPr>
+          <p:cNvSpPr txBox="1"/>
+          <p:nvPr/>
+        </p:nvSpPr>
+        <p:spPr>
+          <a:xfrm>
+            <a:off x="8155785" y="232184"/>
+            <a:ext cx="2950378" cy="307777"/>
+          </a:xfrm>
+          <a:prstGeom prst="rect">
+            <a:avLst/>
+          </a:prstGeom>
+          <a:noFill/>
+          <a:ln>
+            <a:solidFill>
+              <a:schemeClr val="tx1"/>
+            </a:solidFill>
+          </a:ln>
+        </p:spPr>
+        <p:txBody>
+          <a:bodyPr wrap="square" rtlCol="0">
+            <a:spAutoFit/>
+          </a:bodyPr>
+          <a:lstStyle/>
+          <a:p>
+            <a:pPr algn="ctr"/>
+            <a:r>
+              <a:rPr lang="en-US" sz="1400" dirty="0"/>
+              <a:t>Expected Drift based on Simulation</a:t>
+            </a:r>
+          </a:p>
+        </p:txBody>
+      </p:sp>
+      <p:cxnSp>
+        <p:nvCxnSpPr>
+          <p:cNvPr id="36" name="Straight Connector 35">
+            <a:extLst>
+              <a:ext uri="{FF2B5EF4-FFF2-40B4-BE49-F238E27FC236}">
+                <a16:creationId xmlns:a16="http://schemas.microsoft.com/office/drawing/2014/main" id="{0A3B2172-8E51-42BE-1B79-2DECC7A194D8}"/>
+              </a:ext>
+            </a:extLst>
+          </p:cNvPr>
+          <p:cNvCxnSpPr>
+            <a:cxnSpLocks/>
+          </p:cNvCxnSpPr>
+          <p:nvPr/>
+        </p:nvCxnSpPr>
+        <p:spPr>
+          <a:xfrm>
+            <a:off x="7885228" y="1006665"/>
+            <a:ext cx="0" cy="4456382"/>
+          </a:xfrm>
+          <a:prstGeom prst="line">
+            <a:avLst/>
+          </a:prstGeom>
+          <a:ln w="38100"/>
+        </p:spPr>
+        <p:style>
+          <a:lnRef idx="2">
+            <a:schemeClr val="accent1"/>
+          </a:lnRef>
+          <a:fillRef idx="0">
+            <a:schemeClr val="accent1"/>
+          </a:fillRef>
+          <a:effectRef idx="1">
+            <a:schemeClr val="accent1"/>
+          </a:effectRef>
+          <a:fontRef idx="minor">
+            <a:schemeClr val="tx1"/>
+          </a:fontRef>
+        </p:style>
+      </p:cxnSp>
+      <p:cxnSp>
+        <p:nvCxnSpPr>
+          <p:cNvPr id="37" name="Straight Connector 36">
+            <a:extLst>
+              <a:ext uri="{FF2B5EF4-FFF2-40B4-BE49-F238E27FC236}">
+                <a16:creationId xmlns:a16="http://schemas.microsoft.com/office/drawing/2014/main" id="{B1600E67-5E8D-1311-B769-53BB98A0810E}"/>
+              </a:ext>
+            </a:extLst>
+          </p:cNvPr>
+          <p:cNvCxnSpPr>
+            <a:cxnSpLocks/>
+          </p:cNvCxnSpPr>
+          <p:nvPr/>
+        </p:nvCxnSpPr>
+        <p:spPr>
+          <a:xfrm>
+            <a:off x="3352800" y="1068118"/>
+            <a:ext cx="0" cy="4456382"/>
+          </a:xfrm>
+          <a:prstGeom prst="line">
+            <a:avLst/>
+          </a:prstGeom>
+          <a:ln w="38100"/>
+        </p:spPr>
+        <p:style>
+          <a:lnRef idx="2">
+            <a:schemeClr val="accent1"/>
+          </a:lnRef>
+          <a:fillRef idx="0">
+            <a:schemeClr val="accent1"/>
+          </a:fillRef>
+          <a:effectRef idx="1">
+            <a:schemeClr val="accent1"/>
+          </a:effectRef>
+          <a:fontRef idx="minor">
+            <a:schemeClr val="tx1"/>
+          </a:fontRef>
+        </p:style>
+      </p:cxnSp>
+      <p:sp>
+        <p:nvSpPr>
+          <p:cNvPr id="38" name="TextBox 37">
+            <a:extLst>
+              <a:ext uri="{FF2B5EF4-FFF2-40B4-BE49-F238E27FC236}">
+                <a16:creationId xmlns:a16="http://schemas.microsoft.com/office/drawing/2014/main" id="{C4A7165B-1185-A9DF-7CED-90BBB71B7697}"/>
+              </a:ext>
+            </a:extLst>
+          </p:cNvPr>
+          <p:cNvSpPr txBox="1"/>
+          <p:nvPr/>
+        </p:nvSpPr>
+        <p:spPr>
+          <a:xfrm>
+            <a:off x="450484" y="3927183"/>
+            <a:ext cx="2600379" cy="954107"/>
+          </a:xfrm>
+          <a:prstGeom prst="rect">
+            <a:avLst/>
+          </a:prstGeom>
+          <a:noFill/>
+          <a:ln>
+            <a:noFill/>
+          </a:ln>
+        </p:spPr>
+        <p:txBody>
+          <a:bodyPr wrap="square" rtlCol="0">
+            <a:spAutoFit/>
+          </a:bodyPr>
+          <a:lstStyle/>
+          <a:p>
+            <a:pPr algn="ctr"/>
+            <a:r>
+              <a:rPr lang="en-US" sz="1400" dirty="0"/>
+              <a:t>Changing the green box in the excel sheet will update all values. All other values are constant or set.</a:t>
+            </a:r>
+          </a:p>
+        </p:txBody>
+      </p:sp>
+      <p:pic>
+        <p:nvPicPr>
+          <p:cNvPr id="40" name="Picture 39">
+            <a:extLst>
+              <a:ext uri="{FF2B5EF4-FFF2-40B4-BE49-F238E27FC236}">
+                <a16:creationId xmlns:a16="http://schemas.microsoft.com/office/drawing/2014/main" id="{20EA7C80-3D69-8F3A-361C-FCAF39ABC22E}"/>
+              </a:ext>
+            </a:extLst>
+          </p:cNvPr>
+          <p:cNvPicPr>
+            <a:picLocks noChangeAspect="1"/>
+          </p:cNvPicPr>
+          <p:nvPr/>
+        </p:nvPicPr>
+        <p:blipFill>
+          <a:blip r:embed="rId4"/>
+          <a:srcRect l="27130" r="24742"/>
+          <a:stretch/>
+        </p:blipFill>
+        <p:spPr>
+          <a:xfrm rot="10800000">
+            <a:off x="3509955" y="621696"/>
+            <a:ext cx="3600728" cy="5813882"/>
+          </a:xfrm>
+          <a:prstGeom prst="rect">
+            <a:avLst/>
+          </a:prstGeom>
+        </p:spPr>
+      </p:pic>
+      <p:pic>
+        <p:nvPicPr>
+          <p:cNvPr id="41" name="Picture 40">
+            <a:extLst>
+              <a:ext uri="{FF2B5EF4-FFF2-40B4-BE49-F238E27FC236}">
+                <a16:creationId xmlns:a16="http://schemas.microsoft.com/office/drawing/2014/main" id="{56B2D32E-A669-911A-6099-4BB5BF26865C}"/>
+              </a:ext>
+            </a:extLst>
+          </p:cNvPr>
+          <p:cNvPicPr>
+            <a:picLocks noChangeAspect="1"/>
+          </p:cNvPicPr>
+          <p:nvPr/>
+        </p:nvPicPr>
+        <p:blipFill>
+          <a:blip r:embed="rId4"/>
+          <a:srcRect l="91123" t="2678" r="529" b="1417"/>
+          <a:stretch/>
+        </p:blipFill>
+        <p:spPr>
+          <a:xfrm>
+            <a:off x="7127102" y="493529"/>
+            <a:ext cx="669210" cy="5974968"/>
+          </a:xfrm>
+          <a:prstGeom prst="rect">
+            <a:avLst/>
+          </a:prstGeom>
+        </p:spPr>
+      </p:pic>
+      <p:sp>
+        <p:nvSpPr>
+          <p:cNvPr id="42" name="Rectangle: Rounded Corners 41">
+            <a:extLst>
+              <a:ext uri="{FF2B5EF4-FFF2-40B4-BE49-F238E27FC236}">
+                <a16:creationId xmlns:a16="http://schemas.microsoft.com/office/drawing/2014/main" id="{797FE3FD-D1E4-3D41-FA08-7F46FF6362E4}"/>
+              </a:ext>
+            </a:extLst>
+          </p:cNvPr>
+          <p:cNvSpPr/>
+          <p:nvPr/>
+        </p:nvSpPr>
+        <p:spPr>
+          <a:xfrm>
+            <a:off x="11003669" y="689122"/>
+            <a:ext cx="779668" cy="210038"/>
+          </a:xfrm>
+          <a:prstGeom prst="roundRect">
+            <a:avLst/>
+          </a:prstGeom>
+          <a:noFill/>
+          <a:ln>
+            <a:solidFill>
+              <a:schemeClr val="accent2">
+                <a:lumMod val="60000"/>
+                <a:lumOff val="40000"/>
+              </a:schemeClr>
+            </a:solidFill>
+          </a:ln>
+        </p:spPr>
+        <p:style>
+          <a:lnRef idx="2">
+            <a:schemeClr val="accent1">
+              <a:shade val="15000"/>
+            </a:schemeClr>
+          </a:lnRef>
+          <a:fillRef idx="1">
+            <a:schemeClr val="accent1"/>
+          </a:fillRef>
+          <a:effectRef idx="0">
+            <a:schemeClr val="accent1"/>
+          </a:effectRef>
+          <a:fontRef idx="minor">
+            <a:schemeClr val="lt1"/>
+          </a:fontRef>
+        </p:style>
+        <p:txBody>
+          <a:bodyPr rtlCol="0" anchor="ctr"/>
+          <a:lstStyle/>
+          <a:p>
+            <a:pPr algn="ctr"/>
+            <a:r>
+              <a:rPr lang="en-US" b="1" dirty="0">
+                <a:solidFill>
+                  <a:schemeClr val="tx1"/>
+                </a:solidFill>
+              </a:rPr>
+              <a:t>B4</a:t>
+            </a:r>
+          </a:p>
+        </p:txBody>
+      </p:sp>
+      <p:sp>
+        <p:nvSpPr>
+          <p:cNvPr id="43" name="Rectangle: Rounded Corners 42">
+            <a:extLst>
+              <a:ext uri="{FF2B5EF4-FFF2-40B4-BE49-F238E27FC236}">
+                <a16:creationId xmlns:a16="http://schemas.microsoft.com/office/drawing/2014/main" id="{4602054D-4BAC-104B-9BAD-15E8D684A81B}"/>
+              </a:ext>
+            </a:extLst>
+          </p:cNvPr>
+          <p:cNvSpPr/>
+          <p:nvPr/>
+        </p:nvSpPr>
+        <p:spPr>
+          <a:xfrm>
+            <a:off x="11003669" y="1041547"/>
+            <a:ext cx="779668" cy="210038"/>
+          </a:xfrm>
+          <a:prstGeom prst="roundRect">
+            <a:avLst/>
+          </a:prstGeom>
+          <a:noFill/>
+          <a:ln>
+            <a:solidFill>
+              <a:schemeClr val="accent2">
+                <a:lumMod val="60000"/>
+                <a:lumOff val="40000"/>
+              </a:schemeClr>
+            </a:solidFill>
+          </a:ln>
+        </p:spPr>
+        <p:style>
+          <a:lnRef idx="2">
+            <a:schemeClr val="accent1">
+              <a:shade val="15000"/>
+            </a:schemeClr>
+          </a:lnRef>
+          <a:fillRef idx="1">
+            <a:schemeClr val="accent1"/>
+          </a:fillRef>
+          <a:effectRef idx="0">
+            <a:schemeClr val="accent1"/>
+          </a:effectRef>
+          <a:fontRef idx="minor">
+            <a:schemeClr val="lt1"/>
+          </a:fontRef>
+        </p:style>
+        <p:txBody>
+          <a:bodyPr rtlCol="0" anchor="ctr"/>
+          <a:lstStyle/>
+          <a:p>
+            <a:pPr algn="ctr"/>
+            <a:r>
+              <a:rPr lang="en-US" b="1" dirty="0">
+                <a:solidFill>
+                  <a:schemeClr val="tx1"/>
+                </a:solidFill>
+              </a:rPr>
+              <a:t>B3</a:t>
+            </a:r>
+          </a:p>
+        </p:txBody>
+      </p:sp>
+      <p:sp>
+        <p:nvSpPr>
+          <p:cNvPr id="44" name="Rectangle: Rounded Corners 43">
+            <a:extLst>
+              <a:ext uri="{FF2B5EF4-FFF2-40B4-BE49-F238E27FC236}">
+                <a16:creationId xmlns:a16="http://schemas.microsoft.com/office/drawing/2014/main" id="{ECE62C2A-D7DE-8A3B-77CA-9E4A54A8849D}"/>
+              </a:ext>
+            </a:extLst>
+          </p:cNvPr>
+          <p:cNvSpPr/>
+          <p:nvPr/>
+        </p:nvSpPr>
+        <p:spPr>
+          <a:xfrm>
+            <a:off x="11003669" y="1393972"/>
+            <a:ext cx="779668" cy="210038"/>
+          </a:xfrm>
+          <a:prstGeom prst="roundRect">
+            <a:avLst/>
+          </a:prstGeom>
+          <a:noFill/>
+          <a:ln>
+            <a:solidFill>
+              <a:schemeClr val="accent2">
+                <a:lumMod val="60000"/>
+                <a:lumOff val="40000"/>
+              </a:schemeClr>
+            </a:solidFill>
+          </a:ln>
+        </p:spPr>
+        <p:style>
+          <a:lnRef idx="2">
+            <a:schemeClr val="accent1">
+              <a:shade val="15000"/>
+            </a:schemeClr>
+          </a:lnRef>
+          <a:fillRef idx="1">
+            <a:schemeClr val="accent1"/>
+          </a:fillRef>
+          <a:effectRef idx="0">
+            <a:schemeClr val="accent1"/>
+          </a:effectRef>
+          <a:fontRef idx="minor">
+            <a:schemeClr val="lt1"/>
+          </a:fontRef>
+        </p:style>
+        <p:txBody>
+          <a:bodyPr rtlCol="0" anchor="ctr"/>
+          <a:lstStyle/>
+          <a:p>
+            <a:pPr algn="ctr"/>
+            <a:r>
+              <a:rPr lang="en-US" b="1" dirty="0">
+                <a:solidFill>
+                  <a:schemeClr val="tx1"/>
+                </a:solidFill>
+              </a:rPr>
+              <a:t>B2</a:t>
+            </a:r>
+          </a:p>
+        </p:txBody>
+      </p:sp>
+      <p:sp>
+        <p:nvSpPr>
+          <p:cNvPr id="45" name="Rectangle: Rounded Corners 44">
+            <a:extLst>
+              <a:ext uri="{FF2B5EF4-FFF2-40B4-BE49-F238E27FC236}">
+                <a16:creationId xmlns:a16="http://schemas.microsoft.com/office/drawing/2014/main" id="{E3D02DE5-3A38-3F8C-9AB9-DE8B9D926FE5}"/>
+              </a:ext>
+            </a:extLst>
+          </p:cNvPr>
+          <p:cNvSpPr/>
+          <p:nvPr/>
+        </p:nvSpPr>
+        <p:spPr>
+          <a:xfrm>
+            <a:off x="11003669" y="1746397"/>
+            <a:ext cx="779668" cy="210038"/>
+          </a:xfrm>
+          <a:prstGeom prst="roundRect">
+            <a:avLst/>
+          </a:prstGeom>
+          <a:noFill/>
+          <a:ln>
+            <a:solidFill>
+              <a:schemeClr val="accent2">
+                <a:lumMod val="60000"/>
+                <a:lumOff val="40000"/>
+              </a:schemeClr>
+            </a:solidFill>
+          </a:ln>
+        </p:spPr>
+        <p:style>
+          <a:lnRef idx="2">
+            <a:schemeClr val="accent1">
+              <a:shade val="15000"/>
+            </a:schemeClr>
+          </a:lnRef>
+          <a:fillRef idx="1">
+            <a:schemeClr val="accent1"/>
+          </a:fillRef>
+          <a:effectRef idx="0">
+            <a:schemeClr val="accent1"/>
+          </a:effectRef>
+          <a:fontRef idx="minor">
+            <a:schemeClr val="lt1"/>
+          </a:fontRef>
+        </p:style>
+        <p:txBody>
+          <a:bodyPr rtlCol="0" anchor="ctr"/>
+          <a:lstStyle/>
+          <a:p>
+            <a:pPr algn="ctr"/>
+            <a:r>
+              <a:rPr lang="en-US" b="1" dirty="0">
+                <a:solidFill>
+                  <a:schemeClr val="tx1"/>
+                </a:solidFill>
+              </a:rPr>
+              <a:t>B1</a:t>
+            </a:r>
+          </a:p>
+        </p:txBody>
+      </p:sp>
+      <p:sp>
+        <p:nvSpPr>
+          <p:cNvPr id="46" name="Rectangle: Rounded Corners 45">
+            <a:extLst>
+              <a:ext uri="{FF2B5EF4-FFF2-40B4-BE49-F238E27FC236}">
+                <a16:creationId xmlns:a16="http://schemas.microsoft.com/office/drawing/2014/main" id="{3ABBCC71-2678-140D-ACB8-FCD2B7A68789}"/>
+              </a:ext>
+            </a:extLst>
+          </p:cNvPr>
+          <p:cNvSpPr/>
+          <p:nvPr/>
+        </p:nvSpPr>
+        <p:spPr>
+          <a:xfrm>
+            <a:off x="11003669" y="2072562"/>
+            <a:ext cx="779668" cy="210038"/>
+          </a:xfrm>
+          <a:prstGeom prst="roundRect">
+            <a:avLst/>
+          </a:prstGeom>
+          <a:noFill/>
+          <a:ln>
+            <a:solidFill>
+              <a:schemeClr val="accent2">
+                <a:lumMod val="60000"/>
+                <a:lumOff val="40000"/>
+              </a:schemeClr>
+            </a:solidFill>
+          </a:ln>
+        </p:spPr>
+        <p:style>
+          <a:lnRef idx="2">
+            <a:schemeClr val="accent1">
+              <a:shade val="15000"/>
+            </a:schemeClr>
+          </a:lnRef>
+          <a:fillRef idx="1">
+            <a:schemeClr val="accent1"/>
+          </a:fillRef>
+          <a:effectRef idx="0">
+            <a:schemeClr val="accent1"/>
+          </a:effectRef>
+          <a:fontRef idx="minor">
+            <a:schemeClr val="lt1"/>
+          </a:fontRef>
+        </p:style>
+        <p:txBody>
+          <a:bodyPr rtlCol="0" anchor="ctr"/>
+          <a:lstStyle/>
+          <a:p>
+            <a:pPr algn="ctr"/>
+            <a:r>
+              <a:rPr lang="en-US" b="1" dirty="0">
+                <a:solidFill>
+                  <a:schemeClr val="tx1"/>
+                </a:solidFill>
+              </a:rPr>
+              <a:t>HV</a:t>
+            </a:r>
+          </a:p>
+        </p:txBody>
+      </p:sp>
+      <p:sp>
+        <p:nvSpPr>
+          <p:cNvPr id="47" name="Rectangle: Rounded Corners 46">
+            <a:extLst>
+              <a:ext uri="{FF2B5EF4-FFF2-40B4-BE49-F238E27FC236}">
+                <a16:creationId xmlns:a16="http://schemas.microsoft.com/office/drawing/2014/main" id="{397C353C-D7EE-1C99-378E-A0155E2A3CF7}"/>
+              </a:ext>
+            </a:extLst>
+          </p:cNvPr>
+          <p:cNvSpPr/>
+          <p:nvPr/>
+        </p:nvSpPr>
+        <p:spPr>
+          <a:xfrm>
+            <a:off x="11003669" y="2424987"/>
+            <a:ext cx="779668" cy="210038"/>
+          </a:xfrm>
+          <a:prstGeom prst="roundRect">
+            <a:avLst/>
+          </a:prstGeom>
+          <a:noFill/>
+          <a:ln>
+            <a:solidFill>
+              <a:schemeClr val="accent2">
+                <a:lumMod val="60000"/>
+                <a:lumOff val="40000"/>
+              </a:schemeClr>
+            </a:solidFill>
+          </a:ln>
+        </p:spPr>
+        <p:style>
+          <a:lnRef idx="2">
+            <a:schemeClr val="accent1">
+              <a:shade val="15000"/>
+            </a:schemeClr>
+          </a:lnRef>
+          <a:fillRef idx="1">
+            <a:schemeClr val="accent1"/>
+          </a:fillRef>
+          <a:effectRef idx="0">
+            <a:schemeClr val="accent1"/>
+          </a:effectRef>
+          <a:fontRef idx="minor">
+            <a:schemeClr val="lt1"/>
+          </a:fontRef>
+        </p:style>
+        <p:txBody>
+          <a:bodyPr rtlCol="0" anchor="ctr"/>
+          <a:lstStyle/>
+          <a:p>
+            <a:pPr algn="ctr"/>
+            <a:r>
+              <a:rPr lang="en-US" b="1" dirty="0">
+                <a:solidFill>
+                  <a:schemeClr val="tx1"/>
+                </a:solidFill>
+              </a:rPr>
+              <a:t>D1</a:t>
+            </a:r>
+          </a:p>
+        </p:txBody>
+      </p:sp>
+      <p:sp>
+        <p:nvSpPr>
+          <p:cNvPr id="48" name="Rectangle: Rounded Corners 47">
+            <a:extLst>
+              <a:ext uri="{FF2B5EF4-FFF2-40B4-BE49-F238E27FC236}">
+                <a16:creationId xmlns:a16="http://schemas.microsoft.com/office/drawing/2014/main" id="{06434B9E-408E-A816-BF9C-4CA1F9716727}"/>
+              </a:ext>
+            </a:extLst>
+          </p:cNvPr>
+          <p:cNvSpPr/>
+          <p:nvPr/>
+        </p:nvSpPr>
+        <p:spPr>
+          <a:xfrm>
+            <a:off x="11003669" y="2777412"/>
+            <a:ext cx="779668" cy="210038"/>
+          </a:xfrm>
+          <a:prstGeom prst="roundRect">
+            <a:avLst/>
+          </a:prstGeom>
+          <a:noFill/>
+          <a:ln>
+            <a:solidFill>
+              <a:schemeClr val="accent2">
+                <a:lumMod val="60000"/>
+                <a:lumOff val="40000"/>
+              </a:schemeClr>
+            </a:solidFill>
+          </a:ln>
+        </p:spPr>
+        <p:style>
+          <a:lnRef idx="2">
+            <a:schemeClr val="accent1">
+              <a:shade val="15000"/>
+            </a:schemeClr>
+          </a:lnRef>
+          <a:fillRef idx="1">
+            <a:schemeClr val="accent1"/>
+          </a:fillRef>
+          <a:effectRef idx="0">
+            <a:schemeClr val="accent1"/>
+          </a:effectRef>
+          <a:fontRef idx="minor">
+            <a:schemeClr val="lt1"/>
+          </a:fontRef>
+        </p:style>
+        <p:txBody>
+          <a:bodyPr rtlCol="0" anchor="ctr"/>
+          <a:lstStyle/>
+          <a:p>
+            <a:pPr algn="ctr"/>
+            <a:r>
+              <a:rPr lang="en-US" b="1" dirty="0">
+                <a:solidFill>
+                  <a:schemeClr val="tx1"/>
+                </a:solidFill>
+              </a:rPr>
+              <a:t>D2</a:t>
+            </a:r>
+          </a:p>
+        </p:txBody>
+      </p:sp>
+      <p:sp>
+        <p:nvSpPr>
+          <p:cNvPr id="49" name="Rectangle: Rounded Corners 48">
+            <a:extLst>
+              <a:ext uri="{FF2B5EF4-FFF2-40B4-BE49-F238E27FC236}">
+                <a16:creationId xmlns:a16="http://schemas.microsoft.com/office/drawing/2014/main" id="{2EA335EA-C189-FAF6-1C31-0527BCEF6E36}"/>
+              </a:ext>
+            </a:extLst>
+          </p:cNvPr>
+          <p:cNvSpPr/>
+          <p:nvPr/>
+        </p:nvSpPr>
+        <p:spPr>
+          <a:xfrm>
+            <a:off x="11003669" y="3129837"/>
+            <a:ext cx="779668" cy="210038"/>
+          </a:xfrm>
+          <a:prstGeom prst="roundRect">
+            <a:avLst/>
+          </a:prstGeom>
+          <a:noFill/>
+          <a:ln>
+            <a:solidFill>
+              <a:schemeClr val="accent2">
+                <a:lumMod val="60000"/>
+                <a:lumOff val="40000"/>
+              </a:schemeClr>
+            </a:solidFill>
+          </a:ln>
+        </p:spPr>
+        <p:style>
+          <a:lnRef idx="2">
+            <a:schemeClr val="accent1">
+              <a:shade val="15000"/>
+            </a:schemeClr>
+          </a:lnRef>
+          <a:fillRef idx="1">
+            <a:schemeClr val="accent1"/>
+          </a:fillRef>
+          <a:effectRef idx="0">
+            <a:schemeClr val="accent1"/>
+          </a:effectRef>
+          <a:fontRef idx="minor">
+            <a:schemeClr val="lt1"/>
+          </a:fontRef>
+        </p:style>
+        <p:txBody>
+          <a:bodyPr rtlCol="0" anchor="ctr"/>
+          <a:lstStyle/>
+          <a:p>
+            <a:pPr algn="ctr"/>
+            <a:r>
+              <a:rPr lang="en-US" b="1" dirty="0">
+                <a:solidFill>
+                  <a:schemeClr val="tx1"/>
+                </a:solidFill>
+              </a:rPr>
+              <a:t>D3</a:t>
+            </a:r>
+          </a:p>
+        </p:txBody>
+      </p:sp>
+      <p:sp>
+        <p:nvSpPr>
+          <p:cNvPr id="50" name="Rectangle: Rounded Corners 49">
+            <a:extLst>
+              <a:ext uri="{FF2B5EF4-FFF2-40B4-BE49-F238E27FC236}">
+                <a16:creationId xmlns:a16="http://schemas.microsoft.com/office/drawing/2014/main" id="{C50A731F-9E4D-0613-2077-68E60856331E}"/>
+              </a:ext>
+            </a:extLst>
+          </p:cNvPr>
+          <p:cNvSpPr/>
+          <p:nvPr/>
+        </p:nvSpPr>
+        <p:spPr>
+          <a:xfrm>
+            <a:off x="11003669" y="3447126"/>
+            <a:ext cx="779668" cy="210038"/>
+          </a:xfrm>
+          <a:prstGeom prst="roundRect">
+            <a:avLst/>
+          </a:prstGeom>
+          <a:noFill/>
+          <a:ln>
+            <a:solidFill>
+              <a:schemeClr val="accent2">
+                <a:lumMod val="60000"/>
+                <a:lumOff val="40000"/>
+              </a:schemeClr>
+            </a:solidFill>
+          </a:ln>
+        </p:spPr>
+        <p:style>
+          <a:lnRef idx="2">
+            <a:schemeClr val="accent1">
+              <a:shade val="15000"/>
+            </a:schemeClr>
+          </a:lnRef>
+          <a:fillRef idx="1">
+            <a:schemeClr val="accent1"/>
+          </a:fillRef>
+          <a:effectRef idx="0">
+            <a:schemeClr val="accent1"/>
+          </a:effectRef>
+          <a:fontRef idx="minor">
+            <a:schemeClr val="lt1"/>
+          </a:fontRef>
+        </p:style>
+        <p:txBody>
+          <a:bodyPr rtlCol="0" anchor="ctr"/>
+          <a:lstStyle/>
+          <a:p>
+            <a:pPr algn="ctr"/>
+            <a:r>
+              <a:rPr lang="en-US" b="1" dirty="0">
+                <a:solidFill>
+                  <a:schemeClr val="tx1"/>
+                </a:solidFill>
+              </a:rPr>
+              <a:t>D4</a:t>
+            </a:r>
+          </a:p>
+        </p:txBody>
+      </p:sp>
+      <p:sp>
+        <p:nvSpPr>
+          <p:cNvPr id="51" name="Rectangle: Rounded Corners 50">
+            <a:extLst>
+              <a:ext uri="{FF2B5EF4-FFF2-40B4-BE49-F238E27FC236}">
+                <a16:creationId xmlns:a16="http://schemas.microsoft.com/office/drawing/2014/main" id="{F4BD5024-0846-B6A6-711D-9A58D9C3FBE5}"/>
+              </a:ext>
+            </a:extLst>
+          </p:cNvPr>
+          <p:cNvSpPr/>
+          <p:nvPr/>
+        </p:nvSpPr>
+        <p:spPr>
+          <a:xfrm>
+            <a:off x="11003669" y="3799551"/>
+            <a:ext cx="779668" cy="210038"/>
+          </a:xfrm>
+          <a:prstGeom prst="roundRect">
+            <a:avLst/>
+          </a:prstGeom>
+          <a:noFill/>
+          <a:ln>
+            <a:solidFill>
+              <a:schemeClr val="accent2">
+                <a:lumMod val="60000"/>
+                <a:lumOff val="40000"/>
+              </a:schemeClr>
+            </a:solidFill>
+          </a:ln>
+        </p:spPr>
+        <p:style>
+          <a:lnRef idx="2">
+            <a:schemeClr val="accent1">
+              <a:shade val="15000"/>
+            </a:schemeClr>
+          </a:lnRef>
+          <a:fillRef idx="1">
+            <a:schemeClr val="accent1"/>
+          </a:fillRef>
+          <a:effectRef idx="0">
+            <a:schemeClr val="accent1"/>
+          </a:effectRef>
+          <a:fontRef idx="minor">
+            <a:schemeClr val="lt1"/>
+          </a:fontRef>
+        </p:style>
+        <p:txBody>
+          <a:bodyPr rtlCol="0" anchor="ctr"/>
+          <a:lstStyle/>
+          <a:p>
+            <a:pPr algn="ctr"/>
+            <a:r>
+              <a:rPr lang="en-US" b="1" dirty="0">
+                <a:solidFill>
+                  <a:schemeClr val="tx1"/>
+                </a:solidFill>
+              </a:rPr>
+              <a:t>D5</a:t>
+            </a:r>
+          </a:p>
+        </p:txBody>
+      </p:sp>
+      <p:sp>
+        <p:nvSpPr>
+          <p:cNvPr id="52" name="Rectangle: Rounded Corners 51">
+            <a:extLst>
+              <a:ext uri="{FF2B5EF4-FFF2-40B4-BE49-F238E27FC236}">
+                <a16:creationId xmlns:a16="http://schemas.microsoft.com/office/drawing/2014/main" id="{1BE675F5-8C7C-8D8C-90C7-318CBF3AE83B}"/>
+              </a:ext>
+            </a:extLst>
+          </p:cNvPr>
+          <p:cNvSpPr/>
+          <p:nvPr/>
+        </p:nvSpPr>
+        <p:spPr>
+          <a:xfrm>
+            <a:off x="11003669" y="4151976"/>
+            <a:ext cx="779668" cy="210038"/>
+          </a:xfrm>
+          <a:prstGeom prst="roundRect">
+            <a:avLst/>
+          </a:prstGeom>
+          <a:noFill/>
+          <a:ln>
+            <a:solidFill>
+              <a:schemeClr val="accent2">
+                <a:lumMod val="60000"/>
+                <a:lumOff val="40000"/>
+              </a:schemeClr>
+            </a:solidFill>
+          </a:ln>
+        </p:spPr>
+        <p:style>
+          <a:lnRef idx="2">
+            <a:schemeClr val="accent1">
+              <a:shade val="15000"/>
+            </a:schemeClr>
+          </a:lnRef>
+          <a:fillRef idx="1">
+            <a:schemeClr val="accent1"/>
+          </a:fillRef>
+          <a:effectRef idx="0">
+            <a:schemeClr val="accent1"/>
+          </a:effectRef>
+          <a:fontRef idx="minor">
+            <a:schemeClr val="lt1"/>
+          </a:fontRef>
+        </p:style>
+        <p:txBody>
+          <a:bodyPr rtlCol="0" anchor="ctr"/>
+          <a:lstStyle/>
+          <a:p>
+            <a:pPr algn="ctr"/>
+            <a:r>
+              <a:rPr lang="en-US" b="1" dirty="0">
+                <a:solidFill>
+                  <a:schemeClr val="tx1"/>
+                </a:solidFill>
+              </a:rPr>
+              <a:t>D6</a:t>
+            </a:r>
+          </a:p>
+        </p:txBody>
+      </p:sp>
+      <p:sp>
+        <p:nvSpPr>
+          <p:cNvPr id="53" name="Rectangle: Rounded Corners 52">
+            <a:extLst>
+              <a:ext uri="{FF2B5EF4-FFF2-40B4-BE49-F238E27FC236}">
+                <a16:creationId xmlns:a16="http://schemas.microsoft.com/office/drawing/2014/main" id="{23A42B1E-D06F-C30D-4FF1-94067DC21B2A}"/>
+              </a:ext>
+            </a:extLst>
+          </p:cNvPr>
+          <p:cNvSpPr/>
+          <p:nvPr/>
+        </p:nvSpPr>
+        <p:spPr>
+          <a:xfrm>
+            <a:off x="11003669" y="4504401"/>
+            <a:ext cx="779668" cy="210038"/>
+          </a:xfrm>
+          <a:prstGeom prst="roundRect">
+            <a:avLst/>
+          </a:prstGeom>
+          <a:noFill/>
+          <a:ln>
+            <a:solidFill>
+              <a:schemeClr val="accent2">
+                <a:lumMod val="60000"/>
+                <a:lumOff val="40000"/>
+              </a:schemeClr>
+            </a:solidFill>
+          </a:ln>
+        </p:spPr>
+        <p:style>
+          <a:lnRef idx="2">
+            <a:schemeClr val="accent1">
+              <a:shade val="15000"/>
+            </a:schemeClr>
+          </a:lnRef>
+          <a:fillRef idx="1">
+            <a:schemeClr val="accent1"/>
+          </a:fillRef>
+          <a:effectRef idx="0">
+            <a:schemeClr val="accent1"/>
+          </a:effectRef>
+          <a:fontRef idx="minor">
+            <a:schemeClr val="lt1"/>
+          </a:fontRef>
+        </p:style>
+        <p:txBody>
+          <a:bodyPr rtlCol="0" anchor="ctr"/>
+          <a:lstStyle/>
+          <a:p>
+            <a:pPr algn="ctr"/>
+            <a:r>
+              <a:rPr lang="en-US" b="1" dirty="0">
+                <a:solidFill>
+                  <a:schemeClr val="tx1"/>
+                </a:solidFill>
+              </a:rPr>
+              <a:t>D7</a:t>
+            </a:r>
+          </a:p>
+        </p:txBody>
+      </p:sp>
+      <p:sp>
+        <p:nvSpPr>
+          <p:cNvPr id="54" name="Rectangle: Rounded Corners 53">
+            <a:extLst>
+              <a:ext uri="{FF2B5EF4-FFF2-40B4-BE49-F238E27FC236}">
+                <a16:creationId xmlns:a16="http://schemas.microsoft.com/office/drawing/2014/main" id="{798BF1DE-D868-B4D7-D5C7-65321B835B5D}"/>
+              </a:ext>
+            </a:extLst>
+          </p:cNvPr>
+          <p:cNvSpPr/>
+          <p:nvPr/>
+        </p:nvSpPr>
+        <p:spPr>
+          <a:xfrm>
+            <a:off x="11003669" y="4821690"/>
+            <a:ext cx="779668" cy="210038"/>
+          </a:xfrm>
+          <a:prstGeom prst="roundRect">
+            <a:avLst/>
+          </a:prstGeom>
+          <a:noFill/>
+          <a:ln>
+            <a:solidFill>
+              <a:schemeClr val="accent2">
+                <a:lumMod val="60000"/>
+                <a:lumOff val="40000"/>
+              </a:schemeClr>
+            </a:solidFill>
+          </a:ln>
+        </p:spPr>
+        <p:style>
+          <a:lnRef idx="2">
+            <a:schemeClr val="accent1">
+              <a:shade val="15000"/>
+            </a:schemeClr>
+          </a:lnRef>
+          <a:fillRef idx="1">
+            <a:schemeClr val="accent1"/>
+          </a:fillRef>
+          <a:effectRef idx="0">
+            <a:schemeClr val="accent1"/>
+          </a:effectRef>
+          <a:fontRef idx="minor">
+            <a:schemeClr val="lt1"/>
+          </a:fontRef>
+        </p:style>
+        <p:txBody>
+          <a:bodyPr rtlCol="0" anchor="ctr"/>
+          <a:lstStyle/>
+          <a:p>
+            <a:pPr algn="ctr"/>
+            <a:r>
+              <a:rPr lang="en-US" b="1" dirty="0">
+                <a:solidFill>
+                  <a:schemeClr val="tx1"/>
+                </a:solidFill>
+              </a:rPr>
+              <a:t>D8</a:t>
+            </a:r>
+          </a:p>
+        </p:txBody>
+      </p:sp>
+      <p:sp>
+        <p:nvSpPr>
+          <p:cNvPr id="55" name="Rectangle: Rounded Corners 54">
+            <a:extLst>
+              <a:ext uri="{FF2B5EF4-FFF2-40B4-BE49-F238E27FC236}">
+                <a16:creationId xmlns:a16="http://schemas.microsoft.com/office/drawing/2014/main" id="{893FEC5C-B23B-49C1-E0F7-C10AB73CE4AA}"/>
+              </a:ext>
+            </a:extLst>
+          </p:cNvPr>
+          <p:cNvSpPr/>
+          <p:nvPr/>
+        </p:nvSpPr>
+        <p:spPr>
+          <a:xfrm>
+            <a:off x="11003669" y="5174115"/>
+            <a:ext cx="779668" cy="210038"/>
+          </a:xfrm>
+          <a:prstGeom prst="roundRect">
+            <a:avLst/>
+          </a:prstGeom>
+          <a:noFill/>
+          <a:ln>
+            <a:solidFill>
+              <a:schemeClr val="accent2">
+                <a:lumMod val="60000"/>
+                <a:lumOff val="40000"/>
+              </a:schemeClr>
+            </a:solidFill>
+          </a:ln>
+        </p:spPr>
+        <p:style>
+          <a:lnRef idx="2">
+            <a:schemeClr val="accent1">
+              <a:shade val="15000"/>
+            </a:schemeClr>
+          </a:lnRef>
+          <a:fillRef idx="1">
+            <a:schemeClr val="accent1"/>
+          </a:fillRef>
+          <a:effectRef idx="0">
+            <a:schemeClr val="accent1"/>
+          </a:effectRef>
+          <a:fontRef idx="minor">
+            <a:schemeClr val="lt1"/>
+          </a:fontRef>
+        </p:style>
+        <p:txBody>
+          <a:bodyPr rtlCol="0" anchor="ctr"/>
+          <a:lstStyle/>
+          <a:p>
+            <a:pPr algn="ctr"/>
+            <a:r>
+              <a:rPr lang="en-US" b="1" dirty="0">
+                <a:solidFill>
+                  <a:schemeClr val="tx1"/>
+                </a:solidFill>
+              </a:rPr>
+              <a:t>D9</a:t>
+            </a:r>
+          </a:p>
+        </p:txBody>
+      </p:sp>
+      <p:sp>
+        <p:nvSpPr>
+          <p:cNvPr id="56" name="Rectangle: Rounded Corners 55">
+            <a:extLst>
+              <a:ext uri="{FF2B5EF4-FFF2-40B4-BE49-F238E27FC236}">
+                <a16:creationId xmlns:a16="http://schemas.microsoft.com/office/drawing/2014/main" id="{40AD6F1D-E8FA-79AD-4333-6D68F289EC4C}"/>
+              </a:ext>
+            </a:extLst>
+          </p:cNvPr>
+          <p:cNvSpPr/>
+          <p:nvPr/>
+        </p:nvSpPr>
+        <p:spPr>
+          <a:xfrm>
+            <a:off x="11003669" y="5526540"/>
+            <a:ext cx="779668" cy="210038"/>
+          </a:xfrm>
+          <a:prstGeom prst="roundRect">
+            <a:avLst/>
+          </a:prstGeom>
+          <a:noFill/>
+          <a:ln>
+            <a:solidFill>
+              <a:schemeClr val="accent2">
+                <a:lumMod val="60000"/>
+                <a:lumOff val="40000"/>
+              </a:schemeClr>
+            </a:solidFill>
+          </a:ln>
+        </p:spPr>
+        <p:style>
+          <a:lnRef idx="2">
+            <a:schemeClr val="accent1">
+              <a:shade val="15000"/>
+            </a:schemeClr>
+          </a:lnRef>
+          <a:fillRef idx="1">
+            <a:schemeClr val="accent1"/>
+          </a:fillRef>
+          <a:effectRef idx="0">
+            <a:schemeClr val="accent1"/>
+          </a:effectRef>
+          <a:fontRef idx="minor">
+            <a:schemeClr val="lt1"/>
+          </a:fontRef>
+        </p:style>
+        <p:txBody>
+          <a:bodyPr rtlCol="0" anchor="ctr"/>
+          <a:lstStyle/>
+          <a:p>
+            <a:pPr algn="ctr"/>
+            <a:r>
+              <a:rPr lang="en-US" b="1" dirty="0">
+                <a:solidFill>
+                  <a:schemeClr val="tx1"/>
+                </a:solidFill>
+              </a:rPr>
+              <a:t>D10</a:t>
+            </a:r>
+          </a:p>
+        </p:txBody>
+      </p:sp>
+      <p:sp>
+        <p:nvSpPr>
+          <p:cNvPr id="57" name="Rectangle: Rounded Corners 56">
+            <a:extLst>
+              <a:ext uri="{FF2B5EF4-FFF2-40B4-BE49-F238E27FC236}">
+                <a16:creationId xmlns:a16="http://schemas.microsoft.com/office/drawing/2014/main" id="{9E5F1A34-DC27-7AD0-FA1E-62084AD3A4F3}"/>
+              </a:ext>
+            </a:extLst>
+          </p:cNvPr>
+          <p:cNvSpPr/>
+          <p:nvPr/>
+        </p:nvSpPr>
+        <p:spPr>
+          <a:xfrm>
+            <a:off x="11003669" y="5878965"/>
+            <a:ext cx="779668" cy="210038"/>
+          </a:xfrm>
+          <a:prstGeom prst="roundRect">
+            <a:avLst/>
+          </a:prstGeom>
+          <a:noFill/>
+          <a:ln>
+            <a:solidFill>
+              <a:schemeClr val="accent2">
+                <a:lumMod val="60000"/>
+                <a:lumOff val="40000"/>
+              </a:schemeClr>
+            </a:solidFill>
+          </a:ln>
+        </p:spPr>
+        <p:style>
+          <a:lnRef idx="2">
+            <a:schemeClr val="accent1">
+              <a:shade val="15000"/>
+            </a:schemeClr>
+          </a:lnRef>
+          <a:fillRef idx="1">
+            <a:schemeClr val="accent1"/>
+          </a:fillRef>
+          <a:effectRef idx="0">
+            <a:schemeClr val="accent1"/>
+          </a:effectRef>
+          <a:fontRef idx="minor">
+            <a:schemeClr val="lt1"/>
+          </a:fontRef>
+        </p:style>
+        <p:txBody>
+          <a:bodyPr rtlCol="0" anchor="ctr"/>
+          <a:lstStyle/>
+          <a:p>
+            <a:pPr algn="ctr"/>
+            <a:r>
+              <a:rPr lang="en-US" b="1" dirty="0">
+                <a:solidFill>
+                  <a:schemeClr val="tx1"/>
+                </a:solidFill>
+              </a:rPr>
+              <a:t>D11</a:t>
+            </a:r>
+          </a:p>
+        </p:txBody>
+      </p:sp>
+    </p:spTree>
+    <p:extLst>
+      <p:ext uri="{BB962C8B-B14F-4D97-AF65-F5344CB8AC3E}">
+        <p14:creationId xmlns:p14="http://schemas.microsoft.com/office/powerpoint/2010/main" val="1749829247"/>
+      </p:ext>
+    </p:extLst>
+  </p:cSld>
+  <p:clrMapOvr>
+    <a:masterClrMapping/>
+  </p:clrMapOvr>
+</p:sld>
+</file>
+
+<file path=ppt/slides/slide6.xml><?xml version="1.0" encoding="utf-8"?>
+<p:sld xmlns:a="http://schemas.openxmlformats.org/drawingml/2006/main" xmlns:r="http://schemas.openxmlformats.org/officeDocument/2006/relationships" xmlns:p="http://schemas.openxmlformats.org/presentationml/2006/main">
+  <p:cSld>
+    <p:spTree>
+      <p:nvGrpSpPr>
+        <p:cNvPr id="1" name=""/>
+        <p:cNvGrpSpPr/>
+        <p:nvPr/>
+      </p:nvGrpSpPr>
+      <p:grpSpPr>
+        <a:xfrm>
+          <a:off x="0" y="0"/>
+          <a:ext cx="0" cy="0"/>
+          <a:chOff x="0" y="0"/>
+          <a:chExt cx="0" cy="0"/>
+        </a:xfrm>
+      </p:grpSpPr>
+      <p:sp>
+        <p:nvSpPr>
+          <p:cNvPr id="9" name="TextBox 8">
+            <a:extLst>
+              <a:ext uri="{FF2B5EF4-FFF2-40B4-BE49-F238E27FC236}">
+                <a16:creationId xmlns:a16="http://schemas.microsoft.com/office/drawing/2014/main" id="{E5C08B41-18E4-8B40-7563-05C66FBD2CD5}"/>
+              </a:ext>
+            </a:extLst>
+          </p:cNvPr>
+          <p:cNvSpPr txBox="1"/>
+          <p:nvPr/>
+        </p:nvSpPr>
+        <p:spPr>
+          <a:xfrm>
+            <a:off x="3908425" y="144673"/>
+            <a:ext cx="4375150" cy="369332"/>
+          </a:xfrm>
+          <a:prstGeom prst="rect">
+            <a:avLst/>
+          </a:prstGeom>
+          <a:noFill/>
+          <a:ln>
+            <a:solidFill>
+              <a:schemeClr val="tx1"/>
+            </a:solidFill>
+          </a:ln>
+        </p:spPr>
+        <p:txBody>
+          <a:bodyPr wrap="square" rtlCol="0">
+            <a:spAutoFit/>
+          </a:bodyPr>
+          <a:lstStyle/>
+          <a:p>
+            <a:pPr algn="ctr"/>
+            <a:r>
+              <a:rPr lang="en-US" dirty="0"/>
+              <a:t>Cage Potential Circuit Diagram</a:t>
+            </a:r>
+          </a:p>
+        </p:txBody>
+      </p:sp>
+      <p:pic>
+        <p:nvPicPr>
+          <p:cNvPr id="11" name="Picture 10">
+            <a:extLst>
+              <a:ext uri="{FF2B5EF4-FFF2-40B4-BE49-F238E27FC236}">
+                <a16:creationId xmlns:a16="http://schemas.microsoft.com/office/drawing/2014/main" id="{04F01EA2-28B4-139E-3F60-61037C150C28}"/>
+              </a:ext>
+            </a:extLst>
+          </p:cNvPr>
+          <p:cNvPicPr>
+            <a:picLocks noChangeAspect="1"/>
+          </p:cNvPicPr>
+          <p:nvPr/>
+        </p:nvPicPr>
+        <p:blipFill>
+          <a:blip r:embed="rId2"/>
+          <a:stretch>
+            <a:fillRect/>
+          </a:stretch>
+        </p:blipFill>
+        <p:spPr>
+          <a:xfrm>
+            <a:off x="264794" y="2812587"/>
+            <a:ext cx="11662411" cy="1799115"/>
+          </a:xfrm>
+          <a:prstGeom prst="rect">
+            <a:avLst/>
+          </a:prstGeom>
+        </p:spPr>
+      </p:pic>
+      <p:sp>
+        <p:nvSpPr>
+          <p:cNvPr id="14" name="TextBox 13">
+            <a:extLst>
+              <a:ext uri="{FF2B5EF4-FFF2-40B4-BE49-F238E27FC236}">
+                <a16:creationId xmlns:a16="http://schemas.microsoft.com/office/drawing/2014/main" id="{3CFD9D2D-BE09-BE1B-60F2-1D19B825E3B7}"/>
+              </a:ext>
+            </a:extLst>
+          </p:cNvPr>
+          <p:cNvSpPr txBox="1"/>
+          <p:nvPr/>
+        </p:nvSpPr>
+        <p:spPr>
+          <a:xfrm>
+            <a:off x="3908425" y="2511227"/>
+            <a:ext cx="4375150" cy="369332"/>
+          </a:xfrm>
+          <a:prstGeom prst="rect">
+            <a:avLst/>
+          </a:prstGeom>
+          <a:noFill/>
+          <a:ln>
+            <a:solidFill>
+              <a:schemeClr val="tx1"/>
+            </a:solidFill>
+          </a:ln>
+        </p:spPr>
+        <p:txBody>
+          <a:bodyPr wrap="square" rtlCol="0">
+            <a:spAutoFit/>
+          </a:bodyPr>
+          <a:lstStyle/>
+          <a:p>
+            <a:pPr algn="ctr"/>
+            <a:r>
+              <a:rPr lang="en-US" dirty="0"/>
+              <a:t>2D Render of PCB Board</a:t>
+            </a:r>
+          </a:p>
+        </p:txBody>
+      </p:sp>
+      <p:pic>
+        <p:nvPicPr>
+          <p:cNvPr id="16" name="Picture 15">
+            <a:extLst>
+              <a:ext uri="{FF2B5EF4-FFF2-40B4-BE49-F238E27FC236}">
+                <a16:creationId xmlns:a16="http://schemas.microsoft.com/office/drawing/2014/main" id="{23FA00A1-EB55-F536-CC99-9D252E11EAF8}"/>
+              </a:ext>
+            </a:extLst>
+          </p:cNvPr>
+          <p:cNvPicPr>
+            <a:picLocks noChangeAspect="1"/>
+          </p:cNvPicPr>
+          <p:nvPr/>
+        </p:nvPicPr>
+        <p:blipFill>
+          <a:blip r:embed="rId3"/>
+          <a:srcRect t="5692" b="5500"/>
+          <a:stretch/>
+        </p:blipFill>
+        <p:spPr>
+          <a:xfrm>
+            <a:off x="358774" y="579158"/>
+            <a:ext cx="11474450" cy="1799115"/>
+          </a:xfrm>
+          <a:prstGeom prst="rect">
+            <a:avLst/>
+          </a:prstGeom>
+          <a:ln w="12700">
+            <a:solidFill>
+              <a:schemeClr val="tx1"/>
+            </a:solidFill>
+          </a:ln>
+        </p:spPr>
+      </p:pic>
+      <p:sp>
+        <p:nvSpPr>
+          <p:cNvPr id="26" name="TextBox 25">
+            <a:extLst>
+              <a:ext uri="{FF2B5EF4-FFF2-40B4-BE49-F238E27FC236}">
+                <a16:creationId xmlns:a16="http://schemas.microsoft.com/office/drawing/2014/main" id="{8864EAB9-78F1-3D25-C6FA-465424A8C122}"/>
+              </a:ext>
+            </a:extLst>
+          </p:cNvPr>
+          <p:cNvSpPr txBox="1"/>
+          <p:nvPr/>
+        </p:nvSpPr>
+        <p:spPr>
+          <a:xfrm>
+            <a:off x="3908425" y="4680864"/>
+            <a:ext cx="4375150" cy="369332"/>
+          </a:xfrm>
+          <a:prstGeom prst="rect">
+            <a:avLst/>
+          </a:prstGeom>
+          <a:noFill/>
+          <a:ln>
+            <a:solidFill>
+              <a:schemeClr val="tx1"/>
+            </a:solidFill>
+          </a:ln>
+        </p:spPr>
+        <p:txBody>
+          <a:bodyPr wrap="square" rtlCol="0">
+            <a:spAutoFit/>
+          </a:bodyPr>
+          <a:lstStyle/>
+          <a:p>
+            <a:pPr algn="ctr"/>
+            <a:r>
+              <a:rPr lang="en-US" dirty="0"/>
+              <a:t>Static Field Cage Calculations</a:t>
+            </a:r>
+          </a:p>
+        </p:txBody>
+      </p:sp>
+      <mc:AlternateContent xmlns:mc="http://schemas.openxmlformats.org/markup-compatibility/2006">
+        <mc:Choice xmlns:a14="http://schemas.microsoft.com/office/drawing/2010/main" Requires="a14">
+          <p:sp>
+            <p:nvSpPr>
+              <p:cNvPr id="27" name="TextBox 26">
+                <a:extLst>
+                  <a:ext uri="{FF2B5EF4-FFF2-40B4-BE49-F238E27FC236}">
+                    <a16:creationId xmlns:a16="http://schemas.microsoft.com/office/drawing/2014/main" id="{187D5D13-5D2F-BE91-3E6D-06503A35C28D}"/>
+                  </a:ext>
+                </a:extLst>
+              </p:cNvPr>
+              <p:cNvSpPr txBox="1"/>
+              <p:nvPr/>
+            </p:nvSpPr>
+            <p:spPr>
+              <a:xfrm>
+                <a:off x="873394" y="5528985"/>
+                <a:ext cx="2757101" cy="276999"/>
+              </a:xfrm>
+              <a:prstGeom prst="rect">
+                <a:avLst/>
+              </a:prstGeom>
+              <a:noFill/>
+            </p:spPr>
+            <p:txBody>
+              <a:bodyPr wrap="none" lIns="0" tIns="0" rIns="0" bIns="0" rtlCol="0">
+                <a:spAutoFit/>
+              </a:bodyPr>
+              <a:lstStyle/>
+              <a:p>
+                <a14:m>
+                  <m:oMath xmlns:m="http://schemas.openxmlformats.org/officeDocument/2006/math">
+                    <m:sSub>
+                      <m:sSubPr>
+                        <m:ctrlPr>
+                          <a:rPr lang="en-US" i="1" smtClean="0">
+                            <a:latin typeface="Cambria Math" panose="02040503050406030204" pitchFamily="18" charset="0"/>
+                          </a:rPr>
+                        </m:ctrlPr>
+                      </m:sSubPr>
+                      <m:e>
+                        <m:r>
+                          <a:rPr lang="en-US" i="1">
+                            <a:latin typeface="Cambria Math" panose="02040503050406030204" pitchFamily="18" charset="0"/>
+                          </a:rPr>
+                          <m:t>𝑅</m:t>
+                        </m:r>
+                      </m:e>
+                      <m:sub>
+                        <m:r>
+                          <a:rPr lang="en-US" i="1">
+                            <a:latin typeface="Cambria Math" panose="02040503050406030204" pitchFamily="18" charset="0"/>
+                          </a:rPr>
+                          <m:t>𝑛</m:t>
+                        </m:r>
+                      </m:sub>
+                    </m:sSub>
+                    <m:r>
+                      <a:rPr lang="en-US" b="0" i="1" smtClean="0">
+                        <a:latin typeface="Cambria Math" panose="02040503050406030204" pitchFamily="18" charset="0"/>
+                      </a:rPr>
+                      <m:t>= </m:t>
+                    </m:r>
+                    <m:r>
+                      <a:rPr lang="en-US" b="0" i="1" smtClean="0">
+                        <a:latin typeface="Cambria Math" panose="02040503050406030204" pitchFamily="18" charset="0"/>
+                      </a:rPr>
+                      <m:t>𝑅</m:t>
+                    </m:r>
+                  </m:oMath>
+                </a14:m>
+                <a:r>
+                  <a:rPr lang="en-US" dirty="0"/>
+                  <a:t>          </a:t>
+                </a:r>
+                <a14:m>
+                  <m:oMath xmlns:m="http://schemas.openxmlformats.org/officeDocument/2006/math">
+                    <m:r>
+                      <a:rPr lang="en-US" b="0" i="1" smtClean="0">
+                        <a:latin typeface="Cambria Math" panose="02040503050406030204" pitchFamily="18" charset="0"/>
+                      </a:rPr>
+                      <m:t>𝑛</m:t>
+                    </m:r>
+                    <m:r>
+                      <a:rPr lang="en-US" i="1">
+                        <a:latin typeface="Cambria Math" panose="02040503050406030204" pitchFamily="18" charset="0"/>
+                      </a:rPr>
+                      <m:t>=1</m:t>
+                    </m:r>
+                    <m:r>
+                      <a:rPr lang="en-US" b="0" i="1" smtClean="0">
+                        <a:latin typeface="Cambria Math" panose="02040503050406030204" pitchFamily="18" charset="0"/>
+                      </a:rPr>
+                      <m:t>,2,3,…16</m:t>
+                    </m:r>
+                  </m:oMath>
+                </a14:m>
+                <a:r>
+                  <a:rPr lang="en-US" dirty="0"/>
+                  <a:t> </a:t>
+                </a:r>
+              </a:p>
+            </p:txBody>
+          </p:sp>
+        </mc:Choice>
+        <mc:Fallback>
+          <p:sp>
+            <p:nvSpPr>
+              <p:cNvPr id="27" name="TextBox 26">
+                <a:extLst>
+                  <a:ext uri="{FF2B5EF4-FFF2-40B4-BE49-F238E27FC236}">
+                    <a16:creationId xmlns:a16="http://schemas.microsoft.com/office/drawing/2014/main" id="{187D5D13-5D2F-BE91-3E6D-06503A35C28D}"/>
+                  </a:ext>
+                </a:extLst>
+              </p:cNvPr>
+              <p:cNvSpPr txBox="1">
+                <a:spLocks noRot="1" noChangeAspect="1" noMove="1" noResize="1" noEditPoints="1" noAdjustHandles="1" noChangeArrowheads="1" noChangeShapeType="1" noTextEdit="1"/>
+              </p:cNvSpPr>
+              <p:nvPr/>
+            </p:nvSpPr>
+            <p:spPr>
+              <a:xfrm>
+                <a:off x="873394" y="5528985"/>
+                <a:ext cx="2757101" cy="276999"/>
+              </a:xfrm>
+              <a:prstGeom prst="rect">
+                <a:avLst/>
+              </a:prstGeom>
+              <a:blipFill>
+                <a:blip r:embed="rId4"/>
+                <a:stretch>
+                  <a:fillRect l="-2870" r="-442" b="-11111"/>
+                </a:stretch>
+              </a:blipFill>
+            </p:spPr>
+            <p:txBody>
+              <a:bodyPr/>
+              <a:lstStyle/>
+              <a:p>
+                <a:r>
+                  <a:rPr lang="en-US">
+                    <a:noFill/>
+                  </a:rPr>
+                  <a:t> </a:t>
+                </a:r>
+              </a:p>
+            </p:txBody>
+          </p:sp>
+        </mc:Fallback>
+      </mc:AlternateContent>
+      <mc:AlternateContent xmlns:mc="http://schemas.openxmlformats.org/markup-compatibility/2006">
+        <mc:Choice xmlns:a14="http://schemas.microsoft.com/office/drawing/2010/main" Requires="a14">
+          <p:sp>
+            <p:nvSpPr>
+              <p:cNvPr id="28" name="TextBox 27">
+                <a:extLst>
+                  <a:ext uri="{FF2B5EF4-FFF2-40B4-BE49-F238E27FC236}">
+                    <a16:creationId xmlns:a16="http://schemas.microsoft.com/office/drawing/2014/main" id="{D1EBFF38-0395-48D3-FDB1-2BD9490173A2}"/>
+                  </a:ext>
+                </a:extLst>
+              </p:cNvPr>
+              <p:cNvSpPr txBox="1"/>
+              <p:nvPr/>
+            </p:nvSpPr>
+            <p:spPr>
+              <a:xfrm>
+                <a:off x="809894" y="5825948"/>
+                <a:ext cx="962123" cy="276999"/>
+              </a:xfrm>
+              <a:prstGeom prst="rect">
+                <a:avLst/>
+              </a:prstGeom>
+              <a:noFill/>
+            </p:spPr>
+            <p:txBody>
+              <a:bodyPr wrap="none" lIns="0" tIns="0" rIns="0" bIns="0" rtlCol="0">
+                <a:spAutoFit/>
+              </a:bodyPr>
+              <a:lstStyle/>
+              <a:p>
+                <a14:m>
+                  <m:oMathPara xmlns:m="http://schemas.openxmlformats.org/officeDocument/2006/math">
+                    <m:oMathParaPr>
+                      <m:jc m:val="centerGroup"/>
+                    </m:oMathParaPr>
+                    <m:oMath xmlns:m="http://schemas.openxmlformats.org/officeDocument/2006/math">
+                      <m:sSub>
+                        <m:sSubPr>
+                          <m:ctrlPr>
+                            <a:rPr lang="en-US" b="0" i="1" smtClean="0">
+                              <a:latin typeface="Cambria Math" panose="02040503050406030204" pitchFamily="18" charset="0"/>
+                            </a:rPr>
+                          </m:ctrlPr>
+                        </m:sSubPr>
+                        <m:e>
+                          <m:r>
+                            <a:rPr lang="en-US" b="0" i="1" smtClean="0">
+                              <a:latin typeface="Cambria Math" panose="02040503050406030204" pitchFamily="18" charset="0"/>
+                            </a:rPr>
+                            <m:t>𝐻𝑉</m:t>
+                          </m:r>
+                        </m:e>
+                        <m:sub>
+                          <m:r>
+                            <a:rPr lang="en-US" b="0" i="1" smtClean="0">
+                              <a:latin typeface="Cambria Math" panose="02040503050406030204" pitchFamily="18" charset="0"/>
+                            </a:rPr>
+                            <m:t>𝑖𝑛</m:t>
+                          </m:r>
+                        </m:sub>
+                      </m:sSub>
+                      <m:r>
+                        <a:rPr lang="en-US" b="0" i="1" smtClean="0">
+                          <a:latin typeface="Cambria Math" panose="02040503050406030204" pitchFamily="18" charset="0"/>
+                        </a:rPr>
+                        <m:t>=</m:t>
+                      </m:r>
+                      <m:r>
+                        <a:rPr lang="en-US" b="0" i="1" smtClean="0">
+                          <a:latin typeface="Cambria Math" panose="02040503050406030204" pitchFamily="18" charset="0"/>
+                        </a:rPr>
+                        <m:t>𝑉</m:t>
+                      </m:r>
+                    </m:oMath>
+                  </m:oMathPara>
+                </a14:m>
+                <a:endParaRPr lang="en-US" dirty="0"/>
+              </a:p>
+            </p:txBody>
+          </p:sp>
+        </mc:Choice>
+        <mc:Fallback>
+          <p:sp>
+            <p:nvSpPr>
+              <p:cNvPr id="28" name="TextBox 27">
+                <a:extLst>
+                  <a:ext uri="{FF2B5EF4-FFF2-40B4-BE49-F238E27FC236}">
+                    <a16:creationId xmlns:a16="http://schemas.microsoft.com/office/drawing/2014/main" id="{D1EBFF38-0395-48D3-FDB1-2BD9490173A2}"/>
+                  </a:ext>
+                </a:extLst>
+              </p:cNvPr>
+              <p:cNvSpPr txBox="1">
+                <a:spLocks noRot="1" noChangeAspect="1" noMove="1" noResize="1" noEditPoints="1" noAdjustHandles="1" noChangeArrowheads="1" noChangeShapeType="1" noTextEdit="1"/>
+              </p:cNvSpPr>
+              <p:nvPr/>
+            </p:nvSpPr>
+            <p:spPr>
+              <a:xfrm>
+                <a:off x="809894" y="5825948"/>
+                <a:ext cx="962123" cy="276999"/>
+              </a:xfrm>
+              <a:prstGeom prst="rect">
+                <a:avLst/>
+              </a:prstGeom>
+              <a:blipFill>
+                <a:blip r:embed="rId5"/>
+                <a:stretch>
+                  <a:fillRect l="-5696" r="-5063" b="-17778"/>
+                </a:stretch>
+              </a:blipFill>
+            </p:spPr>
+            <p:txBody>
+              <a:bodyPr/>
+              <a:lstStyle/>
+              <a:p>
+                <a:r>
+                  <a:rPr lang="en-US">
+                    <a:noFill/>
+                  </a:rPr>
+                  <a:t> </a:t>
+                </a:r>
+              </a:p>
+            </p:txBody>
+          </p:sp>
+        </mc:Fallback>
+      </mc:AlternateContent>
+      <mc:AlternateContent xmlns:mc="http://schemas.openxmlformats.org/markup-compatibility/2006">
+        <mc:Choice xmlns:a14="http://schemas.microsoft.com/office/drawing/2010/main" Requires="a14">
+          <p:sp>
+            <p:nvSpPr>
+              <p:cNvPr id="29" name="TextBox 28">
+                <a:extLst>
+                  <a:ext uri="{FF2B5EF4-FFF2-40B4-BE49-F238E27FC236}">
+                    <a16:creationId xmlns:a16="http://schemas.microsoft.com/office/drawing/2014/main" id="{7D5CE15E-AC89-36CC-8B49-94E3EAE4A470}"/>
+                  </a:ext>
+                </a:extLst>
+              </p:cNvPr>
+              <p:cNvSpPr txBox="1"/>
+              <p:nvPr/>
+            </p:nvSpPr>
+            <p:spPr>
+              <a:xfrm>
+                <a:off x="809894" y="6122911"/>
+                <a:ext cx="919033" cy="276999"/>
+              </a:xfrm>
+              <a:prstGeom prst="rect">
+                <a:avLst/>
+              </a:prstGeom>
+              <a:noFill/>
+            </p:spPr>
+            <p:txBody>
+              <a:bodyPr wrap="none" lIns="0" tIns="0" rIns="0" bIns="0" rtlCol="0">
+                <a:spAutoFit/>
+              </a:bodyPr>
+              <a:lstStyle/>
+              <a:p>
+                <a14:m>
+                  <m:oMathPara xmlns:m="http://schemas.openxmlformats.org/officeDocument/2006/math">
+                    <m:oMathParaPr>
+                      <m:jc m:val="centerGroup"/>
+                    </m:oMathParaPr>
+                    <m:oMath xmlns:m="http://schemas.openxmlformats.org/officeDocument/2006/math">
+                      <m:sSub>
+                        <m:sSubPr>
+                          <m:ctrlPr>
+                            <a:rPr lang="en-US" b="0" i="1" smtClean="0">
+                              <a:latin typeface="Cambria Math" panose="02040503050406030204" pitchFamily="18" charset="0"/>
+                            </a:rPr>
+                          </m:ctrlPr>
+                        </m:sSubPr>
+                        <m:e>
+                          <m:r>
+                            <a:rPr lang="en-US" b="0" i="1" smtClean="0">
+                              <a:latin typeface="Cambria Math" panose="02040503050406030204" pitchFamily="18" charset="0"/>
+                            </a:rPr>
+                            <m:t>𝐷</m:t>
+                          </m:r>
+                        </m:e>
+                        <m:sub>
+                          <m:r>
+                            <a:rPr lang="en-US" b="0" i="1" smtClean="0">
+                              <a:latin typeface="Cambria Math" panose="02040503050406030204" pitchFamily="18" charset="0"/>
+                            </a:rPr>
+                            <m:t>𝑜𝑢𝑡</m:t>
+                          </m:r>
+                        </m:sub>
+                      </m:sSub>
+                      <m:r>
+                        <a:rPr lang="en-US" b="0" i="1" smtClean="0">
+                          <a:latin typeface="Cambria Math" panose="02040503050406030204" pitchFamily="18" charset="0"/>
+                        </a:rPr>
+                        <m:t>=0</m:t>
+                      </m:r>
+                    </m:oMath>
+                  </m:oMathPara>
+                </a14:m>
+                <a:endParaRPr lang="en-US" dirty="0"/>
+              </a:p>
+            </p:txBody>
+          </p:sp>
+        </mc:Choice>
+        <mc:Fallback>
+          <p:sp>
+            <p:nvSpPr>
+              <p:cNvPr id="29" name="TextBox 28">
+                <a:extLst>
+                  <a:ext uri="{FF2B5EF4-FFF2-40B4-BE49-F238E27FC236}">
+                    <a16:creationId xmlns:a16="http://schemas.microsoft.com/office/drawing/2014/main" id="{7D5CE15E-AC89-36CC-8B49-94E3EAE4A470}"/>
+                  </a:ext>
+                </a:extLst>
+              </p:cNvPr>
+              <p:cNvSpPr txBox="1">
+                <a:spLocks noRot="1" noChangeAspect="1" noMove="1" noResize="1" noEditPoints="1" noAdjustHandles="1" noChangeArrowheads="1" noChangeShapeType="1" noTextEdit="1"/>
+              </p:cNvSpPr>
+              <p:nvPr/>
+            </p:nvSpPr>
+            <p:spPr>
+              <a:xfrm>
+                <a:off x="809894" y="6122911"/>
+                <a:ext cx="919033" cy="276999"/>
+              </a:xfrm>
+              <a:prstGeom prst="rect">
+                <a:avLst/>
+              </a:prstGeom>
+              <a:blipFill>
+                <a:blip r:embed="rId6"/>
+                <a:stretch>
+                  <a:fillRect l="-6623" r="-5298" b="-13043"/>
+                </a:stretch>
+              </a:blipFill>
+            </p:spPr>
+            <p:txBody>
+              <a:bodyPr/>
+              <a:lstStyle/>
+              <a:p>
+                <a:r>
+                  <a:rPr lang="en-US">
+                    <a:noFill/>
+                  </a:rPr>
+                  <a:t> </a:t>
+                </a:r>
+              </a:p>
+            </p:txBody>
+          </p:sp>
+        </mc:Fallback>
+      </mc:AlternateContent>
+      <mc:AlternateContent xmlns:mc="http://schemas.openxmlformats.org/markup-compatibility/2006">
+        <mc:Choice xmlns:a14="http://schemas.microsoft.com/office/drawing/2010/main" Requires="a14">
+          <p:sp>
+            <p:nvSpPr>
+              <p:cNvPr id="30" name="TextBox 29">
+                <a:extLst>
+                  <a:ext uri="{FF2B5EF4-FFF2-40B4-BE49-F238E27FC236}">
+                    <a16:creationId xmlns:a16="http://schemas.microsoft.com/office/drawing/2014/main" id="{181BE5CA-2B2E-18BF-F355-675DAAE108CD}"/>
+                  </a:ext>
+                </a:extLst>
+              </p:cNvPr>
+              <p:cNvSpPr txBox="1"/>
+              <p:nvPr/>
+            </p:nvSpPr>
+            <p:spPr>
+              <a:xfrm>
+                <a:off x="809894" y="6419874"/>
+                <a:ext cx="914416" cy="276999"/>
+              </a:xfrm>
+              <a:prstGeom prst="rect">
+                <a:avLst/>
+              </a:prstGeom>
+              <a:noFill/>
+            </p:spPr>
+            <p:txBody>
+              <a:bodyPr wrap="none" lIns="0" tIns="0" rIns="0" bIns="0" rtlCol="0">
+                <a:spAutoFit/>
+              </a:bodyPr>
+              <a:lstStyle/>
+              <a:p>
+                <a14:m>
+                  <m:oMathPara xmlns:m="http://schemas.openxmlformats.org/officeDocument/2006/math">
+                    <m:oMathParaPr>
+                      <m:jc m:val="centerGroup"/>
+                    </m:oMathParaPr>
+                    <m:oMath xmlns:m="http://schemas.openxmlformats.org/officeDocument/2006/math">
+                      <m:sSub>
+                        <m:sSubPr>
+                          <m:ctrlPr>
+                            <a:rPr lang="en-US" b="0" i="1" smtClean="0">
+                              <a:latin typeface="Cambria Math" panose="02040503050406030204" pitchFamily="18" charset="0"/>
+                            </a:rPr>
+                          </m:ctrlPr>
+                        </m:sSubPr>
+                        <m:e>
+                          <m:r>
+                            <a:rPr lang="en-US" b="0" i="1" smtClean="0">
+                              <a:latin typeface="Cambria Math" panose="02040503050406030204" pitchFamily="18" charset="0"/>
+                            </a:rPr>
+                            <m:t>𝐵</m:t>
+                          </m:r>
+                        </m:e>
+                        <m:sub>
+                          <m:r>
+                            <a:rPr lang="en-US" b="0" i="1" smtClean="0">
+                              <a:latin typeface="Cambria Math" panose="02040503050406030204" pitchFamily="18" charset="0"/>
+                            </a:rPr>
+                            <m:t>𝑜𝑢𝑡</m:t>
+                          </m:r>
+                        </m:sub>
+                      </m:sSub>
+                      <m:r>
+                        <a:rPr lang="en-US" b="0" i="1" smtClean="0">
+                          <a:latin typeface="Cambria Math" panose="02040503050406030204" pitchFamily="18" charset="0"/>
+                        </a:rPr>
+                        <m:t>=0</m:t>
+                      </m:r>
+                    </m:oMath>
+                  </m:oMathPara>
+                </a14:m>
+                <a:endParaRPr lang="en-US" dirty="0"/>
+              </a:p>
+            </p:txBody>
+          </p:sp>
+        </mc:Choice>
+        <mc:Fallback>
+          <p:sp>
+            <p:nvSpPr>
+              <p:cNvPr id="30" name="TextBox 29">
+                <a:extLst>
+                  <a:ext uri="{FF2B5EF4-FFF2-40B4-BE49-F238E27FC236}">
+                    <a16:creationId xmlns:a16="http://schemas.microsoft.com/office/drawing/2014/main" id="{181BE5CA-2B2E-18BF-F355-675DAAE108CD}"/>
+                  </a:ext>
+                </a:extLst>
+              </p:cNvPr>
+              <p:cNvSpPr txBox="1">
+                <a:spLocks noRot="1" noChangeAspect="1" noMove="1" noResize="1" noEditPoints="1" noAdjustHandles="1" noChangeArrowheads="1" noChangeShapeType="1" noTextEdit="1"/>
+              </p:cNvSpPr>
+              <p:nvPr/>
+            </p:nvSpPr>
+            <p:spPr>
+              <a:xfrm>
+                <a:off x="809894" y="6419874"/>
+                <a:ext cx="914416" cy="276999"/>
+              </a:xfrm>
+              <a:prstGeom prst="rect">
+                <a:avLst/>
+              </a:prstGeom>
+              <a:blipFill>
+                <a:blip r:embed="rId7"/>
+                <a:stretch>
+                  <a:fillRect l="-6000" r="-6000" b="-13043"/>
+                </a:stretch>
+              </a:blipFill>
+            </p:spPr>
+            <p:txBody>
+              <a:bodyPr/>
+              <a:lstStyle/>
+              <a:p>
+                <a:r>
+                  <a:rPr lang="en-US">
+                    <a:noFill/>
+                  </a:rPr>
+                  <a:t> </a:t>
+                </a:r>
+              </a:p>
+            </p:txBody>
+          </p:sp>
+        </mc:Fallback>
+      </mc:AlternateContent>
+      <mc:AlternateContent xmlns:mc="http://schemas.openxmlformats.org/markup-compatibility/2006">
+        <mc:Choice xmlns:a14="http://schemas.microsoft.com/office/drawing/2010/main" Requires="a14">
+          <p:sp>
+            <p:nvSpPr>
+              <p:cNvPr id="31" name="TextBox 30">
+                <a:extLst>
+                  <a:ext uri="{FF2B5EF4-FFF2-40B4-BE49-F238E27FC236}">
+                    <a16:creationId xmlns:a16="http://schemas.microsoft.com/office/drawing/2014/main" id="{C3C01CA7-4215-E2EB-1FB2-BA60D3B521DA}"/>
+                  </a:ext>
+                </a:extLst>
+              </p:cNvPr>
+              <p:cNvSpPr txBox="1"/>
+              <p:nvPr/>
+            </p:nvSpPr>
+            <p:spPr>
+              <a:xfrm>
+                <a:off x="3990975" y="5561355"/>
+                <a:ext cx="1732910" cy="567720"/>
+              </a:xfrm>
+              <a:prstGeom prst="rect">
+                <a:avLst/>
+              </a:prstGeom>
+              <a:noFill/>
+            </p:spPr>
+            <p:txBody>
+              <a:bodyPr wrap="none" lIns="0" tIns="0" rIns="0" bIns="0" rtlCol="0">
+                <a:spAutoFit/>
+              </a:bodyPr>
+              <a:lstStyle/>
+              <a:p>
+                <a14:m>
+                  <m:oMathPara xmlns:m="http://schemas.openxmlformats.org/officeDocument/2006/math">
+                    <m:oMathParaPr>
+                      <m:jc m:val="centerGroup"/>
+                    </m:oMathParaPr>
+                    <m:oMath xmlns:m="http://schemas.openxmlformats.org/officeDocument/2006/math">
+                      <m:sSub>
+                        <m:sSubPr>
+                          <m:ctrlPr>
+                            <a:rPr lang="en-US" b="0" i="1" smtClean="0">
+                              <a:latin typeface="Cambria Math" panose="02040503050406030204" pitchFamily="18" charset="0"/>
+                            </a:rPr>
+                          </m:ctrlPr>
+                        </m:sSubPr>
+                        <m:e>
+                          <m:r>
+                            <a:rPr lang="en-US" b="0" i="1" smtClean="0">
+                              <a:latin typeface="Cambria Math" panose="02040503050406030204" pitchFamily="18" charset="0"/>
+                            </a:rPr>
+                            <m:t>𝐼</m:t>
+                          </m:r>
+                        </m:e>
+                        <m:sub>
+                          <m:r>
+                            <a:rPr lang="en-US" b="0" i="1" smtClean="0">
+                              <a:latin typeface="Cambria Math" panose="02040503050406030204" pitchFamily="18" charset="0"/>
+                            </a:rPr>
+                            <m:t>𝐵𝑢𝑓𝑓𝑒𝑟</m:t>
+                          </m:r>
+                        </m:sub>
+                      </m:sSub>
+                      <m:r>
+                        <a:rPr lang="en-US" b="0" i="1" smtClean="0">
+                          <a:latin typeface="Cambria Math" panose="02040503050406030204" pitchFamily="18" charset="0"/>
+                        </a:rPr>
+                        <m:t>=</m:t>
+                      </m:r>
+                      <m:f>
+                        <m:fPr>
+                          <m:ctrlPr>
+                            <a:rPr lang="en-US" b="0" i="1" smtClean="0">
+                              <a:latin typeface="Cambria Math" panose="02040503050406030204" pitchFamily="18" charset="0"/>
+                            </a:rPr>
+                          </m:ctrlPr>
+                        </m:fPr>
+                        <m:num>
+                          <m:r>
+                            <a:rPr lang="en-US" b="0" i="1" smtClean="0">
+                              <a:latin typeface="Cambria Math" panose="02040503050406030204" pitchFamily="18" charset="0"/>
+                            </a:rPr>
+                            <m:t>𝑉</m:t>
+                          </m:r>
+                        </m:num>
+                        <m:den>
+                          <m:r>
+                            <a:rPr lang="en-US" i="1">
+                              <a:latin typeface="Cambria Math" panose="02040503050406030204" pitchFamily="18" charset="0"/>
+                            </a:rPr>
+                            <m:t>(4∗</m:t>
+                          </m:r>
+                          <m:r>
+                            <a:rPr lang="en-US" i="1">
+                              <a:latin typeface="Cambria Math" panose="02040503050406030204" pitchFamily="18" charset="0"/>
+                            </a:rPr>
+                            <m:t>𝑅</m:t>
+                          </m:r>
+                          <m:r>
+                            <a:rPr lang="en-US" i="1">
+                              <a:latin typeface="Cambria Math" panose="02040503050406030204" pitchFamily="18" charset="0"/>
+                            </a:rPr>
+                            <m:t>)</m:t>
+                          </m:r>
+                        </m:den>
+                      </m:f>
+                    </m:oMath>
+                  </m:oMathPara>
+                </a14:m>
+                <a:endParaRPr lang="en-US" dirty="0"/>
+              </a:p>
+            </p:txBody>
+          </p:sp>
+        </mc:Choice>
+        <mc:Fallback>
+          <p:sp>
+            <p:nvSpPr>
+              <p:cNvPr id="31" name="TextBox 30">
+                <a:extLst>
+                  <a:ext uri="{FF2B5EF4-FFF2-40B4-BE49-F238E27FC236}">
+                    <a16:creationId xmlns:a16="http://schemas.microsoft.com/office/drawing/2014/main" id="{C3C01CA7-4215-E2EB-1FB2-BA60D3B521DA}"/>
+                  </a:ext>
+                </a:extLst>
+              </p:cNvPr>
+              <p:cNvSpPr txBox="1">
+                <a:spLocks noRot="1" noChangeAspect="1" noMove="1" noResize="1" noEditPoints="1" noAdjustHandles="1" noChangeArrowheads="1" noChangeShapeType="1" noTextEdit="1"/>
+              </p:cNvSpPr>
+              <p:nvPr/>
+            </p:nvSpPr>
+            <p:spPr>
+              <a:xfrm>
+                <a:off x="3990975" y="5561355"/>
+                <a:ext cx="1732910" cy="567720"/>
+              </a:xfrm>
+              <a:prstGeom prst="rect">
+                <a:avLst/>
+              </a:prstGeom>
+              <a:blipFill>
+                <a:blip r:embed="rId8"/>
+                <a:stretch>
+                  <a:fillRect/>
+                </a:stretch>
+              </a:blipFill>
+            </p:spPr>
+            <p:txBody>
+              <a:bodyPr/>
+              <a:lstStyle/>
+              <a:p>
+                <a:r>
+                  <a:rPr lang="en-US">
+                    <a:noFill/>
+                  </a:rPr>
+                  <a:t> </a:t>
+                </a:r>
+              </a:p>
+            </p:txBody>
+          </p:sp>
+        </mc:Fallback>
+      </mc:AlternateContent>
+      <mc:AlternateContent xmlns:mc="http://schemas.openxmlformats.org/markup-compatibility/2006">
+        <mc:Choice xmlns:a14="http://schemas.microsoft.com/office/drawing/2010/main" Requires="a14">
+          <p:sp>
+            <p:nvSpPr>
+              <p:cNvPr id="32" name="TextBox 31">
+                <a:extLst>
+                  <a:ext uri="{FF2B5EF4-FFF2-40B4-BE49-F238E27FC236}">
+                    <a16:creationId xmlns:a16="http://schemas.microsoft.com/office/drawing/2014/main" id="{4DF852F7-D3C1-01A5-FB38-9DBBB6C96E6C}"/>
+                  </a:ext>
+                </a:extLst>
+              </p:cNvPr>
+              <p:cNvSpPr txBox="1"/>
+              <p:nvPr/>
+            </p:nvSpPr>
+            <p:spPr>
+              <a:xfrm>
+                <a:off x="3990975" y="6190057"/>
+                <a:ext cx="1698414" cy="567720"/>
+              </a:xfrm>
+              <a:prstGeom prst="rect">
+                <a:avLst/>
+              </a:prstGeom>
+              <a:noFill/>
+            </p:spPr>
+            <p:txBody>
+              <a:bodyPr wrap="none" lIns="0" tIns="0" rIns="0" bIns="0" rtlCol="0">
+                <a:spAutoFit/>
+              </a:bodyPr>
+              <a:lstStyle/>
+              <a:p>
+                <a14:m>
+                  <m:oMathPara xmlns:m="http://schemas.openxmlformats.org/officeDocument/2006/math">
+                    <m:oMathParaPr>
+                      <m:jc m:val="centerGroup"/>
+                    </m:oMathParaPr>
+                    <m:oMath xmlns:m="http://schemas.openxmlformats.org/officeDocument/2006/math">
+                      <m:sSub>
+                        <m:sSubPr>
+                          <m:ctrlPr>
+                            <a:rPr lang="en-US" b="0" i="1" smtClean="0">
+                              <a:latin typeface="Cambria Math" panose="02040503050406030204" pitchFamily="18" charset="0"/>
+                            </a:rPr>
+                          </m:ctrlPr>
+                        </m:sSubPr>
+                        <m:e>
+                          <m:r>
+                            <a:rPr lang="en-US" b="0" i="1" smtClean="0">
+                              <a:latin typeface="Cambria Math" panose="02040503050406030204" pitchFamily="18" charset="0"/>
+                            </a:rPr>
+                            <m:t>𝐼</m:t>
+                          </m:r>
+                        </m:e>
+                        <m:sub>
+                          <m:r>
+                            <a:rPr lang="en-US" b="0" i="1" smtClean="0">
+                              <a:latin typeface="Cambria Math" panose="02040503050406030204" pitchFamily="18" charset="0"/>
+                            </a:rPr>
+                            <m:t>𝐷𝑟𝑖𝑓𝑡</m:t>
+                          </m:r>
+                        </m:sub>
+                      </m:sSub>
+                      <m:r>
+                        <a:rPr lang="en-US" b="0" i="1" smtClean="0">
+                          <a:latin typeface="Cambria Math" panose="02040503050406030204" pitchFamily="18" charset="0"/>
+                        </a:rPr>
+                        <m:t>=</m:t>
+                      </m:r>
+                      <m:f>
+                        <m:fPr>
+                          <m:ctrlPr>
+                            <a:rPr lang="en-US" b="0" i="1" smtClean="0">
+                              <a:latin typeface="Cambria Math" panose="02040503050406030204" pitchFamily="18" charset="0"/>
+                            </a:rPr>
+                          </m:ctrlPr>
+                        </m:fPr>
+                        <m:num>
+                          <m:r>
+                            <a:rPr lang="en-US" b="0" i="1" smtClean="0">
+                              <a:latin typeface="Cambria Math" panose="02040503050406030204" pitchFamily="18" charset="0"/>
+                            </a:rPr>
+                            <m:t>𝑉</m:t>
+                          </m:r>
+                        </m:num>
+                        <m:den>
+                          <m:r>
+                            <a:rPr lang="en-US" i="1">
+                              <a:latin typeface="Cambria Math" panose="02040503050406030204" pitchFamily="18" charset="0"/>
+                            </a:rPr>
+                            <m:t>(</m:t>
+                          </m:r>
+                          <m:r>
+                            <a:rPr lang="en-US" b="0" i="1" smtClean="0">
+                              <a:latin typeface="Cambria Math" panose="02040503050406030204" pitchFamily="18" charset="0"/>
+                            </a:rPr>
+                            <m:t>12</m:t>
+                          </m:r>
+                          <m:r>
+                            <a:rPr lang="en-US" i="1">
+                              <a:latin typeface="Cambria Math" panose="02040503050406030204" pitchFamily="18" charset="0"/>
+                            </a:rPr>
+                            <m:t>∗</m:t>
+                          </m:r>
+                          <m:r>
+                            <a:rPr lang="en-US" i="1">
+                              <a:latin typeface="Cambria Math" panose="02040503050406030204" pitchFamily="18" charset="0"/>
+                            </a:rPr>
+                            <m:t>𝑅</m:t>
+                          </m:r>
+                          <m:r>
+                            <a:rPr lang="en-US" i="1">
+                              <a:latin typeface="Cambria Math" panose="02040503050406030204" pitchFamily="18" charset="0"/>
+                            </a:rPr>
+                            <m:t>)</m:t>
+                          </m:r>
+                        </m:den>
+                      </m:f>
+                    </m:oMath>
+                  </m:oMathPara>
+                </a14:m>
+                <a:endParaRPr lang="en-US" dirty="0"/>
+              </a:p>
+            </p:txBody>
+          </p:sp>
+        </mc:Choice>
+        <mc:Fallback>
+          <p:sp>
+            <p:nvSpPr>
+              <p:cNvPr id="32" name="TextBox 31">
+                <a:extLst>
+                  <a:ext uri="{FF2B5EF4-FFF2-40B4-BE49-F238E27FC236}">
+                    <a16:creationId xmlns:a16="http://schemas.microsoft.com/office/drawing/2014/main" id="{4DF852F7-D3C1-01A5-FB38-9DBBB6C96E6C}"/>
+                  </a:ext>
+                </a:extLst>
+              </p:cNvPr>
+              <p:cNvSpPr txBox="1">
+                <a:spLocks noRot="1" noChangeAspect="1" noMove="1" noResize="1" noEditPoints="1" noAdjustHandles="1" noChangeArrowheads="1" noChangeShapeType="1" noTextEdit="1"/>
+              </p:cNvSpPr>
+              <p:nvPr/>
+            </p:nvSpPr>
+            <p:spPr>
+              <a:xfrm>
+                <a:off x="3990975" y="6190057"/>
+                <a:ext cx="1698414" cy="567720"/>
+              </a:xfrm>
+              <a:prstGeom prst="rect">
+                <a:avLst/>
+              </a:prstGeom>
+              <a:blipFill>
+                <a:blip r:embed="rId9"/>
+                <a:stretch>
+                  <a:fillRect/>
+                </a:stretch>
+              </a:blipFill>
+            </p:spPr>
+            <p:txBody>
+              <a:bodyPr/>
+              <a:lstStyle/>
+              <a:p>
+                <a:r>
+                  <a:rPr lang="en-US">
+                    <a:noFill/>
+                  </a:rPr>
+                  <a:t> </a:t>
+                </a:r>
+              </a:p>
+            </p:txBody>
+          </p:sp>
+        </mc:Fallback>
+      </mc:AlternateContent>
+      <p:sp>
+        <p:nvSpPr>
+          <p:cNvPr id="33" name="TextBox 32">
+            <a:extLst>
+              <a:ext uri="{FF2B5EF4-FFF2-40B4-BE49-F238E27FC236}">
+                <a16:creationId xmlns:a16="http://schemas.microsoft.com/office/drawing/2014/main" id="{C562E2D1-7E93-2EBE-6525-53A7CAB2EDA8}"/>
+              </a:ext>
+            </a:extLst>
+          </p:cNvPr>
+          <p:cNvSpPr txBox="1"/>
+          <p:nvPr/>
+        </p:nvSpPr>
+        <p:spPr>
+          <a:xfrm>
+            <a:off x="809894" y="5116761"/>
+            <a:ext cx="1634856" cy="307777"/>
+          </a:xfrm>
+          <a:prstGeom prst="rect">
+            <a:avLst/>
+          </a:prstGeom>
+          <a:noFill/>
+          <a:ln>
+            <a:solidFill>
+              <a:schemeClr val="tx1"/>
+            </a:solidFill>
+          </a:ln>
+        </p:spPr>
+        <p:txBody>
+          <a:bodyPr wrap="square" rtlCol="0">
+            <a:spAutoFit/>
+          </a:bodyPr>
+          <a:lstStyle/>
+          <a:p>
+            <a:pPr algn="ctr"/>
+            <a:r>
+              <a:rPr lang="en-US" sz="1400" dirty="0"/>
+              <a:t>Variables</a:t>
+            </a:r>
+          </a:p>
+        </p:txBody>
+      </p:sp>
+      <p:sp>
+        <p:nvSpPr>
+          <p:cNvPr id="34" name="TextBox 33">
+            <a:extLst>
+              <a:ext uri="{FF2B5EF4-FFF2-40B4-BE49-F238E27FC236}">
+                <a16:creationId xmlns:a16="http://schemas.microsoft.com/office/drawing/2014/main" id="{9B5A3E66-9699-65E4-33BF-7E50255A28AB}"/>
+              </a:ext>
+            </a:extLst>
+          </p:cNvPr>
+          <p:cNvSpPr txBox="1"/>
+          <p:nvPr/>
+        </p:nvSpPr>
+        <p:spPr>
+          <a:xfrm>
+            <a:off x="3990975" y="5116763"/>
+            <a:ext cx="1634856" cy="307777"/>
+          </a:xfrm>
+          <a:prstGeom prst="rect">
+            <a:avLst/>
+          </a:prstGeom>
+          <a:noFill/>
+          <a:ln>
+            <a:solidFill>
+              <a:schemeClr val="tx1"/>
+            </a:solidFill>
+          </a:ln>
+        </p:spPr>
+        <p:txBody>
+          <a:bodyPr wrap="square" rtlCol="0">
+            <a:spAutoFit/>
+          </a:bodyPr>
+          <a:lstStyle/>
+          <a:p>
+            <a:pPr algn="ctr"/>
+            <a:r>
+              <a:rPr lang="en-US" sz="1400" dirty="0"/>
+              <a:t>Currents</a:t>
+            </a:r>
+          </a:p>
+        </p:txBody>
+      </p:sp>
+      <p:sp>
+        <p:nvSpPr>
+          <p:cNvPr id="35" name="TextBox 34">
+            <a:extLst>
+              <a:ext uri="{FF2B5EF4-FFF2-40B4-BE49-F238E27FC236}">
+                <a16:creationId xmlns:a16="http://schemas.microsoft.com/office/drawing/2014/main" id="{6407FD51-1D40-6565-5F06-64D7F4B082FE}"/>
+              </a:ext>
+            </a:extLst>
+          </p:cNvPr>
+          <p:cNvSpPr txBox="1"/>
+          <p:nvPr/>
+        </p:nvSpPr>
+        <p:spPr>
+          <a:xfrm>
+            <a:off x="6413257" y="5116761"/>
+            <a:ext cx="2148250" cy="307777"/>
+          </a:xfrm>
+          <a:prstGeom prst="rect">
+            <a:avLst/>
+          </a:prstGeom>
+          <a:noFill/>
+          <a:ln>
+            <a:solidFill>
+              <a:schemeClr val="tx1"/>
+            </a:solidFill>
+          </a:ln>
+        </p:spPr>
+        <p:txBody>
+          <a:bodyPr wrap="square" rtlCol="0">
+            <a:spAutoFit/>
+          </a:bodyPr>
+          <a:lstStyle/>
+          <a:p>
+            <a:pPr algn="ctr"/>
+            <a:r>
+              <a:rPr lang="en-US" sz="1400" dirty="0"/>
+              <a:t>Voltage Drop per Resistor</a:t>
+            </a:r>
+          </a:p>
+        </p:txBody>
+      </p:sp>
+      <mc:AlternateContent xmlns:mc="http://schemas.openxmlformats.org/markup-compatibility/2006">
+        <mc:Choice xmlns:a14="http://schemas.microsoft.com/office/drawing/2010/main" Requires="a14">
+          <p:sp>
+            <p:nvSpPr>
+              <p:cNvPr id="36" name="TextBox 35">
+                <a:extLst>
+                  <a:ext uri="{FF2B5EF4-FFF2-40B4-BE49-F238E27FC236}">
+                    <a16:creationId xmlns:a16="http://schemas.microsoft.com/office/drawing/2014/main" id="{F904709F-D0A8-E617-270A-D0E02BCE2D72}"/>
+                  </a:ext>
+                </a:extLst>
+              </p:cNvPr>
+              <p:cNvSpPr txBox="1"/>
+              <p:nvPr/>
+            </p:nvSpPr>
+            <p:spPr>
+              <a:xfrm>
+                <a:off x="6595117" y="5685047"/>
+                <a:ext cx="2035301" cy="299249"/>
+              </a:xfrm>
+              <a:prstGeom prst="rect">
+                <a:avLst/>
+              </a:prstGeom>
+              <a:noFill/>
+            </p:spPr>
+            <p:txBody>
+              <a:bodyPr wrap="none" lIns="0" tIns="0" rIns="0" bIns="0" rtlCol="0">
+                <a:spAutoFit/>
+              </a:bodyPr>
+              <a:lstStyle/>
+              <a:p>
+                <a14:m>
+                  <m:oMath xmlns:m="http://schemas.openxmlformats.org/officeDocument/2006/math">
+                    <m:sSub>
+                      <m:sSubPr>
+                        <m:ctrlPr>
+                          <a:rPr lang="en-US" b="0" i="1" smtClean="0">
+                            <a:latin typeface="Cambria Math" panose="02040503050406030204" pitchFamily="18" charset="0"/>
+                          </a:rPr>
+                        </m:ctrlPr>
+                      </m:sSubPr>
+                      <m:e>
+                        <m:r>
+                          <a:rPr lang="en-US" b="0" i="1" smtClean="0">
+                            <a:latin typeface="Cambria Math" panose="02040503050406030204" pitchFamily="18" charset="0"/>
+                          </a:rPr>
+                          <m:t>𝑉</m:t>
+                        </m:r>
+                      </m:e>
+                      <m:sub>
+                        <m:r>
+                          <a:rPr lang="en-US" b="0" i="1" smtClean="0">
+                            <a:latin typeface="Cambria Math" panose="02040503050406030204" pitchFamily="18" charset="0"/>
+                          </a:rPr>
+                          <m:t>𝐵𝑢𝑓𝑓𝑒𝑟</m:t>
+                        </m:r>
+                      </m:sub>
+                    </m:sSub>
+                    <m:r>
+                      <a:rPr lang="en-US" b="0" i="1" smtClean="0">
+                        <a:latin typeface="Cambria Math" panose="02040503050406030204" pitchFamily="18" charset="0"/>
+                      </a:rPr>
+                      <m:t>=</m:t>
+                    </m:r>
+                    <m:sSub>
+                      <m:sSubPr>
+                        <m:ctrlPr>
+                          <a:rPr lang="en-US" i="1">
+                            <a:latin typeface="Cambria Math" panose="02040503050406030204" pitchFamily="18" charset="0"/>
+                          </a:rPr>
+                        </m:ctrlPr>
+                      </m:sSubPr>
+                      <m:e>
+                        <m:r>
+                          <a:rPr lang="en-US" i="1">
+                            <a:latin typeface="Cambria Math" panose="02040503050406030204" pitchFamily="18" charset="0"/>
+                          </a:rPr>
+                          <m:t>𝐼</m:t>
+                        </m:r>
+                      </m:e>
+                      <m:sub>
+                        <m:r>
+                          <a:rPr lang="en-US" i="1">
+                            <a:latin typeface="Cambria Math" panose="02040503050406030204" pitchFamily="18" charset="0"/>
+                          </a:rPr>
+                          <m:t>𝐷𝑟𝑖𝑓𝑡</m:t>
+                        </m:r>
+                      </m:sub>
+                    </m:sSub>
+                    <m:r>
+                      <a:rPr lang="en-US" b="0" i="1" smtClean="0">
+                        <a:latin typeface="Cambria Math" panose="02040503050406030204" pitchFamily="18" charset="0"/>
+                      </a:rPr>
+                      <m:t> ∗</m:t>
+                    </m:r>
+                    <m:r>
+                      <a:rPr lang="en-US" b="0" i="1" smtClean="0">
+                        <a:latin typeface="Cambria Math" panose="02040503050406030204" pitchFamily="18" charset="0"/>
+                      </a:rPr>
+                      <m:t>𝑅</m:t>
+                    </m:r>
+                  </m:oMath>
+                </a14:m>
+                <a:r>
+                  <a:rPr lang="en-US" dirty="0"/>
+                  <a:t> </a:t>
+                </a:r>
+              </a:p>
+            </p:txBody>
+          </p:sp>
+        </mc:Choice>
+        <mc:Fallback>
+          <p:sp>
+            <p:nvSpPr>
+              <p:cNvPr id="36" name="TextBox 35">
+                <a:extLst>
+                  <a:ext uri="{FF2B5EF4-FFF2-40B4-BE49-F238E27FC236}">
+                    <a16:creationId xmlns:a16="http://schemas.microsoft.com/office/drawing/2014/main" id="{F904709F-D0A8-E617-270A-D0E02BCE2D72}"/>
+                  </a:ext>
+                </a:extLst>
+              </p:cNvPr>
+              <p:cNvSpPr txBox="1">
+                <a:spLocks noRot="1" noChangeAspect="1" noMove="1" noResize="1" noEditPoints="1" noAdjustHandles="1" noChangeArrowheads="1" noChangeShapeType="1" noTextEdit="1"/>
+              </p:cNvSpPr>
+              <p:nvPr/>
+            </p:nvSpPr>
+            <p:spPr>
+              <a:xfrm>
+                <a:off x="6595117" y="5685047"/>
+                <a:ext cx="2035301" cy="299249"/>
+              </a:xfrm>
+              <a:prstGeom prst="rect">
+                <a:avLst/>
+              </a:prstGeom>
+              <a:blipFill>
+                <a:blip r:embed="rId10"/>
+                <a:stretch>
+                  <a:fillRect l="-4192" r="-299" b="-28571"/>
+                </a:stretch>
+              </a:blipFill>
+            </p:spPr>
+            <p:txBody>
+              <a:bodyPr/>
+              <a:lstStyle/>
+              <a:p>
+                <a:r>
+                  <a:rPr lang="en-US">
+                    <a:noFill/>
+                  </a:rPr>
+                  <a:t> </a:t>
+                </a:r>
+              </a:p>
+            </p:txBody>
+          </p:sp>
+        </mc:Fallback>
+      </mc:AlternateContent>
+      <mc:AlternateContent xmlns:mc="http://schemas.openxmlformats.org/markup-compatibility/2006">
+        <mc:Choice xmlns:a14="http://schemas.microsoft.com/office/drawing/2010/main" Requires="a14">
+          <p:sp>
+            <p:nvSpPr>
+              <p:cNvPr id="37" name="TextBox 36">
+                <a:extLst>
+                  <a:ext uri="{FF2B5EF4-FFF2-40B4-BE49-F238E27FC236}">
+                    <a16:creationId xmlns:a16="http://schemas.microsoft.com/office/drawing/2014/main" id="{E12E8D09-EA92-E25B-F606-19F6EDFAD31F}"/>
+                  </a:ext>
+                </a:extLst>
+              </p:cNvPr>
+              <p:cNvSpPr txBox="1"/>
+              <p:nvPr/>
+            </p:nvSpPr>
+            <p:spPr>
+              <a:xfrm>
+                <a:off x="6595117" y="6326852"/>
+                <a:ext cx="1872564" cy="299249"/>
+              </a:xfrm>
+              <a:prstGeom prst="rect">
+                <a:avLst/>
+              </a:prstGeom>
+              <a:noFill/>
+            </p:spPr>
+            <p:txBody>
+              <a:bodyPr wrap="none" lIns="0" tIns="0" rIns="0" bIns="0" rtlCol="0">
+                <a:spAutoFit/>
+              </a:bodyPr>
+              <a:lstStyle/>
+              <a:p>
+                <a14:m>
+                  <m:oMath xmlns:m="http://schemas.openxmlformats.org/officeDocument/2006/math">
+                    <m:sSub>
+                      <m:sSubPr>
+                        <m:ctrlPr>
+                          <a:rPr lang="en-US" b="0" i="1" smtClean="0">
+                            <a:latin typeface="Cambria Math" panose="02040503050406030204" pitchFamily="18" charset="0"/>
+                          </a:rPr>
+                        </m:ctrlPr>
+                      </m:sSubPr>
+                      <m:e>
+                        <m:r>
+                          <a:rPr lang="en-US" b="0" i="1" smtClean="0">
+                            <a:latin typeface="Cambria Math" panose="02040503050406030204" pitchFamily="18" charset="0"/>
+                          </a:rPr>
+                          <m:t>𝑉</m:t>
+                        </m:r>
+                      </m:e>
+                      <m:sub>
+                        <m:r>
+                          <a:rPr lang="en-US" b="0" i="1" smtClean="0">
+                            <a:latin typeface="Cambria Math" panose="02040503050406030204" pitchFamily="18" charset="0"/>
+                          </a:rPr>
+                          <m:t>𝐷𝑟𝑖𝑓𝑡</m:t>
+                        </m:r>
+                      </m:sub>
+                    </m:sSub>
+                    <m:r>
+                      <a:rPr lang="en-US" b="0" i="1" smtClean="0">
+                        <a:latin typeface="Cambria Math" panose="02040503050406030204" pitchFamily="18" charset="0"/>
+                      </a:rPr>
+                      <m:t>=</m:t>
+                    </m:r>
+                    <m:sSub>
+                      <m:sSubPr>
+                        <m:ctrlPr>
+                          <a:rPr lang="en-US" i="1">
+                            <a:latin typeface="Cambria Math" panose="02040503050406030204" pitchFamily="18" charset="0"/>
+                          </a:rPr>
+                        </m:ctrlPr>
+                      </m:sSubPr>
+                      <m:e>
+                        <m:r>
+                          <a:rPr lang="en-US" i="1">
+                            <a:latin typeface="Cambria Math" panose="02040503050406030204" pitchFamily="18" charset="0"/>
+                          </a:rPr>
+                          <m:t>𝐼</m:t>
+                        </m:r>
+                      </m:e>
+                      <m:sub>
+                        <m:r>
+                          <a:rPr lang="en-US" b="0" i="1" smtClean="0">
+                            <a:latin typeface="Cambria Math" panose="02040503050406030204" pitchFamily="18" charset="0"/>
+                          </a:rPr>
+                          <m:t>𝐷𝑟𝑖𝑓𝑡</m:t>
+                        </m:r>
+                      </m:sub>
+                    </m:sSub>
+                    <m:r>
+                      <a:rPr lang="en-US" b="0" i="1" smtClean="0">
+                        <a:latin typeface="Cambria Math" panose="02040503050406030204" pitchFamily="18" charset="0"/>
+                      </a:rPr>
+                      <m:t> ∗</m:t>
+                    </m:r>
+                    <m:r>
+                      <a:rPr lang="en-US" b="0" i="1" smtClean="0">
+                        <a:latin typeface="Cambria Math" panose="02040503050406030204" pitchFamily="18" charset="0"/>
+                      </a:rPr>
+                      <m:t>𝑅</m:t>
+                    </m:r>
+                  </m:oMath>
+                </a14:m>
+                <a:r>
+                  <a:rPr lang="en-US" dirty="0"/>
+                  <a:t> </a:t>
+                </a:r>
+              </a:p>
+            </p:txBody>
+          </p:sp>
+        </mc:Choice>
+        <mc:Fallback>
+          <p:sp>
+            <p:nvSpPr>
+              <p:cNvPr id="37" name="TextBox 36">
+                <a:extLst>
+                  <a:ext uri="{FF2B5EF4-FFF2-40B4-BE49-F238E27FC236}">
+                    <a16:creationId xmlns:a16="http://schemas.microsoft.com/office/drawing/2014/main" id="{E12E8D09-EA92-E25B-F606-19F6EDFAD31F}"/>
+                  </a:ext>
+                </a:extLst>
+              </p:cNvPr>
+              <p:cNvSpPr txBox="1">
+                <a:spLocks noRot="1" noChangeAspect="1" noMove="1" noResize="1" noEditPoints="1" noAdjustHandles="1" noChangeArrowheads="1" noChangeShapeType="1" noTextEdit="1"/>
+              </p:cNvSpPr>
+              <p:nvPr/>
+            </p:nvSpPr>
+            <p:spPr>
+              <a:xfrm>
+                <a:off x="6595117" y="6326852"/>
+                <a:ext cx="1872564" cy="299249"/>
+              </a:xfrm>
+              <a:prstGeom prst="rect">
+                <a:avLst/>
+              </a:prstGeom>
+              <a:blipFill>
+                <a:blip r:embed="rId11"/>
+                <a:stretch>
+                  <a:fillRect l="-4560" r="-651" b="-28571"/>
+                </a:stretch>
+              </a:blipFill>
+            </p:spPr>
+            <p:txBody>
+              <a:bodyPr/>
+              <a:lstStyle/>
+              <a:p>
+                <a:r>
+                  <a:rPr lang="en-US">
+                    <a:noFill/>
+                  </a:rPr>
+                  <a:t> </a:t>
+                </a:r>
+              </a:p>
+            </p:txBody>
+          </p:sp>
+        </mc:Fallback>
+      </mc:AlternateContent>
+      <p:sp>
+        <p:nvSpPr>
+          <p:cNvPr id="38" name="TextBox 37">
+            <a:extLst>
+              <a:ext uri="{FF2B5EF4-FFF2-40B4-BE49-F238E27FC236}">
+                <a16:creationId xmlns:a16="http://schemas.microsoft.com/office/drawing/2014/main" id="{B54BB6F0-803E-9C1B-ED60-35B8010CDE29}"/>
+              </a:ext>
+            </a:extLst>
+          </p:cNvPr>
+          <p:cNvSpPr txBox="1"/>
+          <p:nvPr/>
+        </p:nvSpPr>
+        <p:spPr>
+          <a:xfrm>
+            <a:off x="9199259" y="5116761"/>
+            <a:ext cx="1982794" cy="307777"/>
+          </a:xfrm>
+          <a:prstGeom prst="rect">
+            <a:avLst/>
+          </a:prstGeom>
+          <a:noFill/>
+          <a:ln>
+            <a:solidFill>
+              <a:schemeClr val="tx1"/>
+            </a:solidFill>
+          </a:ln>
+        </p:spPr>
+        <p:txBody>
+          <a:bodyPr wrap="square" rtlCol="0">
+            <a:spAutoFit/>
+          </a:bodyPr>
+          <a:lstStyle/>
+          <a:p>
+            <a:pPr algn="ctr"/>
+            <a:r>
+              <a:rPr lang="en-US" sz="1400" dirty="0"/>
+              <a:t>Voltage Drop / mm</a:t>
+            </a:r>
+          </a:p>
+        </p:txBody>
+      </p:sp>
+      <mc:AlternateContent xmlns:mc="http://schemas.openxmlformats.org/markup-compatibility/2006">
+        <mc:Choice xmlns:a14="http://schemas.microsoft.com/office/drawing/2010/main" Requires="a14">
+          <p:sp>
+            <p:nvSpPr>
+              <p:cNvPr id="39" name="TextBox 38">
+                <a:extLst>
+                  <a:ext uri="{FF2B5EF4-FFF2-40B4-BE49-F238E27FC236}">
+                    <a16:creationId xmlns:a16="http://schemas.microsoft.com/office/drawing/2014/main" id="{D592C671-41C1-D085-1760-BA9DC0AA38CB}"/>
+                  </a:ext>
+                </a:extLst>
+              </p:cNvPr>
+              <p:cNvSpPr txBox="1"/>
+              <p:nvPr/>
+            </p:nvSpPr>
+            <p:spPr>
+              <a:xfrm>
+                <a:off x="9199259" y="5549832"/>
+                <a:ext cx="1816716" cy="524631"/>
+              </a:xfrm>
+              <a:prstGeom prst="rect">
+                <a:avLst/>
+              </a:prstGeom>
+              <a:noFill/>
+            </p:spPr>
+            <p:txBody>
+              <a:bodyPr wrap="none" lIns="0" tIns="0" rIns="0" bIns="0" rtlCol="0">
+                <a:spAutoFit/>
+              </a:bodyPr>
+              <a:lstStyle/>
+              <a:p>
+                <a14:m>
+                  <m:oMathPara xmlns:m="http://schemas.openxmlformats.org/officeDocument/2006/math">
+                    <m:oMathParaPr>
+                      <m:jc m:val="centerGroup"/>
+                    </m:oMathParaPr>
+                    <m:oMath xmlns:m="http://schemas.openxmlformats.org/officeDocument/2006/math">
+                      <m:sSub>
+                        <m:sSubPr>
+                          <m:ctrlPr>
+                            <a:rPr lang="en-US" b="0" i="1" smtClean="0">
+                              <a:latin typeface="Cambria Math" panose="02040503050406030204" pitchFamily="18" charset="0"/>
+                            </a:rPr>
+                          </m:ctrlPr>
+                        </m:sSubPr>
+                        <m:e>
+                          <m:r>
+                            <a:rPr lang="en-US" b="0" i="1" smtClean="0">
+                              <a:latin typeface="Cambria Math" panose="02040503050406030204" pitchFamily="18" charset="0"/>
+                            </a:rPr>
+                            <m:t>𝑉</m:t>
+                          </m:r>
+                        </m:e>
+                        <m:sub>
+                          <m:r>
+                            <a:rPr lang="en-US" b="0" i="1" smtClean="0">
+                              <a:latin typeface="Cambria Math" panose="02040503050406030204" pitchFamily="18" charset="0"/>
+                            </a:rPr>
+                            <m:t>𝐵𝑢𝑓𝑓𝑒𝑟</m:t>
+                          </m:r>
+                        </m:sub>
+                      </m:sSub>
+                      <m:r>
+                        <a:rPr lang="en-US" b="0" i="1" smtClean="0">
+                          <a:latin typeface="Cambria Math" panose="02040503050406030204" pitchFamily="18" charset="0"/>
+                        </a:rPr>
+                        <m:t>=</m:t>
+                      </m:r>
+                      <m:f>
+                        <m:fPr>
+                          <m:ctrlPr>
+                            <a:rPr lang="en-US" b="0" i="1" smtClean="0">
+                              <a:latin typeface="Cambria Math" panose="02040503050406030204" pitchFamily="18" charset="0"/>
+                            </a:rPr>
+                          </m:ctrlPr>
+                        </m:fPr>
+                        <m:num>
+                          <m:sSub>
+                            <m:sSubPr>
+                              <m:ctrlPr>
+                                <a:rPr lang="en-US" b="0" i="1" smtClean="0">
+                                  <a:latin typeface="Cambria Math" panose="02040503050406030204" pitchFamily="18" charset="0"/>
+                                </a:rPr>
+                              </m:ctrlPr>
+                            </m:sSubPr>
+                            <m:e>
+                              <m:r>
+                                <a:rPr lang="en-US" b="0" i="1" smtClean="0">
+                                  <a:latin typeface="Cambria Math" panose="02040503050406030204" pitchFamily="18" charset="0"/>
+                                </a:rPr>
+                                <m:t>𝑉</m:t>
+                              </m:r>
+                            </m:e>
+                            <m:sub>
+                              <m:r>
+                                <a:rPr lang="en-US" b="0" i="1" smtClean="0">
+                                  <a:latin typeface="Cambria Math" panose="02040503050406030204" pitchFamily="18" charset="0"/>
+                                </a:rPr>
+                                <m:t>𝐵𝑢𝑓𝑓𝑒𝑟</m:t>
+                              </m:r>
+                            </m:sub>
+                          </m:sSub>
+                        </m:num>
+                        <m:den>
+                          <m:r>
+                            <a:rPr lang="en-US" b="0" i="1" smtClean="0">
+                              <a:latin typeface="Cambria Math" panose="02040503050406030204" pitchFamily="18" charset="0"/>
+                            </a:rPr>
+                            <m:t>15</m:t>
+                          </m:r>
+                        </m:den>
+                      </m:f>
+                    </m:oMath>
+                  </m:oMathPara>
+                </a14:m>
+                <a:endParaRPr lang="en-US" dirty="0"/>
+              </a:p>
+            </p:txBody>
+          </p:sp>
+        </mc:Choice>
+        <mc:Fallback>
+          <p:sp>
+            <p:nvSpPr>
+              <p:cNvPr id="39" name="TextBox 38">
+                <a:extLst>
+                  <a:ext uri="{FF2B5EF4-FFF2-40B4-BE49-F238E27FC236}">
+                    <a16:creationId xmlns:a16="http://schemas.microsoft.com/office/drawing/2014/main" id="{D592C671-41C1-D085-1760-BA9DC0AA38CB}"/>
+                  </a:ext>
+                </a:extLst>
+              </p:cNvPr>
+              <p:cNvSpPr txBox="1">
+                <a:spLocks noRot="1" noChangeAspect="1" noMove="1" noResize="1" noEditPoints="1" noAdjustHandles="1" noChangeArrowheads="1" noChangeShapeType="1" noTextEdit="1"/>
+              </p:cNvSpPr>
+              <p:nvPr/>
+            </p:nvSpPr>
+            <p:spPr>
+              <a:xfrm>
+                <a:off x="9199259" y="5549832"/>
+                <a:ext cx="1816716" cy="524631"/>
+              </a:xfrm>
+              <a:prstGeom prst="rect">
+                <a:avLst/>
+              </a:prstGeom>
+              <a:blipFill>
+                <a:blip r:embed="rId12"/>
+                <a:stretch>
+                  <a:fillRect/>
+                </a:stretch>
+              </a:blipFill>
+            </p:spPr>
+            <p:txBody>
+              <a:bodyPr/>
+              <a:lstStyle/>
+              <a:p>
+                <a:r>
+                  <a:rPr lang="en-US">
+                    <a:noFill/>
+                  </a:rPr>
+                  <a:t> </a:t>
+                </a:r>
+              </a:p>
+            </p:txBody>
+          </p:sp>
+        </mc:Fallback>
+      </mc:AlternateContent>
+      <mc:AlternateContent xmlns:mc="http://schemas.openxmlformats.org/markup-compatibility/2006">
+        <mc:Choice xmlns:a14="http://schemas.microsoft.com/office/drawing/2010/main" Requires="a14">
+          <p:sp>
+            <p:nvSpPr>
+              <p:cNvPr id="40" name="TextBox 39">
+                <a:extLst>
+                  <a:ext uri="{FF2B5EF4-FFF2-40B4-BE49-F238E27FC236}">
+                    <a16:creationId xmlns:a16="http://schemas.microsoft.com/office/drawing/2014/main" id="{2BB4B349-329A-700A-59D6-1CB2E71BCE4E}"/>
+                  </a:ext>
+                </a:extLst>
+              </p:cNvPr>
+              <p:cNvSpPr txBox="1"/>
+              <p:nvPr/>
+            </p:nvSpPr>
+            <p:spPr>
+              <a:xfrm>
+                <a:off x="9208255" y="6178406"/>
+                <a:ext cx="1653979" cy="526491"/>
+              </a:xfrm>
+              <a:prstGeom prst="rect">
+                <a:avLst/>
+              </a:prstGeom>
+              <a:noFill/>
+            </p:spPr>
+            <p:txBody>
+              <a:bodyPr wrap="none" lIns="0" tIns="0" rIns="0" bIns="0" rtlCol="0">
+                <a:spAutoFit/>
+              </a:bodyPr>
+              <a:lstStyle/>
+              <a:p>
+                <a14:m>
+                  <m:oMathPara xmlns:m="http://schemas.openxmlformats.org/officeDocument/2006/math">
+                    <m:oMathParaPr>
+                      <m:jc m:val="centerGroup"/>
+                    </m:oMathParaPr>
+                    <m:oMath xmlns:m="http://schemas.openxmlformats.org/officeDocument/2006/math">
+                      <m:sSub>
+                        <m:sSubPr>
+                          <m:ctrlPr>
+                            <a:rPr lang="en-US" b="0" i="1" smtClean="0">
+                              <a:latin typeface="Cambria Math" panose="02040503050406030204" pitchFamily="18" charset="0"/>
+                            </a:rPr>
+                          </m:ctrlPr>
+                        </m:sSubPr>
+                        <m:e>
+                          <m:r>
+                            <a:rPr lang="en-US" b="0" i="1" smtClean="0">
+                              <a:latin typeface="Cambria Math" panose="02040503050406030204" pitchFamily="18" charset="0"/>
+                            </a:rPr>
+                            <m:t>𝑉</m:t>
+                          </m:r>
+                        </m:e>
+                        <m:sub>
+                          <m:r>
+                            <a:rPr lang="en-US" b="0" i="1" smtClean="0">
+                              <a:latin typeface="Cambria Math" panose="02040503050406030204" pitchFamily="18" charset="0"/>
+                            </a:rPr>
+                            <m:t>𝐷𝑟𝑖𝑓𝑡</m:t>
+                          </m:r>
+                        </m:sub>
+                      </m:sSub>
+                      <m:r>
+                        <a:rPr lang="en-US" b="0" i="1" smtClean="0">
+                          <a:latin typeface="Cambria Math" panose="02040503050406030204" pitchFamily="18" charset="0"/>
+                        </a:rPr>
+                        <m:t>=</m:t>
+                      </m:r>
+                      <m:f>
+                        <m:fPr>
+                          <m:ctrlPr>
+                            <a:rPr lang="en-US" b="0" i="1" smtClean="0">
+                              <a:latin typeface="Cambria Math" panose="02040503050406030204" pitchFamily="18" charset="0"/>
+                            </a:rPr>
+                          </m:ctrlPr>
+                        </m:fPr>
+                        <m:num>
+                          <m:sSub>
+                            <m:sSubPr>
+                              <m:ctrlPr>
+                                <a:rPr lang="en-US" b="0" i="1" smtClean="0">
+                                  <a:latin typeface="Cambria Math" panose="02040503050406030204" pitchFamily="18" charset="0"/>
+                                </a:rPr>
+                              </m:ctrlPr>
+                            </m:sSubPr>
+                            <m:e>
+                              <m:r>
+                                <a:rPr lang="en-US" b="0" i="1" smtClean="0">
+                                  <a:latin typeface="Cambria Math" panose="02040503050406030204" pitchFamily="18" charset="0"/>
+                                </a:rPr>
+                                <m:t>𝑉</m:t>
+                              </m:r>
+                            </m:e>
+                            <m:sub>
+                              <m:r>
+                                <a:rPr lang="en-US" b="0" i="1" smtClean="0">
+                                  <a:latin typeface="Cambria Math" panose="02040503050406030204" pitchFamily="18" charset="0"/>
+                                </a:rPr>
+                                <m:t>𝐵𝑢𝑓𝑓𝑒𝑟</m:t>
+                              </m:r>
+                            </m:sub>
+                          </m:sSub>
+                        </m:num>
+                        <m:den>
+                          <m:r>
+                            <a:rPr lang="en-US" b="0" i="1" smtClean="0">
+                              <a:latin typeface="Cambria Math" panose="02040503050406030204" pitchFamily="18" charset="0"/>
+                            </a:rPr>
+                            <m:t>15</m:t>
+                          </m:r>
+                        </m:den>
+                      </m:f>
+                    </m:oMath>
+                  </m:oMathPara>
+                </a14:m>
+                <a:endParaRPr lang="en-US" dirty="0"/>
+              </a:p>
+            </p:txBody>
+          </p:sp>
+        </mc:Choice>
+        <mc:Fallback>
+          <p:sp>
+            <p:nvSpPr>
+              <p:cNvPr id="40" name="TextBox 39">
+                <a:extLst>
+                  <a:ext uri="{FF2B5EF4-FFF2-40B4-BE49-F238E27FC236}">
+                    <a16:creationId xmlns:a16="http://schemas.microsoft.com/office/drawing/2014/main" id="{2BB4B349-329A-700A-59D6-1CB2E71BCE4E}"/>
+                  </a:ext>
+                </a:extLst>
+              </p:cNvPr>
+              <p:cNvSpPr txBox="1">
+                <a:spLocks noRot="1" noChangeAspect="1" noMove="1" noResize="1" noEditPoints="1" noAdjustHandles="1" noChangeArrowheads="1" noChangeShapeType="1" noTextEdit="1"/>
+              </p:cNvSpPr>
+              <p:nvPr/>
+            </p:nvSpPr>
+            <p:spPr>
+              <a:xfrm>
+                <a:off x="9208255" y="6178406"/>
+                <a:ext cx="1653979" cy="526491"/>
+              </a:xfrm>
+              <a:prstGeom prst="rect">
+                <a:avLst/>
+              </a:prstGeom>
+              <a:blipFill>
+                <a:blip r:embed="rId13"/>
+                <a:stretch>
+                  <a:fillRect/>
+                </a:stretch>
+              </a:blipFill>
+            </p:spPr>
+            <p:txBody>
+              <a:bodyPr/>
+              <a:lstStyle/>
+              <a:p>
+                <a:r>
+                  <a:rPr lang="en-US">
+                    <a:noFill/>
+                  </a:rPr>
+                  <a:t> </a:t>
+                </a:r>
+              </a:p>
+            </p:txBody>
+          </p:sp>
+        </mc:Fallback>
+      </mc:AlternateContent>
+      <p:sp>
+        <p:nvSpPr>
+          <p:cNvPr id="41" name="TextBox 40">
+            <a:extLst>
+              <a:ext uri="{FF2B5EF4-FFF2-40B4-BE49-F238E27FC236}">
+                <a16:creationId xmlns:a16="http://schemas.microsoft.com/office/drawing/2014/main" id="{F71FF2F4-3F42-D681-9505-019F29E65D2E}"/>
+              </a:ext>
+            </a:extLst>
+          </p:cNvPr>
+          <p:cNvSpPr txBox="1"/>
+          <p:nvPr/>
+        </p:nvSpPr>
+        <p:spPr>
+          <a:xfrm>
+            <a:off x="8747759" y="4479008"/>
+            <a:ext cx="3025775" cy="215444"/>
+          </a:xfrm>
+          <a:prstGeom prst="rect">
+            <a:avLst/>
+          </a:prstGeom>
+          <a:noFill/>
+          <a:ln>
+            <a:noFill/>
+          </a:ln>
+        </p:spPr>
+        <p:txBody>
+          <a:bodyPr wrap="square" rtlCol="0">
+            <a:spAutoFit/>
+          </a:bodyPr>
+          <a:lstStyle/>
+          <a:p>
+            <a:pPr algn="r"/>
+            <a:r>
+              <a:rPr lang="en-US" sz="800" dirty="0"/>
+              <a:t>From Original Documentation</a:t>
+            </a:r>
+          </a:p>
+        </p:txBody>
+      </p:sp>
+    </p:spTree>
+    <p:extLst>
+      <p:ext uri="{BB962C8B-B14F-4D97-AF65-F5344CB8AC3E}">
+        <p14:creationId xmlns:p14="http://schemas.microsoft.com/office/powerpoint/2010/main" val="2519265563"/>
+      </p:ext>
+    </p:extLst>
+  </p:cSld>
+  <p:clrMapOvr>
+    <a:masterClrMapping/>
+  </p:clrMapOvr>
+</p:sld>
+</file>
+
 <file path=ppt/theme/theme1.xml><?xml version="1.0" encoding="utf-8"?>
 <a:theme xmlns:a="http://schemas.openxmlformats.org/drawingml/2006/main" name="Office Theme">
   <a:themeElements>
@@ -5938,4 +11742,319 @@
     </a:ext>
   </a:extLst>
 </a:theme>
+</file>
+
+<file path=ppt/theme/theme2.xml><?xml version="1.0" encoding="utf-8"?>
+<a:theme xmlns:a="http://schemas.openxmlformats.org/drawingml/2006/main" name="Office Theme">
+  <a:themeElements>
+    <a:clrScheme name="Office">
+      <a:dk1>
+        <a:sysClr val="windowText" lastClr="000000"/>
+      </a:dk1>
+      <a:lt1>
+        <a:sysClr val="window" lastClr="FFFFFF"/>
+      </a:lt1>
+      <a:dk2>
+        <a:srgbClr val="0E2841"/>
+      </a:dk2>
+      <a:lt2>
+        <a:srgbClr val="E8E8E8"/>
+      </a:lt2>
+      <a:accent1>
+        <a:srgbClr val="156082"/>
+      </a:accent1>
+      <a:accent2>
+        <a:srgbClr val="E97132"/>
+      </a:accent2>
+      <a:accent3>
+        <a:srgbClr val="196B24"/>
+      </a:accent3>
+      <a:accent4>
+        <a:srgbClr val="0F9ED5"/>
+      </a:accent4>
+      <a:accent5>
+        <a:srgbClr val="A02B93"/>
+      </a:accent5>
+      <a:accent6>
+        <a:srgbClr val="4EA72E"/>
+      </a:accent6>
+      <a:hlink>
+        <a:srgbClr val="467886"/>
+      </a:hlink>
+      <a:folHlink>
+        <a:srgbClr val="96607D"/>
+      </a:folHlink>
+    </a:clrScheme>
+    <a:fontScheme name="Office">
+      <a:majorFont>
+        <a:latin typeface="Aptos Display" panose="02110004020202020204"/>
+        <a:ea typeface=""/>
+        <a:cs typeface=""/>
+        <a:font script="Jpan" typeface="游ゴシック Light"/>
+        <a:font script="Hang" typeface="맑은 고딕"/>
+        <a:font script="Hans" typeface="等线 Light"/>
+        <a:font script="Hant" typeface="新細明體"/>
+        <a:font script="Arab" typeface="Times New Roman"/>
+        <a:font script="Hebr" typeface="Times New Roman"/>
+        <a:font script="Thai" typeface="Angsana New"/>
+        <a:font script="Ethi" typeface="Nyala"/>
+        <a:font script="Beng" typeface="Vrinda"/>
+        <a:font script="Gujr" typeface="Shruti"/>
+        <a:font script="Khmr" typeface="MoolBoran"/>
+        <a:font script="Knda" typeface="Tunga"/>
+        <a:font script="Guru" typeface="Raavi"/>
+        <a:font script="Cans" typeface="Euphemia"/>
+        <a:font script="Cher" typeface="Plantagenet Cherokee"/>
+        <a:font script="Yiii" typeface="Microsoft Yi Baiti"/>
+        <a:font script="Tibt" typeface="Microsoft Himalaya"/>
+        <a:font script="Thaa" typeface="MV Boli"/>
+        <a:font script="Deva" typeface="Mangal"/>
+        <a:font script="Telu" typeface="Gautami"/>
+        <a:font script="Taml" typeface="Latha"/>
+        <a:font script="Syrc" typeface="Estrangelo Edessa"/>
+        <a:font script="Orya" typeface="Kalinga"/>
+        <a:font script="Mlym" typeface="Kartika"/>
+        <a:font script="Laoo" typeface="DokChampa"/>
+        <a:font script="Sinh" typeface="Iskoola Pota"/>
+        <a:font script="Mong" typeface="Mongolian Baiti"/>
+        <a:font script="Viet" typeface="Times New Roman"/>
+        <a:font script="Uigh" typeface="Microsoft Uighur"/>
+        <a:font script="Geor" typeface="Sylfaen"/>
+        <a:font script="Armn" typeface="Arial"/>
+        <a:font script="Bugi" typeface="Leelawadee UI"/>
+        <a:font script="Bopo" typeface="Microsoft JhengHei"/>
+        <a:font script="Java" typeface="Javanese Text"/>
+        <a:font script="Lisu" typeface="Segoe UI"/>
+        <a:font script="Mymr" typeface="Myanmar Text"/>
+        <a:font script="Nkoo" typeface="Ebrima"/>
+        <a:font script="Olck" typeface="Nirmala UI"/>
+        <a:font script="Osma" typeface="Ebrima"/>
+        <a:font script="Phag" typeface="Phagspa"/>
+        <a:font script="Syrn" typeface="Estrangelo Edessa"/>
+        <a:font script="Syrj" typeface="Estrangelo Edessa"/>
+        <a:font script="Syre" typeface="Estrangelo Edessa"/>
+        <a:font script="Sora" typeface="Nirmala UI"/>
+        <a:font script="Tale" typeface="Microsoft Tai Le"/>
+        <a:font script="Talu" typeface="Microsoft New Tai Lue"/>
+        <a:font script="Tfng" typeface="Ebrima"/>
+      </a:majorFont>
+      <a:minorFont>
+        <a:latin typeface="Aptos" panose="02110004020202020204"/>
+        <a:ea typeface=""/>
+        <a:cs typeface=""/>
+        <a:font script="Jpan" typeface="游ゴシック"/>
+        <a:font script="Hang" typeface="맑은 고딕"/>
+        <a:font script="Hans" typeface="等线"/>
+        <a:font script="Hant" typeface="新細明體"/>
+        <a:font script="Arab" typeface="Arial"/>
+        <a:font script="Hebr" typeface="Arial"/>
+        <a:font script="Thai" typeface="Cordia New"/>
+        <a:font script="Ethi" typeface="Nyala"/>
+        <a:font script="Beng" typeface="Vrinda"/>
+        <a:font script="Gujr" typeface="Shruti"/>
+        <a:font script="Khmr" typeface="DaunPenh"/>
+        <a:font script="Knda" typeface="Tunga"/>
+        <a:font script="Guru" typeface="Raavi"/>
+        <a:font script="Cans" typeface="Euphemia"/>
+        <a:font script="Cher" typeface="Plantagenet Cherokee"/>
+        <a:font script="Yiii" typeface="Microsoft Yi Baiti"/>
+        <a:font script="Tibt" typeface="Microsoft Himalaya"/>
+        <a:font script="Thaa" typeface="MV Boli"/>
+        <a:font script="Deva" typeface="Mangal"/>
+        <a:font script="Telu" typeface="Gautami"/>
+        <a:font script="Taml" typeface="Latha"/>
+        <a:font script="Syrc" typeface="Estrangelo Edessa"/>
+        <a:font script="Orya" typeface="Kalinga"/>
+        <a:font script="Mlym" typeface="Kartika"/>
+        <a:font script="Laoo" typeface="DokChampa"/>
+        <a:font script="Sinh" typeface="Iskoola Pota"/>
+        <a:font script="Mong" typeface="Mongolian Baiti"/>
+        <a:font script="Viet" typeface="Arial"/>
+        <a:font script="Uigh" typeface="Microsoft Uighur"/>
+        <a:font script="Geor" typeface="Sylfaen"/>
+        <a:font script="Armn" typeface="Arial"/>
+        <a:font script="Bugi" typeface="Leelawadee UI"/>
+        <a:font script="Bopo" typeface="Microsoft JhengHei"/>
+        <a:font script="Java" typeface="Javanese Text"/>
+        <a:font script="Lisu" typeface="Segoe UI"/>
+        <a:font script="Mymr" typeface="Myanmar Text"/>
+        <a:font script="Nkoo" typeface="Ebrima"/>
+        <a:font script="Olck" typeface="Nirmala UI"/>
+        <a:font script="Osma" typeface="Ebrima"/>
+        <a:font script="Phag" typeface="Phagspa"/>
+        <a:font script="Syrn" typeface="Estrangelo Edessa"/>
+        <a:font script="Syrj" typeface="Estrangelo Edessa"/>
+        <a:font script="Syre" typeface="Estrangelo Edessa"/>
+        <a:font script="Sora" typeface="Nirmala UI"/>
+        <a:font script="Tale" typeface="Microsoft Tai Le"/>
+        <a:font script="Talu" typeface="Microsoft New Tai Lue"/>
+        <a:font script="Tfng" typeface="Ebrima"/>
+      </a:minorFont>
+    </a:fontScheme>
+    <a:fmtScheme name="Office">
+      <a:fillStyleLst>
+        <a:solidFill>
+          <a:schemeClr val="phClr"/>
+        </a:solidFill>
+        <a:gradFill rotWithShape="1">
+          <a:gsLst>
+            <a:gs pos="0">
+              <a:schemeClr val="phClr">
+                <a:lumMod val="110000"/>
+                <a:satMod val="105000"/>
+                <a:tint val="67000"/>
+              </a:schemeClr>
+            </a:gs>
+            <a:gs pos="50000">
+              <a:schemeClr val="phClr">
+                <a:lumMod val="105000"/>
+                <a:satMod val="103000"/>
+                <a:tint val="73000"/>
+              </a:schemeClr>
+            </a:gs>
+            <a:gs pos="100000">
+              <a:schemeClr val="phClr">
+                <a:lumMod val="105000"/>
+                <a:satMod val="109000"/>
+                <a:tint val="81000"/>
+              </a:schemeClr>
+            </a:gs>
+          </a:gsLst>
+          <a:lin ang="5400000" scaled="0"/>
+        </a:gradFill>
+        <a:gradFill rotWithShape="1">
+          <a:gsLst>
+            <a:gs pos="0">
+              <a:schemeClr val="phClr">
+                <a:satMod val="103000"/>
+                <a:lumMod val="102000"/>
+                <a:tint val="94000"/>
+              </a:schemeClr>
+            </a:gs>
+            <a:gs pos="50000">
+              <a:schemeClr val="phClr">
+                <a:satMod val="110000"/>
+                <a:lumMod val="100000"/>
+                <a:shade val="100000"/>
+              </a:schemeClr>
+            </a:gs>
+            <a:gs pos="100000">
+              <a:schemeClr val="phClr">
+                <a:lumMod val="99000"/>
+                <a:satMod val="120000"/>
+                <a:shade val="78000"/>
+              </a:schemeClr>
+            </a:gs>
+          </a:gsLst>
+          <a:lin ang="5400000" scaled="0"/>
+        </a:gradFill>
+      </a:fillStyleLst>
+      <a:lnStyleLst>
+        <a:ln w="12700" cap="flat" cmpd="sng" algn="ctr">
+          <a:solidFill>
+            <a:schemeClr val="phClr"/>
+          </a:solidFill>
+          <a:prstDash val="solid"/>
+          <a:miter lim="800000"/>
+        </a:ln>
+        <a:ln w="19050" cap="flat" cmpd="sng" algn="ctr">
+          <a:solidFill>
+            <a:schemeClr val="phClr"/>
+          </a:solidFill>
+          <a:prstDash val="solid"/>
+          <a:miter lim="800000"/>
+        </a:ln>
+        <a:ln w="25400" cap="flat" cmpd="sng" algn="ctr">
+          <a:solidFill>
+            <a:schemeClr val="phClr"/>
+          </a:solidFill>
+          <a:prstDash val="solid"/>
+          <a:miter lim="800000"/>
+        </a:ln>
+      </a:lnStyleLst>
+      <a:effectStyleLst>
+        <a:effectStyle>
+          <a:effectLst/>
+        </a:effectStyle>
+        <a:effectStyle>
+          <a:effectLst/>
+        </a:effectStyle>
+        <a:effectStyle>
+          <a:effectLst>
+            <a:outerShdw blurRad="57150" dist="19050" dir="5400000" algn="ctr" rotWithShape="0">
+              <a:srgbClr val="000000">
+                <a:alpha val="63000"/>
+              </a:srgbClr>
+            </a:outerShdw>
+          </a:effectLst>
+        </a:effectStyle>
+      </a:effectStyleLst>
+      <a:bgFillStyleLst>
+        <a:solidFill>
+          <a:schemeClr val="phClr"/>
+        </a:solidFill>
+        <a:solidFill>
+          <a:schemeClr val="phClr">
+            <a:tint val="95000"/>
+            <a:satMod val="170000"/>
+          </a:schemeClr>
+        </a:solidFill>
+        <a:gradFill rotWithShape="1">
+          <a:gsLst>
+            <a:gs pos="0">
+              <a:schemeClr val="phClr">
+                <a:tint val="93000"/>
+                <a:satMod val="150000"/>
+                <a:shade val="98000"/>
+                <a:lumMod val="102000"/>
+              </a:schemeClr>
+            </a:gs>
+            <a:gs pos="50000">
+              <a:schemeClr val="phClr">
+                <a:tint val="98000"/>
+                <a:satMod val="130000"/>
+                <a:shade val="90000"/>
+                <a:lumMod val="103000"/>
+              </a:schemeClr>
+            </a:gs>
+            <a:gs pos="100000">
+              <a:schemeClr val="phClr">
+                <a:shade val="63000"/>
+                <a:satMod val="120000"/>
+              </a:schemeClr>
+            </a:gs>
+          </a:gsLst>
+          <a:lin ang="5400000" scaled="0"/>
+        </a:gradFill>
+      </a:bgFillStyleLst>
+    </a:fmtScheme>
+  </a:themeElements>
+  <a:objectDefaults>
+    <a:lnDef>
+      <a:spPr/>
+      <a:bodyPr/>
+      <a:lstStyle/>
+      <a:style>
+        <a:lnRef idx="2">
+          <a:schemeClr val="accent1"/>
+        </a:lnRef>
+        <a:fillRef idx="0">
+          <a:schemeClr val="accent1"/>
+        </a:fillRef>
+        <a:effectRef idx="1">
+          <a:schemeClr val="accent1"/>
+        </a:effectRef>
+        <a:fontRef idx="minor">
+          <a:schemeClr val="tx1"/>
+        </a:fontRef>
+      </a:style>
+    </a:lnDef>
+  </a:objectDefaults>
+  <a:extraClrSchemeLst/>
+  <a:extLst>
+    <a:ext uri="{05A4C25C-085E-4340-85A3-A5531E510DB2}">
+      <thm15:themeFamily xmlns:thm15="http://schemas.microsoft.com/office/thememl/2012/main" name="Office Theme" id="{2E142A2C-CD16-42D6-873A-C26D2A0506FA}" vid="{1BDDFF52-6CD6-40A5-AB3C-68EB2F1E4D0A}"/>
+    </a:ext>
+  </a:extLst>
+</a:theme>
 </file>
--- a/z.ReadMeAssets/UTAH Github.pptx
+++ b/z.ReadMeAssets/UTAH Github.pptx
@@ -8092,222 +8092,264 @@
           </a:prstGeom>
         </p:spPr>
       </p:pic>
-      <p:sp>
-        <p:nvSpPr>
-          <p:cNvPr id="31" name="Arrow: Right 30">
-            <a:extLst>
-              <a:ext uri="{FF2B5EF4-FFF2-40B4-BE49-F238E27FC236}">
-                <a16:creationId xmlns:a16="http://schemas.microsoft.com/office/drawing/2014/main" id="{EA56CE58-C3C1-15A7-12B9-A2A007E84C38}"/>
-              </a:ext>
-            </a:extLst>
-          </p:cNvPr>
-          <p:cNvSpPr/>
+      <p:grpSp>
+        <p:nvGrpSpPr>
+          <p:cNvPr id="2" name="Group 1">
+            <a:extLst>
+              <a:ext uri="{FF2B5EF4-FFF2-40B4-BE49-F238E27FC236}">
+                <a16:creationId xmlns:a16="http://schemas.microsoft.com/office/drawing/2014/main" id="{CCEFCCF8-6063-2809-5FAA-6E7A7AF1DFF9}"/>
+              </a:ext>
+            </a:extLst>
+          </p:cNvPr>
+          <p:cNvGrpSpPr/>
           <p:nvPr/>
-        </p:nvSpPr>
-        <p:spPr>
-          <a:xfrm rot="5400000">
-            <a:off x="7988997" y="4248185"/>
-            <a:ext cx="2920434" cy="212062"/>
-          </a:xfrm>
-          <a:prstGeom prst="rightArrow">
-            <a:avLst/>
-          </a:prstGeom>
-          <a:solidFill>
-            <a:srgbClr val="0070C0"/>
-          </a:solidFill>
-          <a:ln>
+        </p:nvGrpSpPr>
+        <p:grpSpPr>
+          <a:xfrm rot="10800000">
+            <a:off x="9343183" y="2893999"/>
+            <a:ext cx="499852" cy="2920436"/>
+            <a:chOff x="9343183" y="2893999"/>
+            <a:chExt cx="499852" cy="2920436"/>
+          </a:xfrm>
+        </p:grpSpPr>
+        <p:sp>
+          <p:nvSpPr>
+            <p:cNvPr id="31" name="Arrow: Right 30">
+              <a:extLst>
+                <a:ext uri="{FF2B5EF4-FFF2-40B4-BE49-F238E27FC236}">
+                  <a16:creationId xmlns:a16="http://schemas.microsoft.com/office/drawing/2014/main" id="{EA56CE58-C3C1-15A7-12B9-A2A007E84C38}"/>
+                </a:ext>
+              </a:extLst>
+            </p:cNvPr>
+            <p:cNvSpPr/>
+            <p:nvPr/>
+          </p:nvSpPr>
+          <p:spPr>
+            <a:xfrm rot="5400000">
+              <a:off x="7988997" y="4248185"/>
+              <a:ext cx="2920434" cy="212062"/>
+            </a:xfrm>
+            <a:prstGeom prst="rightArrow">
+              <a:avLst/>
+            </a:prstGeom>
             <a:solidFill>
-              <a:srgbClr val="002060"/>
+              <a:srgbClr val="0070C0"/>
             </a:solidFill>
-          </a:ln>
-        </p:spPr>
-        <p:style>
-          <a:lnRef idx="2">
-            <a:schemeClr val="accent1">
-              <a:shade val="15000"/>
-            </a:schemeClr>
-          </a:lnRef>
-          <a:fillRef idx="1">
-            <a:schemeClr val="accent1"/>
-          </a:fillRef>
-          <a:effectRef idx="0">
-            <a:schemeClr val="accent1"/>
-          </a:effectRef>
-          <a:fontRef idx="minor">
-            <a:schemeClr val="lt1"/>
-          </a:fontRef>
-        </p:style>
-        <p:txBody>
-          <a:bodyPr rtlCol="0" anchor="ctr"/>
-          <a:lstStyle/>
-          <a:p>
-            <a:pPr algn="ctr"/>
-            <a:endParaRPr lang="en-US" dirty="0"/>
-          </a:p>
-        </p:txBody>
-      </p:sp>
-      <p:sp>
-        <p:nvSpPr>
-          <p:cNvPr id="32" name="Arrow: Right 31">
-            <a:extLst>
-              <a:ext uri="{FF2B5EF4-FFF2-40B4-BE49-F238E27FC236}">
-                <a16:creationId xmlns:a16="http://schemas.microsoft.com/office/drawing/2014/main" id="{2A293891-649B-D3A5-13BF-DC5A49D57273}"/>
-              </a:ext>
-            </a:extLst>
-          </p:cNvPr>
-          <p:cNvSpPr/>
+            <a:ln>
+              <a:solidFill>
+                <a:srgbClr val="002060"/>
+              </a:solidFill>
+            </a:ln>
+          </p:spPr>
+          <p:style>
+            <a:lnRef idx="2">
+              <a:schemeClr val="accent1">
+                <a:shade val="15000"/>
+              </a:schemeClr>
+            </a:lnRef>
+            <a:fillRef idx="1">
+              <a:schemeClr val="accent1"/>
+            </a:fillRef>
+            <a:effectRef idx="0">
+              <a:schemeClr val="accent1"/>
+            </a:effectRef>
+            <a:fontRef idx="minor">
+              <a:schemeClr val="lt1"/>
+            </a:fontRef>
+          </p:style>
+          <p:txBody>
+            <a:bodyPr rtlCol="0" anchor="ctr"/>
+            <a:lstStyle/>
+            <a:p>
+              <a:pPr algn="ctr"/>
+              <a:endParaRPr lang="en-US" dirty="0"/>
+            </a:p>
+          </p:txBody>
+        </p:sp>
+        <p:sp>
+          <p:nvSpPr>
+            <p:cNvPr id="32" name="Arrow: Right 31">
+              <a:extLst>
+                <a:ext uri="{FF2B5EF4-FFF2-40B4-BE49-F238E27FC236}">
+                  <a16:creationId xmlns:a16="http://schemas.microsoft.com/office/drawing/2014/main" id="{2A293891-649B-D3A5-13BF-DC5A49D57273}"/>
+                </a:ext>
+              </a:extLst>
+            </p:cNvPr>
+            <p:cNvSpPr/>
+            <p:nvPr/>
+          </p:nvSpPr>
+          <p:spPr>
+            <a:xfrm rot="16200000">
+              <a:off x="8276787" y="4248187"/>
+              <a:ext cx="2920436" cy="212060"/>
+            </a:xfrm>
+            <a:prstGeom prst="rightArrow">
+              <a:avLst/>
+            </a:prstGeom>
+            <a:solidFill>
+              <a:srgbClr val="FF0000"/>
+            </a:solidFill>
+            <a:ln>
+              <a:solidFill>
+                <a:srgbClr val="C00000"/>
+              </a:solidFill>
+            </a:ln>
+          </p:spPr>
+          <p:style>
+            <a:lnRef idx="2">
+              <a:schemeClr val="accent1">
+                <a:shade val="15000"/>
+              </a:schemeClr>
+            </a:lnRef>
+            <a:fillRef idx="1">
+              <a:schemeClr val="accent1"/>
+            </a:fillRef>
+            <a:effectRef idx="0">
+              <a:schemeClr val="accent1"/>
+            </a:effectRef>
+            <a:fontRef idx="minor">
+              <a:schemeClr val="lt1"/>
+            </a:fontRef>
+          </p:style>
+          <p:txBody>
+            <a:bodyPr rtlCol="0" anchor="ctr"/>
+            <a:lstStyle/>
+            <a:p>
+              <a:pPr algn="ctr"/>
+              <a:endParaRPr lang="en-US" dirty="0"/>
+            </a:p>
+          </p:txBody>
+        </p:sp>
+      </p:grpSp>
+      <p:grpSp>
+        <p:nvGrpSpPr>
+          <p:cNvPr id="3" name="Group 2">
+            <a:extLst>
+              <a:ext uri="{FF2B5EF4-FFF2-40B4-BE49-F238E27FC236}">
+                <a16:creationId xmlns:a16="http://schemas.microsoft.com/office/drawing/2014/main" id="{50AF9F03-E3C0-1075-2479-2437ED53D1E3}"/>
+              </a:ext>
+            </a:extLst>
+          </p:cNvPr>
+          <p:cNvGrpSpPr/>
           <p:nvPr/>
-        </p:nvSpPr>
-        <p:spPr>
-          <a:xfrm rot="16200000">
-            <a:off x="8276787" y="4248187"/>
-            <a:ext cx="2920436" cy="212060"/>
-          </a:xfrm>
-          <a:prstGeom prst="rightArrow">
-            <a:avLst/>
-          </a:prstGeom>
-          <a:solidFill>
-            <a:srgbClr val="FF0000"/>
-          </a:solidFill>
-          <a:ln>
+        </p:nvGrpSpPr>
+        <p:grpSpPr>
+          <a:xfrm rot="10800000">
+            <a:off x="9343183" y="1194739"/>
+            <a:ext cx="499852" cy="500937"/>
+            <a:chOff x="9343183" y="1194739"/>
+            <a:chExt cx="499852" cy="500937"/>
+          </a:xfrm>
+        </p:grpSpPr>
+        <p:sp>
+          <p:nvSpPr>
+            <p:cNvPr id="33" name="Arrow: Right 32">
+              <a:extLst>
+                <a:ext uri="{FF2B5EF4-FFF2-40B4-BE49-F238E27FC236}">
+                  <a16:creationId xmlns:a16="http://schemas.microsoft.com/office/drawing/2014/main" id="{EF1361FC-0531-66CA-1DDE-EAAE9177ED60}"/>
+                </a:ext>
+              </a:extLst>
+            </p:cNvPr>
+            <p:cNvSpPr/>
+            <p:nvPr/>
+          </p:nvSpPr>
+          <p:spPr>
+            <a:xfrm rot="16200000">
+              <a:off x="9198744" y="1339178"/>
+              <a:ext cx="500937" cy="212060"/>
+            </a:xfrm>
+            <a:prstGeom prst="rightArrow">
+              <a:avLst/>
+            </a:prstGeom>
             <a:solidFill>
-              <a:srgbClr val="C00000"/>
+              <a:srgbClr val="0070C0"/>
             </a:solidFill>
-          </a:ln>
-        </p:spPr>
-        <p:style>
-          <a:lnRef idx="2">
-            <a:schemeClr val="accent1">
-              <a:shade val="15000"/>
-            </a:schemeClr>
-          </a:lnRef>
-          <a:fillRef idx="1">
-            <a:schemeClr val="accent1"/>
-          </a:fillRef>
-          <a:effectRef idx="0">
-            <a:schemeClr val="accent1"/>
-          </a:effectRef>
-          <a:fontRef idx="minor">
-            <a:schemeClr val="lt1"/>
-          </a:fontRef>
-        </p:style>
-        <p:txBody>
-          <a:bodyPr rtlCol="0" anchor="ctr"/>
-          <a:lstStyle/>
-          <a:p>
-            <a:pPr algn="ctr"/>
-            <a:endParaRPr lang="en-US" dirty="0"/>
-          </a:p>
-        </p:txBody>
-      </p:sp>
-      <p:sp>
-        <p:nvSpPr>
-          <p:cNvPr id="33" name="Arrow: Right 32">
-            <a:extLst>
-              <a:ext uri="{FF2B5EF4-FFF2-40B4-BE49-F238E27FC236}">
-                <a16:creationId xmlns:a16="http://schemas.microsoft.com/office/drawing/2014/main" id="{EF1361FC-0531-66CA-1DDE-EAAE9177ED60}"/>
-              </a:ext>
-            </a:extLst>
-          </p:cNvPr>
-          <p:cNvSpPr/>
-          <p:nvPr/>
-        </p:nvSpPr>
-        <p:spPr>
-          <a:xfrm rot="16200000">
-            <a:off x="9198744" y="1339178"/>
-            <a:ext cx="500937" cy="212060"/>
-          </a:xfrm>
-          <a:prstGeom prst="rightArrow">
-            <a:avLst/>
-          </a:prstGeom>
-          <a:solidFill>
-            <a:srgbClr val="0070C0"/>
-          </a:solidFill>
-          <a:ln>
+            <a:ln>
+              <a:solidFill>
+                <a:srgbClr val="002060"/>
+              </a:solidFill>
+            </a:ln>
+          </p:spPr>
+          <p:style>
+            <a:lnRef idx="2">
+              <a:schemeClr val="accent1">
+                <a:shade val="15000"/>
+              </a:schemeClr>
+            </a:lnRef>
+            <a:fillRef idx="1">
+              <a:schemeClr val="accent1"/>
+            </a:fillRef>
+            <a:effectRef idx="0">
+              <a:schemeClr val="accent1"/>
+            </a:effectRef>
+            <a:fontRef idx="minor">
+              <a:schemeClr val="lt1"/>
+            </a:fontRef>
+          </p:style>
+          <p:txBody>
+            <a:bodyPr rtlCol="0" anchor="ctr"/>
+            <a:lstStyle/>
+            <a:p>
+              <a:pPr algn="ctr"/>
+              <a:endParaRPr lang="en-US"/>
+            </a:p>
+          </p:txBody>
+        </p:sp>
+        <p:sp>
+          <p:nvSpPr>
+            <p:cNvPr id="34" name="Arrow: Right 33">
+              <a:extLst>
+                <a:ext uri="{FF2B5EF4-FFF2-40B4-BE49-F238E27FC236}">
+                  <a16:creationId xmlns:a16="http://schemas.microsoft.com/office/drawing/2014/main" id="{6504D514-9473-6031-1B9A-CE97CEA8C232}"/>
+                </a:ext>
+              </a:extLst>
+            </p:cNvPr>
+            <p:cNvSpPr/>
+            <p:nvPr/>
+          </p:nvSpPr>
+          <p:spPr>
+            <a:xfrm rot="16200000" flipH="1">
+              <a:off x="9486537" y="1339177"/>
+              <a:ext cx="500935" cy="212060"/>
+            </a:xfrm>
+            <a:prstGeom prst="rightArrow">
+              <a:avLst/>
+            </a:prstGeom>
             <a:solidFill>
-              <a:srgbClr val="002060"/>
+              <a:srgbClr val="FF0000"/>
             </a:solidFill>
-          </a:ln>
-        </p:spPr>
-        <p:style>
-          <a:lnRef idx="2">
-            <a:schemeClr val="accent1">
-              <a:shade val="15000"/>
-            </a:schemeClr>
-          </a:lnRef>
-          <a:fillRef idx="1">
-            <a:schemeClr val="accent1"/>
-          </a:fillRef>
-          <a:effectRef idx="0">
-            <a:schemeClr val="accent1"/>
-          </a:effectRef>
-          <a:fontRef idx="minor">
-            <a:schemeClr val="lt1"/>
-          </a:fontRef>
-        </p:style>
-        <p:txBody>
-          <a:bodyPr rtlCol="0" anchor="ctr"/>
-          <a:lstStyle/>
-          <a:p>
-            <a:pPr algn="ctr"/>
-            <a:endParaRPr lang="en-US"/>
-          </a:p>
-        </p:txBody>
-      </p:sp>
-      <p:sp>
-        <p:nvSpPr>
-          <p:cNvPr id="34" name="Arrow: Right 33">
-            <a:extLst>
-              <a:ext uri="{FF2B5EF4-FFF2-40B4-BE49-F238E27FC236}">
-                <a16:creationId xmlns:a16="http://schemas.microsoft.com/office/drawing/2014/main" id="{6504D514-9473-6031-1B9A-CE97CEA8C232}"/>
-              </a:ext>
-            </a:extLst>
-          </p:cNvPr>
-          <p:cNvSpPr/>
-          <p:nvPr/>
-        </p:nvSpPr>
-        <p:spPr>
-          <a:xfrm rot="16200000" flipH="1">
-            <a:off x="9486537" y="1339177"/>
-            <a:ext cx="500935" cy="212060"/>
-          </a:xfrm>
-          <a:prstGeom prst="rightArrow">
-            <a:avLst/>
-          </a:prstGeom>
-          <a:solidFill>
-            <a:srgbClr val="FF0000"/>
-          </a:solidFill>
-          <a:ln>
-            <a:solidFill>
-              <a:srgbClr val="C00000"/>
-            </a:solidFill>
-          </a:ln>
-        </p:spPr>
-        <p:style>
-          <a:lnRef idx="2">
-            <a:schemeClr val="accent1">
-              <a:shade val="15000"/>
-            </a:schemeClr>
-          </a:lnRef>
-          <a:fillRef idx="1">
-            <a:schemeClr val="accent1"/>
-          </a:fillRef>
-          <a:effectRef idx="0">
-            <a:schemeClr val="accent1"/>
-          </a:effectRef>
-          <a:fontRef idx="minor">
-            <a:schemeClr val="lt1"/>
-          </a:fontRef>
-        </p:style>
-        <p:txBody>
-          <a:bodyPr rtlCol="0" anchor="ctr"/>
-          <a:lstStyle/>
-          <a:p>
-            <a:pPr algn="ctr"/>
-            <a:endParaRPr lang="en-US"/>
-          </a:p>
-        </p:txBody>
-      </p:sp>
+            <a:ln>
+              <a:solidFill>
+                <a:srgbClr val="C00000"/>
+              </a:solidFill>
+            </a:ln>
+          </p:spPr>
+          <p:style>
+            <a:lnRef idx="2">
+              <a:schemeClr val="accent1">
+                <a:shade val="15000"/>
+              </a:schemeClr>
+            </a:lnRef>
+            <a:fillRef idx="1">
+              <a:schemeClr val="accent1"/>
+            </a:fillRef>
+            <a:effectRef idx="0">
+              <a:schemeClr val="accent1"/>
+            </a:effectRef>
+            <a:fontRef idx="minor">
+              <a:schemeClr val="lt1"/>
+            </a:fontRef>
+          </p:style>
+          <p:txBody>
+            <a:bodyPr rtlCol="0" anchor="ctr"/>
+            <a:lstStyle/>
+            <a:p>
+              <a:pPr algn="ctr"/>
+              <a:endParaRPr lang="en-US"/>
+            </a:p>
+          </p:txBody>
+        </p:sp>
+      </p:grpSp>
       <p:sp>
         <p:nvSpPr>
           <p:cNvPr id="35" name="TextBox 34">
@@ -9733,8 +9775,8 @@
           </a:p>
         </p:txBody>
       </p:sp>
-      <mc:AlternateContent xmlns:mc="http://schemas.openxmlformats.org/markup-compatibility/2006">
-        <mc:Choice xmlns:a14="http://schemas.microsoft.com/office/drawing/2010/main" Requires="a14">
+      <mc:AlternateContent xmlns:mc="http://schemas.openxmlformats.org/markup-compatibility/2006" xmlns:a14="http://schemas.microsoft.com/office/drawing/2010/main">
+        <mc:Choice Requires="a14">
           <p:sp>
             <p:nvSpPr>
               <p:cNvPr id="27" name="TextBox 26">
@@ -9838,7 +9880,7 @@
             </p:txBody>
           </p:sp>
         </mc:Choice>
-        <mc:Fallback>
+        <mc:Fallback xmlns="">
           <p:sp>
             <p:nvSpPr>
               <p:cNvPr id="27" name="TextBox 26">
@@ -9883,8 +9925,8 @@
           </p:sp>
         </mc:Fallback>
       </mc:AlternateContent>
-      <mc:AlternateContent xmlns:mc="http://schemas.openxmlformats.org/markup-compatibility/2006">
-        <mc:Choice xmlns:a14="http://schemas.microsoft.com/office/drawing/2010/main" Requires="a14">
+      <mc:AlternateContent xmlns:mc="http://schemas.openxmlformats.org/markup-compatibility/2006" xmlns:a14="http://schemas.microsoft.com/office/drawing/2010/main">
+        <mc:Choice Requires="a14">
           <p:sp>
             <p:nvSpPr>
               <p:cNvPr id="28" name="TextBox 27">
@@ -9913,6 +9955,7 @@
               </a:bodyPr>
               <a:lstStyle/>
               <a:p>
+                <a:pPr/>
                 <a14:m>
                   <m:oMathPara xmlns:m="http://schemas.openxmlformats.org/officeDocument/2006/math">
                     <m:oMathParaPr>
@@ -9964,7 +10007,7 @@
             </p:txBody>
           </p:sp>
         </mc:Choice>
-        <mc:Fallback>
+        <mc:Fallback xmlns="">
           <p:sp>
             <p:nvSpPr>
               <p:cNvPr id="28" name="TextBox 27">
@@ -10009,8 +10052,8 @@
           </p:sp>
         </mc:Fallback>
       </mc:AlternateContent>
-      <mc:AlternateContent xmlns:mc="http://schemas.openxmlformats.org/markup-compatibility/2006">
-        <mc:Choice xmlns:a14="http://schemas.microsoft.com/office/drawing/2010/main" Requires="a14">
+      <mc:AlternateContent xmlns:mc="http://schemas.openxmlformats.org/markup-compatibility/2006" xmlns:a14="http://schemas.microsoft.com/office/drawing/2010/main">
+        <mc:Choice Requires="a14">
           <p:sp>
             <p:nvSpPr>
               <p:cNvPr id="29" name="TextBox 28">
@@ -10039,6 +10082,7 @@
               </a:bodyPr>
               <a:lstStyle/>
               <a:p>
+                <a:pPr/>
                 <a14:m>
                   <m:oMathPara xmlns:m="http://schemas.openxmlformats.org/officeDocument/2006/math">
                     <m:oMathParaPr>
@@ -10084,7 +10128,7 @@
             </p:txBody>
           </p:sp>
         </mc:Choice>
-        <mc:Fallback>
+        <mc:Fallback xmlns="">
           <p:sp>
             <p:nvSpPr>
               <p:cNvPr id="29" name="TextBox 28">
@@ -10129,8 +10173,8 @@
           </p:sp>
         </mc:Fallback>
       </mc:AlternateContent>
-      <mc:AlternateContent xmlns:mc="http://schemas.openxmlformats.org/markup-compatibility/2006">
-        <mc:Choice xmlns:a14="http://schemas.microsoft.com/office/drawing/2010/main" Requires="a14">
+      <mc:AlternateContent xmlns:mc="http://schemas.openxmlformats.org/markup-compatibility/2006" xmlns:a14="http://schemas.microsoft.com/office/drawing/2010/main">
+        <mc:Choice Requires="a14">
           <p:sp>
             <p:nvSpPr>
               <p:cNvPr id="30" name="TextBox 29">
@@ -10159,6 +10203,7 @@
               </a:bodyPr>
               <a:lstStyle/>
               <a:p>
+                <a:pPr/>
                 <a14:m>
                   <m:oMathPara xmlns:m="http://schemas.openxmlformats.org/officeDocument/2006/math">
                     <m:oMathParaPr>
@@ -10204,7 +10249,7 @@
             </p:txBody>
           </p:sp>
         </mc:Choice>
-        <mc:Fallback>
+        <mc:Fallback xmlns="">
           <p:sp>
             <p:nvSpPr>
               <p:cNvPr id="30" name="TextBox 29">
@@ -10249,8 +10294,8 @@
           </p:sp>
         </mc:Fallback>
       </mc:AlternateContent>
-      <mc:AlternateContent xmlns:mc="http://schemas.openxmlformats.org/markup-compatibility/2006">
-        <mc:Choice xmlns:a14="http://schemas.microsoft.com/office/drawing/2010/main" Requires="a14">
+      <mc:AlternateContent xmlns:mc="http://schemas.openxmlformats.org/markup-compatibility/2006" xmlns:a14="http://schemas.microsoft.com/office/drawing/2010/main">
+        <mc:Choice Requires="a14">
           <p:sp>
             <p:nvSpPr>
               <p:cNvPr id="31" name="TextBox 30">
@@ -10279,6 +10324,7 @@
               </a:bodyPr>
               <a:lstStyle/>
               <a:p>
+                <a:pPr/>
                 <a14:m>
                   <m:oMathPara xmlns:m="http://schemas.openxmlformats.org/officeDocument/2006/math">
                     <m:oMathParaPr>
@@ -10361,7 +10407,7 @@
             </p:txBody>
           </p:sp>
         </mc:Choice>
-        <mc:Fallback>
+        <mc:Fallback xmlns="">
           <p:sp>
             <p:nvSpPr>
               <p:cNvPr id="31" name="TextBox 30">
@@ -10406,8 +10452,8 @@
           </p:sp>
         </mc:Fallback>
       </mc:AlternateContent>
-      <mc:AlternateContent xmlns:mc="http://schemas.openxmlformats.org/markup-compatibility/2006">
-        <mc:Choice xmlns:a14="http://schemas.microsoft.com/office/drawing/2010/main" Requires="a14">
+      <mc:AlternateContent xmlns:mc="http://schemas.openxmlformats.org/markup-compatibility/2006" xmlns:a14="http://schemas.microsoft.com/office/drawing/2010/main">
+        <mc:Choice Requires="a14">
           <p:sp>
             <p:nvSpPr>
               <p:cNvPr id="32" name="TextBox 31">
@@ -10436,6 +10482,7 @@
               </a:bodyPr>
               <a:lstStyle/>
               <a:p>
+                <a:pPr/>
                 <a14:m>
                   <m:oMathPara xmlns:m="http://schemas.openxmlformats.org/officeDocument/2006/math">
                     <m:oMathParaPr>
@@ -10530,7 +10577,7 @@
             </p:txBody>
           </p:sp>
         </mc:Choice>
-        <mc:Fallback>
+        <mc:Fallback xmlns="">
           <p:sp>
             <p:nvSpPr>
               <p:cNvPr id="32" name="TextBox 31">
@@ -10698,8 +10745,8 @@
           </a:p>
         </p:txBody>
       </p:sp>
-      <mc:AlternateContent xmlns:mc="http://schemas.openxmlformats.org/markup-compatibility/2006">
-        <mc:Choice xmlns:a14="http://schemas.microsoft.com/office/drawing/2010/main" Requires="a14">
+      <mc:AlternateContent xmlns:mc="http://schemas.openxmlformats.org/markup-compatibility/2006" xmlns:a14="http://schemas.microsoft.com/office/drawing/2010/main">
+        <mc:Choice Requires="a14">
           <p:sp>
             <p:nvSpPr>
               <p:cNvPr id="36" name="TextBox 35">
@@ -10808,7 +10855,7 @@
             </p:txBody>
           </p:sp>
         </mc:Choice>
-        <mc:Fallback>
+        <mc:Fallback xmlns="">
           <p:sp>
             <p:nvSpPr>
               <p:cNvPr id="36" name="TextBox 35">
@@ -10853,8 +10900,8 @@
           </p:sp>
         </mc:Fallback>
       </mc:AlternateContent>
-      <mc:AlternateContent xmlns:mc="http://schemas.openxmlformats.org/markup-compatibility/2006">
-        <mc:Choice xmlns:a14="http://schemas.microsoft.com/office/drawing/2010/main" Requires="a14">
+      <mc:AlternateContent xmlns:mc="http://schemas.openxmlformats.org/markup-compatibility/2006" xmlns:a14="http://schemas.microsoft.com/office/drawing/2010/main">
+        <mc:Choice Requires="a14">
           <p:sp>
             <p:nvSpPr>
               <p:cNvPr id="37" name="TextBox 36">
@@ -10963,7 +11010,7 @@
             </p:txBody>
           </p:sp>
         </mc:Choice>
-        <mc:Fallback>
+        <mc:Fallback xmlns="">
           <p:sp>
             <p:nvSpPr>
               <p:cNvPr id="37" name="TextBox 36">
@@ -11049,8 +11096,8 @@
           </a:p>
         </p:txBody>
       </p:sp>
-      <mc:AlternateContent xmlns:mc="http://schemas.openxmlformats.org/markup-compatibility/2006">
-        <mc:Choice xmlns:a14="http://schemas.microsoft.com/office/drawing/2010/main" Requires="a14">
+      <mc:AlternateContent xmlns:mc="http://schemas.openxmlformats.org/markup-compatibility/2006" xmlns:a14="http://schemas.microsoft.com/office/drawing/2010/main">
+        <mc:Choice Requires="a14">
           <p:sp>
             <p:nvSpPr>
               <p:cNvPr id="39" name="TextBox 38">
@@ -11079,6 +11126,7 @@
               </a:bodyPr>
               <a:lstStyle/>
               <a:p>
+                <a:pPr/>
                 <a14:m>
                   <m:oMathPara xmlns:m="http://schemas.openxmlformats.org/officeDocument/2006/math">
                     <m:oMathParaPr>
@@ -11168,7 +11216,7 @@
             </p:txBody>
           </p:sp>
         </mc:Choice>
-        <mc:Fallback>
+        <mc:Fallback xmlns="">
           <p:sp>
             <p:nvSpPr>
               <p:cNvPr id="39" name="TextBox 38">
@@ -11213,8 +11261,8 @@
           </p:sp>
         </mc:Fallback>
       </mc:AlternateContent>
-      <mc:AlternateContent xmlns:mc="http://schemas.openxmlformats.org/markup-compatibility/2006">
-        <mc:Choice xmlns:a14="http://schemas.microsoft.com/office/drawing/2010/main" Requires="a14">
+      <mc:AlternateContent xmlns:mc="http://schemas.openxmlformats.org/markup-compatibility/2006" xmlns:a14="http://schemas.microsoft.com/office/drawing/2010/main">
+        <mc:Choice Requires="a14">
           <p:sp>
             <p:nvSpPr>
               <p:cNvPr id="40" name="TextBox 39">
@@ -11243,6 +11291,7 @@
               </a:bodyPr>
               <a:lstStyle/>
               <a:p>
+                <a:pPr/>
                 <a14:m>
                   <m:oMathPara xmlns:m="http://schemas.openxmlformats.org/officeDocument/2006/math">
                     <m:oMathParaPr>
@@ -11332,7 +11381,7 @@
             </p:txBody>
           </p:sp>
         </mc:Choice>
-        <mc:Fallback>
+        <mc:Fallback xmlns="">
           <p:sp>
             <p:nvSpPr>
               <p:cNvPr id="40" name="TextBox 39">

--- a/z.ReadMeAssets/UTAH Github.pptx
+++ b/z.ReadMeAssets/UTAH Github.pptx
@@ -12,8 +12,8 @@
     <p:sldId id="257" r:id="rId3"/>
     <p:sldId id="259" r:id="rId4"/>
     <p:sldId id="261" r:id="rId5"/>
-    <p:sldId id="260" r:id="rId6"/>
-    <p:sldId id="258" r:id="rId7"/>
+    <p:sldId id="258" r:id="rId6"/>
+    <p:sldId id="260" r:id="rId7"/>
   </p:sldIdLst>
   <p:sldSz cx="12192000" cy="6858000"/>
   <p:notesSz cx="6858000" cy="9144000"/>
@@ -7935,1643 +7935,6 @@
 </file>
 
 <file path=ppt/slides/slide5.xml><?xml version="1.0" encoding="utf-8"?>
-<p:sld xmlns:a="http://schemas.openxmlformats.org/drawingml/2006/main" xmlns:r="http://schemas.openxmlformats.org/officeDocument/2006/relationships" xmlns:p="http://schemas.openxmlformats.org/presentationml/2006/main">
-  <p:cSld>
-    <p:spTree>
-      <p:nvGrpSpPr>
-        <p:cNvPr id="1" name=""/>
-        <p:cNvGrpSpPr/>
-        <p:nvPr/>
-      </p:nvGrpSpPr>
-      <p:grpSpPr>
-        <a:xfrm>
-          <a:off x="0" y="0"/>
-          <a:ext cx="0" cy="0"/>
-          <a:chOff x="0" y="0"/>
-          <a:chExt cx="0" cy="0"/>
-        </a:xfrm>
-      </p:grpSpPr>
-      <p:pic>
-        <p:nvPicPr>
-          <p:cNvPr id="16" name="Picture 15">
-            <a:extLst>
-              <a:ext uri="{FF2B5EF4-FFF2-40B4-BE49-F238E27FC236}">
-                <a16:creationId xmlns:a16="http://schemas.microsoft.com/office/drawing/2014/main" id="{742BF245-A9C2-7ACA-A244-57FACF33FEB8}"/>
-              </a:ext>
-            </a:extLst>
-          </p:cNvPr>
-          <p:cNvPicPr>
-            <a:picLocks noChangeAspect="1"/>
-          </p:cNvPicPr>
-          <p:nvPr/>
-        </p:nvPicPr>
-        <p:blipFill>
-          <a:blip r:embed="rId2"/>
-          <a:stretch>
-            <a:fillRect/>
-          </a:stretch>
-        </p:blipFill>
-        <p:spPr>
-          <a:xfrm>
-            <a:off x="306422" y="607829"/>
-            <a:ext cx="2950527" cy="3165466"/>
-          </a:xfrm>
-          <a:prstGeom prst="rect">
-            <a:avLst/>
-          </a:prstGeom>
-        </p:spPr>
-      </p:pic>
-      <p:sp>
-        <p:nvSpPr>
-          <p:cNvPr id="17" name="TextBox 16">
-            <a:extLst>
-              <a:ext uri="{FF2B5EF4-FFF2-40B4-BE49-F238E27FC236}">
-                <a16:creationId xmlns:a16="http://schemas.microsoft.com/office/drawing/2014/main" id="{DE62E486-AC37-0DD3-1F0C-71E71A21ED26}"/>
-              </a:ext>
-            </a:extLst>
-          </p:cNvPr>
-          <p:cNvSpPr txBox="1"/>
-          <p:nvPr/>
-        </p:nvSpPr>
-        <p:spPr>
-          <a:xfrm>
-            <a:off x="450484" y="185752"/>
-            <a:ext cx="1934070" cy="307777"/>
-          </a:xfrm>
-          <a:prstGeom prst="rect">
-            <a:avLst/>
-          </a:prstGeom>
-          <a:noFill/>
-          <a:ln>
-            <a:solidFill>
-              <a:schemeClr val="tx1"/>
-            </a:solidFill>
-          </a:ln>
-        </p:spPr>
-        <p:txBody>
-          <a:bodyPr wrap="square" rtlCol="0">
-            <a:spAutoFit/>
-          </a:bodyPr>
-          <a:lstStyle/>
-          <a:p>
-            <a:pPr algn="ctr"/>
-            <a:r>
-              <a:rPr lang="en-US" sz="1400" dirty="0"/>
-              <a:t>Excel Sheet Calculator</a:t>
-            </a:r>
-          </a:p>
-        </p:txBody>
-      </p:sp>
-      <p:sp>
-        <p:nvSpPr>
-          <p:cNvPr id="29" name="TextBox 28">
-            <a:extLst>
-              <a:ext uri="{FF2B5EF4-FFF2-40B4-BE49-F238E27FC236}">
-                <a16:creationId xmlns:a16="http://schemas.microsoft.com/office/drawing/2014/main" id="{AF369CF3-183C-AB36-4DEC-BBF741F95E2B}"/>
-              </a:ext>
-            </a:extLst>
-          </p:cNvPr>
-          <p:cNvSpPr txBox="1"/>
-          <p:nvPr/>
-        </p:nvSpPr>
-        <p:spPr>
-          <a:xfrm>
-            <a:off x="3672044" y="218962"/>
-            <a:ext cx="2349619" cy="307777"/>
-          </a:xfrm>
-          <a:prstGeom prst="rect">
-            <a:avLst/>
-          </a:prstGeom>
-          <a:noFill/>
-          <a:ln>
-            <a:solidFill>
-              <a:schemeClr val="tx1"/>
-            </a:solidFill>
-          </a:ln>
-        </p:spPr>
-        <p:txBody>
-          <a:bodyPr wrap="square" rtlCol="0">
-            <a:spAutoFit/>
-          </a:bodyPr>
-          <a:lstStyle/>
-          <a:p>
-            <a:pPr algn="ctr"/>
-            <a:r>
-              <a:rPr lang="en-US" sz="1400" dirty="0"/>
-              <a:t>COMSOL Simulation</a:t>
-            </a:r>
-          </a:p>
-        </p:txBody>
-      </p:sp>
-      <p:pic>
-        <p:nvPicPr>
-          <p:cNvPr id="30" name="Picture 29">
-            <a:extLst>
-              <a:ext uri="{FF2B5EF4-FFF2-40B4-BE49-F238E27FC236}">
-                <a16:creationId xmlns:a16="http://schemas.microsoft.com/office/drawing/2014/main" id="{B147F649-6C33-C877-4513-CE7BE3D549CB}"/>
-              </a:ext>
-            </a:extLst>
-          </p:cNvPr>
-          <p:cNvPicPr>
-            <a:picLocks noChangeAspect="1"/>
-          </p:cNvPicPr>
-          <p:nvPr/>
-        </p:nvPicPr>
-        <p:blipFill>
-          <a:blip r:embed="rId3"/>
-          <a:srcRect l="8275" t="10957" r="6047" b="6925"/>
-          <a:stretch/>
-        </p:blipFill>
-        <p:spPr>
-          <a:xfrm rot="16200000">
-            <a:off x="6698003" y="1985444"/>
-            <a:ext cx="5758979" cy="3082515"/>
-          </a:xfrm>
-          <a:prstGeom prst="rect">
-            <a:avLst/>
-          </a:prstGeom>
-        </p:spPr>
-      </p:pic>
-      <p:grpSp>
-        <p:nvGrpSpPr>
-          <p:cNvPr id="2" name="Group 1">
-            <a:extLst>
-              <a:ext uri="{FF2B5EF4-FFF2-40B4-BE49-F238E27FC236}">
-                <a16:creationId xmlns:a16="http://schemas.microsoft.com/office/drawing/2014/main" id="{CCEFCCF8-6063-2809-5FAA-6E7A7AF1DFF9}"/>
-              </a:ext>
-            </a:extLst>
-          </p:cNvPr>
-          <p:cNvGrpSpPr/>
-          <p:nvPr/>
-        </p:nvGrpSpPr>
-        <p:grpSpPr>
-          <a:xfrm rot="10800000">
-            <a:off x="9343183" y="2893999"/>
-            <a:ext cx="499852" cy="2920436"/>
-            <a:chOff x="9343183" y="2893999"/>
-            <a:chExt cx="499852" cy="2920436"/>
-          </a:xfrm>
-        </p:grpSpPr>
-        <p:sp>
-          <p:nvSpPr>
-            <p:cNvPr id="31" name="Arrow: Right 30">
-              <a:extLst>
-                <a:ext uri="{FF2B5EF4-FFF2-40B4-BE49-F238E27FC236}">
-                  <a16:creationId xmlns:a16="http://schemas.microsoft.com/office/drawing/2014/main" id="{EA56CE58-C3C1-15A7-12B9-A2A007E84C38}"/>
-                </a:ext>
-              </a:extLst>
-            </p:cNvPr>
-            <p:cNvSpPr/>
-            <p:nvPr/>
-          </p:nvSpPr>
-          <p:spPr>
-            <a:xfrm rot="5400000">
-              <a:off x="7988997" y="4248185"/>
-              <a:ext cx="2920434" cy="212062"/>
-            </a:xfrm>
-            <a:prstGeom prst="rightArrow">
-              <a:avLst/>
-            </a:prstGeom>
-            <a:solidFill>
-              <a:srgbClr val="0070C0"/>
-            </a:solidFill>
-            <a:ln>
-              <a:solidFill>
-                <a:srgbClr val="002060"/>
-              </a:solidFill>
-            </a:ln>
-          </p:spPr>
-          <p:style>
-            <a:lnRef idx="2">
-              <a:schemeClr val="accent1">
-                <a:shade val="15000"/>
-              </a:schemeClr>
-            </a:lnRef>
-            <a:fillRef idx="1">
-              <a:schemeClr val="accent1"/>
-            </a:fillRef>
-            <a:effectRef idx="0">
-              <a:schemeClr val="accent1"/>
-            </a:effectRef>
-            <a:fontRef idx="minor">
-              <a:schemeClr val="lt1"/>
-            </a:fontRef>
-          </p:style>
-          <p:txBody>
-            <a:bodyPr rtlCol="0" anchor="ctr"/>
-            <a:lstStyle/>
-            <a:p>
-              <a:pPr algn="ctr"/>
-              <a:endParaRPr lang="en-US" dirty="0"/>
-            </a:p>
-          </p:txBody>
-        </p:sp>
-        <p:sp>
-          <p:nvSpPr>
-            <p:cNvPr id="32" name="Arrow: Right 31">
-              <a:extLst>
-                <a:ext uri="{FF2B5EF4-FFF2-40B4-BE49-F238E27FC236}">
-                  <a16:creationId xmlns:a16="http://schemas.microsoft.com/office/drawing/2014/main" id="{2A293891-649B-D3A5-13BF-DC5A49D57273}"/>
-                </a:ext>
-              </a:extLst>
-            </p:cNvPr>
-            <p:cNvSpPr/>
-            <p:nvPr/>
-          </p:nvSpPr>
-          <p:spPr>
-            <a:xfrm rot="16200000">
-              <a:off x="8276787" y="4248187"/>
-              <a:ext cx="2920436" cy="212060"/>
-            </a:xfrm>
-            <a:prstGeom prst="rightArrow">
-              <a:avLst/>
-            </a:prstGeom>
-            <a:solidFill>
-              <a:srgbClr val="FF0000"/>
-            </a:solidFill>
-            <a:ln>
-              <a:solidFill>
-                <a:srgbClr val="C00000"/>
-              </a:solidFill>
-            </a:ln>
-          </p:spPr>
-          <p:style>
-            <a:lnRef idx="2">
-              <a:schemeClr val="accent1">
-                <a:shade val="15000"/>
-              </a:schemeClr>
-            </a:lnRef>
-            <a:fillRef idx="1">
-              <a:schemeClr val="accent1"/>
-            </a:fillRef>
-            <a:effectRef idx="0">
-              <a:schemeClr val="accent1"/>
-            </a:effectRef>
-            <a:fontRef idx="minor">
-              <a:schemeClr val="lt1"/>
-            </a:fontRef>
-          </p:style>
-          <p:txBody>
-            <a:bodyPr rtlCol="0" anchor="ctr"/>
-            <a:lstStyle/>
-            <a:p>
-              <a:pPr algn="ctr"/>
-              <a:endParaRPr lang="en-US" dirty="0"/>
-            </a:p>
-          </p:txBody>
-        </p:sp>
-      </p:grpSp>
-      <p:grpSp>
-        <p:nvGrpSpPr>
-          <p:cNvPr id="3" name="Group 2">
-            <a:extLst>
-              <a:ext uri="{FF2B5EF4-FFF2-40B4-BE49-F238E27FC236}">
-                <a16:creationId xmlns:a16="http://schemas.microsoft.com/office/drawing/2014/main" id="{50AF9F03-E3C0-1075-2479-2437ED53D1E3}"/>
-              </a:ext>
-            </a:extLst>
-          </p:cNvPr>
-          <p:cNvGrpSpPr/>
-          <p:nvPr/>
-        </p:nvGrpSpPr>
-        <p:grpSpPr>
-          <a:xfrm rot="10800000">
-            <a:off x="9343183" y="1194739"/>
-            <a:ext cx="499852" cy="500937"/>
-            <a:chOff x="9343183" y="1194739"/>
-            <a:chExt cx="499852" cy="500937"/>
-          </a:xfrm>
-        </p:grpSpPr>
-        <p:sp>
-          <p:nvSpPr>
-            <p:cNvPr id="33" name="Arrow: Right 32">
-              <a:extLst>
-                <a:ext uri="{FF2B5EF4-FFF2-40B4-BE49-F238E27FC236}">
-                  <a16:creationId xmlns:a16="http://schemas.microsoft.com/office/drawing/2014/main" id="{EF1361FC-0531-66CA-1DDE-EAAE9177ED60}"/>
-                </a:ext>
-              </a:extLst>
-            </p:cNvPr>
-            <p:cNvSpPr/>
-            <p:nvPr/>
-          </p:nvSpPr>
-          <p:spPr>
-            <a:xfrm rot="16200000">
-              <a:off x="9198744" y="1339178"/>
-              <a:ext cx="500937" cy="212060"/>
-            </a:xfrm>
-            <a:prstGeom prst="rightArrow">
-              <a:avLst/>
-            </a:prstGeom>
-            <a:solidFill>
-              <a:srgbClr val="0070C0"/>
-            </a:solidFill>
-            <a:ln>
-              <a:solidFill>
-                <a:srgbClr val="002060"/>
-              </a:solidFill>
-            </a:ln>
-          </p:spPr>
-          <p:style>
-            <a:lnRef idx="2">
-              <a:schemeClr val="accent1">
-                <a:shade val="15000"/>
-              </a:schemeClr>
-            </a:lnRef>
-            <a:fillRef idx="1">
-              <a:schemeClr val="accent1"/>
-            </a:fillRef>
-            <a:effectRef idx="0">
-              <a:schemeClr val="accent1"/>
-            </a:effectRef>
-            <a:fontRef idx="minor">
-              <a:schemeClr val="lt1"/>
-            </a:fontRef>
-          </p:style>
-          <p:txBody>
-            <a:bodyPr rtlCol="0" anchor="ctr"/>
-            <a:lstStyle/>
-            <a:p>
-              <a:pPr algn="ctr"/>
-              <a:endParaRPr lang="en-US"/>
-            </a:p>
-          </p:txBody>
-        </p:sp>
-        <p:sp>
-          <p:nvSpPr>
-            <p:cNvPr id="34" name="Arrow: Right 33">
-              <a:extLst>
-                <a:ext uri="{FF2B5EF4-FFF2-40B4-BE49-F238E27FC236}">
-                  <a16:creationId xmlns:a16="http://schemas.microsoft.com/office/drawing/2014/main" id="{6504D514-9473-6031-1B9A-CE97CEA8C232}"/>
-                </a:ext>
-              </a:extLst>
-            </p:cNvPr>
-            <p:cNvSpPr/>
-            <p:nvPr/>
-          </p:nvSpPr>
-          <p:spPr>
-            <a:xfrm rot="16200000" flipH="1">
-              <a:off x="9486537" y="1339177"/>
-              <a:ext cx="500935" cy="212060"/>
-            </a:xfrm>
-            <a:prstGeom prst="rightArrow">
-              <a:avLst/>
-            </a:prstGeom>
-            <a:solidFill>
-              <a:srgbClr val="FF0000"/>
-            </a:solidFill>
-            <a:ln>
-              <a:solidFill>
-                <a:srgbClr val="C00000"/>
-              </a:solidFill>
-            </a:ln>
-          </p:spPr>
-          <p:style>
-            <a:lnRef idx="2">
-              <a:schemeClr val="accent1">
-                <a:shade val="15000"/>
-              </a:schemeClr>
-            </a:lnRef>
-            <a:fillRef idx="1">
-              <a:schemeClr val="accent1"/>
-            </a:fillRef>
-            <a:effectRef idx="0">
-              <a:schemeClr val="accent1"/>
-            </a:effectRef>
-            <a:fontRef idx="minor">
-              <a:schemeClr val="lt1"/>
-            </a:fontRef>
-          </p:style>
-          <p:txBody>
-            <a:bodyPr rtlCol="0" anchor="ctr"/>
-            <a:lstStyle/>
-            <a:p>
-              <a:pPr algn="ctr"/>
-              <a:endParaRPr lang="en-US"/>
-            </a:p>
-          </p:txBody>
-        </p:sp>
-      </p:grpSp>
-      <p:sp>
-        <p:nvSpPr>
-          <p:cNvPr id="35" name="TextBox 34">
-            <a:extLst>
-              <a:ext uri="{FF2B5EF4-FFF2-40B4-BE49-F238E27FC236}">
-                <a16:creationId xmlns:a16="http://schemas.microsoft.com/office/drawing/2014/main" id="{FC29E358-76A0-7B0A-3725-0122CDBF18FB}"/>
-              </a:ext>
-            </a:extLst>
-          </p:cNvPr>
-          <p:cNvSpPr txBox="1"/>
-          <p:nvPr/>
-        </p:nvSpPr>
-        <p:spPr>
-          <a:xfrm>
-            <a:off x="8155785" y="232184"/>
-            <a:ext cx="2950378" cy="307777"/>
-          </a:xfrm>
-          <a:prstGeom prst="rect">
-            <a:avLst/>
-          </a:prstGeom>
-          <a:noFill/>
-          <a:ln>
-            <a:solidFill>
-              <a:schemeClr val="tx1"/>
-            </a:solidFill>
-          </a:ln>
-        </p:spPr>
-        <p:txBody>
-          <a:bodyPr wrap="square" rtlCol="0">
-            <a:spAutoFit/>
-          </a:bodyPr>
-          <a:lstStyle/>
-          <a:p>
-            <a:pPr algn="ctr"/>
-            <a:r>
-              <a:rPr lang="en-US" sz="1400" dirty="0"/>
-              <a:t>Expected Drift based on Simulation</a:t>
-            </a:r>
-          </a:p>
-        </p:txBody>
-      </p:sp>
-      <p:cxnSp>
-        <p:nvCxnSpPr>
-          <p:cNvPr id="36" name="Straight Connector 35">
-            <a:extLst>
-              <a:ext uri="{FF2B5EF4-FFF2-40B4-BE49-F238E27FC236}">
-                <a16:creationId xmlns:a16="http://schemas.microsoft.com/office/drawing/2014/main" id="{0A3B2172-8E51-42BE-1B79-2DECC7A194D8}"/>
-              </a:ext>
-            </a:extLst>
-          </p:cNvPr>
-          <p:cNvCxnSpPr>
-            <a:cxnSpLocks/>
-          </p:cNvCxnSpPr>
-          <p:nvPr/>
-        </p:nvCxnSpPr>
-        <p:spPr>
-          <a:xfrm>
-            <a:off x="7885228" y="1006665"/>
-            <a:ext cx="0" cy="4456382"/>
-          </a:xfrm>
-          <a:prstGeom prst="line">
-            <a:avLst/>
-          </a:prstGeom>
-          <a:ln w="38100"/>
-        </p:spPr>
-        <p:style>
-          <a:lnRef idx="2">
-            <a:schemeClr val="accent1"/>
-          </a:lnRef>
-          <a:fillRef idx="0">
-            <a:schemeClr val="accent1"/>
-          </a:fillRef>
-          <a:effectRef idx="1">
-            <a:schemeClr val="accent1"/>
-          </a:effectRef>
-          <a:fontRef idx="minor">
-            <a:schemeClr val="tx1"/>
-          </a:fontRef>
-        </p:style>
-      </p:cxnSp>
-      <p:cxnSp>
-        <p:nvCxnSpPr>
-          <p:cNvPr id="37" name="Straight Connector 36">
-            <a:extLst>
-              <a:ext uri="{FF2B5EF4-FFF2-40B4-BE49-F238E27FC236}">
-                <a16:creationId xmlns:a16="http://schemas.microsoft.com/office/drawing/2014/main" id="{B1600E67-5E8D-1311-B769-53BB98A0810E}"/>
-              </a:ext>
-            </a:extLst>
-          </p:cNvPr>
-          <p:cNvCxnSpPr>
-            <a:cxnSpLocks/>
-          </p:cNvCxnSpPr>
-          <p:nvPr/>
-        </p:nvCxnSpPr>
-        <p:spPr>
-          <a:xfrm>
-            <a:off x="3352800" y="1068118"/>
-            <a:ext cx="0" cy="4456382"/>
-          </a:xfrm>
-          <a:prstGeom prst="line">
-            <a:avLst/>
-          </a:prstGeom>
-          <a:ln w="38100"/>
-        </p:spPr>
-        <p:style>
-          <a:lnRef idx="2">
-            <a:schemeClr val="accent1"/>
-          </a:lnRef>
-          <a:fillRef idx="0">
-            <a:schemeClr val="accent1"/>
-          </a:fillRef>
-          <a:effectRef idx="1">
-            <a:schemeClr val="accent1"/>
-          </a:effectRef>
-          <a:fontRef idx="minor">
-            <a:schemeClr val="tx1"/>
-          </a:fontRef>
-        </p:style>
-      </p:cxnSp>
-      <p:sp>
-        <p:nvSpPr>
-          <p:cNvPr id="38" name="TextBox 37">
-            <a:extLst>
-              <a:ext uri="{FF2B5EF4-FFF2-40B4-BE49-F238E27FC236}">
-                <a16:creationId xmlns:a16="http://schemas.microsoft.com/office/drawing/2014/main" id="{C4A7165B-1185-A9DF-7CED-90BBB71B7697}"/>
-              </a:ext>
-            </a:extLst>
-          </p:cNvPr>
-          <p:cNvSpPr txBox="1"/>
-          <p:nvPr/>
-        </p:nvSpPr>
-        <p:spPr>
-          <a:xfrm>
-            <a:off x="450484" y="3927183"/>
-            <a:ext cx="2600379" cy="954107"/>
-          </a:xfrm>
-          <a:prstGeom prst="rect">
-            <a:avLst/>
-          </a:prstGeom>
-          <a:noFill/>
-          <a:ln>
-            <a:noFill/>
-          </a:ln>
-        </p:spPr>
-        <p:txBody>
-          <a:bodyPr wrap="square" rtlCol="0">
-            <a:spAutoFit/>
-          </a:bodyPr>
-          <a:lstStyle/>
-          <a:p>
-            <a:pPr algn="ctr"/>
-            <a:r>
-              <a:rPr lang="en-US" sz="1400" dirty="0"/>
-              <a:t>Changing the green box in the excel sheet will update all values. All other values are constant or set.</a:t>
-            </a:r>
-          </a:p>
-        </p:txBody>
-      </p:sp>
-      <p:pic>
-        <p:nvPicPr>
-          <p:cNvPr id="40" name="Picture 39">
-            <a:extLst>
-              <a:ext uri="{FF2B5EF4-FFF2-40B4-BE49-F238E27FC236}">
-                <a16:creationId xmlns:a16="http://schemas.microsoft.com/office/drawing/2014/main" id="{20EA7C80-3D69-8F3A-361C-FCAF39ABC22E}"/>
-              </a:ext>
-            </a:extLst>
-          </p:cNvPr>
-          <p:cNvPicPr>
-            <a:picLocks noChangeAspect="1"/>
-          </p:cNvPicPr>
-          <p:nvPr/>
-        </p:nvPicPr>
-        <p:blipFill>
-          <a:blip r:embed="rId4"/>
-          <a:srcRect l="27130" r="24742"/>
-          <a:stretch/>
-        </p:blipFill>
-        <p:spPr>
-          <a:xfrm rot="10800000">
-            <a:off x="3509955" y="621696"/>
-            <a:ext cx="3600728" cy="5813882"/>
-          </a:xfrm>
-          <a:prstGeom prst="rect">
-            <a:avLst/>
-          </a:prstGeom>
-        </p:spPr>
-      </p:pic>
-      <p:pic>
-        <p:nvPicPr>
-          <p:cNvPr id="41" name="Picture 40">
-            <a:extLst>
-              <a:ext uri="{FF2B5EF4-FFF2-40B4-BE49-F238E27FC236}">
-                <a16:creationId xmlns:a16="http://schemas.microsoft.com/office/drawing/2014/main" id="{56B2D32E-A669-911A-6099-4BB5BF26865C}"/>
-              </a:ext>
-            </a:extLst>
-          </p:cNvPr>
-          <p:cNvPicPr>
-            <a:picLocks noChangeAspect="1"/>
-          </p:cNvPicPr>
-          <p:nvPr/>
-        </p:nvPicPr>
-        <p:blipFill>
-          <a:blip r:embed="rId4"/>
-          <a:srcRect l="91123" t="2678" r="529" b="1417"/>
-          <a:stretch/>
-        </p:blipFill>
-        <p:spPr>
-          <a:xfrm>
-            <a:off x="7127102" y="493529"/>
-            <a:ext cx="669210" cy="5974968"/>
-          </a:xfrm>
-          <a:prstGeom prst="rect">
-            <a:avLst/>
-          </a:prstGeom>
-        </p:spPr>
-      </p:pic>
-      <p:sp>
-        <p:nvSpPr>
-          <p:cNvPr id="42" name="Rectangle: Rounded Corners 41">
-            <a:extLst>
-              <a:ext uri="{FF2B5EF4-FFF2-40B4-BE49-F238E27FC236}">
-                <a16:creationId xmlns:a16="http://schemas.microsoft.com/office/drawing/2014/main" id="{797FE3FD-D1E4-3D41-FA08-7F46FF6362E4}"/>
-              </a:ext>
-            </a:extLst>
-          </p:cNvPr>
-          <p:cNvSpPr/>
-          <p:nvPr/>
-        </p:nvSpPr>
-        <p:spPr>
-          <a:xfrm>
-            <a:off x="11003669" y="689122"/>
-            <a:ext cx="779668" cy="210038"/>
-          </a:xfrm>
-          <a:prstGeom prst="roundRect">
-            <a:avLst/>
-          </a:prstGeom>
-          <a:noFill/>
-          <a:ln>
-            <a:solidFill>
-              <a:schemeClr val="accent2">
-                <a:lumMod val="60000"/>
-                <a:lumOff val="40000"/>
-              </a:schemeClr>
-            </a:solidFill>
-          </a:ln>
-        </p:spPr>
-        <p:style>
-          <a:lnRef idx="2">
-            <a:schemeClr val="accent1">
-              <a:shade val="15000"/>
-            </a:schemeClr>
-          </a:lnRef>
-          <a:fillRef idx="1">
-            <a:schemeClr val="accent1"/>
-          </a:fillRef>
-          <a:effectRef idx="0">
-            <a:schemeClr val="accent1"/>
-          </a:effectRef>
-          <a:fontRef idx="minor">
-            <a:schemeClr val="lt1"/>
-          </a:fontRef>
-        </p:style>
-        <p:txBody>
-          <a:bodyPr rtlCol="0" anchor="ctr"/>
-          <a:lstStyle/>
-          <a:p>
-            <a:pPr algn="ctr"/>
-            <a:r>
-              <a:rPr lang="en-US" b="1" dirty="0">
-                <a:solidFill>
-                  <a:schemeClr val="tx1"/>
-                </a:solidFill>
-              </a:rPr>
-              <a:t>B4</a:t>
-            </a:r>
-          </a:p>
-        </p:txBody>
-      </p:sp>
-      <p:sp>
-        <p:nvSpPr>
-          <p:cNvPr id="43" name="Rectangle: Rounded Corners 42">
-            <a:extLst>
-              <a:ext uri="{FF2B5EF4-FFF2-40B4-BE49-F238E27FC236}">
-                <a16:creationId xmlns:a16="http://schemas.microsoft.com/office/drawing/2014/main" id="{4602054D-4BAC-104B-9BAD-15E8D684A81B}"/>
-              </a:ext>
-            </a:extLst>
-          </p:cNvPr>
-          <p:cNvSpPr/>
-          <p:nvPr/>
-        </p:nvSpPr>
-        <p:spPr>
-          <a:xfrm>
-            <a:off x="11003669" y="1041547"/>
-            <a:ext cx="779668" cy="210038"/>
-          </a:xfrm>
-          <a:prstGeom prst="roundRect">
-            <a:avLst/>
-          </a:prstGeom>
-          <a:noFill/>
-          <a:ln>
-            <a:solidFill>
-              <a:schemeClr val="accent2">
-                <a:lumMod val="60000"/>
-                <a:lumOff val="40000"/>
-              </a:schemeClr>
-            </a:solidFill>
-          </a:ln>
-        </p:spPr>
-        <p:style>
-          <a:lnRef idx="2">
-            <a:schemeClr val="accent1">
-              <a:shade val="15000"/>
-            </a:schemeClr>
-          </a:lnRef>
-          <a:fillRef idx="1">
-            <a:schemeClr val="accent1"/>
-          </a:fillRef>
-          <a:effectRef idx="0">
-            <a:schemeClr val="accent1"/>
-          </a:effectRef>
-          <a:fontRef idx="minor">
-            <a:schemeClr val="lt1"/>
-          </a:fontRef>
-        </p:style>
-        <p:txBody>
-          <a:bodyPr rtlCol="0" anchor="ctr"/>
-          <a:lstStyle/>
-          <a:p>
-            <a:pPr algn="ctr"/>
-            <a:r>
-              <a:rPr lang="en-US" b="1" dirty="0">
-                <a:solidFill>
-                  <a:schemeClr val="tx1"/>
-                </a:solidFill>
-              </a:rPr>
-              <a:t>B3</a:t>
-            </a:r>
-          </a:p>
-        </p:txBody>
-      </p:sp>
-      <p:sp>
-        <p:nvSpPr>
-          <p:cNvPr id="44" name="Rectangle: Rounded Corners 43">
-            <a:extLst>
-              <a:ext uri="{FF2B5EF4-FFF2-40B4-BE49-F238E27FC236}">
-                <a16:creationId xmlns:a16="http://schemas.microsoft.com/office/drawing/2014/main" id="{ECE62C2A-D7DE-8A3B-77CA-9E4A54A8849D}"/>
-              </a:ext>
-            </a:extLst>
-          </p:cNvPr>
-          <p:cNvSpPr/>
-          <p:nvPr/>
-        </p:nvSpPr>
-        <p:spPr>
-          <a:xfrm>
-            <a:off x="11003669" y="1393972"/>
-            <a:ext cx="779668" cy="210038"/>
-          </a:xfrm>
-          <a:prstGeom prst="roundRect">
-            <a:avLst/>
-          </a:prstGeom>
-          <a:noFill/>
-          <a:ln>
-            <a:solidFill>
-              <a:schemeClr val="accent2">
-                <a:lumMod val="60000"/>
-                <a:lumOff val="40000"/>
-              </a:schemeClr>
-            </a:solidFill>
-          </a:ln>
-        </p:spPr>
-        <p:style>
-          <a:lnRef idx="2">
-            <a:schemeClr val="accent1">
-              <a:shade val="15000"/>
-            </a:schemeClr>
-          </a:lnRef>
-          <a:fillRef idx="1">
-            <a:schemeClr val="accent1"/>
-          </a:fillRef>
-          <a:effectRef idx="0">
-            <a:schemeClr val="accent1"/>
-          </a:effectRef>
-          <a:fontRef idx="minor">
-            <a:schemeClr val="lt1"/>
-          </a:fontRef>
-        </p:style>
-        <p:txBody>
-          <a:bodyPr rtlCol="0" anchor="ctr"/>
-          <a:lstStyle/>
-          <a:p>
-            <a:pPr algn="ctr"/>
-            <a:r>
-              <a:rPr lang="en-US" b="1" dirty="0">
-                <a:solidFill>
-                  <a:schemeClr val="tx1"/>
-                </a:solidFill>
-              </a:rPr>
-              <a:t>B2</a:t>
-            </a:r>
-          </a:p>
-        </p:txBody>
-      </p:sp>
-      <p:sp>
-        <p:nvSpPr>
-          <p:cNvPr id="45" name="Rectangle: Rounded Corners 44">
-            <a:extLst>
-              <a:ext uri="{FF2B5EF4-FFF2-40B4-BE49-F238E27FC236}">
-                <a16:creationId xmlns:a16="http://schemas.microsoft.com/office/drawing/2014/main" id="{E3D02DE5-3A38-3F8C-9AB9-DE8B9D926FE5}"/>
-              </a:ext>
-            </a:extLst>
-          </p:cNvPr>
-          <p:cNvSpPr/>
-          <p:nvPr/>
-        </p:nvSpPr>
-        <p:spPr>
-          <a:xfrm>
-            <a:off x="11003669" y="1746397"/>
-            <a:ext cx="779668" cy="210038"/>
-          </a:xfrm>
-          <a:prstGeom prst="roundRect">
-            <a:avLst/>
-          </a:prstGeom>
-          <a:noFill/>
-          <a:ln>
-            <a:solidFill>
-              <a:schemeClr val="accent2">
-                <a:lumMod val="60000"/>
-                <a:lumOff val="40000"/>
-              </a:schemeClr>
-            </a:solidFill>
-          </a:ln>
-        </p:spPr>
-        <p:style>
-          <a:lnRef idx="2">
-            <a:schemeClr val="accent1">
-              <a:shade val="15000"/>
-            </a:schemeClr>
-          </a:lnRef>
-          <a:fillRef idx="1">
-            <a:schemeClr val="accent1"/>
-          </a:fillRef>
-          <a:effectRef idx="0">
-            <a:schemeClr val="accent1"/>
-          </a:effectRef>
-          <a:fontRef idx="minor">
-            <a:schemeClr val="lt1"/>
-          </a:fontRef>
-        </p:style>
-        <p:txBody>
-          <a:bodyPr rtlCol="0" anchor="ctr"/>
-          <a:lstStyle/>
-          <a:p>
-            <a:pPr algn="ctr"/>
-            <a:r>
-              <a:rPr lang="en-US" b="1" dirty="0">
-                <a:solidFill>
-                  <a:schemeClr val="tx1"/>
-                </a:solidFill>
-              </a:rPr>
-              <a:t>B1</a:t>
-            </a:r>
-          </a:p>
-        </p:txBody>
-      </p:sp>
-      <p:sp>
-        <p:nvSpPr>
-          <p:cNvPr id="46" name="Rectangle: Rounded Corners 45">
-            <a:extLst>
-              <a:ext uri="{FF2B5EF4-FFF2-40B4-BE49-F238E27FC236}">
-                <a16:creationId xmlns:a16="http://schemas.microsoft.com/office/drawing/2014/main" id="{3ABBCC71-2678-140D-ACB8-FCD2B7A68789}"/>
-              </a:ext>
-            </a:extLst>
-          </p:cNvPr>
-          <p:cNvSpPr/>
-          <p:nvPr/>
-        </p:nvSpPr>
-        <p:spPr>
-          <a:xfrm>
-            <a:off x="11003669" y="2072562"/>
-            <a:ext cx="779668" cy="210038"/>
-          </a:xfrm>
-          <a:prstGeom prst="roundRect">
-            <a:avLst/>
-          </a:prstGeom>
-          <a:noFill/>
-          <a:ln>
-            <a:solidFill>
-              <a:schemeClr val="accent2">
-                <a:lumMod val="60000"/>
-                <a:lumOff val="40000"/>
-              </a:schemeClr>
-            </a:solidFill>
-          </a:ln>
-        </p:spPr>
-        <p:style>
-          <a:lnRef idx="2">
-            <a:schemeClr val="accent1">
-              <a:shade val="15000"/>
-            </a:schemeClr>
-          </a:lnRef>
-          <a:fillRef idx="1">
-            <a:schemeClr val="accent1"/>
-          </a:fillRef>
-          <a:effectRef idx="0">
-            <a:schemeClr val="accent1"/>
-          </a:effectRef>
-          <a:fontRef idx="minor">
-            <a:schemeClr val="lt1"/>
-          </a:fontRef>
-        </p:style>
-        <p:txBody>
-          <a:bodyPr rtlCol="0" anchor="ctr"/>
-          <a:lstStyle/>
-          <a:p>
-            <a:pPr algn="ctr"/>
-            <a:r>
-              <a:rPr lang="en-US" b="1" dirty="0">
-                <a:solidFill>
-                  <a:schemeClr val="tx1"/>
-                </a:solidFill>
-              </a:rPr>
-              <a:t>HV</a:t>
-            </a:r>
-          </a:p>
-        </p:txBody>
-      </p:sp>
-      <p:sp>
-        <p:nvSpPr>
-          <p:cNvPr id="47" name="Rectangle: Rounded Corners 46">
-            <a:extLst>
-              <a:ext uri="{FF2B5EF4-FFF2-40B4-BE49-F238E27FC236}">
-                <a16:creationId xmlns:a16="http://schemas.microsoft.com/office/drawing/2014/main" id="{397C353C-D7EE-1C99-378E-A0155E2A3CF7}"/>
-              </a:ext>
-            </a:extLst>
-          </p:cNvPr>
-          <p:cNvSpPr/>
-          <p:nvPr/>
-        </p:nvSpPr>
-        <p:spPr>
-          <a:xfrm>
-            <a:off x="11003669" y="2424987"/>
-            <a:ext cx="779668" cy="210038"/>
-          </a:xfrm>
-          <a:prstGeom prst="roundRect">
-            <a:avLst/>
-          </a:prstGeom>
-          <a:noFill/>
-          <a:ln>
-            <a:solidFill>
-              <a:schemeClr val="accent2">
-                <a:lumMod val="60000"/>
-                <a:lumOff val="40000"/>
-              </a:schemeClr>
-            </a:solidFill>
-          </a:ln>
-        </p:spPr>
-        <p:style>
-          <a:lnRef idx="2">
-            <a:schemeClr val="accent1">
-              <a:shade val="15000"/>
-            </a:schemeClr>
-          </a:lnRef>
-          <a:fillRef idx="1">
-            <a:schemeClr val="accent1"/>
-          </a:fillRef>
-          <a:effectRef idx="0">
-            <a:schemeClr val="accent1"/>
-          </a:effectRef>
-          <a:fontRef idx="minor">
-            <a:schemeClr val="lt1"/>
-          </a:fontRef>
-        </p:style>
-        <p:txBody>
-          <a:bodyPr rtlCol="0" anchor="ctr"/>
-          <a:lstStyle/>
-          <a:p>
-            <a:pPr algn="ctr"/>
-            <a:r>
-              <a:rPr lang="en-US" b="1" dirty="0">
-                <a:solidFill>
-                  <a:schemeClr val="tx1"/>
-                </a:solidFill>
-              </a:rPr>
-              <a:t>D1</a:t>
-            </a:r>
-          </a:p>
-        </p:txBody>
-      </p:sp>
-      <p:sp>
-        <p:nvSpPr>
-          <p:cNvPr id="48" name="Rectangle: Rounded Corners 47">
-            <a:extLst>
-              <a:ext uri="{FF2B5EF4-FFF2-40B4-BE49-F238E27FC236}">
-                <a16:creationId xmlns:a16="http://schemas.microsoft.com/office/drawing/2014/main" id="{06434B9E-408E-A816-BF9C-4CA1F9716727}"/>
-              </a:ext>
-            </a:extLst>
-          </p:cNvPr>
-          <p:cNvSpPr/>
-          <p:nvPr/>
-        </p:nvSpPr>
-        <p:spPr>
-          <a:xfrm>
-            <a:off x="11003669" y="2777412"/>
-            <a:ext cx="779668" cy="210038"/>
-          </a:xfrm>
-          <a:prstGeom prst="roundRect">
-            <a:avLst/>
-          </a:prstGeom>
-          <a:noFill/>
-          <a:ln>
-            <a:solidFill>
-              <a:schemeClr val="accent2">
-                <a:lumMod val="60000"/>
-                <a:lumOff val="40000"/>
-              </a:schemeClr>
-            </a:solidFill>
-          </a:ln>
-        </p:spPr>
-        <p:style>
-          <a:lnRef idx="2">
-            <a:schemeClr val="accent1">
-              <a:shade val="15000"/>
-            </a:schemeClr>
-          </a:lnRef>
-          <a:fillRef idx="1">
-            <a:schemeClr val="accent1"/>
-          </a:fillRef>
-          <a:effectRef idx="0">
-            <a:schemeClr val="accent1"/>
-          </a:effectRef>
-          <a:fontRef idx="minor">
-            <a:schemeClr val="lt1"/>
-          </a:fontRef>
-        </p:style>
-        <p:txBody>
-          <a:bodyPr rtlCol="0" anchor="ctr"/>
-          <a:lstStyle/>
-          <a:p>
-            <a:pPr algn="ctr"/>
-            <a:r>
-              <a:rPr lang="en-US" b="1" dirty="0">
-                <a:solidFill>
-                  <a:schemeClr val="tx1"/>
-                </a:solidFill>
-              </a:rPr>
-              <a:t>D2</a:t>
-            </a:r>
-          </a:p>
-        </p:txBody>
-      </p:sp>
-      <p:sp>
-        <p:nvSpPr>
-          <p:cNvPr id="49" name="Rectangle: Rounded Corners 48">
-            <a:extLst>
-              <a:ext uri="{FF2B5EF4-FFF2-40B4-BE49-F238E27FC236}">
-                <a16:creationId xmlns:a16="http://schemas.microsoft.com/office/drawing/2014/main" id="{2EA335EA-C189-FAF6-1C31-0527BCEF6E36}"/>
-              </a:ext>
-            </a:extLst>
-          </p:cNvPr>
-          <p:cNvSpPr/>
-          <p:nvPr/>
-        </p:nvSpPr>
-        <p:spPr>
-          <a:xfrm>
-            <a:off x="11003669" y="3129837"/>
-            <a:ext cx="779668" cy="210038"/>
-          </a:xfrm>
-          <a:prstGeom prst="roundRect">
-            <a:avLst/>
-          </a:prstGeom>
-          <a:noFill/>
-          <a:ln>
-            <a:solidFill>
-              <a:schemeClr val="accent2">
-                <a:lumMod val="60000"/>
-                <a:lumOff val="40000"/>
-              </a:schemeClr>
-            </a:solidFill>
-          </a:ln>
-        </p:spPr>
-        <p:style>
-          <a:lnRef idx="2">
-            <a:schemeClr val="accent1">
-              <a:shade val="15000"/>
-            </a:schemeClr>
-          </a:lnRef>
-          <a:fillRef idx="1">
-            <a:schemeClr val="accent1"/>
-          </a:fillRef>
-          <a:effectRef idx="0">
-            <a:schemeClr val="accent1"/>
-          </a:effectRef>
-          <a:fontRef idx="minor">
-            <a:schemeClr val="lt1"/>
-          </a:fontRef>
-        </p:style>
-        <p:txBody>
-          <a:bodyPr rtlCol="0" anchor="ctr"/>
-          <a:lstStyle/>
-          <a:p>
-            <a:pPr algn="ctr"/>
-            <a:r>
-              <a:rPr lang="en-US" b="1" dirty="0">
-                <a:solidFill>
-                  <a:schemeClr val="tx1"/>
-                </a:solidFill>
-              </a:rPr>
-              <a:t>D3</a:t>
-            </a:r>
-          </a:p>
-        </p:txBody>
-      </p:sp>
-      <p:sp>
-        <p:nvSpPr>
-          <p:cNvPr id="50" name="Rectangle: Rounded Corners 49">
-            <a:extLst>
-              <a:ext uri="{FF2B5EF4-FFF2-40B4-BE49-F238E27FC236}">
-                <a16:creationId xmlns:a16="http://schemas.microsoft.com/office/drawing/2014/main" id="{C50A731F-9E4D-0613-2077-68E60856331E}"/>
-              </a:ext>
-            </a:extLst>
-          </p:cNvPr>
-          <p:cNvSpPr/>
-          <p:nvPr/>
-        </p:nvSpPr>
-        <p:spPr>
-          <a:xfrm>
-            <a:off x="11003669" y="3447126"/>
-            <a:ext cx="779668" cy="210038"/>
-          </a:xfrm>
-          <a:prstGeom prst="roundRect">
-            <a:avLst/>
-          </a:prstGeom>
-          <a:noFill/>
-          <a:ln>
-            <a:solidFill>
-              <a:schemeClr val="accent2">
-                <a:lumMod val="60000"/>
-                <a:lumOff val="40000"/>
-              </a:schemeClr>
-            </a:solidFill>
-          </a:ln>
-        </p:spPr>
-        <p:style>
-          <a:lnRef idx="2">
-            <a:schemeClr val="accent1">
-              <a:shade val="15000"/>
-            </a:schemeClr>
-          </a:lnRef>
-          <a:fillRef idx="1">
-            <a:schemeClr val="accent1"/>
-          </a:fillRef>
-          <a:effectRef idx="0">
-            <a:schemeClr val="accent1"/>
-          </a:effectRef>
-          <a:fontRef idx="minor">
-            <a:schemeClr val="lt1"/>
-          </a:fontRef>
-        </p:style>
-        <p:txBody>
-          <a:bodyPr rtlCol="0" anchor="ctr"/>
-          <a:lstStyle/>
-          <a:p>
-            <a:pPr algn="ctr"/>
-            <a:r>
-              <a:rPr lang="en-US" b="1" dirty="0">
-                <a:solidFill>
-                  <a:schemeClr val="tx1"/>
-                </a:solidFill>
-              </a:rPr>
-              <a:t>D4</a:t>
-            </a:r>
-          </a:p>
-        </p:txBody>
-      </p:sp>
-      <p:sp>
-        <p:nvSpPr>
-          <p:cNvPr id="51" name="Rectangle: Rounded Corners 50">
-            <a:extLst>
-              <a:ext uri="{FF2B5EF4-FFF2-40B4-BE49-F238E27FC236}">
-                <a16:creationId xmlns:a16="http://schemas.microsoft.com/office/drawing/2014/main" id="{F4BD5024-0846-B6A6-711D-9A58D9C3FBE5}"/>
-              </a:ext>
-            </a:extLst>
-          </p:cNvPr>
-          <p:cNvSpPr/>
-          <p:nvPr/>
-        </p:nvSpPr>
-        <p:spPr>
-          <a:xfrm>
-            <a:off x="11003669" y="3799551"/>
-            <a:ext cx="779668" cy="210038"/>
-          </a:xfrm>
-          <a:prstGeom prst="roundRect">
-            <a:avLst/>
-          </a:prstGeom>
-          <a:noFill/>
-          <a:ln>
-            <a:solidFill>
-              <a:schemeClr val="accent2">
-                <a:lumMod val="60000"/>
-                <a:lumOff val="40000"/>
-              </a:schemeClr>
-            </a:solidFill>
-          </a:ln>
-        </p:spPr>
-        <p:style>
-          <a:lnRef idx="2">
-            <a:schemeClr val="accent1">
-              <a:shade val="15000"/>
-            </a:schemeClr>
-          </a:lnRef>
-          <a:fillRef idx="1">
-            <a:schemeClr val="accent1"/>
-          </a:fillRef>
-          <a:effectRef idx="0">
-            <a:schemeClr val="accent1"/>
-          </a:effectRef>
-          <a:fontRef idx="minor">
-            <a:schemeClr val="lt1"/>
-          </a:fontRef>
-        </p:style>
-        <p:txBody>
-          <a:bodyPr rtlCol="0" anchor="ctr"/>
-          <a:lstStyle/>
-          <a:p>
-            <a:pPr algn="ctr"/>
-            <a:r>
-              <a:rPr lang="en-US" b="1" dirty="0">
-                <a:solidFill>
-                  <a:schemeClr val="tx1"/>
-                </a:solidFill>
-              </a:rPr>
-              <a:t>D5</a:t>
-            </a:r>
-          </a:p>
-        </p:txBody>
-      </p:sp>
-      <p:sp>
-        <p:nvSpPr>
-          <p:cNvPr id="52" name="Rectangle: Rounded Corners 51">
-            <a:extLst>
-              <a:ext uri="{FF2B5EF4-FFF2-40B4-BE49-F238E27FC236}">
-                <a16:creationId xmlns:a16="http://schemas.microsoft.com/office/drawing/2014/main" id="{1BE675F5-8C7C-8D8C-90C7-318CBF3AE83B}"/>
-              </a:ext>
-            </a:extLst>
-          </p:cNvPr>
-          <p:cNvSpPr/>
-          <p:nvPr/>
-        </p:nvSpPr>
-        <p:spPr>
-          <a:xfrm>
-            <a:off x="11003669" y="4151976"/>
-            <a:ext cx="779668" cy="210038"/>
-          </a:xfrm>
-          <a:prstGeom prst="roundRect">
-            <a:avLst/>
-          </a:prstGeom>
-          <a:noFill/>
-          <a:ln>
-            <a:solidFill>
-              <a:schemeClr val="accent2">
-                <a:lumMod val="60000"/>
-                <a:lumOff val="40000"/>
-              </a:schemeClr>
-            </a:solidFill>
-          </a:ln>
-        </p:spPr>
-        <p:style>
-          <a:lnRef idx="2">
-            <a:schemeClr val="accent1">
-              <a:shade val="15000"/>
-            </a:schemeClr>
-          </a:lnRef>
-          <a:fillRef idx="1">
-            <a:schemeClr val="accent1"/>
-          </a:fillRef>
-          <a:effectRef idx="0">
-            <a:schemeClr val="accent1"/>
-          </a:effectRef>
-          <a:fontRef idx="minor">
-            <a:schemeClr val="lt1"/>
-          </a:fontRef>
-        </p:style>
-        <p:txBody>
-          <a:bodyPr rtlCol="0" anchor="ctr"/>
-          <a:lstStyle/>
-          <a:p>
-            <a:pPr algn="ctr"/>
-            <a:r>
-              <a:rPr lang="en-US" b="1" dirty="0">
-                <a:solidFill>
-                  <a:schemeClr val="tx1"/>
-                </a:solidFill>
-              </a:rPr>
-              <a:t>D6</a:t>
-            </a:r>
-          </a:p>
-        </p:txBody>
-      </p:sp>
-      <p:sp>
-        <p:nvSpPr>
-          <p:cNvPr id="53" name="Rectangle: Rounded Corners 52">
-            <a:extLst>
-              <a:ext uri="{FF2B5EF4-FFF2-40B4-BE49-F238E27FC236}">
-                <a16:creationId xmlns:a16="http://schemas.microsoft.com/office/drawing/2014/main" id="{23A42B1E-D06F-C30D-4FF1-94067DC21B2A}"/>
-              </a:ext>
-            </a:extLst>
-          </p:cNvPr>
-          <p:cNvSpPr/>
-          <p:nvPr/>
-        </p:nvSpPr>
-        <p:spPr>
-          <a:xfrm>
-            <a:off x="11003669" y="4504401"/>
-            <a:ext cx="779668" cy="210038"/>
-          </a:xfrm>
-          <a:prstGeom prst="roundRect">
-            <a:avLst/>
-          </a:prstGeom>
-          <a:noFill/>
-          <a:ln>
-            <a:solidFill>
-              <a:schemeClr val="accent2">
-                <a:lumMod val="60000"/>
-                <a:lumOff val="40000"/>
-              </a:schemeClr>
-            </a:solidFill>
-          </a:ln>
-        </p:spPr>
-        <p:style>
-          <a:lnRef idx="2">
-            <a:schemeClr val="accent1">
-              <a:shade val="15000"/>
-            </a:schemeClr>
-          </a:lnRef>
-          <a:fillRef idx="1">
-            <a:schemeClr val="accent1"/>
-          </a:fillRef>
-          <a:effectRef idx="0">
-            <a:schemeClr val="accent1"/>
-          </a:effectRef>
-          <a:fontRef idx="minor">
-            <a:schemeClr val="lt1"/>
-          </a:fontRef>
-        </p:style>
-        <p:txBody>
-          <a:bodyPr rtlCol="0" anchor="ctr"/>
-          <a:lstStyle/>
-          <a:p>
-            <a:pPr algn="ctr"/>
-            <a:r>
-              <a:rPr lang="en-US" b="1" dirty="0">
-                <a:solidFill>
-                  <a:schemeClr val="tx1"/>
-                </a:solidFill>
-              </a:rPr>
-              <a:t>D7</a:t>
-            </a:r>
-          </a:p>
-        </p:txBody>
-      </p:sp>
-      <p:sp>
-        <p:nvSpPr>
-          <p:cNvPr id="54" name="Rectangle: Rounded Corners 53">
-            <a:extLst>
-              <a:ext uri="{FF2B5EF4-FFF2-40B4-BE49-F238E27FC236}">
-                <a16:creationId xmlns:a16="http://schemas.microsoft.com/office/drawing/2014/main" id="{798BF1DE-D868-B4D7-D5C7-65321B835B5D}"/>
-              </a:ext>
-            </a:extLst>
-          </p:cNvPr>
-          <p:cNvSpPr/>
-          <p:nvPr/>
-        </p:nvSpPr>
-        <p:spPr>
-          <a:xfrm>
-            <a:off x="11003669" y="4821690"/>
-            <a:ext cx="779668" cy="210038"/>
-          </a:xfrm>
-          <a:prstGeom prst="roundRect">
-            <a:avLst/>
-          </a:prstGeom>
-          <a:noFill/>
-          <a:ln>
-            <a:solidFill>
-              <a:schemeClr val="accent2">
-                <a:lumMod val="60000"/>
-                <a:lumOff val="40000"/>
-              </a:schemeClr>
-            </a:solidFill>
-          </a:ln>
-        </p:spPr>
-        <p:style>
-          <a:lnRef idx="2">
-            <a:schemeClr val="accent1">
-              <a:shade val="15000"/>
-            </a:schemeClr>
-          </a:lnRef>
-          <a:fillRef idx="1">
-            <a:schemeClr val="accent1"/>
-          </a:fillRef>
-          <a:effectRef idx="0">
-            <a:schemeClr val="accent1"/>
-          </a:effectRef>
-          <a:fontRef idx="minor">
-            <a:schemeClr val="lt1"/>
-          </a:fontRef>
-        </p:style>
-        <p:txBody>
-          <a:bodyPr rtlCol="0" anchor="ctr"/>
-          <a:lstStyle/>
-          <a:p>
-            <a:pPr algn="ctr"/>
-            <a:r>
-              <a:rPr lang="en-US" b="1" dirty="0">
-                <a:solidFill>
-                  <a:schemeClr val="tx1"/>
-                </a:solidFill>
-              </a:rPr>
-              <a:t>D8</a:t>
-            </a:r>
-          </a:p>
-        </p:txBody>
-      </p:sp>
-      <p:sp>
-        <p:nvSpPr>
-          <p:cNvPr id="55" name="Rectangle: Rounded Corners 54">
-            <a:extLst>
-              <a:ext uri="{FF2B5EF4-FFF2-40B4-BE49-F238E27FC236}">
-                <a16:creationId xmlns:a16="http://schemas.microsoft.com/office/drawing/2014/main" id="{893FEC5C-B23B-49C1-E0F7-C10AB73CE4AA}"/>
-              </a:ext>
-            </a:extLst>
-          </p:cNvPr>
-          <p:cNvSpPr/>
-          <p:nvPr/>
-        </p:nvSpPr>
-        <p:spPr>
-          <a:xfrm>
-            <a:off x="11003669" y="5174115"/>
-            <a:ext cx="779668" cy="210038"/>
-          </a:xfrm>
-          <a:prstGeom prst="roundRect">
-            <a:avLst/>
-          </a:prstGeom>
-          <a:noFill/>
-          <a:ln>
-            <a:solidFill>
-              <a:schemeClr val="accent2">
-                <a:lumMod val="60000"/>
-                <a:lumOff val="40000"/>
-              </a:schemeClr>
-            </a:solidFill>
-          </a:ln>
-        </p:spPr>
-        <p:style>
-          <a:lnRef idx="2">
-            <a:schemeClr val="accent1">
-              <a:shade val="15000"/>
-            </a:schemeClr>
-          </a:lnRef>
-          <a:fillRef idx="1">
-            <a:schemeClr val="accent1"/>
-          </a:fillRef>
-          <a:effectRef idx="0">
-            <a:schemeClr val="accent1"/>
-          </a:effectRef>
-          <a:fontRef idx="minor">
-            <a:schemeClr val="lt1"/>
-          </a:fontRef>
-        </p:style>
-        <p:txBody>
-          <a:bodyPr rtlCol="0" anchor="ctr"/>
-          <a:lstStyle/>
-          <a:p>
-            <a:pPr algn="ctr"/>
-            <a:r>
-              <a:rPr lang="en-US" b="1" dirty="0">
-                <a:solidFill>
-                  <a:schemeClr val="tx1"/>
-                </a:solidFill>
-              </a:rPr>
-              <a:t>D9</a:t>
-            </a:r>
-          </a:p>
-        </p:txBody>
-      </p:sp>
-      <p:sp>
-        <p:nvSpPr>
-          <p:cNvPr id="56" name="Rectangle: Rounded Corners 55">
-            <a:extLst>
-              <a:ext uri="{FF2B5EF4-FFF2-40B4-BE49-F238E27FC236}">
-                <a16:creationId xmlns:a16="http://schemas.microsoft.com/office/drawing/2014/main" id="{40AD6F1D-E8FA-79AD-4333-6D68F289EC4C}"/>
-              </a:ext>
-            </a:extLst>
-          </p:cNvPr>
-          <p:cNvSpPr/>
-          <p:nvPr/>
-        </p:nvSpPr>
-        <p:spPr>
-          <a:xfrm>
-            <a:off x="11003669" y="5526540"/>
-            <a:ext cx="779668" cy="210038"/>
-          </a:xfrm>
-          <a:prstGeom prst="roundRect">
-            <a:avLst/>
-          </a:prstGeom>
-          <a:noFill/>
-          <a:ln>
-            <a:solidFill>
-              <a:schemeClr val="accent2">
-                <a:lumMod val="60000"/>
-                <a:lumOff val="40000"/>
-              </a:schemeClr>
-            </a:solidFill>
-          </a:ln>
-        </p:spPr>
-        <p:style>
-          <a:lnRef idx="2">
-            <a:schemeClr val="accent1">
-              <a:shade val="15000"/>
-            </a:schemeClr>
-          </a:lnRef>
-          <a:fillRef idx="1">
-            <a:schemeClr val="accent1"/>
-          </a:fillRef>
-          <a:effectRef idx="0">
-            <a:schemeClr val="accent1"/>
-          </a:effectRef>
-          <a:fontRef idx="minor">
-            <a:schemeClr val="lt1"/>
-          </a:fontRef>
-        </p:style>
-        <p:txBody>
-          <a:bodyPr rtlCol="0" anchor="ctr"/>
-          <a:lstStyle/>
-          <a:p>
-            <a:pPr algn="ctr"/>
-            <a:r>
-              <a:rPr lang="en-US" b="1" dirty="0">
-                <a:solidFill>
-                  <a:schemeClr val="tx1"/>
-                </a:solidFill>
-              </a:rPr>
-              <a:t>D10</a:t>
-            </a:r>
-          </a:p>
-        </p:txBody>
-      </p:sp>
-      <p:sp>
-        <p:nvSpPr>
-          <p:cNvPr id="57" name="Rectangle: Rounded Corners 56">
-            <a:extLst>
-              <a:ext uri="{FF2B5EF4-FFF2-40B4-BE49-F238E27FC236}">
-                <a16:creationId xmlns:a16="http://schemas.microsoft.com/office/drawing/2014/main" id="{9E5F1A34-DC27-7AD0-FA1E-62084AD3A4F3}"/>
-              </a:ext>
-            </a:extLst>
-          </p:cNvPr>
-          <p:cNvSpPr/>
-          <p:nvPr/>
-        </p:nvSpPr>
-        <p:spPr>
-          <a:xfrm>
-            <a:off x="11003669" y="5878965"/>
-            <a:ext cx="779668" cy="210038"/>
-          </a:xfrm>
-          <a:prstGeom prst="roundRect">
-            <a:avLst/>
-          </a:prstGeom>
-          <a:noFill/>
-          <a:ln>
-            <a:solidFill>
-              <a:schemeClr val="accent2">
-                <a:lumMod val="60000"/>
-                <a:lumOff val="40000"/>
-              </a:schemeClr>
-            </a:solidFill>
-          </a:ln>
-        </p:spPr>
-        <p:style>
-          <a:lnRef idx="2">
-            <a:schemeClr val="accent1">
-              <a:shade val="15000"/>
-            </a:schemeClr>
-          </a:lnRef>
-          <a:fillRef idx="1">
-            <a:schemeClr val="accent1"/>
-          </a:fillRef>
-          <a:effectRef idx="0">
-            <a:schemeClr val="accent1"/>
-          </a:effectRef>
-          <a:fontRef idx="minor">
-            <a:schemeClr val="lt1"/>
-          </a:fontRef>
-        </p:style>
-        <p:txBody>
-          <a:bodyPr rtlCol="0" anchor="ctr"/>
-          <a:lstStyle/>
-          <a:p>
-            <a:pPr algn="ctr"/>
-            <a:r>
-              <a:rPr lang="en-US" b="1" dirty="0">
-                <a:solidFill>
-                  <a:schemeClr val="tx1"/>
-                </a:solidFill>
-              </a:rPr>
-              <a:t>D11</a:t>
-            </a:r>
-          </a:p>
-        </p:txBody>
-      </p:sp>
-    </p:spTree>
-    <p:extLst>
-      <p:ext uri="{BB962C8B-B14F-4D97-AF65-F5344CB8AC3E}">
-        <p14:creationId xmlns:p14="http://schemas.microsoft.com/office/powerpoint/2010/main" val="1749829247"/>
-      </p:ext>
-    </p:extLst>
-  </p:cSld>
-  <p:clrMapOvr>
-    <a:masterClrMapping/>
-  </p:clrMapOvr>
-</p:sld>
-</file>
-
-<file path=ppt/slides/slide6.xml><?xml version="1.0" encoding="utf-8"?>
 <p:sld xmlns:a="http://schemas.openxmlformats.org/drawingml/2006/main" xmlns:r="http://schemas.openxmlformats.org/officeDocument/2006/relationships" xmlns:p="http://schemas.openxmlformats.org/presentationml/2006/main">
   <p:cSld>
     <p:spTree>
@@ -11478,6 +9841,1643 @@
 </p:sld>
 </file>
 
+<file path=ppt/slides/slide6.xml><?xml version="1.0" encoding="utf-8"?>
+<p:sld xmlns:a="http://schemas.openxmlformats.org/drawingml/2006/main" xmlns:r="http://schemas.openxmlformats.org/officeDocument/2006/relationships" xmlns:p="http://schemas.openxmlformats.org/presentationml/2006/main">
+  <p:cSld>
+    <p:spTree>
+      <p:nvGrpSpPr>
+        <p:cNvPr id="1" name=""/>
+        <p:cNvGrpSpPr/>
+        <p:nvPr/>
+      </p:nvGrpSpPr>
+      <p:grpSpPr>
+        <a:xfrm>
+          <a:off x="0" y="0"/>
+          <a:ext cx="0" cy="0"/>
+          <a:chOff x="0" y="0"/>
+          <a:chExt cx="0" cy="0"/>
+        </a:xfrm>
+      </p:grpSpPr>
+      <p:pic>
+        <p:nvPicPr>
+          <p:cNvPr id="16" name="Picture 15">
+            <a:extLst>
+              <a:ext uri="{FF2B5EF4-FFF2-40B4-BE49-F238E27FC236}">
+                <a16:creationId xmlns:a16="http://schemas.microsoft.com/office/drawing/2014/main" id="{742BF245-A9C2-7ACA-A244-57FACF33FEB8}"/>
+              </a:ext>
+            </a:extLst>
+          </p:cNvPr>
+          <p:cNvPicPr>
+            <a:picLocks noChangeAspect="1"/>
+          </p:cNvPicPr>
+          <p:nvPr/>
+        </p:nvPicPr>
+        <p:blipFill>
+          <a:blip r:embed="rId2"/>
+          <a:stretch>
+            <a:fillRect/>
+          </a:stretch>
+        </p:blipFill>
+        <p:spPr>
+          <a:xfrm>
+            <a:off x="306422" y="607829"/>
+            <a:ext cx="2950527" cy="3165466"/>
+          </a:xfrm>
+          <a:prstGeom prst="rect">
+            <a:avLst/>
+          </a:prstGeom>
+        </p:spPr>
+      </p:pic>
+      <p:sp>
+        <p:nvSpPr>
+          <p:cNvPr id="17" name="TextBox 16">
+            <a:extLst>
+              <a:ext uri="{FF2B5EF4-FFF2-40B4-BE49-F238E27FC236}">
+                <a16:creationId xmlns:a16="http://schemas.microsoft.com/office/drawing/2014/main" id="{DE62E486-AC37-0DD3-1F0C-71E71A21ED26}"/>
+              </a:ext>
+            </a:extLst>
+          </p:cNvPr>
+          <p:cNvSpPr txBox="1"/>
+          <p:nvPr/>
+        </p:nvSpPr>
+        <p:spPr>
+          <a:xfrm>
+            <a:off x="450484" y="185752"/>
+            <a:ext cx="1934070" cy="307777"/>
+          </a:xfrm>
+          <a:prstGeom prst="rect">
+            <a:avLst/>
+          </a:prstGeom>
+          <a:noFill/>
+          <a:ln>
+            <a:solidFill>
+              <a:schemeClr val="tx1"/>
+            </a:solidFill>
+          </a:ln>
+        </p:spPr>
+        <p:txBody>
+          <a:bodyPr wrap="square" rtlCol="0">
+            <a:spAutoFit/>
+          </a:bodyPr>
+          <a:lstStyle/>
+          <a:p>
+            <a:pPr algn="ctr"/>
+            <a:r>
+              <a:rPr lang="en-US" sz="1400" dirty="0"/>
+              <a:t>Excel Sheet Calculator</a:t>
+            </a:r>
+          </a:p>
+        </p:txBody>
+      </p:sp>
+      <p:sp>
+        <p:nvSpPr>
+          <p:cNvPr id="29" name="TextBox 28">
+            <a:extLst>
+              <a:ext uri="{FF2B5EF4-FFF2-40B4-BE49-F238E27FC236}">
+                <a16:creationId xmlns:a16="http://schemas.microsoft.com/office/drawing/2014/main" id="{AF369CF3-183C-AB36-4DEC-BBF741F95E2B}"/>
+              </a:ext>
+            </a:extLst>
+          </p:cNvPr>
+          <p:cNvSpPr txBox="1"/>
+          <p:nvPr/>
+        </p:nvSpPr>
+        <p:spPr>
+          <a:xfrm>
+            <a:off x="3672044" y="218962"/>
+            <a:ext cx="2349619" cy="307777"/>
+          </a:xfrm>
+          <a:prstGeom prst="rect">
+            <a:avLst/>
+          </a:prstGeom>
+          <a:noFill/>
+          <a:ln>
+            <a:solidFill>
+              <a:schemeClr val="tx1"/>
+            </a:solidFill>
+          </a:ln>
+        </p:spPr>
+        <p:txBody>
+          <a:bodyPr wrap="square" rtlCol="0">
+            <a:spAutoFit/>
+          </a:bodyPr>
+          <a:lstStyle/>
+          <a:p>
+            <a:pPr algn="ctr"/>
+            <a:r>
+              <a:rPr lang="en-US" sz="1400" dirty="0"/>
+              <a:t>COMSOL Simulation</a:t>
+            </a:r>
+          </a:p>
+        </p:txBody>
+      </p:sp>
+      <p:pic>
+        <p:nvPicPr>
+          <p:cNvPr id="30" name="Picture 29">
+            <a:extLst>
+              <a:ext uri="{FF2B5EF4-FFF2-40B4-BE49-F238E27FC236}">
+                <a16:creationId xmlns:a16="http://schemas.microsoft.com/office/drawing/2014/main" id="{B147F649-6C33-C877-4513-CE7BE3D549CB}"/>
+              </a:ext>
+            </a:extLst>
+          </p:cNvPr>
+          <p:cNvPicPr>
+            <a:picLocks noChangeAspect="1"/>
+          </p:cNvPicPr>
+          <p:nvPr/>
+        </p:nvPicPr>
+        <p:blipFill>
+          <a:blip r:embed="rId3"/>
+          <a:srcRect l="8275" t="10957" r="6047" b="6925"/>
+          <a:stretch/>
+        </p:blipFill>
+        <p:spPr>
+          <a:xfrm rot="16200000">
+            <a:off x="6698003" y="1985444"/>
+            <a:ext cx="5758979" cy="3082515"/>
+          </a:xfrm>
+          <a:prstGeom prst="rect">
+            <a:avLst/>
+          </a:prstGeom>
+        </p:spPr>
+      </p:pic>
+      <p:grpSp>
+        <p:nvGrpSpPr>
+          <p:cNvPr id="2" name="Group 1">
+            <a:extLst>
+              <a:ext uri="{FF2B5EF4-FFF2-40B4-BE49-F238E27FC236}">
+                <a16:creationId xmlns:a16="http://schemas.microsoft.com/office/drawing/2014/main" id="{CCEFCCF8-6063-2809-5FAA-6E7A7AF1DFF9}"/>
+              </a:ext>
+            </a:extLst>
+          </p:cNvPr>
+          <p:cNvGrpSpPr/>
+          <p:nvPr/>
+        </p:nvGrpSpPr>
+        <p:grpSpPr>
+          <a:xfrm rot="10800000">
+            <a:off x="9343183" y="2893999"/>
+            <a:ext cx="499852" cy="2920436"/>
+            <a:chOff x="9343183" y="2893999"/>
+            <a:chExt cx="499852" cy="2920436"/>
+          </a:xfrm>
+        </p:grpSpPr>
+        <p:sp>
+          <p:nvSpPr>
+            <p:cNvPr id="31" name="Arrow: Right 30">
+              <a:extLst>
+                <a:ext uri="{FF2B5EF4-FFF2-40B4-BE49-F238E27FC236}">
+                  <a16:creationId xmlns:a16="http://schemas.microsoft.com/office/drawing/2014/main" id="{EA56CE58-C3C1-15A7-12B9-A2A007E84C38}"/>
+                </a:ext>
+              </a:extLst>
+            </p:cNvPr>
+            <p:cNvSpPr/>
+            <p:nvPr/>
+          </p:nvSpPr>
+          <p:spPr>
+            <a:xfrm rot="5400000">
+              <a:off x="7988997" y="4248185"/>
+              <a:ext cx="2920434" cy="212062"/>
+            </a:xfrm>
+            <a:prstGeom prst="rightArrow">
+              <a:avLst/>
+            </a:prstGeom>
+            <a:solidFill>
+              <a:srgbClr val="0070C0"/>
+            </a:solidFill>
+            <a:ln>
+              <a:solidFill>
+                <a:srgbClr val="002060"/>
+              </a:solidFill>
+            </a:ln>
+          </p:spPr>
+          <p:style>
+            <a:lnRef idx="2">
+              <a:schemeClr val="accent1">
+                <a:shade val="15000"/>
+              </a:schemeClr>
+            </a:lnRef>
+            <a:fillRef idx="1">
+              <a:schemeClr val="accent1"/>
+            </a:fillRef>
+            <a:effectRef idx="0">
+              <a:schemeClr val="accent1"/>
+            </a:effectRef>
+            <a:fontRef idx="minor">
+              <a:schemeClr val="lt1"/>
+            </a:fontRef>
+          </p:style>
+          <p:txBody>
+            <a:bodyPr rtlCol="0" anchor="ctr"/>
+            <a:lstStyle/>
+            <a:p>
+              <a:pPr algn="ctr"/>
+              <a:endParaRPr lang="en-US" dirty="0"/>
+            </a:p>
+          </p:txBody>
+        </p:sp>
+        <p:sp>
+          <p:nvSpPr>
+            <p:cNvPr id="32" name="Arrow: Right 31">
+              <a:extLst>
+                <a:ext uri="{FF2B5EF4-FFF2-40B4-BE49-F238E27FC236}">
+                  <a16:creationId xmlns:a16="http://schemas.microsoft.com/office/drawing/2014/main" id="{2A293891-649B-D3A5-13BF-DC5A49D57273}"/>
+                </a:ext>
+              </a:extLst>
+            </p:cNvPr>
+            <p:cNvSpPr/>
+            <p:nvPr/>
+          </p:nvSpPr>
+          <p:spPr>
+            <a:xfrm rot="16200000">
+              <a:off x="8276787" y="4248187"/>
+              <a:ext cx="2920436" cy="212060"/>
+            </a:xfrm>
+            <a:prstGeom prst="rightArrow">
+              <a:avLst/>
+            </a:prstGeom>
+            <a:solidFill>
+              <a:srgbClr val="FF0000"/>
+            </a:solidFill>
+            <a:ln>
+              <a:solidFill>
+                <a:srgbClr val="C00000"/>
+              </a:solidFill>
+            </a:ln>
+          </p:spPr>
+          <p:style>
+            <a:lnRef idx="2">
+              <a:schemeClr val="accent1">
+                <a:shade val="15000"/>
+              </a:schemeClr>
+            </a:lnRef>
+            <a:fillRef idx="1">
+              <a:schemeClr val="accent1"/>
+            </a:fillRef>
+            <a:effectRef idx="0">
+              <a:schemeClr val="accent1"/>
+            </a:effectRef>
+            <a:fontRef idx="minor">
+              <a:schemeClr val="lt1"/>
+            </a:fontRef>
+          </p:style>
+          <p:txBody>
+            <a:bodyPr rtlCol="0" anchor="ctr"/>
+            <a:lstStyle/>
+            <a:p>
+              <a:pPr algn="ctr"/>
+              <a:endParaRPr lang="en-US" dirty="0"/>
+            </a:p>
+          </p:txBody>
+        </p:sp>
+      </p:grpSp>
+      <p:grpSp>
+        <p:nvGrpSpPr>
+          <p:cNvPr id="3" name="Group 2">
+            <a:extLst>
+              <a:ext uri="{FF2B5EF4-FFF2-40B4-BE49-F238E27FC236}">
+                <a16:creationId xmlns:a16="http://schemas.microsoft.com/office/drawing/2014/main" id="{50AF9F03-E3C0-1075-2479-2437ED53D1E3}"/>
+              </a:ext>
+            </a:extLst>
+          </p:cNvPr>
+          <p:cNvGrpSpPr/>
+          <p:nvPr/>
+        </p:nvGrpSpPr>
+        <p:grpSpPr>
+          <a:xfrm rot="10800000">
+            <a:off x="9343183" y="1194739"/>
+            <a:ext cx="499852" cy="500937"/>
+            <a:chOff x="9343183" y="1194739"/>
+            <a:chExt cx="499852" cy="500937"/>
+          </a:xfrm>
+        </p:grpSpPr>
+        <p:sp>
+          <p:nvSpPr>
+            <p:cNvPr id="33" name="Arrow: Right 32">
+              <a:extLst>
+                <a:ext uri="{FF2B5EF4-FFF2-40B4-BE49-F238E27FC236}">
+                  <a16:creationId xmlns:a16="http://schemas.microsoft.com/office/drawing/2014/main" id="{EF1361FC-0531-66CA-1DDE-EAAE9177ED60}"/>
+                </a:ext>
+              </a:extLst>
+            </p:cNvPr>
+            <p:cNvSpPr/>
+            <p:nvPr/>
+          </p:nvSpPr>
+          <p:spPr>
+            <a:xfrm rot="16200000">
+              <a:off x="9198744" y="1339178"/>
+              <a:ext cx="500937" cy="212060"/>
+            </a:xfrm>
+            <a:prstGeom prst="rightArrow">
+              <a:avLst/>
+            </a:prstGeom>
+            <a:solidFill>
+              <a:srgbClr val="0070C0"/>
+            </a:solidFill>
+            <a:ln>
+              <a:solidFill>
+                <a:srgbClr val="002060"/>
+              </a:solidFill>
+            </a:ln>
+          </p:spPr>
+          <p:style>
+            <a:lnRef idx="2">
+              <a:schemeClr val="accent1">
+                <a:shade val="15000"/>
+              </a:schemeClr>
+            </a:lnRef>
+            <a:fillRef idx="1">
+              <a:schemeClr val="accent1"/>
+            </a:fillRef>
+            <a:effectRef idx="0">
+              <a:schemeClr val="accent1"/>
+            </a:effectRef>
+            <a:fontRef idx="minor">
+              <a:schemeClr val="lt1"/>
+            </a:fontRef>
+          </p:style>
+          <p:txBody>
+            <a:bodyPr rtlCol="0" anchor="ctr"/>
+            <a:lstStyle/>
+            <a:p>
+              <a:pPr algn="ctr"/>
+              <a:endParaRPr lang="en-US"/>
+            </a:p>
+          </p:txBody>
+        </p:sp>
+        <p:sp>
+          <p:nvSpPr>
+            <p:cNvPr id="34" name="Arrow: Right 33">
+              <a:extLst>
+                <a:ext uri="{FF2B5EF4-FFF2-40B4-BE49-F238E27FC236}">
+                  <a16:creationId xmlns:a16="http://schemas.microsoft.com/office/drawing/2014/main" id="{6504D514-9473-6031-1B9A-CE97CEA8C232}"/>
+                </a:ext>
+              </a:extLst>
+            </p:cNvPr>
+            <p:cNvSpPr/>
+            <p:nvPr/>
+          </p:nvSpPr>
+          <p:spPr>
+            <a:xfrm rot="16200000" flipH="1">
+              <a:off x="9486537" y="1339177"/>
+              <a:ext cx="500935" cy="212060"/>
+            </a:xfrm>
+            <a:prstGeom prst="rightArrow">
+              <a:avLst/>
+            </a:prstGeom>
+            <a:solidFill>
+              <a:srgbClr val="FF0000"/>
+            </a:solidFill>
+            <a:ln>
+              <a:solidFill>
+                <a:srgbClr val="C00000"/>
+              </a:solidFill>
+            </a:ln>
+          </p:spPr>
+          <p:style>
+            <a:lnRef idx="2">
+              <a:schemeClr val="accent1">
+                <a:shade val="15000"/>
+              </a:schemeClr>
+            </a:lnRef>
+            <a:fillRef idx="1">
+              <a:schemeClr val="accent1"/>
+            </a:fillRef>
+            <a:effectRef idx="0">
+              <a:schemeClr val="accent1"/>
+            </a:effectRef>
+            <a:fontRef idx="minor">
+              <a:schemeClr val="lt1"/>
+            </a:fontRef>
+          </p:style>
+          <p:txBody>
+            <a:bodyPr rtlCol="0" anchor="ctr"/>
+            <a:lstStyle/>
+            <a:p>
+              <a:pPr algn="ctr"/>
+              <a:endParaRPr lang="en-US"/>
+            </a:p>
+          </p:txBody>
+        </p:sp>
+      </p:grpSp>
+      <p:sp>
+        <p:nvSpPr>
+          <p:cNvPr id="35" name="TextBox 34">
+            <a:extLst>
+              <a:ext uri="{FF2B5EF4-FFF2-40B4-BE49-F238E27FC236}">
+                <a16:creationId xmlns:a16="http://schemas.microsoft.com/office/drawing/2014/main" id="{FC29E358-76A0-7B0A-3725-0122CDBF18FB}"/>
+              </a:ext>
+            </a:extLst>
+          </p:cNvPr>
+          <p:cNvSpPr txBox="1"/>
+          <p:nvPr/>
+        </p:nvSpPr>
+        <p:spPr>
+          <a:xfrm>
+            <a:off x="8155785" y="232184"/>
+            <a:ext cx="2950378" cy="307777"/>
+          </a:xfrm>
+          <a:prstGeom prst="rect">
+            <a:avLst/>
+          </a:prstGeom>
+          <a:noFill/>
+          <a:ln>
+            <a:solidFill>
+              <a:schemeClr val="tx1"/>
+            </a:solidFill>
+          </a:ln>
+        </p:spPr>
+        <p:txBody>
+          <a:bodyPr wrap="square" rtlCol="0">
+            <a:spAutoFit/>
+          </a:bodyPr>
+          <a:lstStyle/>
+          <a:p>
+            <a:pPr algn="ctr"/>
+            <a:r>
+              <a:rPr lang="en-US" sz="1400" dirty="0"/>
+              <a:t>Expected Drift based on Simulation</a:t>
+            </a:r>
+          </a:p>
+        </p:txBody>
+      </p:sp>
+      <p:cxnSp>
+        <p:nvCxnSpPr>
+          <p:cNvPr id="36" name="Straight Connector 35">
+            <a:extLst>
+              <a:ext uri="{FF2B5EF4-FFF2-40B4-BE49-F238E27FC236}">
+                <a16:creationId xmlns:a16="http://schemas.microsoft.com/office/drawing/2014/main" id="{0A3B2172-8E51-42BE-1B79-2DECC7A194D8}"/>
+              </a:ext>
+            </a:extLst>
+          </p:cNvPr>
+          <p:cNvCxnSpPr>
+            <a:cxnSpLocks/>
+          </p:cNvCxnSpPr>
+          <p:nvPr/>
+        </p:nvCxnSpPr>
+        <p:spPr>
+          <a:xfrm>
+            <a:off x="7885228" y="1006665"/>
+            <a:ext cx="0" cy="4456382"/>
+          </a:xfrm>
+          <a:prstGeom prst="line">
+            <a:avLst/>
+          </a:prstGeom>
+          <a:ln w="38100"/>
+        </p:spPr>
+        <p:style>
+          <a:lnRef idx="2">
+            <a:schemeClr val="accent1"/>
+          </a:lnRef>
+          <a:fillRef idx="0">
+            <a:schemeClr val="accent1"/>
+          </a:fillRef>
+          <a:effectRef idx="1">
+            <a:schemeClr val="accent1"/>
+          </a:effectRef>
+          <a:fontRef idx="minor">
+            <a:schemeClr val="tx1"/>
+          </a:fontRef>
+        </p:style>
+      </p:cxnSp>
+      <p:cxnSp>
+        <p:nvCxnSpPr>
+          <p:cNvPr id="37" name="Straight Connector 36">
+            <a:extLst>
+              <a:ext uri="{FF2B5EF4-FFF2-40B4-BE49-F238E27FC236}">
+                <a16:creationId xmlns:a16="http://schemas.microsoft.com/office/drawing/2014/main" id="{B1600E67-5E8D-1311-B769-53BB98A0810E}"/>
+              </a:ext>
+            </a:extLst>
+          </p:cNvPr>
+          <p:cNvCxnSpPr>
+            <a:cxnSpLocks/>
+          </p:cNvCxnSpPr>
+          <p:nvPr/>
+        </p:nvCxnSpPr>
+        <p:spPr>
+          <a:xfrm>
+            <a:off x="3352800" y="1068118"/>
+            <a:ext cx="0" cy="4456382"/>
+          </a:xfrm>
+          <a:prstGeom prst="line">
+            <a:avLst/>
+          </a:prstGeom>
+          <a:ln w="38100"/>
+        </p:spPr>
+        <p:style>
+          <a:lnRef idx="2">
+            <a:schemeClr val="accent1"/>
+          </a:lnRef>
+          <a:fillRef idx="0">
+            <a:schemeClr val="accent1"/>
+          </a:fillRef>
+          <a:effectRef idx="1">
+            <a:schemeClr val="accent1"/>
+          </a:effectRef>
+          <a:fontRef idx="minor">
+            <a:schemeClr val="tx1"/>
+          </a:fontRef>
+        </p:style>
+      </p:cxnSp>
+      <p:sp>
+        <p:nvSpPr>
+          <p:cNvPr id="38" name="TextBox 37">
+            <a:extLst>
+              <a:ext uri="{FF2B5EF4-FFF2-40B4-BE49-F238E27FC236}">
+                <a16:creationId xmlns:a16="http://schemas.microsoft.com/office/drawing/2014/main" id="{C4A7165B-1185-A9DF-7CED-90BBB71B7697}"/>
+              </a:ext>
+            </a:extLst>
+          </p:cNvPr>
+          <p:cNvSpPr txBox="1"/>
+          <p:nvPr/>
+        </p:nvSpPr>
+        <p:spPr>
+          <a:xfrm>
+            <a:off x="450484" y="3927183"/>
+            <a:ext cx="2600379" cy="954107"/>
+          </a:xfrm>
+          <a:prstGeom prst="rect">
+            <a:avLst/>
+          </a:prstGeom>
+          <a:noFill/>
+          <a:ln>
+            <a:noFill/>
+          </a:ln>
+        </p:spPr>
+        <p:txBody>
+          <a:bodyPr wrap="square" rtlCol="0">
+            <a:spAutoFit/>
+          </a:bodyPr>
+          <a:lstStyle/>
+          <a:p>
+            <a:pPr algn="ctr"/>
+            <a:r>
+              <a:rPr lang="en-US" sz="1400" dirty="0"/>
+              <a:t>Changing the green box in the excel sheet will update all values. All other values are constant or set.</a:t>
+            </a:r>
+          </a:p>
+        </p:txBody>
+      </p:sp>
+      <p:pic>
+        <p:nvPicPr>
+          <p:cNvPr id="40" name="Picture 39">
+            <a:extLst>
+              <a:ext uri="{FF2B5EF4-FFF2-40B4-BE49-F238E27FC236}">
+                <a16:creationId xmlns:a16="http://schemas.microsoft.com/office/drawing/2014/main" id="{20EA7C80-3D69-8F3A-361C-FCAF39ABC22E}"/>
+              </a:ext>
+            </a:extLst>
+          </p:cNvPr>
+          <p:cNvPicPr>
+            <a:picLocks noChangeAspect="1"/>
+          </p:cNvPicPr>
+          <p:nvPr/>
+        </p:nvPicPr>
+        <p:blipFill>
+          <a:blip r:embed="rId4"/>
+          <a:srcRect l="27130" r="24742"/>
+          <a:stretch/>
+        </p:blipFill>
+        <p:spPr>
+          <a:xfrm rot="10800000">
+            <a:off x="3509955" y="621696"/>
+            <a:ext cx="3600728" cy="5813882"/>
+          </a:xfrm>
+          <a:prstGeom prst="rect">
+            <a:avLst/>
+          </a:prstGeom>
+        </p:spPr>
+      </p:pic>
+      <p:pic>
+        <p:nvPicPr>
+          <p:cNvPr id="41" name="Picture 40">
+            <a:extLst>
+              <a:ext uri="{FF2B5EF4-FFF2-40B4-BE49-F238E27FC236}">
+                <a16:creationId xmlns:a16="http://schemas.microsoft.com/office/drawing/2014/main" id="{56B2D32E-A669-911A-6099-4BB5BF26865C}"/>
+              </a:ext>
+            </a:extLst>
+          </p:cNvPr>
+          <p:cNvPicPr>
+            <a:picLocks noChangeAspect="1"/>
+          </p:cNvPicPr>
+          <p:nvPr/>
+        </p:nvPicPr>
+        <p:blipFill>
+          <a:blip r:embed="rId4"/>
+          <a:srcRect l="91123" t="2678" r="529" b="1417"/>
+          <a:stretch/>
+        </p:blipFill>
+        <p:spPr>
+          <a:xfrm>
+            <a:off x="7127102" y="493529"/>
+            <a:ext cx="669210" cy="5974968"/>
+          </a:xfrm>
+          <a:prstGeom prst="rect">
+            <a:avLst/>
+          </a:prstGeom>
+        </p:spPr>
+      </p:pic>
+      <p:sp>
+        <p:nvSpPr>
+          <p:cNvPr id="42" name="Rectangle: Rounded Corners 41">
+            <a:extLst>
+              <a:ext uri="{FF2B5EF4-FFF2-40B4-BE49-F238E27FC236}">
+                <a16:creationId xmlns:a16="http://schemas.microsoft.com/office/drawing/2014/main" id="{797FE3FD-D1E4-3D41-FA08-7F46FF6362E4}"/>
+              </a:ext>
+            </a:extLst>
+          </p:cNvPr>
+          <p:cNvSpPr/>
+          <p:nvPr/>
+        </p:nvSpPr>
+        <p:spPr>
+          <a:xfrm>
+            <a:off x="11003669" y="689122"/>
+            <a:ext cx="779668" cy="210038"/>
+          </a:xfrm>
+          <a:prstGeom prst="roundRect">
+            <a:avLst/>
+          </a:prstGeom>
+          <a:noFill/>
+          <a:ln>
+            <a:solidFill>
+              <a:schemeClr val="accent2">
+                <a:lumMod val="60000"/>
+                <a:lumOff val="40000"/>
+              </a:schemeClr>
+            </a:solidFill>
+          </a:ln>
+        </p:spPr>
+        <p:style>
+          <a:lnRef idx="2">
+            <a:schemeClr val="accent1">
+              <a:shade val="15000"/>
+            </a:schemeClr>
+          </a:lnRef>
+          <a:fillRef idx="1">
+            <a:schemeClr val="accent1"/>
+          </a:fillRef>
+          <a:effectRef idx="0">
+            <a:schemeClr val="accent1"/>
+          </a:effectRef>
+          <a:fontRef idx="minor">
+            <a:schemeClr val="lt1"/>
+          </a:fontRef>
+        </p:style>
+        <p:txBody>
+          <a:bodyPr rtlCol="0" anchor="ctr"/>
+          <a:lstStyle/>
+          <a:p>
+            <a:pPr algn="ctr"/>
+            <a:r>
+              <a:rPr lang="en-US" b="1" dirty="0">
+                <a:solidFill>
+                  <a:schemeClr val="tx1"/>
+                </a:solidFill>
+              </a:rPr>
+              <a:t>B4</a:t>
+            </a:r>
+          </a:p>
+        </p:txBody>
+      </p:sp>
+      <p:sp>
+        <p:nvSpPr>
+          <p:cNvPr id="43" name="Rectangle: Rounded Corners 42">
+            <a:extLst>
+              <a:ext uri="{FF2B5EF4-FFF2-40B4-BE49-F238E27FC236}">
+                <a16:creationId xmlns:a16="http://schemas.microsoft.com/office/drawing/2014/main" id="{4602054D-4BAC-104B-9BAD-15E8D684A81B}"/>
+              </a:ext>
+            </a:extLst>
+          </p:cNvPr>
+          <p:cNvSpPr/>
+          <p:nvPr/>
+        </p:nvSpPr>
+        <p:spPr>
+          <a:xfrm>
+            <a:off x="11003669" y="1041547"/>
+            <a:ext cx="779668" cy="210038"/>
+          </a:xfrm>
+          <a:prstGeom prst="roundRect">
+            <a:avLst/>
+          </a:prstGeom>
+          <a:noFill/>
+          <a:ln>
+            <a:solidFill>
+              <a:schemeClr val="accent2">
+                <a:lumMod val="60000"/>
+                <a:lumOff val="40000"/>
+              </a:schemeClr>
+            </a:solidFill>
+          </a:ln>
+        </p:spPr>
+        <p:style>
+          <a:lnRef idx="2">
+            <a:schemeClr val="accent1">
+              <a:shade val="15000"/>
+            </a:schemeClr>
+          </a:lnRef>
+          <a:fillRef idx="1">
+            <a:schemeClr val="accent1"/>
+          </a:fillRef>
+          <a:effectRef idx="0">
+            <a:schemeClr val="accent1"/>
+          </a:effectRef>
+          <a:fontRef idx="minor">
+            <a:schemeClr val="lt1"/>
+          </a:fontRef>
+        </p:style>
+        <p:txBody>
+          <a:bodyPr rtlCol="0" anchor="ctr"/>
+          <a:lstStyle/>
+          <a:p>
+            <a:pPr algn="ctr"/>
+            <a:r>
+              <a:rPr lang="en-US" b="1" dirty="0">
+                <a:solidFill>
+                  <a:schemeClr val="tx1"/>
+                </a:solidFill>
+              </a:rPr>
+              <a:t>B3</a:t>
+            </a:r>
+          </a:p>
+        </p:txBody>
+      </p:sp>
+      <p:sp>
+        <p:nvSpPr>
+          <p:cNvPr id="44" name="Rectangle: Rounded Corners 43">
+            <a:extLst>
+              <a:ext uri="{FF2B5EF4-FFF2-40B4-BE49-F238E27FC236}">
+                <a16:creationId xmlns:a16="http://schemas.microsoft.com/office/drawing/2014/main" id="{ECE62C2A-D7DE-8A3B-77CA-9E4A54A8849D}"/>
+              </a:ext>
+            </a:extLst>
+          </p:cNvPr>
+          <p:cNvSpPr/>
+          <p:nvPr/>
+        </p:nvSpPr>
+        <p:spPr>
+          <a:xfrm>
+            <a:off x="11003669" y="1393972"/>
+            <a:ext cx="779668" cy="210038"/>
+          </a:xfrm>
+          <a:prstGeom prst="roundRect">
+            <a:avLst/>
+          </a:prstGeom>
+          <a:noFill/>
+          <a:ln>
+            <a:solidFill>
+              <a:schemeClr val="accent2">
+                <a:lumMod val="60000"/>
+                <a:lumOff val="40000"/>
+              </a:schemeClr>
+            </a:solidFill>
+          </a:ln>
+        </p:spPr>
+        <p:style>
+          <a:lnRef idx="2">
+            <a:schemeClr val="accent1">
+              <a:shade val="15000"/>
+            </a:schemeClr>
+          </a:lnRef>
+          <a:fillRef idx="1">
+            <a:schemeClr val="accent1"/>
+          </a:fillRef>
+          <a:effectRef idx="0">
+            <a:schemeClr val="accent1"/>
+          </a:effectRef>
+          <a:fontRef idx="minor">
+            <a:schemeClr val="lt1"/>
+          </a:fontRef>
+        </p:style>
+        <p:txBody>
+          <a:bodyPr rtlCol="0" anchor="ctr"/>
+          <a:lstStyle/>
+          <a:p>
+            <a:pPr algn="ctr"/>
+            <a:r>
+              <a:rPr lang="en-US" b="1" dirty="0">
+                <a:solidFill>
+                  <a:schemeClr val="tx1"/>
+                </a:solidFill>
+              </a:rPr>
+              <a:t>B2</a:t>
+            </a:r>
+          </a:p>
+        </p:txBody>
+      </p:sp>
+      <p:sp>
+        <p:nvSpPr>
+          <p:cNvPr id="45" name="Rectangle: Rounded Corners 44">
+            <a:extLst>
+              <a:ext uri="{FF2B5EF4-FFF2-40B4-BE49-F238E27FC236}">
+                <a16:creationId xmlns:a16="http://schemas.microsoft.com/office/drawing/2014/main" id="{E3D02DE5-3A38-3F8C-9AB9-DE8B9D926FE5}"/>
+              </a:ext>
+            </a:extLst>
+          </p:cNvPr>
+          <p:cNvSpPr/>
+          <p:nvPr/>
+        </p:nvSpPr>
+        <p:spPr>
+          <a:xfrm>
+            <a:off x="11003669" y="1746397"/>
+            <a:ext cx="779668" cy="210038"/>
+          </a:xfrm>
+          <a:prstGeom prst="roundRect">
+            <a:avLst/>
+          </a:prstGeom>
+          <a:noFill/>
+          <a:ln>
+            <a:solidFill>
+              <a:schemeClr val="accent2">
+                <a:lumMod val="60000"/>
+                <a:lumOff val="40000"/>
+              </a:schemeClr>
+            </a:solidFill>
+          </a:ln>
+        </p:spPr>
+        <p:style>
+          <a:lnRef idx="2">
+            <a:schemeClr val="accent1">
+              <a:shade val="15000"/>
+            </a:schemeClr>
+          </a:lnRef>
+          <a:fillRef idx="1">
+            <a:schemeClr val="accent1"/>
+          </a:fillRef>
+          <a:effectRef idx="0">
+            <a:schemeClr val="accent1"/>
+          </a:effectRef>
+          <a:fontRef idx="minor">
+            <a:schemeClr val="lt1"/>
+          </a:fontRef>
+        </p:style>
+        <p:txBody>
+          <a:bodyPr rtlCol="0" anchor="ctr"/>
+          <a:lstStyle/>
+          <a:p>
+            <a:pPr algn="ctr"/>
+            <a:r>
+              <a:rPr lang="en-US" b="1" dirty="0">
+                <a:solidFill>
+                  <a:schemeClr val="tx1"/>
+                </a:solidFill>
+              </a:rPr>
+              <a:t>B1</a:t>
+            </a:r>
+          </a:p>
+        </p:txBody>
+      </p:sp>
+      <p:sp>
+        <p:nvSpPr>
+          <p:cNvPr id="46" name="Rectangle: Rounded Corners 45">
+            <a:extLst>
+              <a:ext uri="{FF2B5EF4-FFF2-40B4-BE49-F238E27FC236}">
+                <a16:creationId xmlns:a16="http://schemas.microsoft.com/office/drawing/2014/main" id="{3ABBCC71-2678-140D-ACB8-FCD2B7A68789}"/>
+              </a:ext>
+            </a:extLst>
+          </p:cNvPr>
+          <p:cNvSpPr/>
+          <p:nvPr/>
+        </p:nvSpPr>
+        <p:spPr>
+          <a:xfrm>
+            <a:off x="11003669" y="2072562"/>
+            <a:ext cx="779668" cy="210038"/>
+          </a:xfrm>
+          <a:prstGeom prst="roundRect">
+            <a:avLst/>
+          </a:prstGeom>
+          <a:noFill/>
+          <a:ln>
+            <a:solidFill>
+              <a:schemeClr val="accent2">
+                <a:lumMod val="60000"/>
+                <a:lumOff val="40000"/>
+              </a:schemeClr>
+            </a:solidFill>
+          </a:ln>
+        </p:spPr>
+        <p:style>
+          <a:lnRef idx="2">
+            <a:schemeClr val="accent1">
+              <a:shade val="15000"/>
+            </a:schemeClr>
+          </a:lnRef>
+          <a:fillRef idx="1">
+            <a:schemeClr val="accent1"/>
+          </a:fillRef>
+          <a:effectRef idx="0">
+            <a:schemeClr val="accent1"/>
+          </a:effectRef>
+          <a:fontRef idx="minor">
+            <a:schemeClr val="lt1"/>
+          </a:fontRef>
+        </p:style>
+        <p:txBody>
+          <a:bodyPr rtlCol="0" anchor="ctr"/>
+          <a:lstStyle/>
+          <a:p>
+            <a:pPr algn="ctr"/>
+            <a:r>
+              <a:rPr lang="en-US" b="1" dirty="0">
+                <a:solidFill>
+                  <a:schemeClr val="tx1"/>
+                </a:solidFill>
+              </a:rPr>
+              <a:t>HV</a:t>
+            </a:r>
+          </a:p>
+        </p:txBody>
+      </p:sp>
+      <p:sp>
+        <p:nvSpPr>
+          <p:cNvPr id="47" name="Rectangle: Rounded Corners 46">
+            <a:extLst>
+              <a:ext uri="{FF2B5EF4-FFF2-40B4-BE49-F238E27FC236}">
+                <a16:creationId xmlns:a16="http://schemas.microsoft.com/office/drawing/2014/main" id="{397C353C-D7EE-1C99-378E-A0155E2A3CF7}"/>
+              </a:ext>
+            </a:extLst>
+          </p:cNvPr>
+          <p:cNvSpPr/>
+          <p:nvPr/>
+        </p:nvSpPr>
+        <p:spPr>
+          <a:xfrm>
+            <a:off x="11003669" y="2424987"/>
+            <a:ext cx="779668" cy="210038"/>
+          </a:xfrm>
+          <a:prstGeom prst="roundRect">
+            <a:avLst/>
+          </a:prstGeom>
+          <a:noFill/>
+          <a:ln>
+            <a:solidFill>
+              <a:schemeClr val="accent2">
+                <a:lumMod val="60000"/>
+                <a:lumOff val="40000"/>
+              </a:schemeClr>
+            </a:solidFill>
+          </a:ln>
+        </p:spPr>
+        <p:style>
+          <a:lnRef idx="2">
+            <a:schemeClr val="accent1">
+              <a:shade val="15000"/>
+            </a:schemeClr>
+          </a:lnRef>
+          <a:fillRef idx="1">
+            <a:schemeClr val="accent1"/>
+          </a:fillRef>
+          <a:effectRef idx="0">
+            <a:schemeClr val="accent1"/>
+          </a:effectRef>
+          <a:fontRef idx="minor">
+            <a:schemeClr val="lt1"/>
+          </a:fontRef>
+        </p:style>
+        <p:txBody>
+          <a:bodyPr rtlCol="0" anchor="ctr"/>
+          <a:lstStyle/>
+          <a:p>
+            <a:pPr algn="ctr"/>
+            <a:r>
+              <a:rPr lang="en-US" b="1" dirty="0">
+                <a:solidFill>
+                  <a:schemeClr val="tx1"/>
+                </a:solidFill>
+              </a:rPr>
+              <a:t>D1</a:t>
+            </a:r>
+          </a:p>
+        </p:txBody>
+      </p:sp>
+      <p:sp>
+        <p:nvSpPr>
+          <p:cNvPr id="48" name="Rectangle: Rounded Corners 47">
+            <a:extLst>
+              <a:ext uri="{FF2B5EF4-FFF2-40B4-BE49-F238E27FC236}">
+                <a16:creationId xmlns:a16="http://schemas.microsoft.com/office/drawing/2014/main" id="{06434B9E-408E-A816-BF9C-4CA1F9716727}"/>
+              </a:ext>
+            </a:extLst>
+          </p:cNvPr>
+          <p:cNvSpPr/>
+          <p:nvPr/>
+        </p:nvSpPr>
+        <p:spPr>
+          <a:xfrm>
+            <a:off x="11003669" y="2777412"/>
+            <a:ext cx="779668" cy="210038"/>
+          </a:xfrm>
+          <a:prstGeom prst="roundRect">
+            <a:avLst/>
+          </a:prstGeom>
+          <a:noFill/>
+          <a:ln>
+            <a:solidFill>
+              <a:schemeClr val="accent2">
+                <a:lumMod val="60000"/>
+                <a:lumOff val="40000"/>
+              </a:schemeClr>
+            </a:solidFill>
+          </a:ln>
+        </p:spPr>
+        <p:style>
+          <a:lnRef idx="2">
+            <a:schemeClr val="accent1">
+              <a:shade val="15000"/>
+            </a:schemeClr>
+          </a:lnRef>
+          <a:fillRef idx="1">
+            <a:schemeClr val="accent1"/>
+          </a:fillRef>
+          <a:effectRef idx="0">
+            <a:schemeClr val="accent1"/>
+          </a:effectRef>
+          <a:fontRef idx="minor">
+            <a:schemeClr val="lt1"/>
+          </a:fontRef>
+        </p:style>
+        <p:txBody>
+          <a:bodyPr rtlCol="0" anchor="ctr"/>
+          <a:lstStyle/>
+          <a:p>
+            <a:pPr algn="ctr"/>
+            <a:r>
+              <a:rPr lang="en-US" b="1" dirty="0">
+                <a:solidFill>
+                  <a:schemeClr val="tx1"/>
+                </a:solidFill>
+              </a:rPr>
+              <a:t>D2</a:t>
+            </a:r>
+          </a:p>
+        </p:txBody>
+      </p:sp>
+      <p:sp>
+        <p:nvSpPr>
+          <p:cNvPr id="49" name="Rectangle: Rounded Corners 48">
+            <a:extLst>
+              <a:ext uri="{FF2B5EF4-FFF2-40B4-BE49-F238E27FC236}">
+                <a16:creationId xmlns:a16="http://schemas.microsoft.com/office/drawing/2014/main" id="{2EA335EA-C189-FAF6-1C31-0527BCEF6E36}"/>
+              </a:ext>
+            </a:extLst>
+          </p:cNvPr>
+          <p:cNvSpPr/>
+          <p:nvPr/>
+        </p:nvSpPr>
+        <p:spPr>
+          <a:xfrm>
+            <a:off x="11003669" y="3129837"/>
+            <a:ext cx="779668" cy="210038"/>
+          </a:xfrm>
+          <a:prstGeom prst="roundRect">
+            <a:avLst/>
+          </a:prstGeom>
+          <a:noFill/>
+          <a:ln>
+            <a:solidFill>
+              <a:schemeClr val="accent2">
+                <a:lumMod val="60000"/>
+                <a:lumOff val="40000"/>
+              </a:schemeClr>
+            </a:solidFill>
+          </a:ln>
+        </p:spPr>
+        <p:style>
+          <a:lnRef idx="2">
+            <a:schemeClr val="accent1">
+              <a:shade val="15000"/>
+            </a:schemeClr>
+          </a:lnRef>
+          <a:fillRef idx="1">
+            <a:schemeClr val="accent1"/>
+          </a:fillRef>
+          <a:effectRef idx="0">
+            <a:schemeClr val="accent1"/>
+          </a:effectRef>
+          <a:fontRef idx="minor">
+            <a:schemeClr val="lt1"/>
+          </a:fontRef>
+        </p:style>
+        <p:txBody>
+          <a:bodyPr rtlCol="0" anchor="ctr"/>
+          <a:lstStyle/>
+          <a:p>
+            <a:pPr algn="ctr"/>
+            <a:r>
+              <a:rPr lang="en-US" b="1" dirty="0">
+                <a:solidFill>
+                  <a:schemeClr val="tx1"/>
+                </a:solidFill>
+              </a:rPr>
+              <a:t>D3</a:t>
+            </a:r>
+          </a:p>
+        </p:txBody>
+      </p:sp>
+      <p:sp>
+        <p:nvSpPr>
+          <p:cNvPr id="50" name="Rectangle: Rounded Corners 49">
+            <a:extLst>
+              <a:ext uri="{FF2B5EF4-FFF2-40B4-BE49-F238E27FC236}">
+                <a16:creationId xmlns:a16="http://schemas.microsoft.com/office/drawing/2014/main" id="{C50A731F-9E4D-0613-2077-68E60856331E}"/>
+              </a:ext>
+            </a:extLst>
+          </p:cNvPr>
+          <p:cNvSpPr/>
+          <p:nvPr/>
+        </p:nvSpPr>
+        <p:spPr>
+          <a:xfrm>
+            <a:off x="11003669" y="3447126"/>
+            <a:ext cx="779668" cy="210038"/>
+          </a:xfrm>
+          <a:prstGeom prst="roundRect">
+            <a:avLst/>
+          </a:prstGeom>
+          <a:noFill/>
+          <a:ln>
+            <a:solidFill>
+              <a:schemeClr val="accent2">
+                <a:lumMod val="60000"/>
+                <a:lumOff val="40000"/>
+              </a:schemeClr>
+            </a:solidFill>
+          </a:ln>
+        </p:spPr>
+        <p:style>
+          <a:lnRef idx="2">
+            <a:schemeClr val="accent1">
+              <a:shade val="15000"/>
+            </a:schemeClr>
+          </a:lnRef>
+          <a:fillRef idx="1">
+            <a:schemeClr val="accent1"/>
+          </a:fillRef>
+          <a:effectRef idx="0">
+            <a:schemeClr val="accent1"/>
+          </a:effectRef>
+          <a:fontRef idx="minor">
+            <a:schemeClr val="lt1"/>
+          </a:fontRef>
+        </p:style>
+        <p:txBody>
+          <a:bodyPr rtlCol="0" anchor="ctr"/>
+          <a:lstStyle/>
+          <a:p>
+            <a:pPr algn="ctr"/>
+            <a:r>
+              <a:rPr lang="en-US" b="1" dirty="0">
+                <a:solidFill>
+                  <a:schemeClr val="tx1"/>
+                </a:solidFill>
+              </a:rPr>
+              <a:t>D4</a:t>
+            </a:r>
+          </a:p>
+        </p:txBody>
+      </p:sp>
+      <p:sp>
+        <p:nvSpPr>
+          <p:cNvPr id="51" name="Rectangle: Rounded Corners 50">
+            <a:extLst>
+              <a:ext uri="{FF2B5EF4-FFF2-40B4-BE49-F238E27FC236}">
+                <a16:creationId xmlns:a16="http://schemas.microsoft.com/office/drawing/2014/main" id="{F4BD5024-0846-B6A6-711D-9A58D9C3FBE5}"/>
+              </a:ext>
+            </a:extLst>
+          </p:cNvPr>
+          <p:cNvSpPr/>
+          <p:nvPr/>
+        </p:nvSpPr>
+        <p:spPr>
+          <a:xfrm>
+            <a:off x="11003669" y="3799551"/>
+            <a:ext cx="779668" cy="210038"/>
+          </a:xfrm>
+          <a:prstGeom prst="roundRect">
+            <a:avLst/>
+          </a:prstGeom>
+          <a:noFill/>
+          <a:ln>
+            <a:solidFill>
+              <a:schemeClr val="accent2">
+                <a:lumMod val="60000"/>
+                <a:lumOff val="40000"/>
+              </a:schemeClr>
+            </a:solidFill>
+          </a:ln>
+        </p:spPr>
+        <p:style>
+          <a:lnRef idx="2">
+            <a:schemeClr val="accent1">
+              <a:shade val="15000"/>
+            </a:schemeClr>
+          </a:lnRef>
+          <a:fillRef idx="1">
+            <a:schemeClr val="accent1"/>
+          </a:fillRef>
+          <a:effectRef idx="0">
+            <a:schemeClr val="accent1"/>
+          </a:effectRef>
+          <a:fontRef idx="minor">
+            <a:schemeClr val="lt1"/>
+          </a:fontRef>
+        </p:style>
+        <p:txBody>
+          <a:bodyPr rtlCol="0" anchor="ctr"/>
+          <a:lstStyle/>
+          <a:p>
+            <a:pPr algn="ctr"/>
+            <a:r>
+              <a:rPr lang="en-US" b="1" dirty="0">
+                <a:solidFill>
+                  <a:schemeClr val="tx1"/>
+                </a:solidFill>
+              </a:rPr>
+              <a:t>D5</a:t>
+            </a:r>
+          </a:p>
+        </p:txBody>
+      </p:sp>
+      <p:sp>
+        <p:nvSpPr>
+          <p:cNvPr id="52" name="Rectangle: Rounded Corners 51">
+            <a:extLst>
+              <a:ext uri="{FF2B5EF4-FFF2-40B4-BE49-F238E27FC236}">
+                <a16:creationId xmlns:a16="http://schemas.microsoft.com/office/drawing/2014/main" id="{1BE675F5-8C7C-8D8C-90C7-318CBF3AE83B}"/>
+              </a:ext>
+            </a:extLst>
+          </p:cNvPr>
+          <p:cNvSpPr/>
+          <p:nvPr/>
+        </p:nvSpPr>
+        <p:spPr>
+          <a:xfrm>
+            <a:off x="11003669" y="4151976"/>
+            <a:ext cx="779668" cy="210038"/>
+          </a:xfrm>
+          <a:prstGeom prst="roundRect">
+            <a:avLst/>
+          </a:prstGeom>
+          <a:noFill/>
+          <a:ln>
+            <a:solidFill>
+              <a:schemeClr val="accent2">
+                <a:lumMod val="60000"/>
+                <a:lumOff val="40000"/>
+              </a:schemeClr>
+            </a:solidFill>
+          </a:ln>
+        </p:spPr>
+        <p:style>
+          <a:lnRef idx="2">
+            <a:schemeClr val="accent1">
+              <a:shade val="15000"/>
+            </a:schemeClr>
+          </a:lnRef>
+          <a:fillRef idx="1">
+            <a:schemeClr val="accent1"/>
+          </a:fillRef>
+          <a:effectRef idx="0">
+            <a:schemeClr val="accent1"/>
+          </a:effectRef>
+          <a:fontRef idx="minor">
+            <a:schemeClr val="lt1"/>
+          </a:fontRef>
+        </p:style>
+        <p:txBody>
+          <a:bodyPr rtlCol="0" anchor="ctr"/>
+          <a:lstStyle/>
+          <a:p>
+            <a:pPr algn="ctr"/>
+            <a:r>
+              <a:rPr lang="en-US" b="1" dirty="0">
+                <a:solidFill>
+                  <a:schemeClr val="tx1"/>
+                </a:solidFill>
+              </a:rPr>
+              <a:t>D6</a:t>
+            </a:r>
+          </a:p>
+        </p:txBody>
+      </p:sp>
+      <p:sp>
+        <p:nvSpPr>
+          <p:cNvPr id="53" name="Rectangle: Rounded Corners 52">
+            <a:extLst>
+              <a:ext uri="{FF2B5EF4-FFF2-40B4-BE49-F238E27FC236}">
+                <a16:creationId xmlns:a16="http://schemas.microsoft.com/office/drawing/2014/main" id="{23A42B1E-D06F-C30D-4FF1-94067DC21B2A}"/>
+              </a:ext>
+            </a:extLst>
+          </p:cNvPr>
+          <p:cNvSpPr/>
+          <p:nvPr/>
+        </p:nvSpPr>
+        <p:spPr>
+          <a:xfrm>
+            <a:off x="11003669" y="4504401"/>
+            <a:ext cx="779668" cy="210038"/>
+          </a:xfrm>
+          <a:prstGeom prst="roundRect">
+            <a:avLst/>
+          </a:prstGeom>
+          <a:noFill/>
+          <a:ln>
+            <a:solidFill>
+              <a:schemeClr val="accent2">
+                <a:lumMod val="60000"/>
+                <a:lumOff val="40000"/>
+              </a:schemeClr>
+            </a:solidFill>
+          </a:ln>
+        </p:spPr>
+        <p:style>
+          <a:lnRef idx="2">
+            <a:schemeClr val="accent1">
+              <a:shade val="15000"/>
+            </a:schemeClr>
+          </a:lnRef>
+          <a:fillRef idx="1">
+            <a:schemeClr val="accent1"/>
+          </a:fillRef>
+          <a:effectRef idx="0">
+            <a:schemeClr val="accent1"/>
+          </a:effectRef>
+          <a:fontRef idx="minor">
+            <a:schemeClr val="lt1"/>
+          </a:fontRef>
+        </p:style>
+        <p:txBody>
+          <a:bodyPr rtlCol="0" anchor="ctr"/>
+          <a:lstStyle/>
+          <a:p>
+            <a:pPr algn="ctr"/>
+            <a:r>
+              <a:rPr lang="en-US" b="1" dirty="0">
+                <a:solidFill>
+                  <a:schemeClr val="tx1"/>
+                </a:solidFill>
+              </a:rPr>
+              <a:t>D7</a:t>
+            </a:r>
+          </a:p>
+        </p:txBody>
+      </p:sp>
+      <p:sp>
+        <p:nvSpPr>
+          <p:cNvPr id="54" name="Rectangle: Rounded Corners 53">
+            <a:extLst>
+              <a:ext uri="{FF2B5EF4-FFF2-40B4-BE49-F238E27FC236}">
+                <a16:creationId xmlns:a16="http://schemas.microsoft.com/office/drawing/2014/main" id="{798BF1DE-D868-B4D7-D5C7-65321B835B5D}"/>
+              </a:ext>
+            </a:extLst>
+          </p:cNvPr>
+          <p:cNvSpPr/>
+          <p:nvPr/>
+        </p:nvSpPr>
+        <p:spPr>
+          <a:xfrm>
+            <a:off x="11003669" y="4821690"/>
+            <a:ext cx="779668" cy="210038"/>
+          </a:xfrm>
+          <a:prstGeom prst="roundRect">
+            <a:avLst/>
+          </a:prstGeom>
+          <a:noFill/>
+          <a:ln>
+            <a:solidFill>
+              <a:schemeClr val="accent2">
+                <a:lumMod val="60000"/>
+                <a:lumOff val="40000"/>
+              </a:schemeClr>
+            </a:solidFill>
+          </a:ln>
+        </p:spPr>
+        <p:style>
+          <a:lnRef idx="2">
+            <a:schemeClr val="accent1">
+              <a:shade val="15000"/>
+            </a:schemeClr>
+          </a:lnRef>
+          <a:fillRef idx="1">
+            <a:schemeClr val="accent1"/>
+          </a:fillRef>
+          <a:effectRef idx="0">
+            <a:schemeClr val="accent1"/>
+          </a:effectRef>
+          <a:fontRef idx="minor">
+            <a:schemeClr val="lt1"/>
+          </a:fontRef>
+        </p:style>
+        <p:txBody>
+          <a:bodyPr rtlCol="0" anchor="ctr"/>
+          <a:lstStyle/>
+          <a:p>
+            <a:pPr algn="ctr"/>
+            <a:r>
+              <a:rPr lang="en-US" b="1" dirty="0">
+                <a:solidFill>
+                  <a:schemeClr val="tx1"/>
+                </a:solidFill>
+              </a:rPr>
+              <a:t>D8</a:t>
+            </a:r>
+          </a:p>
+        </p:txBody>
+      </p:sp>
+      <p:sp>
+        <p:nvSpPr>
+          <p:cNvPr id="55" name="Rectangle: Rounded Corners 54">
+            <a:extLst>
+              <a:ext uri="{FF2B5EF4-FFF2-40B4-BE49-F238E27FC236}">
+                <a16:creationId xmlns:a16="http://schemas.microsoft.com/office/drawing/2014/main" id="{893FEC5C-B23B-49C1-E0F7-C10AB73CE4AA}"/>
+              </a:ext>
+            </a:extLst>
+          </p:cNvPr>
+          <p:cNvSpPr/>
+          <p:nvPr/>
+        </p:nvSpPr>
+        <p:spPr>
+          <a:xfrm>
+            <a:off x="11003669" y="5174115"/>
+            <a:ext cx="779668" cy="210038"/>
+          </a:xfrm>
+          <a:prstGeom prst="roundRect">
+            <a:avLst/>
+          </a:prstGeom>
+          <a:noFill/>
+          <a:ln>
+            <a:solidFill>
+              <a:schemeClr val="accent2">
+                <a:lumMod val="60000"/>
+                <a:lumOff val="40000"/>
+              </a:schemeClr>
+            </a:solidFill>
+          </a:ln>
+        </p:spPr>
+        <p:style>
+          <a:lnRef idx="2">
+            <a:schemeClr val="accent1">
+              <a:shade val="15000"/>
+            </a:schemeClr>
+          </a:lnRef>
+          <a:fillRef idx="1">
+            <a:schemeClr val="accent1"/>
+          </a:fillRef>
+          <a:effectRef idx="0">
+            <a:schemeClr val="accent1"/>
+          </a:effectRef>
+          <a:fontRef idx="minor">
+            <a:schemeClr val="lt1"/>
+          </a:fontRef>
+        </p:style>
+        <p:txBody>
+          <a:bodyPr rtlCol="0" anchor="ctr"/>
+          <a:lstStyle/>
+          <a:p>
+            <a:pPr algn="ctr"/>
+            <a:r>
+              <a:rPr lang="en-US" b="1" dirty="0">
+                <a:solidFill>
+                  <a:schemeClr val="tx1"/>
+                </a:solidFill>
+              </a:rPr>
+              <a:t>D9</a:t>
+            </a:r>
+          </a:p>
+        </p:txBody>
+      </p:sp>
+      <p:sp>
+        <p:nvSpPr>
+          <p:cNvPr id="56" name="Rectangle: Rounded Corners 55">
+            <a:extLst>
+              <a:ext uri="{FF2B5EF4-FFF2-40B4-BE49-F238E27FC236}">
+                <a16:creationId xmlns:a16="http://schemas.microsoft.com/office/drawing/2014/main" id="{40AD6F1D-E8FA-79AD-4333-6D68F289EC4C}"/>
+              </a:ext>
+            </a:extLst>
+          </p:cNvPr>
+          <p:cNvSpPr/>
+          <p:nvPr/>
+        </p:nvSpPr>
+        <p:spPr>
+          <a:xfrm>
+            <a:off x="11003669" y="5526540"/>
+            <a:ext cx="779668" cy="210038"/>
+          </a:xfrm>
+          <a:prstGeom prst="roundRect">
+            <a:avLst/>
+          </a:prstGeom>
+          <a:noFill/>
+          <a:ln>
+            <a:solidFill>
+              <a:schemeClr val="accent2">
+                <a:lumMod val="60000"/>
+                <a:lumOff val="40000"/>
+              </a:schemeClr>
+            </a:solidFill>
+          </a:ln>
+        </p:spPr>
+        <p:style>
+          <a:lnRef idx="2">
+            <a:schemeClr val="accent1">
+              <a:shade val="15000"/>
+            </a:schemeClr>
+          </a:lnRef>
+          <a:fillRef idx="1">
+            <a:schemeClr val="accent1"/>
+          </a:fillRef>
+          <a:effectRef idx="0">
+            <a:schemeClr val="accent1"/>
+          </a:effectRef>
+          <a:fontRef idx="minor">
+            <a:schemeClr val="lt1"/>
+          </a:fontRef>
+        </p:style>
+        <p:txBody>
+          <a:bodyPr rtlCol="0" anchor="ctr"/>
+          <a:lstStyle/>
+          <a:p>
+            <a:pPr algn="ctr"/>
+            <a:r>
+              <a:rPr lang="en-US" b="1" dirty="0">
+                <a:solidFill>
+                  <a:schemeClr val="tx1"/>
+                </a:solidFill>
+              </a:rPr>
+              <a:t>D10</a:t>
+            </a:r>
+          </a:p>
+        </p:txBody>
+      </p:sp>
+      <p:sp>
+        <p:nvSpPr>
+          <p:cNvPr id="57" name="Rectangle: Rounded Corners 56">
+            <a:extLst>
+              <a:ext uri="{FF2B5EF4-FFF2-40B4-BE49-F238E27FC236}">
+                <a16:creationId xmlns:a16="http://schemas.microsoft.com/office/drawing/2014/main" id="{9E5F1A34-DC27-7AD0-FA1E-62084AD3A4F3}"/>
+              </a:ext>
+            </a:extLst>
+          </p:cNvPr>
+          <p:cNvSpPr/>
+          <p:nvPr/>
+        </p:nvSpPr>
+        <p:spPr>
+          <a:xfrm>
+            <a:off x="11003669" y="5878965"/>
+            <a:ext cx="779668" cy="210038"/>
+          </a:xfrm>
+          <a:prstGeom prst="roundRect">
+            <a:avLst/>
+          </a:prstGeom>
+          <a:noFill/>
+          <a:ln>
+            <a:solidFill>
+              <a:schemeClr val="accent2">
+                <a:lumMod val="60000"/>
+                <a:lumOff val="40000"/>
+              </a:schemeClr>
+            </a:solidFill>
+          </a:ln>
+        </p:spPr>
+        <p:style>
+          <a:lnRef idx="2">
+            <a:schemeClr val="accent1">
+              <a:shade val="15000"/>
+            </a:schemeClr>
+          </a:lnRef>
+          <a:fillRef idx="1">
+            <a:schemeClr val="accent1"/>
+          </a:fillRef>
+          <a:effectRef idx="0">
+            <a:schemeClr val="accent1"/>
+          </a:effectRef>
+          <a:fontRef idx="minor">
+            <a:schemeClr val="lt1"/>
+          </a:fontRef>
+        </p:style>
+        <p:txBody>
+          <a:bodyPr rtlCol="0" anchor="ctr"/>
+          <a:lstStyle/>
+          <a:p>
+            <a:pPr algn="ctr"/>
+            <a:r>
+              <a:rPr lang="en-US" b="1" dirty="0">
+                <a:solidFill>
+                  <a:schemeClr val="tx1"/>
+                </a:solidFill>
+              </a:rPr>
+              <a:t>D11</a:t>
+            </a:r>
+          </a:p>
+        </p:txBody>
+      </p:sp>
+    </p:spTree>
+    <p:extLst>
+      <p:ext uri="{BB962C8B-B14F-4D97-AF65-F5344CB8AC3E}">
+        <p14:creationId xmlns:p14="http://schemas.microsoft.com/office/powerpoint/2010/main" val="1749829247"/>
+      </p:ext>
+    </p:extLst>
+  </p:cSld>
+  <p:clrMapOvr>
+    <a:masterClrMapping/>
+  </p:clrMapOvr>
+</p:sld>
+</file>
+
 <file path=ppt/theme/theme1.xml><?xml version="1.0" encoding="utf-8"?>
 <a:theme xmlns:a="http://schemas.openxmlformats.org/drawingml/2006/main" name="Office Theme">
   <a:themeElements>

--- a/z.ReadMeAssets/UTAH Github.pptx
+++ b/z.ReadMeAssets/UTAH Github.pptx
@@ -7921,6 +7921,45 @@
           </a:fontRef>
         </p:style>
       </p:cxnSp>
+      <p:sp>
+        <p:nvSpPr>
+          <p:cNvPr id="11" name="TextBox 10">
+            <a:extLst>
+              <a:ext uri="{FF2B5EF4-FFF2-40B4-BE49-F238E27FC236}">
+                <a16:creationId xmlns:a16="http://schemas.microsoft.com/office/drawing/2014/main" id="{C4FC196A-45CE-458A-8DEF-14502AB19257}"/>
+              </a:ext>
+            </a:extLst>
+          </p:cNvPr>
+          <p:cNvSpPr txBox="1"/>
+          <p:nvPr/>
+        </p:nvSpPr>
+        <p:spPr>
+          <a:xfrm>
+            <a:off x="4695763" y="6172915"/>
+            <a:ext cx="3025775" cy="215444"/>
+          </a:xfrm>
+          <a:prstGeom prst="rect">
+            <a:avLst/>
+          </a:prstGeom>
+          <a:noFill/>
+          <a:ln>
+            <a:noFill/>
+          </a:ln>
+        </p:spPr>
+        <p:txBody>
+          <a:bodyPr wrap="square" rtlCol="0">
+            <a:spAutoFit/>
+          </a:bodyPr>
+          <a:lstStyle/>
+          <a:p>
+            <a:pPr algn="r"/>
+            <a:r>
+              <a:rPr lang="en-US" sz="800" dirty="0"/>
+              <a:t>Enlarged Arrows to express area of effect</a:t>
+            </a:r>
+          </a:p>
+        </p:txBody>
+      </p:sp>
     </p:spTree>
     <p:extLst>
       <p:ext uri="{BB962C8B-B14F-4D97-AF65-F5344CB8AC3E}">
@@ -9021,7 +9060,7 @@
             <a:pPr algn="ctr"/>
             <a:r>
               <a:rPr lang="en-US" sz="1400" dirty="0"/>
-              <a:t>Variables</a:t>
+              <a:t>Boundaries</a:t>
             </a:r>
           </a:p>
         </p:txBody>
@@ -9624,8 +9663,8 @@
           </p:sp>
         </mc:Fallback>
       </mc:AlternateContent>
-      <mc:AlternateContent xmlns:mc="http://schemas.openxmlformats.org/markup-compatibility/2006" xmlns:a14="http://schemas.microsoft.com/office/drawing/2010/main">
-        <mc:Choice Requires="a14">
+      <mc:AlternateContent xmlns:mc="http://schemas.openxmlformats.org/markup-compatibility/2006">
+        <mc:Choice xmlns:a14="http://schemas.microsoft.com/office/drawing/2010/main" Requires="a14">
           <p:sp>
             <p:nvSpPr>
               <p:cNvPr id="40" name="TextBox 39">
@@ -9641,7 +9680,7 @@
             <p:spPr>
               <a:xfrm>
                 <a:off x="9208255" y="6178406"/>
-                <a:ext cx="1653979" cy="526491"/>
+                <a:ext cx="1486241" cy="526619"/>
               </a:xfrm>
               <a:prstGeom prst="rect">
                 <a:avLst/>
@@ -9701,31 +9740,12 @@
                           </m:ctrlPr>
                         </m:fPr>
                         <m:num>
-                          <m:sSub>
-                            <m:sSubPr>
-                              <m:ctrlPr>
-                                <a:rPr lang="en-US" b="0" i="1" smtClean="0">
-                                  <a:latin typeface="Cambria Math" panose="02040503050406030204" pitchFamily="18" charset="0"/>
-                                </a:rPr>
-                              </m:ctrlPr>
-                            </m:sSubPr>
-                            <m:e>
-                              <m:r>
-                                <a:rPr lang="en-US" b="0" i="1" smtClean="0">
-                                  <a:latin typeface="Cambria Math" panose="02040503050406030204" pitchFamily="18" charset="0"/>
-                                </a:rPr>
-                                <m:t>𝑉</m:t>
-                              </m:r>
-                            </m:e>
-                            <m:sub>
-                              <m:r>
-                                <a:rPr lang="en-US" b="0" i="1" smtClean="0">
-                                  <a:latin typeface="Cambria Math" panose="02040503050406030204" pitchFamily="18" charset="0"/>
-                                </a:rPr>
-                                <m:t>𝐵𝑢𝑓𝑓𝑒𝑟</m:t>
-                              </m:r>
-                            </m:sub>
-                          </m:sSub>
+                          <m:r>
+                            <a:rPr lang="en-US" b="0" i="1" smtClean="0">
+                              <a:latin typeface="Cambria Math" panose="02040503050406030204" pitchFamily="18" charset="0"/>
+                            </a:rPr>
+                            <m:t>𝐷𝑟𝑖𝑓𝑡</m:t>
+                          </m:r>
                         </m:num>
                         <m:den>
                           <m:r>
@@ -9744,7 +9764,7 @@
             </p:txBody>
           </p:sp>
         </mc:Choice>
-        <mc:Fallback xmlns="">
+        <mc:Fallback>
           <p:sp>
             <p:nvSpPr>
               <p:cNvPr id="40" name="TextBox 39">
@@ -9762,7 +9782,7 @@
             <p:spPr>
               <a:xfrm>
                 <a:off x="9208255" y="6178406"/>
-                <a:ext cx="1653979" cy="526491"/>
+                <a:ext cx="1486241" cy="526619"/>
               </a:xfrm>
               <a:prstGeom prst="rect">
                 <a:avLst/>
@@ -9858,36 +9878,6 @@
           <a:chExt cx="0" cy="0"/>
         </a:xfrm>
       </p:grpSpPr>
-      <p:pic>
-        <p:nvPicPr>
-          <p:cNvPr id="16" name="Picture 15">
-            <a:extLst>
-              <a:ext uri="{FF2B5EF4-FFF2-40B4-BE49-F238E27FC236}">
-                <a16:creationId xmlns:a16="http://schemas.microsoft.com/office/drawing/2014/main" id="{742BF245-A9C2-7ACA-A244-57FACF33FEB8}"/>
-              </a:ext>
-            </a:extLst>
-          </p:cNvPr>
-          <p:cNvPicPr>
-            <a:picLocks noChangeAspect="1"/>
-          </p:cNvPicPr>
-          <p:nvPr/>
-        </p:nvPicPr>
-        <p:blipFill>
-          <a:blip r:embed="rId2"/>
-          <a:stretch>
-            <a:fillRect/>
-          </a:stretch>
-        </p:blipFill>
-        <p:spPr>
-          <a:xfrm>
-            <a:off x="306422" y="607829"/>
-            <a:ext cx="2950527" cy="3165466"/>
-          </a:xfrm>
-          <a:prstGeom prst="rect">
-            <a:avLst/>
-          </a:prstGeom>
-        </p:spPr>
-      </p:pic>
       <p:sp>
         <p:nvSpPr>
           <p:cNvPr id="17" name="TextBox 16">
@@ -9985,7 +9975,7 @@
           <p:nvPr/>
         </p:nvPicPr>
         <p:blipFill>
-          <a:blip r:embed="rId3"/>
+          <a:blip r:embed="rId2"/>
           <a:srcRect l="8275" t="10957" r="6047" b="6925"/>
           <a:stretch/>
         </p:blipFill>
@@ -10271,8 +10261,8 @@
         </p:nvSpPr>
         <p:spPr>
           <a:xfrm>
-            <a:off x="8155785" y="232184"/>
-            <a:ext cx="2950378" cy="307777"/>
+            <a:off x="7477587" y="176135"/>
+            <a:ext cx="4306772" cy="307777"/>
           </a:xfrm>
           <a:prstGeom prst="rect">
             <a:avLst/>
@@ -10293,7 +10283,7 @@
             <a:pPr algn="ctr"/>
             <a:r>
               <a:rPr lang="en-US" sz="1400" dirty="0"/>
-              <a:t>Expected Drift based on Simulation</a:t>
+              <a:t>Expected Drift Directions from Simulation Results</a:t>
             </a:r>
           </a:p>
         </p:txBody>
@@ -10390,7 +10380,7 @@
         </p:nvSpPr>
         <p:spPr>
           <a:xfrm>
-            <a:off x="450484" y="3927183"/>
+            <a:off x="408663" y="4192023"/>
             <a:ext cx="2600379" cy="954107"/>
           </a:xfrm>
           <a:prstGeom prst="rect">
@@ -10430,7 +10420,7 @@
           <p:nvPr/>
         </p:nvPicPr>
         <p:blipFill>
-          <a:blip r:embed="rId4"/>
+          <a:blip r:embed="rId3"/>
           <a:srcRect l="27130" r="24742"/>
           <a:stretch/>
         </p:blipFill>
@@ -10459,14 +10449,14 @@
           <p:nvPr/>
         </p:nvPicPr>
         <p:blipFill>
-          <a:blip r:embed="rId4"/>
-          <a:srcRect l="91123" t="2678" r="529" b="1417"/>
+          <a:blip r:embed="rId3"/>
+          <a:srcRect l="91123" t="3211" r="529" b="1418"/>
           <a:stretch/>
         </p:blipFill>
         <p:spPr>
           <a:xfrm>
-            <a:off x="7127102" y="493529"/>
-            <a:ext cx="669210" cy="5974968"/>
+            <a:off x="7127102" y="526739"/>
+            <a:ext cx="669210" cy="5941758"/>
           </a:xfrm>
           <a:prstGeom prst="rect">
             <a:avLst/>
@@ -11461,6 +11451,342 @@
                 </a:solidFill>
               </a:rPr>
               <a:t>D11</a:t>
+            </a:r>
+          </a:p>
+        </p:txBody>
+      </p:sp>
+      <p:sp>
+        <p:nvSpPr>
+          <p:cNvPr id="4" name="TextBox 3">
+            <a:extLst>
+              <a:ext uri="{FF2B5EF4-FFF2-40B4-BE49-F238E27FC236}">
+                <a16:creationId xmlns:a16="http://schemas.microsoft.com/office/drawing/2014/main" id="{7E78C75C-D678-317C-6960-326C47DE7577}"/>
+              </a:ext>
+            </a:extLst>
+          </p:cNvPr>
+          <p:cNvSpPr txBox="1"/>
+          <p:nvPr/>
+        </p:nvSpPr>
+        <p:spPr>
+          <a:xfrm>
+            <a:off x="8118085" y="6333134"/>
+            <a:ext cx="3025775" cy="215444"/>
+          </a:xfrm>
+          <a:prstGeom prst="rect">
+            <a:avLst/>
+          </a:prstGeom>
+          <a:noFill/>
+          <a:ln>
+            <a:noFill/>
+          </a:ln>
+        </p:spPr>
+        <p:txBody>
+          <a:bodyPr wrap="square" rtlCol="0">
+            <a:spAutoFit/>
+          </a:bodyPr>
+          <a:lstStyle/>
+          <a:p>
+            <a:pPr algn="r"/>
+            <a:r>
+              <a:rPr lang="en-US" sz="800" dirty="0"/>
+              <a:t>Enlarged Arrows to express area of effect</a:t>
+            </a:r>
+          </a:p>
+        </p:txBody>
+      </p:sp>
+      <p:pic>
+        <p:nvPicPr>
+          <p:cNvPr id="6" name="Picture 5">
+            <a:extLst>
+              <a:ext uri="{FF2B5EF4-FFF2-40B4-BE49-F238E27FC236}">
+                <a16:creationId xmlns:a16="http://schemas.microsoft.com/office/drawing/2014/main" id="{2FDE4141-66C7-4C27-E46B-E201ADEE4EB9}"/>
+              </a:ext>
+            </a:extLst>
+          </p:cNvPr>
+          <p:cNvPicPr>
+            <a:picLocks noChangeAspect="1"/>
+          </p:cNvPicPr>
+          <p:nvPr/>
+        </p:nvPicPr>
+        <p:blipFill>
+          <a:blip r:embed="rId4"/>
+          <a:stretch>
+            <a:fillRect/>
+          </a:stretch>
+        </p:blipFill>
+        <p:spPr>
+          <a:xfrm>
+            <a:off x="372111" y="575738"/>
+            <a:ext cx="2863835" cy="3159425"/>
+          </a:xfrm>
+          <a:prstGeom prst="rect">
+            <a:avLst/>
+          </a:prstGeom>
+        </p:spPr>
+      </p:pic>
+      <p:sp>
+        <p:nvSpPr>
+          <p:cNvPr id="7" name="TextBox 6">
+            <a:extLst>
+              <a:ext uri="{FF2B5EF4-FFF2-40B4-BE49-F238E27FC236}">
+                <a16:creationId xmlns:a16="http://schemas.microsoft.com/office/drawing/2014/main" id="{C2F952B3-EE6D-3680-6441-83B22CD1E88F}"/>
+              </a:ext>
+            </a:extLst>
+          </p:cNvPr>
+          <p:cNvSpPr txBox="1"/>
+          <p:nvPr/>
+        </p:nvSpPr>
+        <p:spPr>
+          <a:xfrm>
+            <a:off x="324236" y="3045845"/>
+            <a:ext cx="1416844" cy="215444"/>
+          </a:xfrm>
+          <a:prstGeom prst="rect">
+            <a:avLst/>
+          </a:prstGeom>
+          <a:noFill/>
+          <a:ln>
+            <a:noFill/>
+          </a:ln>
+        </p:spPr>
+        <p:txBody>
+          <a:bodyPr wrap="square" rtlCol="0">
+            <a:spAutoFit/>
+          </a:bodyPr>
+          <a:lstStyle/>
+          <a:p>
+            <a:r>
+              <a:rPr lang="en-US" sz="800" dirty="0"/>
+              <a:t>Field Voltage Drop</a:t>
+            </a:r>
+          </a:p>
+        </p:txBody>
+      </p:sp>
+      <p:sp>
+        <p:nvSpPr>
+          <p:cNvPr id="8" name="TextBox 7">
+            <a:extLst>
+              <a:ext uri="{FF2B5EF4-FFF2-40B4-BE49-F238E27FC236}">
+                <a16:creationId xmlns:a16="http://schemas.microsoft.com/office/drawing/2014/main" id="{C3B34D35-EA1F-352C-C7C7-4159B8E766E0}"/>
+              </a:ext>
+            </a:extLst>
+          </p:cNvPr>
+          <p:cNvSpPr txBox="1"/>
+          <p:nvPr/>
+        </p:nvSpPr>
+        <p:spPr>
+          <a:xfrm>
+            <a:off x="704574" y="2517840"/>
+            <a:ext cx="1349903" cy="215444"/>
+          </a:xfrm>
+          <a:prstGeom prst="rect">
+            <a:avLst/>
+          </a:prstGeom>
+          <a:noFill/>
+          <a:ln>
+            <a:noFill/>
+          </a:ln>
+        </p:spPr>
+        <p:txBody>
+          <a:bodyPr wrap="square" rtlCol="0">
+            <a:spAutoFit/>
+          </a:bodyPr>
+          <a:lstStyle/>
+          <a:p>
+            <a:pPr algn="r"/>
+            <a:r>
+              <a:rPr lang="en-US" sz="800" dirty="0"/>
+              <a:t>System Current</a:t>
+            </a:r>
+          </a:p>
+        </p:txBody>
+      </p:sp>
+      <p:sp>
+        <p:nvSpPr>
+          <p:cNvPr id="9" name="TextBox 8">
+            <a:extLst>
+              <a:ext uri="{FF2B5EF4-FFF2-40B4-BE49-F238E27FC236}">
+                <a16:creationId xmlns:a16="http://schemas.microsoft.com/office/drawing/2014/main" id="{FD45A8F1-4571-414C-FF6D-F604EBD4D3D2}"/>
+              </a:ext>
+            </a:extLst>
+          </p:cNvPr>
+          <p:cNvSpPr txBox="1"/>
+          <p:nvPr/>
+        </p:nvSpPr>
+        <p:spPr>
+          <a:xfrm>
+            <a:off x="324236" y="1989835"/>
+            <a:ext cx="1704975" cy="215444"/>
+          </a:xfrm>
+          <a:prstGeom prst="rect">
+            <a:avLst/>
+          </a:prstGeom>
+          <a:noFill/>
+          <a:ln>
+            <a:noFill/>
+          </a:ln>
+        </p:spPr>
+        <p:txBody>
+          <a:bodyPr wrap="square" rtlCol="0">
+            <a:spAutoFit/>
+          </a:bodyPr>
+          <a:lstStyle/>
+          <a:p>
+            <a:r>
+              <a:rPr lang="en-US" sz="800" dirty="0"/>
+              <a:t>Field Section Currents</a:t>
+            </a:r>
+          </a:p>
+        </p:txBody>
+      </p:sp>
+      <p:sp>
+        <p:nvSpPr>
+          <p:cNvPr id="10" name="TextBox 9">
+            <a:extLst>
+              <a:ext uri="{FF2B5EF4-FFF2-40B4-BE49-F238E27FC236}">
+                <a16:creationId xmlns:a16="http://schemas.microsoft.com/office/drawing/2014/main" id="{44FE43AA-07F5-1FC3-7A9D-3DC43D2F8873}"/>
+              </a:ext>
+            </a:extLst>
+          </p:cNvPr>
+          <p:cNvSpPr txBox="1"/>
+          <p:nvPr/>
+        </p:nvSpPr>
+        <p:spPr>
+          <a:xfrm>
+            <a:off x="324236" y="1461830"/>
+            <a:ext cx="1704975" cy="215444"/>
+          </a:xfrm>
+          <a:prstGeom prst="rect">
+            <a:avLst/>
+          </a:prstGeom>
+          <a:noFill/>
+          <a:ln>
+            <a:noFill/>
+          </a:ln>
+        </p:spPr>
+        <p:txBody>
+          <a:bodyPr wrap="square" rtlCol="0">
+            <a:spAutoFit/>
+          </a:bodyPr>
+          <a:lstStyle/>
+          <a:p>
+            <a:r>
+              <a:rPr lang="en-US" sz="800" dirty="0"/>
+              <a:t>Number of Static Rings per Area</a:t>
+            </a:r>
+          </a:p>
+        </p:txBody>
+      </p:sp>
+      <p:sp>
+        <p:nvSpPr>
+          <p:cNvPr id="11" name="TextBox 10">
+            <a:extLst>
+              <a:ext uri="{FF2B5EF4-FFF2-40B4-BE49-F238E27FC236}">
+                <a16:creationId xmlns:a16="http://schemas.microsoft.com/office/drawing/2014/main" id="{E5699AAB-9C58-CB4D-95B8-8F47A81EB6C6}"/>
+              </a:ext>
+            </a:extLst>
+          </p:cNvPr>
+          <p:cNvSpPr txBox="1"/>
+          <p:nvPr/>
+        </p:nvSpPr>
+        <p:spPr>
+          <a:xfrm>
+            <a:off x="1176724" y="933825"/>
+            <a:ext cx="900362" cy="215444"/>
+          </a:xfrm>
+          <a:prstGeom prst="rect">
+            <a:avLst/>
+          </a:prstGeom>
+          <a:noFill/>
+          <a:ln>
+            <a:noFill/>
+          </a:ln>
+        </p:spPr>
+        <p:txBody>
+          <a:bodyPr wrap="square" rtlCol="0">
+            <a:spAutoFit/>
+          </a:bodyPr>
+          <a:lstStyle/>
+          <a:p>
+            <a:r>
+              <a:rPr lang="en-US" sz="800" dirty="0"/>
+              <a:t>Resistor Value</a:t>
+            </a:r>
+          </a:p>
+        </p:txBody>
+      </p:sp>
+      <p:sp>
+        <p:nvSpPr>
+          <p:cNvPr id="12" name="TextBox 11">
+            <a:extLst>
+              <a:ext uri="{FF2B5EF4-FFF2-40B4-BE49-F238E27FC236}">
+                <a16:creationId xmlns:a16="http://schemas.microsoft.com/office/drawing/2014/main" id="{741828AE-4F81-B6AC-524F-BAA57A23BDD9}"/>
+              </a:ext>
+            </a:extLst>
+          </p:cNvPr>
+          <p:cNvSpPr txBox="1"/>
+          <p:nvPr/>
+        </p:nvSpPr>
+        <p:spPr>
+          <a:xfrm>
+            <a:off x="327157" y="933825"/>
+            <a:ext cx="842964" cy="215444"/>
+          </a:xfrm>
+          <a:prstGeom prst="rect">
+            <a:avLst/>
+          </a:prstGeom>
+          <a:noFill/>
+          <a:ln>
+            <a:noFill/>
+          </a:ln>
+        </p:spPr>
+        <p:txBody>
+          <a:bodyPr wrap="square" rtlCol="0">
+            <a:spAutoFit/>
+          </a:bodyPr>
+          <a:lstStyle/>
+          <a:p>
+            <a:r>
+              <a:rPr lang="en-US" sz="800" dirty="0"/>
+              <a:t>Voltage In</a:t>
+            </a:r>
+          </a:p>
+        </p:txBody>
+      </p:sp>
+      <p:sp>
+        <p:nvSpPr>
+          <p:cNvPr id="13" name="TextBox 12">
+            <a:extLst>
+              <a:ext uri="{FF2B5EF4-FFF2-40B4-BE49-F238E27FC236}">
+                <a16:creationId xmlns:a16="http://schemas.microsoft.com/office/drawing/2014/main" id="{778FC659-F893-3C1A-CE09-18AFDDA3F9AF}"/>
+              </a:ext>
+            </a:extLst>
+          </p:cNvPr>
+          <p:cNvSpPr txBox="1"/>
+          <p:nvPr/>
+        </p:nvSpPr>
+        <p:spPr>
+          <a:xfrm>
+            <a:off x="2195890" y="3568232"/>
+            <a:ext cx="1416844" cy="215444"/>
+          </a:xfrm>
+          <a:prstGeom prst="rect">
+            <a:avLst/>
+          </a:prstGeom>
+          <a:noFill/>
+          <a:ln>
+            <a:noFill/>
+          </a:ln>
+        </p:spPr>
+        <p:txBody>
+          <a:bodyPr wrap="square" rtlCol="0">
+            <a:spAutoFit/>
+          </a:bodyPr>
+          <a:lstStyle/>
+          <a:p>
+            <a:r>
+              <a:rPr lang="en-US" sz="800" dirty="0"/>
+              <a:t>Ring Bias</a:t>
             </a:r>
           </a:p>
         </p:txBody>

--- a/z.ReadMeAssets/UTAH Github.pptx
+++ b/z.ReadMeAssets/UTAH Github.pptx
@@ -202,7 +202,7 @@
           <a:p>
             <a:fld id="{04582CF4-A7C7-40D5-AF5D-0DB3FDDFD596}" type="datetimeFigureOut">
               <a:rPr lang="en-US" smtClean="0"/>
-              <a:t>9/10/2024</a:t>
+              <a:t>9/13/2024</a:t>
             </a:fld>
             <a:endParaRPr lang="en-US"/>
           </a:p>
@@ -784,7 +784,7 @@
           <a:p>
             <a:fld id="{4879A2FE-3A6A-4805-8D33-C34102DAAEDC}" type="datetimeFigureOut">
               <a:rPr lang="en-US" smtClean="0"/>
-              <a:t>9/10/2024</a:t>
+              <a:t>9/13/2024</a:t>
             </a:fld>
             <a:endParaRPr lang="en-US"/>
           </a:p>
@@ -982,7 +982,7 @@
           <a:p>
             <a:fld id="{4879A2FE-3A6A-4805-8D33-C34102DAAEDC}" type="datetimeFigureOut">
               <a:rPr lang="en-US" smtClean="0"/>
-              <a:t>9/10/2024</a:t>
+              <a:t>9/13/2024</a:t>
             </a:fld>
             <a:endParaRPr lang="en-US"/>
           </a:p>
@@ -1190,7 +1190,7 @@
           <a:p>
             <a:fld id="{4879A2FE-3A6A-4805-8D33-C34102DAAEDC}" type="datetimeFigureOut">
               <a:rPr lang="en-US" smtClean="0"/>
-              <a:t>9/10/2024</a:t>
+              <a:t>9/13/2024</a:t>
             </a:fld>
             <a:endParaRPr lang="en-US"/>
           </a:p>
@@ -1388,7 +1388,7 @@
           <a:p>
             <a:fld id="{4879A2FE-3A6A-4805-8D33-C34102DAAEDC}" type="datetimeFigureOut">
               <a:rPr lang="en-US" smtClean="0"/>
-              <a:t>9/10/2024</a:t>
+              <a:t>9/13/2024</a:t>
             </a:fld>
             <a:endParaRPr lang="en-US"/>
           </a:p>
@@ -1663,7 +1663,7 @@
           <a:p>
             <a:fld id="{4879A2FE-3A6A-4805-8D33-C34102DAAEDC}" type="datetimeFigureOut">
               <a:rPr lang="en-US" smtClean="0"/>
-              <a:t>9/10/2024</a:t>
+              <a:t>9/13/2024</a:t>
             </a:fld>
             <a:endParaRPr lang="en-US"/>
           </a:p>
@@ -1928,7 +1928,7 @@
           <a:p>
             <a:fld id="{4879A2FE-3A6A-4805-8D33-C34102DAAEDC}" type="datetimeFigureOut">
               <a:rPr lang="en-US" smtClean="0"/>
-              <a:t>9/10/2024</a:t>
+              <a:t>9/13/2024</a:t>
             </a:fld>
             <a:endParaRPr lang="en-US"/>
           </a:p>
@@ -2340,7 +2340,7 @@
           <a:p>
             <a:fld id="{4879A2FE-3A6A-4805-8D33-C34102DAAEDC}" type="datetimeFigureOut">
               <a:rPr lang="en-US" smtClean="0"/>
-              <a:t>9/10/2024</a:t>
+              <a:t>9/13/2024</a:t>
             </a:fld>
             <a:endParaRPr lang="en-US"/>
           </a:p>
@@ -2481,7 +2481,7 @@
           <a:p>
             <a:fld id="{4879A2FE-3A6A-4805-8D33-C34102DAAEDC}" type="datetimeFigureOut">
               <a:rPr lang="en-US" smtClean="0"/>
-              <a:t>9/10/2024</a:t>
+              <a:t>9/13/2024</a:t>
             </a:fld>
             <a:endParaRPr lang="en-US"/>
           </a:p>
@@ -2594,7 +2594,7 @@
           <a:p>
             <a:fld id="{4879A2FE-3A6A-4805-8D33-C34102DAAEDC}" type="datetimeFigureOut">
               <a:rPr lang="en-US" smtClean="0"/>
-              <a:t>9/10/2024</a:t>
+              <a:t>9/13/2024</a:t>
             </a:fld>
             <a:endParaRPr lang="en-US"/>
           </a:p>
@@ -2905,7 +2905,7 @@
           <a:p>
             <a:fld id="{4879A2FE-3A6A-4805-8D33-C34102DAAEDC}" type="datetimeFigureOut">
               <a:rPr lang="en-US" smtClean="0"/>
-              <a:t>9/10/2024</a:t>
+              <a:t>9/13/2024</a:t>
             </a:fld>
             <a:endParaRPr lang="en-US"/>
           </a:p>
@@ -3193,7 +3193,7 @@
           <a:p>
             <a:fld id="{4879A2FE-3A6A-4805-8D33-C34102DAAEDC}" type="datetimeFigureOut">
               <a:rPr lang="en-US" smtClean="0"/>
-              <a:t>9/10/2024</a:t>
+              <a:t>9/13/2024</a:t>
             </a:fld>
             <a:endParaRPr lang="en-US"/>
           </a:p>
@@ -3434,7 +3434,7 @@
           <a:p>
             <a:fld id="{4879A2FE-3A6A-4805-8D33-C34102DAAEDC}" type="datetimeFigureOut">
               <a:rPr lang="en-US" smtClean="0"/>
-              <a:t>9/10/2024</a:t>
+              <a:t>9/13/2024</a:t>
             </a:fld>
             <a:endParaRPr lang="en-US"/>
           </a:p>
@@ -8150,8 +8150,8 @@
         </p:nvSpPr>
         <p:spPr>
           <a:xfrm>
-            <a:off x="3908425" y="4680864"/>
-            <a:ext cx="4375150" cy="369332"/>
+            <a:off x="3810733" y="4632554"/>
+            <a:ext cx="4570532" cy="369332"/>
           </a:xfrm>
           <a:prstGeom prst="rect">
             <a:avLst/>
@@ -8177,8 +8177,8 @@
           </a:p>
         </p:txBody>
       </p:sp>
-      <mc:AlternateContent xmlns:mc="http://schemas.openxmlformats.org/markup-compatibility/2006" xmlns:a14="http://schemas.microsoft.com/office/drawing/2010/main">
-        <mc:Choice Requires="a14">
+      <mc:AlternateContent xmlns:mc="http://schemas.openxmlformats.org/markup-compatibility/2006">
+        <mc:Choice xmlns:a14="http://schemas.microsoft.com/office/drawing/2010/main" Requires="a14">
           <p:sp>
             <p:nvSpPr>
               <p:cNvPr id="27" name="TextBox 26">
@@ -8193,7 +8193,7 @@
             </p:nvSpPr>
             <p:spPr>
               <a:xfrm>
-                <a:off x="873394" y="5528985"/>
+                <a:off x="854344" y="5528985"/>
                 <a:ext cx="2757101" cy="276999"/>
               </a:xfrm>
               <a:prstGeom prst="rect">
@@ -8282,7 +8282,7 @@
             </p:txBody>
           </p:sp>
         </mc:Choice>
-        <mc:Fallback xmlns="">
+        <mc:Fallback>
           <p:sp>
             <p:nvSpPr>
               <p:cNvPr id="27" name="TextBox 26">
@@ -8299,7 +8299,7 @@
             </p:nvSpPr>
             <p:spPr>
               <a:xfrm>
-                <a:off x="873394" y="5528985"/>
+                <a:off x="854344" y="5528985"/>
                 <a:ext cx="2757101" cy="276999"/>
               </a:xfrm>
               <a:prstGeom prst="rect">
@@ -8308,7 +8308,7 @@
               <a:blipFill>
                 <a:blip r:embed="rId4"/>
                 <a:stretch>
-                  <a:fillRect l="-2870" r="-442" b="-11111"/>
+                  <a:fillRect l="-2876" r="-664" b="-11111"/>
                 </a:stretch>
               </a:blipFill>
             </p:spPr>
@@ -8696,8 +8696,8 @@
           </p:sp>
         </mc:Fallback>
       </mc:AlternateContent>
-      <mc:AlternateContent xmlns:mc="http://schemas.openxmlformats.org/markup-compatibility/2006" xmlns:a14="http://schemas.microsoft.com/office/drawing/2010/main">
-        <mc:Choice Requires="a14">
+      <mc:AlternateContent xmlns:mc="http://schemas.openxmlformats.org/markup-compatibility/2006">
+        <mc:Choice xmlns:a14="http://schemas.microsoft.com/office/drawing/2010/main" Requires="a14">
           <p:sp>
             <p:nvSpPr>
               <p:cNvPr id="31" name="TextBox 30">
@@ -8712,7 +8712,7 @@
             </p:nvSpPr>
             <p:spPr>
               <a:xfrm>
-                <a:off x="3990975" y="5561355"/>
+                <a:off x="3889234" y="5517091"/>
                 <a:ext cx="1732910" cy="567720"/>
               </a:xfrm>
               <a:prstGeom prst="rect">
@@ -8809,7 +8809,7 @@
             </p:txBody>
           </p:sp>
         </mc:Choice>
-        <mc:Fallback xmlns="">
+        <mc:Fallback>
           <p:sp>
             <p:nvSpPr>
               <p:cNvPr id="31" name="TextBox 30">
@@ -8826,7 +8826,7 @@
             </p:nvSpPr>
             <p:spPr>
               <a:xfrm>
-                <a:off x="3990975" y="5561355"/>
+                <a:off x="3889234" y="5517091"/>
                 <a:ext cx="1732910" cy="567720"/>
               </a:xfrm>
               <a:prstGeom prst="rect">
@@ -8854,8 +8854,8 @@
           </p:sp>
         </mc:Fallback>
       </mc:AlternateContent>
-      <mc:AlternateContent xmlns:mc="http://schemas.openxmlformats.org/markup-compatibility/2006" xmlns:a14="http://schemas.microsoft.com/office/drawing/2010/main">
-        <mc:Choice Requires="a14">
+      <mc:AlternateContent xmlns:mc="http://schemas.openxmlformats.org/markup-compatibility/2006">
+        <mc:Choice xmlns:a14="http://schemas.microsoft.com/office/drawing/2010/main" Requires="a14">
           <p:sp>
             <p:nvSpPr>
               <p:cNvPr id="32" name="TextBox 31">
@@ -8870,7 +8870,7 @@
             </p:nvSpPr>
             <p:spPr>
               <a:xfrm>
-                <a:off x="3990975" y="6190057"/>
+                <a:off x="3889234" y="6159356"/>
                 <a:ext cx="1698414" cy="567720"/>
               </a:xfrm>
               <a:prstGeom prst="rect">
@@ -8979,7 +8979,7 @@
             </p:txBody>
           </p:sp>
         </mc:Choice>
-        <mc:Fallback xmlns="">
+        <mc:Fallback>
           <p:sp>
             <p:nvSpPr>
               <p:cNvPr id="32" name="TextBox 31">
@@ -8996,7 +8996,7 @@
             </p:nvSpPr>
             <p:spPr>
               <a:xfrm>
-                <a:off x="3990975" y="6190057"/>
+                <a:off x="3889234" y="6159356"/>
                 <a:ext cx="1698414" cy="567720"/>
               </a:xfrm>
               <a:prstGeom prst="rect">
@@ -9079,7 +9079,7 @@
         </p:nvSpPr>
         <p:spPr>
           <a:xfrm>
-            <a:off x="3990975" y="5116763"/>
+            <a:off x="3810733" y="5116760"/>
             <a:ext cx="1634856" cy="307777"/>
           </a:xfrm>
           <a:prstGeom prst="rect">
@@ -9147,8 +9147,8 @@
           </a:p>
         </p:txBody>
       </p:sp>
-      <mc:AlternateContent xmlns:mc="http://schemas.openxmlformats.org/markup-compatibility/2006" xmlns:a14="http://schemas.microsoft.com/office/drawing/2010/main">
-        <mc:Choice Requires="a14">
+      <mc:AlternateContent xmlns:mc="http://schemas.openxmlformats.org/markup-compatibility/2006">
+        <mc:Choice xmlns:a14="http://schemas.microsoft.com/office/drawing/2010/main" Requires="a14">
           <p:sp>
             <p:nvSpPr>
               <p:cNvPr id="36" name="TextBox 35">
@@ -9163,7 +9163,7 @@
             </p:nvSpPr>
             <p:spPr>
               <a:xfrm>
-                <a:off x="6595117" y="5685047"/>
+                <a:off x="6393051" y="5630348"/>
                 <a:ext cx="2035301" cy="299249"/>
               </a:xfrm>
               <a:prstGeom prst="rect">
@@ -9257,7 +9257,7 @@
             </p:txBody>
           </p:sp>
         </mc:Choice>
-        <mc:Fallback xmlns="">
+        <mc:Fallback>
           <p:sp>
             <p:nvSpPr>
               <p:cNvPr id="36" name="TextBox 35">
@@ -9274,7 +9274,7 @@
             </p:nvSpPr>
             <p:spPr>
               <a:xfrm>
-                <a:off x="6595117" y="5685047"/>
+                <a:off x="6393051" y="5630348"/>
                 <a:ext cx="2035301" cy="299249"/>
               </a:xfrm>
               <a:prstGeom prst="rect">
@@ -9302,8 +9302,8 @@
           </p:sp>
         </mc:Fallback>
       </mc:AlternateContent>
-      <mc:AlternateContent xmlns:mc="http://schemas.openxmlformats.org/markup-compatibility/2006" xmlns:a14="http://schemas.microsoft.com/office/drawing/2010/main">
-        <mc:Choice Requires="a14">
+      <mc:AlternateContent xmlns:mc="http://schemas.openxmlformats.org/markup-compatibility/2006">
+        <mc:Choice xmlns:a14="http://schemas.microsoft.com/office/drawing/2010/main" Requires="a14">
           <p:sp>
             <p:nvSpPr>
               <p:cNvPr id="37" name="TextBox 36">
@@ -9318,7 +9318,7 @@
             </p:nvSpPr>
             <p:spPr>
               <a:xfrm>
-                <a:off x="6595117" y="6326852"/>
+                <a:off x="6393051" y="6278842"/>
                 <a:ext cx="1872564" cy="299249"/>
               </a:xfrm>
               <a:prstGeom prst="rect">
@@ -9412,7 +9412,7 @@
             </p:txBody>
           </p:sp>
         </mc:Choice>
-        <mc:Fallback xmlns="">
+        <mc:Fallback>
           <p:sp>
             <p:nvSpPr>
               <p:cNvPr id="37" name="TextBox 36">
@@ -9429,7 +9429,7 @@
             </p:nvSpPr>
             <p:spPr>
               <a:xfrm>
-                <a:off x="6595117" y="6326852"/>
+                <a:off x="6393051" y="6278842"/>
                 <a:ext cx="1872564" cy="299249"/>
               </a:xfrm>
               <a:prstGeom prst="rect">
@@ -9498,8 +9498,8 @@
           </a:p>
         </p:txBody>
       </p:sp>
-      <mc:AlternateContent xmlns:mc="http://schemas.openxmlformats.org/markup-compatibility/2006" xmlns:a14="http://schemas.microsoft.com/office/drawing/2010/main">
-        <mc:Choice Requires="a14">
+      <mc:AlternateContent xmlns:mc="http://schemas.openxmlformats.org/markup-compatibility/2006">
+        <mc:Choice xmlns:a14="http://schemas.microsoft.com/office/drawing/2010/main" Requires="a14">
           <p:sp>
             <p:nvSpPr>
               <p:cNvPr id="39" name="TextBox 38">
@@ -9514,7 +9514,7 @@
             </p:nvSpPr>
             <p:spPr>
               <a:xfrm>
-                <a:off x="9199259" y="5549832"/>
+                <a:off x="9199259" y="5528985"/>
                 <a:ext cx="1816716" cy="524631"/>
               </a:xfrm>
               <a:prstGeom prst="rect">
@@ -9618,7 +9618,7 @@
             </p:txBody>
           </p:sp>
         </mc:Choice>
-        <mc:Fallback xmlns="">
+        <mc:Fallback>
           <p:sp>
             <p:nvSpPr>
               <p:cNvPr id="39" name="TextBox 38">
@@ -9635,7 +9635,7 @@
             </p:nvSpPr>
             <p:spPr>
               <a:xfrm>
-                <a:off x="9199259" y="5549832"/>
+                <a:off x="9199259" y="5528985"/>
                 <a:ext cx="1816716" cy="524631"/>
               </a:xfrm>
               <a:prstGeom prst="rect">
@@ -9679,8 +9679,8 @@
             </p:nvSpPr>
             <p:spPr>
               <a:xfrm>
-                <a:off x="9208255" y="6178406"/>
-                <a:ext cx="1486241" cy="526619"/>
+                <a:off x="9199259" y="6158063"/>
+                <a:ext cx="1491242" cy="526491"/>
               </a:xfrm>
               <a:prstGeom prst="rect">
                 <a:avLst/>
@@ -9740,12 +9740,31 @@
                           </m:ctrlPr>
                         </m:fPr>
                         <m:num>
-                          <m:r>
-                            <a:rPr lang="en-US" b="0" i="1" smtClean="0">
-                              <a:latin typeface="Cambria Math" panose="02040503050406030204" pitchFamily="18" charset="0"/>
-                            </a:rPr>
-                            <m:t>𝐷𝑟𝑖𝑓𝑡</m:t>
-                          </m:r>
+                          <m:sSub>
+                            <m:sSubPr>
+                              <m:ctrlPr>
+                                <a:rPr lang="en-US" i="1">
+                                  <a:latin typeface="Cambria Math" panose="02040503050406030204" pitchFamily="18" charset="0"/>
+                                </a:rPr>
+                              </m:ctrlPr>
+                            </m:sSubPr>
+                            <m:e>
+                              <m:r>
+                                <a:rPr lang="en-US" i="1">
+                                  <a:latin typeface="Cambria Math" panose="02040503050406030204" pitchFamily="18" charset="0"/>
+                                </a:rPr>
+                                <m:t>𝑉</m:t>
+                              </m:r>
+                            </m:e>
+                            <m:sub>
+                              <m:r>
+                                <a:rPr lang="en-US" b="0" i="1" smtClean="0">
+                                  <a:latin typeface="Cambria Math" panose="02040503050406030204" pitchFamily="18" charset="0"/>
+                                </a:rPr>
+                                <m:t>𝐷𝑟𝑖𝑓𝑡</m:t>
+                              </m:r>
+                            </m:sub>
+                          </m:sSub>
                         </m:num>
                         <m:den>
                           <m:r>
@@ -9781,8 +9800,8 @@
             </p:nvSpPr>
             <p:spPr>
               <a:xfrm>
-                <a:off x="9208255" y="6178406"/>
-                <a:ext cx="1486241" cy="526619"/>
+                <a:off x="9199259" y="6158063"/>
+                <a:ext cx="1491242" cy="526491"/>
               </a:xfrm>
               <a:prstGeom prst="rect">
                 <a:avLst/>
@@ -9892,7 +9911,7 @@
         </p:nvSpPr>
         <p:spPr>
           <a:xfrm>
-            <a:off x="450484" y="185752"/>
+            <a:off x="310784" y="185752"/>
             <a:ext cx="1934070" cy="307777"/>
           </a:xfrm>
           <a:prstGeom prst="rect">
@@ -9933,7 +9952,7 @@
         </p:nvSpPr>
         <p:spPr>
           <a:xfrm>
-            <a:off x="3672044" y="218962"/>
+            <a:off x="3532344" y="218962"/>
             <a:ext cx="2349619" cy="307777"/>
           </a:xfrm>
           <a:prstGeom prst="rect">
@@ -10343,7 +10362,7 @@
         </p:nvCxnSpPr>
         <p:spPr>
           <a:xfrm>
-            <a:off x="3352800" y="1068118"/>
+            <a:off x="3213100" y="1068118"/>
             <a:ext cx="0" cy="4456382"/>
           </a:xfrm>
           <a:prstGeom prst="line">
@@ -10380,7 +10399,7 @@
         </p:nvSpPr>
         <p:spPr>
           <a:xfrm>
-            <a:off x="408663" y="4192023"/>
+            <a:off x="268963" y="4192023"/>
             <a:ext cx="2600379" cy="954107"/>
           </a:xfrm>
           <a:prstGeom prst="rect">
@@ -10426,7 +10445,7 @@
         </p:blipFill>
         <p:spPr>
           <a:xfrm rot="10800000">
-            <a:off x="3509955" y="621696"/>
+            <a:off x="3370255" y="621696"/>
             <a:ext cx="3600728" cy="5813882"/>
           </a:xfrm>
           <a:prstGeom prst="rect">
@@ -10455,7 +10474,7 @@
         </p:blipFill>
         <p:spPr>
           <a:xfrm>
-            <a:off x="7127102" y="526739"/>
+            <a:off x="6987402" y="526739"/>
             <a:ext cx="669210" cy="5941758"/>
           </a:xfrm>
           <a:prstGeom prst="rect">
@@ -11516,7 +11535,7 @@
         </p:blipFill>
         <p:spPr>
           <a:xfrm>
-            <a:off x="372111" y="575738"/>
+            <a:off x="232411" y="575738"/>
             <a:ext cx="2863835" cy="3159425"/>
           </a:xfrm>
           <a:prstGeom prst="rect">
@@ -11538,7 +11557,7 @@
         </p:nvSpPr>
         <p:spPr>
           <a:xfrm>
-            <a:off x="324236" y="3045845"/>
+            <a:off x="184536" y="3045845"/>
             <a:ext cx="1416844" cy="215444"/>
           </a:xfrm>
           <a:prstGeom prst="rect">
@@ -11576,7 +11595,7 @@
         </p:nvSpPr>
         <p:spPr>
           <a:xfrm>
-            <a:off x="704574" y="2517840"/>
+            <a:off x="564874" y="2517840"/>
             <a:ext cx="1349903" cy="215444"/>
           </a:xfrm>
           <a:prstGeom prst="rect">
@@ -11615,7 +11634,7 @@
         </p:nvSpPr>
         <p:spPr>
           <a:xfrm>
-            <a:off x="324236" y="1989835"/>
+            <a:off x="184536" y="1989835"/>
             <a:ext cx="1704975" cy="215444"/>
           </a:xfrm>
           <a:prstGeom prst="rect">
@@ -11653,7 +11672,7 @@
         </p:nvSpPr>
         <p:spPr>
           <a:xfrm>
-            <a:off x="324236" y="1461830"/>
+            <a:off x="184536" y="1461830"/>
             <a:ext cx="1704975" cy="215444"/>
           </a:xfrm>
           <a:prstGeom prst="rect">
@@ -11691,7 +11710,7 @@
         </p:nvSpPr>
         <p:spPr>
           <a:xfrm>
-            <a:off x="1176724" y="933825"/>
+            <a:off x="1037024" y="933825"/>
             <a:ext cx="900362" cy="215444"/>
           </a:xfrm>
           <a:prstGeom prst="rect">
@@ -11729,7 +11748,7 @@
         </p:nvSpPr>
         <p:spPr>
           <a:xfrm>
-            <a:off x="327157" y="933825"/>
+            <a:off x="187457" y="933825"/>
             <a:ext cx="842964" cy="215444"/>
           </a:xfrm>
           <a:prstGeom prst="rect">
@@ -11767,7 +11786,7 @@
         </p:nvSpPr>
         <p:spPr>
           <a:xfrm>
-            <a:off x="2195890" y="3568232"/>
+            <a:off x="2056190" y="3568232"/>
             <a:ext cx="1416844" cy="215444"/>
           </a:xfrm>
           <a:prstGeom prst="rect">

--- a/z.ReadMeAssets/UTAH Github.pptx
+++ b/z.ReadMeAssets/UTAH Github.pptx
@@ -5,7 +5,7 @@
     <p:sldMasterId id="2147483648" r:id="rId1"/>
   </p:sldMasterIdLst>
   <p:notesMasterIdLst>
-    <p:notesMasterId r:id="rId8"/>
+    <p:notesMasterId r:id="rId9"/>
   </p:notesMasterIdLst>
   <p:sldIdLst>
     <p:sldId id="256" r:id="rId2"/>
@@ -14,6 +14,7 @@
     <p:sldId id="261" r:id="rId5"/>
     <p:sldId id="258" r:id="rId6"/>
     <p:sldId id="260" r:id="rId7"/>
+    <p:sldId id="262" r:id="rId8"/>
   </p:sldIdLst>
   <p:sldSz cx="12192000" cy="6858000"/>
   <p:notesSz cx="6858000" cy="9144000"/>
@@ -202,7 +203,7 @@
           <a:p>
             <a:fld id="{04582CF4-A7C7-40D5-AF5D-0DB3FDDFD596}" type="datetimeFigureOut">
               <a:rPr lang="en-US" smtClean="0"/>
-              <a:t>9/13/2024</a:t>
+              <a:t>9/14/2024</a:t>
             </a:fld>
             <a:endParaRPr lang="en-US"/>
           </a:p>
@@ -784,7 +785,7 @@
           <a:p>
             <a:fld id="{4879A2FE-3A6A-4805-8D33-C34102DAAEDC}" type="datetimeFigureOut">
               <a:rPr lang="en-US" smtClean="0"/>
-              <a:t>9/13/2024</a:t>
+              <a:t>9/14/2024</a:t>
             </a:fld>
             <a:endParaRPr lang="en-US"/>
           </a:p>
@@ -982,7 +983,7 @@
           <a:p>
             <a:fld id="{4879A2FE-3A6A-4805-8D33-C34102DAAEDC}" type="datetimeFigureOut">
               <a:rPr lang="en-US" smtClean="0"/>
-              <a:t>9/13/2024</a:t>
+              <a:t>9/14/2024</a:t>
             </a:fld>
             <a:endParaRPr lang="en-US"/>
           </a:p>
@@ -1190,7 +1191,7 @@
           <a:p>
             <a:fld id="{4879A2FE-3A6A-4805-8D33-C34102DAAEDC}" type="datetimeFigureOut">
               <a:rPr lang="en-US" smtClean="0"/>
-              <a:t>9/13/2024</a:t>
+              <a:t>9/14/2024</a:t>
             </a:fld>
             <a:endParaRPr lang="en-US"/>
           </a:p>
@@ -1388,7 +1389,7 @@
           <a:p>
             <a:fld id="{4879A2FE-3A6A-4805-8D33-C34102DAAEDC}" type="datetimeFigureOut">
               <a:rPr lang="en-US" smtClean="0"/>
-              <a:t>9/13/2024</a:t>
+              <a:t>9/14/2024</a:t>
             </a:fld>
             <a:endParaRPr lang="en-US"/>
           </a:p>
@@ -1663,7 +1664,7 @@
           <a:p>
             <a:fld id="{4879A2FE-3A6A-4805-8D33-C34102DAAEDC}" type="datetimeFigureOut">
               <a:rPr lang="en-US" smtClean="0"/>
-              <a:t>9/13/2024</a:t>
+              <a:t>9/14/2024</a:t>
             </a:fld>
             <a:endParaRPr lang="en-US"/>
           </a:p>
@@ -1928,7 +1929,7 @@
           <a:p>
             <a:fld id="{4879A2FE-3A6A-4805-8D33-C34102DAAEDC}" type="datetimeFigureOut">
               <a:rPr lang="en-US" smtClean="0"/>
-              <a:t>9/13/2024</a:t>
+              <a:t>9/14/2024</a:t>
             </a:fld>
             <a:endParaRPr lang="en-US"/>
           </a:p>
@@ -2340,7 +2341,7 @@
           <a:p>
             <a:fld id="{4879A2FE-3A6A-4805-8D33-C34102DAAEDC}" type="datetimeFigureOut">
               <a:rPr lang="en-US" smtClean="0"/>
-              <a:t>9/13/2024</a:t>
+              <a:t>9/14/2024</a:t>
             </a:fld>
             <a:endParaRPr lang="en-US"/>
           </a:p>
@@ -2481,7 +2482,7 @@
           <a:p>
             <a:fld id="{4879A2FE-3A6A-4805-8D33-C34102DAAEDC}" type="datetimeFigureOut">
               <a:rPr lang="en-US" smtClean="0"/>
-              <a:t>9/13/2024</a:t>
+              <a:t>9/14/2024</a:t>
             </a:fld>
             <a:endParaRPr lang="en-US"/>
           </a:p>
@@ -2594,7 +2595,7 @@
           <a:p>
             <a:fld id="{4879A2FE-3A6A-4805-8D33-C34102DAAEDC}" type="datetimeFigureOut">
               <a:rPr lang="en-US" smtClean="0"/>
-              <a:t>9/13/2024</a:t>
+              <a:t>9/14/2024</a:t>
             </a:fld>
             <a:endParaRPr lang="en-US"/>
           </a:p>
@@ -2905,7 +2906,7 @@
           <a:p>
             <a:fld id="{4879A2FE-3A6A-4805-8D33-C34102DAAEDC}" type="datetimeFigureOut">
               <a:rPr lang="en-US" smtClean="0"/>
-              <a:t>9/13/2024</a:t>
+              <a:t>9/14/2024</a:t>
             </a:fld>
             <a:endParaRPr lang="en-US"/>
           </a:p>
@@ -3193,7 +3194,7 @@
           <a:p>
             <a:fld id="{4879A2FE-3A6A-4805-8D33-C34102DAAEDC}" type="datetimeFigureOut">
               <a:rPr lang="en-US" smtClean="0"/>
-              <a:t>9/13/2024</a:t>
+              <a:t>9/14/2024</a:t>
             </a:fld>
             <a:endParaRPr lang="en-US"/>
           </a:p>
@@ -3434,7 +3435,7 @@
           <a:p>
             <a:fld id="{4879A2FE-3A6A-4805-8D33-C34102DAAEDC}" type="datetimeFigureOut">
               <a:rPr lang="en-US" smtClean="0"/>
-              <a:t>9/13/2024</a:t>
+              <a:t>9/14/2024</a:t>
             </a:fld>
             <a:endParaRPr lang="en-US"/>
           </a:p>
@@ -8177,8 +8178,8 @@
           </a:p>
         </p:txBody>
       </p:sp>
-      <mc:AlternateContent xmlns:mc="http://schemas.openxmlformats.org/markup-compatibility/2006">
-        <mc:Choice xmlns:a14="http://schemas.microsoft.com/office/drawing/2010/main" Requires="a14">
+      <mc:AlternateContent xmlns:mc="http://schemas.openxmlformats.org/markup-compatibility/2006" xmlns:a14="http://schemas.microsoft.com/office/drawing/2010/main">
+        <mc:Choice Requires="a14">
           <p:sp>
             <p:nvSpPr>
               <p:cNvPr id="27" name="TextBox 26">
@@ -8282,7 +8283,7 @@
             </p:txBody>
           </p:sp>
         </mc:Choice>
-        <mc:Fallback>
+        <mc:Fallback xmlns="">
           <p:sp>
             <p:nvSpPr>
               <p:cNvPr id="27" name="TextBox 26">
@@ -8696,8 +8697,8 @@
           </p:sp>
         </mc:Fallback>
       </mc:AlternateContent>
-      <mc:AlternateContent xmlns:mc="http://schemas.openxmlformats.org/markup-compatibility/2006">
-        <mc:Choice xmlns:a14="http://schemas.microsoft.com/office/drawing/2010/main" Requires="a14">
+      <mc:AlternateContent xmlns:mc="http://schemas.openxmlformats.org/markup-compatibility/2006" xmlns:a14="http://schemas.microsoft.com/office/drawing/2010/main">
+        <mc:Choice Requires="a14">
           <p:sp>
             <p:nvSpPr>
               <p:cNvPr id="31" name="TextBox 30">
@@ -8809,7 +8810,7 @@
             </p:txBody>
           </p:sp>
         </mc:Choice>
-        <mc:Fallback>
+        <mc:Fallback xmlns="">
           <p:sp>
             <p:nvSpPr>
               <p:cNvPr id="31" name="TextBox 30">
@@ -8854,8 +8855,8 @@
           </p:sp>
         </mc:Fallback>
       </mc:AlternateContent>
-      <mc:AlternateContent xmlns:mc="http://schemas.openxmlformats.org/markup-compatibility/2006">
-        <mc:Choice xmlns:a14="http://schemas.microsoft.com/office/drawing/2010/main" Requires="a14">
+      <mc:AlternateContent xmlns:mc="http://schemas.openxmlformats.org/markup-compatibility/2006" xmlns:a14="http://schemas.microsoft.com/office/drawing/2010/main">
+        <mc:Choice Requires="a14">
           <p:sp>
             <p:nvSpPr>
               <p:cNvPr id="32" name="TextBox 31">
@@ -8979,7 +8980,7 @@
             </p:txBody>
           </p:sp>
         </mc:Choice>
-        <mc:Fallback>
+        <mc:Fallback xmlns="">
           <p:sp>
             <p:nvSpPr>
               <p:cNvPr id="32" name="TextBox 31">
@@ -9147,8 +9148,8 @@
           </a:p>
         </p:txBody>
       </p:sp>
-      <mc:AlternateContent xmlns:mc="http://schemas.openxmlformats.org/markup-compatibility/2006">
-        <mc:Choice xmlns:a14="http://schemas.microsoft.com/office/drawing/2010/main" Requires="a14">
+      <mc:AlternateContent xmlns:mc="http://schemas.openxmlformats.org/markup-compatibility/2006" xmlns:a14="http://schemas.microsoft.com/office/drawing/2010/main">
+        <mc:Choice Requires="a14">
           <p:sp>
             <p:nvSpPr>
               <p:cNvPr id="36" name="TextBox 35">
@@ -9257,7 +9258,7 @@
             </p:txBody>
           </p:sp>
         </mc:Choice>
-        <mc:Fallback>
+        <mc:Fallback xmlns="">
           <p:sp>
             <p:nvSpPr>
               <p:cNvPr id="36" name="TextBox 35">
@@ -9302,8 +9303,8 @@
           </p:sp>
         </mc:Fallback>
       </mc:AlternateContent>
-      <mc:AlternateContent xmlns:mc="http://schemas.openxmlformats.org/markup-compatibility/2006">
-        <mc:Choice xmlns:a14="http://schemas.microsoft.com/office/drawing/2010/main" Requires="a14">
+      <mc:AlternateContent xmlns:mc="http://schemas.openxmlformats.org/markup-compatibility/2006" xmlns:a14="http://schemas.microsoft.com/office/drawing/2010/main">
+        <mc:Choice Requires="a14">
           <p:sp>
             <p:nvSpPr>
               <p:cNvPr id="37" name="TextBox 36">
@@ -9412,7 +9413,7 @@
             </p:txBody>
           </p:sp>
         </mc:Choice>
-        <mc:Fallback>
+        <mc:Fallback xmlns="">
           <p:sp>
             <p:nvSpPr>
               <p:cNvPr id="37" name="TextBox 36">
@@ -9498,8 +9499,8 @@
           </a:p>
         </p:txBody>
       </p:sp>
-      <mc:AlternateContent xmlns:mc="http://schemas.openxmlformats.org/markup-compatibility/2006">
-        <mc:Choice xmlns:a14="http://schemas.microsoft.com/office/drawing/2010/main" Requires="a14">
+      <mc:AlternateContent xmlns:mc="http://schemas.openxmlformats.org/markup-compatibility/2006" xmlns:a14="http://schemas.microsoft.com/office/drawing/2010/main">
+        <mc:Choice Requires="a14">
           <p:sp>
             <p:nvSpPr>
               <p:cNvPr id="39" name="TextBox 38">
@@ -9618,7 +9619,7 @@
             </p:txBody>
           </p:sp>
         </mc:Choice>
-        <mc:Fallback>
+        <mc:Fallback xmlns="">
           <p:sp>
             <p:nvSpPr>
               <p:cNvPr id="39" name="TextBox 38">
@@ -9663,8 +9664,8 @@
           </p:sp>
         </mc:Fallback>
       </mc:AlternateContent>
-      <mc:AlternateContent xmlns:mc="http://schemas.openxmlformats.org/markup-compatibility/2006">
-        <mc:Choice xmlns:a14="http://schemas.microsoft.com/office/drawing/2010/main" Requires="a14">
+      <mc:AlternateContent xmlns:mc="http://schemas.openxmlformats.org/markup-compatibility/2006" xmlns:a14="http://schemas.microsoft.com/office/drawing/2010/main">
+        <mc:Choice Requires="a14">
           <p:sp>
             <p:nvSpPr>
               <p:cNvPr id="40" name="TextBox 39">
@@ -9783,7 +9784,7 @@
             </p:txBody>
           </p:sp>
         </mc:Choice>
-        <mc:Fallback>
+        <mc:Fallback xmlns="">
           <p:sp>
             <p:nvSpPr>
               <p:cNvPr id="40" name="TextBox 39">
@@ -11814,6 +11815,211 @@
     <p:extLst>
       <p:ext uri="{BB962C8B-B14F-4D97-AF65-F5344CB8AC3E}">
         <p14:creationId xmlns:p14="http://schemas.microsoft.com/office/powerpoint/2010/main" val="1749829247"/>
+      </p:ext>
+    </p:extLst>
+  </p:cSld>
+  <p:clrMapOvr>
+    <a:masterClrMapping/>
+  </p:clrMapOvr>
+</p:sld>
+</file>
+
+<file path=ppt/slides/slide7.xml><?xml version="1.0" encoding="utf-8"?>
+<p:sld xmlns:a="http://schemas.openxmlformats.org/drawingml/2006/main" xmlns:r="http://schemas.openxmlformats.org/officeDocument/2006/relationships" xmlns:p="http://schemas.openxmlformats.org/presentationml/2006/main">
+  <p:cSld>
+    <p:spTree>
+      <p:nvGrpSpPr>
+        <p:cNvPr id="1" name=""/>
+        <p:cNvGrpSpPr/>
+        <p:nvPr/>
+      </p:nvGrpSpPr>
+      <p:grpSpPr>
+        <a:xfrm>
+          <a:off x="0" y="0"/>
+          <a:ext cx="0" cy="0"/>
+          <a:chOff x="0" y="0"/>
+          <a:chExt cx="0" cy="0"/>
+        </a:xfrm>
+      </p:grpSpPr>
+      <p:sp>
+        <p:nvSpPr>
+          <p:cNvPr id="4" name="TextBox 3">
+            <a:extLst>
+              <a:ext uri="{FF2B5EF4-FFF2-40B4-BE49-F238E27FC236}">
+                <a16:creationId xmlns:a16="http://schemas.microsoft.com/office/drawing/2014/main" id="{730AF59F-7457-2749-B3E3-EC42EACF862D}"/>
+              </a:ext>
+            </a:extLst>
+          </p:cNvPr>
+          <p:cNvSpPr txBox="1"/>
+          <p:nvPr/>
+        </p:nvSpPr>
+        <p:spPr>
+          <a:xfrm>
+            <a:off x="310783" y="185752"/>
+            <a:ext cx="5231877" cy="307777"/>
+          </a:xfrm>
+          <a:prstGeom prst="rect">
+            <a:avLst/>
+          </a:prstGeom>
+          <a:noFill/>
+          <a:ln>
+            <a:solidFill>
+              <a:schemeClr val="tx1"/>
+            </a:solidFill>
+          </a:ln>
+        </p:spPr>
+        <p:txBody>
+          <a:bodyPr wrap="square" rtlCol="0">
+            <a:spAutoFit/>
+          </a:bodyPr>
+          <a:lstStyle/>
+          <a:p>
+            <a:pPr algn="ctr"/>
+            <a:r>
+              <a:rPr lang="en-US" sz="1400" dirty="0"/>
+              <a:t>COMSOL Application </a:t>
+            </a:r>
+          </a:p>
+        </p:txBody>
+      </p:sp>
+      <p:pic>
+        <p:nvPicPr>
+          <p:cNvPr id="6" name="Picture 5">
+            <a:extLst>
+              <a:ext uri="{FF2B5EF4-FFF2-40B4-BE49-F238E27FC236}">
+                <a16:creationId xmlns:a16="http://schemas.microsoft.com/office/drawing/2014/main" id="{3E93706E-6A91-A09E-1518-07EDC5639087}"/>
+              </a:ext>
+            </a:extLst>
+          </p:cNvPr>
+          <p:cNvPicPr>
+            <a:picLocks noChangeAspect="1"/>
+          </p:cNvPicPr>
+          <p:nvPr/>
+        </p:nvPicPr>
+        <p:blipFill>
+          <a:blip r:embed="rId2"/>
+          <a:srcRect t="1708" r="2769"/>
+          <a:stretch/>
+        </p:blipFill>
+        <p:spPr>
+          <a:xfrm>
+            <a:off x="310784" y="603315"/>
+            <a:ext cx="5231877" cy="6068933"/>
+          </a:xfrm>
+          <a:prstGeom prst="rect">
+            <a:avLst/>
+          </a:prstGeom>
+        </p:spPr>
+      </p:pic>
+      <p:sp>
+        <p:nvSpPr>
+          <p:cNvPr id="7" name="TextBox 6">
+            <a:extLst>
+              <a:ext uri="{FF2B5EF4-FFF2-40B4-BE49-F238E27FC236}">
+                <a16:creationId xmlns:a16="http://schemas.microsoft.com/office/drawing/2014/main" id="{24BDB7D3-05C8-254B-C844-7A800E2D4BAC}"/>
+              </a:ext>
+            </a:extLst>
+          </p:cNvPr>
+          <p:cNvSpPr txBox="1"/>
+          <p:nvPr/>
+        </p:nvSpPr>
+        <p:spPr>
+          <a:xfrm>
+            <a:off x="5642241" y="603315"/>
+            <a:ext cx="6238975" cy="2031325"/>
+          </a:xfrm>
+          <a:prstGeom prst="rect">
+            <a:avLst/>
+          </a:prstGeom>
+          <a:noFill/>
+          <a:ln>
+            <a:noFill/>
+          </a:ln>
+        </p:spPr>
+        <p:txBody>
+          <a:bodyPr wrap="square" rtlCol="0">
+            <a:spAutoFit/>
+          </a:bodyPr>
+          <a:lstStyle/>
+          <a:p>
+            <a:r>
+              <a:rPr lang="en-US" sz="1400" dirty="0"/>
+              <a:t>The solutions to the UTAH TPC Electric Field have been set up in COMSOL. </a:t>
+            </a:r>
+            <a:br>
+              <a:rPr lang="en-US" sz="1400" dirty="0"/>
+            </a:br>
+            <a:br>
+              <a:rPr lang="en-US" sz="1400" dirty="0"/>
+            </a:br>
+            <a:r>
+              <a:rPr lang="en-US" sz="1400" dirty="0"/>
+              <a:t>High Voltage can be adjusted for desired input voltage, then it can be solved using the [COMPUTE] button</a:t>
+            </a:r>
+            <a:br>
+              <a:rPr lang="en-US" sz="1400" dirty="0"/>
+            </a:br>
+            <a:br>
+              <a:rPr lang="en-US" sz="1400" dirty="0"/>
+            </a:br>
+            <a:r>
+              <a:rPr lang="en-US" sz="1400" dirty="0"/>
+              <a:t>Field Values can be exported as a .txt document using the [EXPORT DATE] button </a:t>
+            </a:r>
+            <a:br>
+              <a:rPr lang="en-US" sz="1400" dirty="0"/>
+            </a:br>
+            <a:br>
+              <a:rPr lang="en-US" sz="1400" dirty="0"/>
+            </a:br>
+            <a:r>
+              <a:rPr lang="en-US" sz="1400" b="1" u="sng" dirty="0" err="1"/>
+              <a:t>ElectricField.UTAHTPC.mph</a:t>
+            </a:r>
+            <a:r>
+              <a:rPr lang="en-US" sz="1400" b="1" u="sng" dirty="0"/>
+              <a:t> </a:t>
+            </a:r>
+            <a:r>
+              <a:rPr lang="en-US" sz="1400" dirty="0"/>
+              <a:t>can be used for initial analysis for field values.</a:t>
+            </a:r>
+          </a:p>
+        </p:txBody>
+      </p:sp>
+      <p:pic>
+        <p:nvPicPr>
+          <p:cNvPr id="9" name="Picture 8">
+            <a:extLst>
+              <a:ext uri="{FF2B5EF4-FFF2-40B4-BE49-F238E27FC236}">
+                <a16:creationId xmlns:a16="http://schemas.microsoft.com/office/drawing/2014/main" id="{0410C4FD-0171-5817-DF17-104E9FAA68F7}"/>
+              </a:ext>
+            </a:extLst>
+          </p:cNvPr>
+          <p:cNvPicPr>
+            <a:picLocks noChangeAspect="1"/>
+          </p:cNvPicPr>
+          <p:nvPr/>
+        </p:nvPicPr>
+        <p:blipFill>
+          <a:blip r:embed="rId3"/>
+          <a:srcRect l="6100" t="7398" r="7782" b="8677"/>
+          <a:stretch/>
+        </p:blipFill>
+        <p:spPr>
+          <a:xfrm>
+            <a:off x="6473221" y="2948695"/>
+            <a:ext cx="4814104" cy="3790790"/>
+          </a:xfrm>
+          <a:prstGeom prst="rect">
+            <a:avLst/>
+          </a:prstGeom>
+        </p:spPr>
+      </p:pic>
+    </p:spTree>
+    <p:extLst>
+      <p:ext uri="{BB962C8B-B14F-4D97-AF65-F5344CB8AC3E}">
+        <p14:creationId xmlns:p14="http://schemas.microsoft.com/office/powerpoint/2010/main" val="2686850733"/>
       </p:ext>
     </p:extLst>
   </p:cSld>
